--- a/Plan/日本ゲーム大賞22_企画書シート0202.pptx
+++ b/Plan/日本ゲーム大賞22_企画書シート0202.pptx
@@ -334,7 +334,7 @@
           <a:p>
             <a:fld id="{ED0C4FE0-9757-9145-8774-CC4A946525F0}" type="datetimeFigureOut">
               <a:rPr kumimoji="1" lang="ja-JP" altLang="en-US" smtClean="0"/>
-              <a:t>2022/2/3</a:t>
+              <a:t>2022/2/4</a:t>
             </a:fld>
             <a:endParaRPr kumimoji="1" lang="ja-JP" altLang="en-US"/>
           </a:p>
@@ -533,7 +533,7 @@
               <a:pPr>
                 <a:defRPr/>
               </a:pPr>
-              <a:t>2022/2/3</a:t>
+              <a:t>2022/2/4</a:t>
             </a:fld>
             <a:endParaRPr lang="en-US" altLang="ja-JP"/>
           </a:p>
@@ -4706,7 +4706,6 @@
           </a:bodyPr>
           <a:lstStyle/>
           <a:p>
-            <a:pPr algn="l"/>
             <a:r>
               <a:rPr lang="ja-JP" altLang="en-US" sz="8000" dirty="0">
                 <a:effectLst>
@@ -4720,6 +4719,20 @@
                 <a:ea typeface="ＭＳ Ｐゴシック" panose="020B0600070205080204" pitchFamily="50" charset="-128"/>
               </a:rPr>
               <a:t>タイトル：</a:t>
+            </a:r>
+            <a:r>
+              <a:rPr lang="en-US" altLang="ja-JP" sz="8000" dirty="0" err="1">
+                <a:effectLst>
+                  <a:outerShdw blurRad="38100" dist="38100" dir="2700000" algn="tl">
+                    <a:srgbClr val="000000">
+                      <a:alpha val="43137"/>
+                    </a:srgbClr>
+                  </a:outerShdw>
+                </a:effectLst>
+                <a:latin typeface="ＭＳ Ｐゴシック" panose="020B0600070205080204" pitchFamily="50" charset="-128"/>
+                <a:ea typeface="ＭＳ Ｐゴシック" panose="020B0600070205080204" pitchFamily="50" charset="-128"/>
+              </a:rPr>
+              <a:t>GrAbility</a:t>
             </a:r>
             <a:endParaRPr lang="en-US" altLang="ja-JP" sz="8000" dirty="0">
               <a:latin typeface="ＭＳ Ｐゴシック" panose="020B0600070205080204" pitchFamily="50" charset="-128"/>
@@ -4925,6 +4938,55 @@
           </a:p>
         </p:txBody>
       </p:sp>
+      <p:sp>
+        <p:nvSpPr>
+          <p:cNvPr id="2" name="テキスト ボックス 1">
+            <a:extLst>
+              <a:ext uri="{FF2B5EF4-FFF2-40B4-BE49-F238E27FC236}">
+                <a16:creationId xmlns:a16="http://schemas.microsoft.com/office/drawing/2014/main" id="{CC65F8AF-CC6D-4260-97AE-7D951788D083}"/>
+              </a:ext>
+            </a:extLst>
+          </p:cNvPr>
+          <p:cNvSpPr txBox="1"/>
+          <p:nvPr/>
+        </p:nvSpPr>
+        <p:spPr>
+          <a:xfrm flipH="1">
+            <a:off x="7654528" y="2932584"/>
+            <a:ext cx="4346769" cy="2246769"/>
+          </a:xfrm>
+          <a:prstGeom prst="rect">
+            <a:avLst/>
+          </a:prstGeom>
+          <a:noFill/>
+        </p:spPr>
+        <p:txBody>
+          <a:bodyPr wrap="square" rtlCol="0">
+            <a:spAutoFit/>
+          </a:bodyPr>
+          <a:lstStyle/>
+          <a:p>
+            <a:r>
+              <a:rPr kumimoji="1" lang="en-US" altLang="ja-JP" sz="2800" dirty="0"/>
+              <a:t>Gravity +</a:t>
+            </a:r>
+            <a:r>
+              <a:rPr kumimoji="1" lang="ja-JP" altLang="en-US" sz="2800" dirty="0"/>
+              <a:t> </a:t>
+            </a:r>
+            <a:r>
+              <a:rPr kumimoji="1" lang="en-US" altLang="ja-JP" sz="2800" dirty="0"/>
+              <a:t>Ability</a:t>
+            </a:r>
+          </a:p>
+          <a:p>
+            <a:r>
+              <a:rPr kumimoji="1" lang="ja-JP" altLang="en-US" sz="2800" dirty="0"/>
+              <a:t>意味が伝わりづらいと思うのでタイトルロゴにアニメーションを付けて工夫する</a:t>
+            </a:r>
+          </a:p>
+        </p:txBody>
+      </p:sp>
     </p:spTree>
     <p:extLst>
       <p:ext uri="{BB962C8B-B14F-4D97-AF65-F5344CB8AC3E}">
@@ -5215,10 +5277,10 @@
       </p:sp>
       <p:pic>
         <p:nvPicPr>
-          <p:cNvPr id="4" name="図 3" descr="ダイアグラム&#10;&#10;中程度の精度で自動的に生成された説明">
+          <p:cNvPr id="5" name="図 4" descr="ダイアグラム&#10;&#10;自動的に生成された説明">
             <a:extLst>
               <a:ext uri="{FF2B5EF4-FFF2-40B4-BE49-F238E27FC236}">
-                <a16:creationId xmlns:a16="http://schemas.microsoft.com/office/drawing/2014/main" id="{C8339FCE-6086-4B2A-A33C-6D4EC5495827}"/>
+                <a16:creationId xmlns:a16="http://schemas.microsoft.com/office/drawing/2014/main" id="{FCAB8D0B-B01E-4F32-9ACF-C7FB817DE60F}"/>
               </a:ext>
             </a:extLst>
           </p:cNvPr>
@@ -5241,8 +5303,8 @@
         </p:blipFill>
         <p:spPr>
           <a:xfrm>
-            <a:off x="5125641" y="4756055"/>
-            <a:ext cx="7654528" cy="4305672"/>
+            <a:off x="6822547" y="5380856"/>
+            <a:ext cx="5638304" cy="3171546"/>
           </a:xfrm>
           <a:prstGeom prst="rect">
             <a:avLst/>
@@ -5483,10 +5545,10 @@
       </p:sp>
       <p:pic>
         <p:nvPicPr>
-          <p:cNvPr id="4" name="図 3" descr="黒い背景に白い文字がある&#10;&#10;低い精度で自動的に生成された説明">
+          <p:cNvPr id="8" name="図 7" descr="座る, カラフル, コンピュータ, テーブル が含まれている画像&#10;&#10;自動的に生成された説明">
             <a:extLst>
               <a:ext uri="{FF2B5EF4-FFF2-40B4-BE49-F238E27FC236}">
-                <a16:creationId xmlns:a16="http://schemas.microsoft.com/office/drawing/2014/main" id="{06FE5D2F-3114-4341-87E6-9609A973FAA7}"/>
+                <a16:creationId xmlns:a16="http://schemas.microsoft.com/office/drawing/2014/main" id="{88E29E1D-9518-4B2F-8DD8-EB1563BD3F47}"/>
               </a:ext>
             </a:extLst>
           </p:cNvPr>
@@ -5509,8 +5571,8 @@
         </p:blipFill>
         <p:spPr>
           <a:xfrm>
-            <a:off x="5367150" y="4876800"/>
-            <a:ext cx="7228075" cy="4065792"/>
+            <a:off x="6502400" y="5092824"/>
+            <a:ext cx="5767076" cy="3243980"/>
           </a:xfrm>
           <a:prstGeom prst="rect">
             <a:avLst/>

--- a/Plan/日本ゲーム大賞22_企画書シート0202.pptx
+++ b/Plan/日本ゲーム大賞22_企画書シート0202.pptx
@@ -334,7 +334,7 @@
           <a:p>
             <a:fld id="{ED0C4FE0-9757-9145-8774-CC4A946525F0}" type="datetimeFigureOut">
               <a:rPr kumimoji="1" lang="ja-JP" altLang="en-US" smtClean="0"/>
-              <a:t>2022/2/4</a:t>
+              <a:t>2022/2/5</a:t>
             </a:fld>
             <a:endParaRPr kumimoji="1" lang="ja-JP" altLang="en-US"/>
           </a:p>
@@ -533,7 +533,7 @@
               <a:pPr>
                 <a:defRPr/>
               </a:pPr>
-              <a:t>2022/2/4</a:t>
+              <a:t>2022/2/5</a:t>
             </a:fld>
             <a:endParaRPr lang="en-US" altLang="ja-JP"/>
           </a:p>
@@ -5416,7 +5416,7 @@
         <p:spPr>
           <a:xfrm>
             <a:off x="525736" y="1292402"/>
-            <a:ext cx="11953328" cy="1930719"/>
+            <a:ext cx="11953328" cy="3156311"/>
           </a:xfrm>
           <a:prstGeom prst="rect">
             <a:avLst/>
@@ -5470,7 +5470,35 @@
                 <a:latin typeface="HGS創英角ｺﾞｼｯｸUB" panose="020B0900000000000000" pitchFamily="50" charset="-128"/>
                 <a:ea typeface="HGS創英角ｺﾞｼｯｸUB" panose="020B0900000000000000" pitchFamily="50" charset="-128"/>
               </a:rPr>
-              <a:t>パワーを溜めて</a:t>
+              <a:t>マップに散らばったパワーアップアイテムを</a:t>
+            </a:r>
+            <a:endParaRPr lang="en-US" altLang="ja-JP" sz="3982" dirty="0">
+              <a:effectLst>
+                <a:outerShdw blurRad="38100" dist="38100" dir="2700000" algn="tl">
+                  <a:srgbClr val="000000">
+                    <a:alpha val="43137"/>
+                  </a:srgbClr>
+                </a:outerShdw>
+              </a:effectLst>
+              <a:latin typeface="HGS創英角ｺﾞｼｯｸUB" panose="020B0900000000000000" pitchFamily="50" charset="-128"/>
+              <a:ea typeface="HGS創英角ｺﾞｼｯｸUB" panose="020B0900000000000000" pitchFamily="50" charset="-128"/>
+            </a:endParaRPr>
+          </a:p>
+          <a:p>
+            <a:pPr algn="l"/>
+            <a:r>
+              <a:rPr lang="ja-JP" altLang="en-US" sz="3982" dirty="0">
+                <a:effectLst>
+                  <a:outerShdw blurRad="38100" dist="38100" dir="2700000" algn="tl">
+                    <a:srgbClr val="000000">
+                      <a:alpha val="43137"/>
+                    </a:srgbClr>
+                  </a:outerShdw>
+                </a:effectLst>
+                <a:latin typeface="HGS創英角ｺﾞｼｯｸUB" panose="020B0900000000000000" pitchFamily="50" charset="-128"/>
+                <a:ea typeface="HGS創英角ｺﾞｼｯｸUB" panose="020B0900000000000000" pitchFamily="50" charset="-128"/>
+              </a:rPr>
+              <a:t>集めて</a:t>
             </a:r>
             <a:endParaRPr lang="en-US" altLang="ja-JP" sz="3982" dirty="0">
               <a:effectLst>
@@ -5500,6 +5528,20 @@
               </a:rPr>
               <a:t>渾身の一撃でボスを撃破するシーン</a:t>
             </a:r>
+            <a:endParaRPr lang="en-US" altLang="ja-JP" sz="3982">
+              <a:effectLst>
+                <a:outerShdw blurRad="38100" dist="38100" dir="2700000" algn="tl">
+                  <a:srgbClr val="000000">
+                    <a:alpha val="43137"/>
+                  </a:srgbClr>
+                </a:outerShdw>
+              </a:effectLst>
+              <a:latin typeface="HGS創英角ｺﾞｼｯｸUB" panose="020B0900000000000000" pitchFamily="50" charset="-128"/>
+              <a:ea typeface="HGS創英角ｺﾞｼｯｸUB" panose="020B0900000000000000" pitchFamily="50" charset="-128"/>
+            </a:endParaRPr>
+          </a:p>
+          <a:p>
+            <a:pPr algn="l"/>
             <a:endParaRPr lang="en-US" altLang="ja-JP" sz="3982" dirty="0">
               <a:effectLst>
                 <a:outerShdw blurRad="38100" dist="38100" dir="2700000" algn="tl">

--- a/Plan/日本ゲーム大賞22_企画書シート0202.pptx
+++ b/Plan/日本ゲーム大賞22_企画書シート0202.pptx
@@ -5,17 +5,24 @@
     <p:sldMasterId id="2147483648" r:id="rId1"/>
   </p:sldMasterIdLst>
   <p:notesMasterIdLst>
-    <p:notesMasterId r:id="rId7"/>
+    <p:notesMasterId r:id="rId14"/>
   </p:notesMasterIdLst>
   <p:handoutMasterIdLst>
-    <p:handoutMasterId r:id="rId8"/>
+    <p:handoutMasterId r:id="rId15"/>
   </p:handoutMasterIdLst>
   <p:sldIdLst>
     <p:sldId id="262" r:id="rId2"/>
     <p:sldId id="263" r:id="rId3"/>
-    <p:sldId id="821" r:id="rId4"/>
-    <p:sldId id="264" r:id="rId5"/>
-    <p:sldId id="265" r:id="rId6"/>
+    <p:sldId id="825" r:id="rId4"/>
+    <p:sldId id="832" r:id="rId5"/>
+    <p:sldId id="833" r:id="rId6"/>
+    <p:sldId id="826" r:id="rId7"/>
+    <p:sldId id="829" r:id="rId8"/>
+    <p:sldId id="830" r:id="rId9"/>
+    <p:sldId id="821" r:id="rId10"/>
+    <p:sldId id="264" r:id="rId11"/>
+    <p:sldId id="827" r:id="rId12"/>
+    <p:sldId id="828" r:id="rId13"/>
   </p:sldIdLst>
   <p:sldSz cx="13004800" cy="9753600"/>
   <p:notesSz cx="6858000" cy="9144000"/>
@@ -163,9 +170,16 @@
           <p14:sldIdLst>
             <p14:sldId id="262"/>
             <p14:sldId id="263"/>
+            <p14:sldId id="825"/>
+            <p14:sldId id="832"/>
+            <p14:sldId id="833"/>
+            <p14:sldId id="826"/>
+            <p14:sldId id="829"/>
+            <p14:sldId id="830"/>
             <p14:sldId id="821"/>
             <p14:sldId id="264"/>
-            <p14:sldId id="265"/>
+            <p14:sldId id="827"/>
+            <p14:sldId id="828"/>
           </p14:sldIdLst>
         </p14:section>
       </p14:sectionLst>
@@ -334,7 +348,7 @@
           <a:p>
             <a:fld id="{ED0C4FE0-9757-9145-8774-CC4A946525F0}" type="datetimeFigureOut">
               <a:rPr kumimoji="1" lang="ja-JP" altLang="en-US" smtClean="0"/>
-              <a:t>2022/2/5</a:t>
+              <a:t>2022/2/23</a:t>
             </a:fld>
             <a:endParaRPr kumimoji="1" lang="ja-JP" altLang="en-US"/>
           </a:p>
@@ -533,7 +547,7 @@
               <a:pPr>
                 <a:defRPr/>
               </a:pPr>
-              <a:t>2022/2/5</a:t>
+              <a:t>2022/2/23</a:t>
             </a:fld>
             <a:endParaRPr lang="en-US" altLang="ja-JP"/>
           </a:p>
@@ -992,6 +1006,303 @@
 </p:notes>
 </file>
 
+<file path=ppt/notesSlides/notesSlide10.xml><?xml version="1.0" encoding="utf-8"?>
+<p:notes xmlns:a="http://schemas.openxmlformats.org/drawingml/2006/main" xmlns:r="http://schemas.openxmlformats.org/officeDocument/2006/relationships" xmlns:p="http://schemas.openxmlformats.org/presentationml/2006/main">
+  <p:cSld>
+    <p:spTree>
+      <p:nvGrpSpPr>
+        <p:cNvPr id="1" name=""/>
+        <p:cNvGrpSpPr/>
+        <p:nvPr/>
+      </p:nvGrpSpPr>
+      <p:grpSpPr>
+        <a:xfrm>
+          <a:off x="0" y="0"/>
+          <a:ext cx="0" cy="0"/>
+          <a:chOff x="0" y="0"/>
+          <a:chExt cx="0" cy="0"/>
+        </a:xfrm>
+      </p:grpSpPr>
+      <p:sp>
+        <p:nvSpPr>
+          <p:cNvPr id="2" name="スライド イメージ プレースホルダ 1"/>
+          <p:cNvSpPr>
+            <a:spLocks noGrp="1" noRot="1" noChangeAspect="1"/>
+          </p:cNvSpPr>
+          <p:nvPr>
+            <p:ph type="sldImg"/>
+          </p:nvPr>
+        </p:nvSpPr>
+        <p:spPr/>
+      </p:sp>
+      <p:sp>
+        <p:nvSpPr>
+          <p:cNvPr id="3" name="ノート プレースホルダ 2"/>
+          <p:cNvSpPr>
+            <a:spLocks noGrp="1"/>
+          </p:cNvSpPr>
+          <p:nvPr>
+            <p:ph type="body" idx="1"/>
+          </p:nvPr>
+        </p:nvSpPr>
+        <p:spPr/>
+        <p:txBody>
+          <a:bodyPr>
+            <a:normAutofit/>
+          </a:bodyPr>
+          <a:lstStyle/>
+          <a:p>
+            <a:endParaRPr kumimoji="1" lang="en-US" altLang="ja-JP" sz="1200" kern="0" baseline="0" dirty="0">
+              <a:solidFill>
+                <a:schemeClr val="tx1"/>
+              </a:solidFill>
+              <a:latin typeface="+mn-ea"/>
+              <a:ea typeface="ＭＳ Ｐゴシック" pitchFamily="-84" charset="-128"/>
+              <a:cs typeface="ＭＳ Ｐゴシック" pitchFamily="-84" charset="-128"/>
+            </a:endParaRPr>
+          </a:p>
+        </p:txBody>
+      </p:sp>
+      <p:sp>
+        <p:nvSpPr>
+          <p:cNvPr id="4" name="スライド番号プレースホルダ 3"/>
+          <p:cNvSpPr>
+            <a:spLocks noGrp="1"/>
+          </p:cNvSpPr>
+          <p:nvPr>
+            <p:ph type="sldNum" sz="quarter" idx="10"/>
+          </p:nvPr>
+        </p:nvSpPr>
+        <p:spPr/>
+        <p:txBody>
+          <a:bodyPr/>
+          <a:lstStyle/>
+          <a:p>
+            <a:pPr>
+              <a:defRPr/>
+            </a:pPr>
+            <a:fld id="{500FE843-D084-3446-957B-6CA67CB968F9}" type="slidenum">
+              <a:rPr lang="ja-JP" altLang="en-US" smtClean="0"/>
+              <a:pPr>
+                <a:defRPr/>
+              </a:pPr>
+              <a:t>10</a:t>
+            </a:fld>
+            <a:endParaRPr lang="en-US" altLang="ja-JP"/>
+          </a:p>
+        </p:txBody>
+      </p:sp>
+    </p:spTree>
+    <p:extLst>
+      <p:ext uri="{BB962C8B-B14F-4D97-AF65-F5344CB8AC3E}">
+        <p14:creationId xmlns:p14="http://schemas.microsoft.com/office/powerpoint/2010/main" val="1353178791"/>
+      </p:ext>
+    </p:extLst>
+  </p:cSld>
+  <p:clrMapOvr>
+    <a:masterClrMapping/>
+  </p:clrMapOvr>
+</p:notes>
+</file>
+
+<file path=ppt/notesSlides/notesSlide11.xml><?xml version="1.0" encoding="utf-8"?>
+<p:notes xmlns:a="http://schemas.openxmlformats.org/drawingml/2006/main" xmlns:r="http://schemas.openxmlformats.org/officeDocument/2006/relationships" xmlns:p="http://schemas.openxmlformats.org/presentationml/2006/main">
+  <p:cSld>
+    <p:spTree>
+      <p:nvGrpSpPr>
+        <p:cNvPr id="1" name=""/>
+        <p:cNvGrpSpPr/>
+        <p:nvPr/>
+      </p:nvGrpSpPr>
+      <p:grpSpPr>
+        <a:xfrm>
+          <a:off x="0" y="0"/>
+          <a:ext cx="0" cy="0"/>
+          <a:chOff x="0" y="0"/>
+          <a:chExt cx="0" cy="0"/>
+        </a:xfrm>
+      </p:grpSpPr>
+      <p:sp>
+        <p:nvSpPr>
+          <p:cNvPr id="2" name="スライド イメージ プレースホルダ 1"/>
+          <p:cNvSpPr>
+            <a:spLocks noGrp="1" noRot="1" noChangeAspect="1"/>
+          </p:cNvSpPr>
+          <p:nvPr>
+            <p:ph type="sldImg"/>
+          </p:nvPr>
+        </p:nvSpPr>
+        <p:spPr/>
+      </p:sp>
+      <p:sp>
+        <p:nvSpPr>
+          <p:cNvPr id="3" name="ノート プレースホルダ 2"/>
+          <p:cNvSpPr>
+            <a:spLocks noGrp="1"/>
+          </p:cNvSpPr>
+          <p:nvPr>
+            <p:ph type="body" idx="1"/>
+          </p:nvPr>
+        </p:nvSpPr>
+        <p:spPr/>
+        <p:txBody>
+          <a:bodyPr>
+            <a:normAutofit/>
+          </a:bodyPr>
+          <a:lstStyle/>
+          <a:p>
+            <a:endParaRPr kumimoji="1" lang="en-US" altLang="ja-JP" sz="1200" kern="0" baseline="0" dirty="0">
+              <a:solidFill>
+                <a:schemeClr val="tx1"/>
+              </a:solidFill>
+              <a:latin typeface="+mn-ea"/>
+              <a:ea typeface="ＭＳ Ｐゴシック" pitchFamily="-84" charset="-128"/>
+              <a:cs typeface="ＭＳ Ｐゴシック" pitchFamily="-84" charset="-128"/>
+            </a:endParaRPr>
+          </a:p>
+        </p:txBody>
+      </p:sp>
+      <p:sp>
+        <p:nvSpPr>
+          <p:cNvPr id="4" name="スライド番号プレースホルダ 3"/>
+          <p:cNvSpPr>
+            <a:spLocks noGrp="1"/>
+          </p:cNvSpPr>
+          <p:nvPr>
+            <p:ph type="sldNum" sz="quarter" idx="10"/>
+          </p:nvPr>
+        </p:nvSpPr>
+        <p:spPr/>
+        <p:txBody>
+          <a:bodyPr/>
+          <a:lstStyle/>
+          <a:p>
+            <a:pPr>
+              <a:defRPr/>
+            </a:pPr>
+            <a:fld id="{500FE843-D084-3446-957B-6CA67CB968F9}" type="slidenum">
+              <a:rPr lang="ja-JP" altLang="en-US" smtClean="0"/>
+              <a:pPr>
+                <a:defRPr/>
+              </a:pPr>
+              <a:t>11</a:t>
+            </a:fld>
+            <a:endParaRPr lang="en-US" altLang="ja-JP"/>
+          </a:p>
+        </p:txBody>
+      </p:sp>
+    </p:spTree>
+    <p:extLst>
+      <p:ext uri="{BB962C8B-B14F-4D97-AF65-F5344CB8AC3E}">
+        <p14:creationId xmlns:p14="http://schemas.microsoft.com/office/powerpoint/2010/main" val="4110262848"/>
+      </p:ext>
+    </p:extLst>
+  </p:cSld>
+  <p:clrMapOvr>
+    <a:masterClrMapping/>
+  </p:clrMapOvr>
+</p:notes>
+</file>
+
+<file path=ppt/notesSlides/notesSlide12.xml><?xml version="1.0" encoding="utf-8"?>
+<p:notes xmlns:a="http://schemas.openxmlformats.org/drawingml/2006/main" xmlns:r="http://schemas.openxmlformats.org/officeDocument/2006/relationships" xmlns:p="http://schemas.openxmlformats.org/presentationml/2006/main">
+  <p:cSld>
+    <p:spTree>
+      <p:nvGrpSpPr>
+        <p:cNvPr id="1" name=""/>
+        <p:cNvGrpSpPr/>
+        <p:nvPr/>
+      </p:nvGrpSpPr>
+      <p:grpSpPr>
+        <a:xfrm>
+          <a:off x="0" y="0"/>
+          <a:ext cx="0" cy="0"/>
+          <a:chOff x="0" y="0"/>
+          <a:chExt cx="0" cy="0"/>
+        </a:xfrm>
+      </p:grpSpPr>
+      <p:sp>
+        <p:nvSpPr>
+          <p:cNvPr id="2" name="スライド イメージ プレースホルダ 1"/>
+          <p:cNvSpPr>
+            <a:spLocks noGrp="1" noRot="1" noChangeAspect="1"/>
+          </p:cNvSpPr>
+          <p:nvPr>
+            <p:ph type="sldImg"/>
+          </p:nvPr>
+        </p:nvSpPr>
+        <p:spPr/>
+      </p:sp>
+      <p:sp>
+        <p:nvSpPr>
+          <p:cNvPr id="3" name="ノート プレースホルダ 2"/>
+          <p:cNvSpPr>
+            <a:spLocks noGrp="1"/>
+          </p:cNvSpPr>
+          <p:nvPr>
+            <p:ph type="body" idx="1"/>
+          </p:nvPr>
+        </p:nvSpPr>
+        <p:spPr/>
+        <p:txBody>
+          <a:bodyPr>
+            <a:normAutofit/>
+          </a:bodyPr>
+          <a:lstStyle/>
+          <a:p>
+            <a:endParaRPr kumimoji="1" lang="en-US" altLang="ja-JP" sz="1200" kern="0" baseline="0" dirty="0">
+              <a:solidFill>
+                <a:schemeClr val="tx1"/>
+              </a:solidFill>
+              <a:latin typeface="+mn-ea"/>
+              <a:ea typeface="ＭＳ Ｐゴシック" pitchFamily="-84" charset="-128"/>
+              <a:cs typeface="ＭＳ Ｐゴシック" pitchFamily="-84" charset="-128"/>
+            </a:endParaRPr>
+          </a:p>
+        </p:txBody>
+      </p:sp>
+      <p:sp>
+        <p:nvSpPr>
+          <p:cNvPr id="4" name="スライド番号プレースホルダ 3"/>
+          <p:cNvSpPr>
+            <a:spLocks noGrp="1"/>
+          </p:cNvSpPr>
+          <p:nvPr>
+            <p:ph type="sldNum" sz="quarter" idx="10"/>
+          </p:nvPr>
+        </p:nvSpPr>
+        <p:spPr/>
+        <p:txBody>
+          <a:bodyPr/>
+          <a:lstStyle/>
+          <a:p>
+            <a:pPr>
+              <a:defRPr/>
+            </a:pPr>
+            <a:fld id="{500FE843-D084-3446-957B-6CA67CB968F9}" type="slidenum">
+              <a:rPr lang="ja-JP" altLang="en-US" smtClean="0"/>
+              <a:pPr>
+                <a:defRPr/>
+              </a:pPr>
+              <a:t>12</a:t>
+            </a:fld>
+            <a:endParaRPr lang="en-US" altLang="ja-JP"/>
+          </a:p>
+        </p:txBody>
+      </p:sp>
+    </p:spTree>
+    <p:extLst>
+      <p:ext uri="{BB962C8B-B14F-4D97-AF65-F5344CB8AC3E}">
+        <p14:creationId xmlns:p14="http://schemas.microsoft.com/office/powerpoint/2010/main" val="2833787761"/>
+      </p:ext>
+    </p:extLst>
+  </p:cSld>
+  <p:clrMapOvr>
+    <a:masterClrMapping/>
+  </p:clrMapOvr>
+</p:notes>
+</file>
+
 <file path=ppt/notesSlides/notesSlide2.xml><?xml version="1.0" encoding="utf-8"?>
 <p:notes xmlns:a="http://schemas.openxmlformats.org/drawingml/2006/main" xmlns:r="http://schemas.openxmlformats.org/officeDocument/2006/relationships" xmlns:p="http://schemas.openxmlformats.org/presentationml/2006/main">
   <p:cSld>
@@ -1180,7 +1491,7 @@
     </p:spTree>
     <p:extLst>
       <p:ext uri="{BB962C8B-B14F-4D97-AF65-F5344CB8AC3E}">
-        <p14:creationId xmlns:p14="http://schemas.microsoft.com/office/powerpoint/2010/main" val="3810370142"/>
+        <p14:creationId xmlns:p14="http://schemas.microsoft.com/office/powerpoint/2010/main" val="3750466376"/>
       </p:ext>
     </p:extLst>
   </p:cSld>
@@ -1279,7 +1590,7 @@
     </p:spTree>
     <p:extLst>
       <p:ext uri="{BB962C8B-B14F-4D97-AF65-F5344CB8AC3E}">
-        <p14:creationId xmlns:p14="http://schemas.microsoft.com/office/powerpoint/2010/main" val="1353178791"/>
+        <p14:creationId xmlns:p14="http://schemas.microsoft.com/office/powerpoint/2010/main" val="671693693"/>
       </p:ext>
     </p:extLst>
   </p:cSld>
@@ -1378,7 +1689,403 @@
     </p:spTree>
     <p:extLst>
       <p:ext uri="{BB962C8B-B14F-4D97-AF65-F5344CB8AC3E}">
-        <p14:creationId xmlns:p14="http://schemas.microsoft.com/office/powerpoint/2010/main" val="3225243840"/>
+        <p14:creationId xmlns:p14="http://schemas.microsoft.com/office/powerpoint/2010/main" val="1676607719"/>
+      </p:ext>
+    </p:extLst>
+  </p:cSld>
+  <p:clrMapOvr>
+    <a:masterClrMapping/>
+  </p:clrMapOvr>
+</p:notes>
+</file>
+
+<file path=ppt/notesSlides/notesSlide6.xml><?xml version="1.0" encoding="utf-8"?>
+<p:notes xmlns:a="http://schemas.openxmlformats.org/drawingml/2006/main" xmlns:r="http://schemas.openxmlformats.org/officeDocument/2006/relationships" xmlns:p="http://schemas.openxmlformats.org/presentationml/2006/main">
+  <p:cSld>
+    <p:spTree>
+      <p:nvGrpSpPr>
+        <p:cNvPr id="1" name=""/>
+        <p:cNvGrpSpPr/>
+        <p:nvPr/>
+      </p:nvGrpSpPr>
+      <p:grpSpPr>
+        <a:xfrm>
+          <a:off x="0" y="0"/>
+          <a:ext cx="0" cy="0"/>
+          <a:chOff x="0" y="0"/>
+          <a:chExt cx="0" cy="0"/>
+        </a:xfrm>
+      </p:grpSpPr>
+      <p:sp>
+        <p:nvSpPr>
+          <p:cNvPr id="2" name="スライド イメージ プレースホルダ 1"/>
+          <p:cNvSpPr>
+            <a:spLocks noGrp="1" noRot="1" noChangeAspect="1"/>
+          </p:cNvSpPr>
+          <p:nvPr>
+            <p:ph type="sldImg"/>
+          </p:nvPr>
+        </p:nvSpPr>
+        <p:spPr/>
+      </p:sp>
+      <p:sp>
+        <p:nvSpPr>
+          <p:cNvPr id="3" name="ノート プレースホルダ 2"/>
+          <p:cNvSpPr>
+            <a:spLocks noGrp="1"/>
+          </p:cNvSpPr>
+          <p:nvPr>
+            <p:ph type="body" idx="1"/>
+          </p:nvPr>
+        </p:nvSpPr>
+        <p:spPr/>
+        <p:txBody>
+          <a:bodyPr>
+            <a:normAutofit/>
+          </a:bodyPr>
+          <a:lstStyle/>
+          <a:p>
+            <a:endParaRPr kumimoji="1" lang="en-US" altLang="ja-JP" sz="1200" kern="0" baseline="0" dirty="0">
+              <a:solidFill>
+                <a:schemeClr val="tx1"/>
+              </a:solidFill>
+              <a:latin typeface="+mn-ea"/>
+              <a:ea typeface="ＭＳ Ｐゴシック" pitchFamily="-84" charset="-128"/>
+              <a:cs typeface="ＭＳ Ｐゴシック" pitchFamily="-84" charset="-128"/>
+            </a:endParaRPr>
+          </a:p>
+        </p:txBody>
+      </p:sp>
+      <p:sp>
+        <p:nvSpPr>
+          <p:cNvPr id="4" name="スライド番号プレースホルダ 3"/>
+          <p:cNvSpPr>
+            <a:spLocks noGrp="1"/>
+          </p:cNvSpPr>
+          <p:nvPr>
+            <p:ph type="sldNum" sz="quarter" idx="10"/>
+          </p:nvPr>
+        </p:nvSpPr>
+        <p:spPr/>
+        <p:txBody>
+          <a:bodyPr/>
+          <a:lstStyle/>
+          <a:p>
+            <a:pPr>
+              <a:defRPr/>
+            </a:pPr>
+            <a:fld id="{500FE843-D084-3446-957B-6CA67CB968F9}" type="slidenum">
+              <a:rPr lang="ja-JP" altLang="en-US" smtClean="0"/>
+              <a:pPr>
+                <a:defRPr/>
+              </a:pPr>
+              <a:t>6</a:t>
+            </a:fld>
+            <a:endParaRPr lang="en-US" altLang="ja-JP"/>
+          </a:p>
+        </p:txBody>
+      </p:sp>
+    </p:spTree>
+    <p:extLst>
+      <p:ext uri="{BB962C8B-B14F-4D97-AF65-F5344CB8AC3E}">
+        <p14:creationId xmlns:p14="http://schemas.microsoft.com/office/powerpoint/2010/main" val="2743055223"/>
+      </p:ext>
+    </p:extLst>
+  </p:cSld>
+  <p:clrMapOvr>
+    <a:masterClrMapping/>
+  </p:clrMapOvr>
+</p:notes>
+</file>
+
+<file path=ppt/notesSlides/notesSlide7.xml><?xml version="1.0" encoding="utf-8"?>
+<p:notes xmlns:a="http://schemas.openxmlformats.org/drawingml/2006/main" xmlns:r="http://schemas.openxmlformats.org/officeDocument/2006/relationships" xmlns:p="http://schemas.openxmlformats.org/presentationml/2006/main">
+  <p:cSld>
+    <p:spTree>
+      <p:nvGrpSpPr>
+        <p:cNvPr id="1" name=""/>
+        <p:cNvGrpSpPr/>
+        <p:nvPr/>
+      </p:nvGrpSpPr>
+      <p:grpSpPr>
+        <a:xfrm>
+          <a:off x="0" y="0"/>
+          <a:ext cx="0" cy="0"/>
+          <a:chOff x="0" y="0"/>
+          <a:chExt cx="0" cy="0"/>
+        </a:xfrm>
+      </p:grpSpPr>
+      <p:sp>
+        <p:nvSpPr>
+          <p:cNvPr id="2" name="スライド イメージ プレースホルダ 1"/>
+          <p:cNvSpPr>
+            <a:spLocks noGrp="1" noRot="1" noChangeAspect="1"/>
+          </p:cNvSpPr>
+          <p:nvPr>
+            <p:ph type="sldImg"/>
+          </p:nvPr>
+        </p:nvSpPr>
+        <p:spPr/>
+      </p:sp>
+      <p:sp>
+        <p:nvSpPr>
+          <p:cNvPr id="3" name="ノート プレースホルダ 2"/>
+          <p:cNvSpPr>
+            <a:spLocks noGrp="1"/>
+          </p:cNvSpPr>
+          <p:nvPr>
+            <p:ph type="body" idx="1"/>
+          </p:nvPr>
+        </p:nvSpPr>
+        <p:spPr/>
+        <p:txBody>
+          <a:bodyPr>
+            <a:normAutofit/>
+          </a:bodyPr>
+          <a:lstStyle/>
+          <a:p>
+            <a:endParaRPr kumimoji="1" lang="en-US" altLang="ja-JP" sz="1200" kern="0" baseline="0" dirty="0">
+              <a:solidFill>
+                <a:schemeClr val="tx1"/>
+              </a:solidFill>
+              <a:latin typeface="+mn-ea"/>
+              <a:ea typeface="ＭＳ Ｐゴシック" pitchFamily="-84" charset="-128"/>
+              <a:cs typeface="ＭＳ Ｐゴシック" pitchFamily="-84" charset="-128"/>
+            </a:endParaRPr>
+          </a:p>
+        </p:txBody>
+      </p:sp>
+      <p:sp>
+        <p:nvSpPr>
+          <p:cNvPr id="4" name="スライド番号プレースホルダ 3"/>
+          <p:cNvSpPr>
+            <a:spLocks noGrp="1"/>
+          </p:cNvSpPr>
+          <p:nvPr>
+            <p:ph type="sldNum" sz="quarter" idx="10"/>
+          </p:nvPr>
+        </p:nvSpPr>
+        <p:spPr/>
+        <p:txBody>
+          <a:bodyPr/>
+          <a:lstStyle/>
+          <a:p>
+            <a:pPr>
+              <a:defRPr/>
+            </a:pPr>
+            <a:fld id="{500FE843-D084-3446-957B-6CA67CB968F9}" type="slidenum">
+              <a:rPr lang="ja-JP" altLang="en-US" smtClean="0"/>
+              <a:pPr>
+                <a:defRPr/>
+              </a:pPr>
+              <a:t>7</a:t>
+            </a:fld>
+            <a:endParaRPr lang="en-US" altLang="ja-JP"/>
+          </a:p>
+        </p:txBody>
+      </p:sp>
+    </p:spTree>
+    <p:extLst>
+      <p:ext uri="{BB962C8B-B14F-4D97-AF65-F5344CB8AC3E}">
+        <p14:creationId xmlns:p14="http://schemas.microsoft.com/office/powerpoint/2010/main" val="3528589285"/>
+      </p:ext>
+    </p:extLst>
+  </p:cSld>
+  <p:clrMapOvr>
+    <a:masterClrMapping/>
+  </p:clrMapOvr>
+</p:notes>
+</file>
+
+<file path=ppt/notesSlides/notesSlide8.xml><?xml version="1.0" encoding="utf-8"?>
+<p:notes xmlns:a="http://schemas.openxmlformats.org/drawingml/2006/main" xmlns:r="http://schemas.openxmlformats.org/officeDocument/2006/relationships" xmlns:p="http://schemas.openxmlformats.org/presentationml/2006/main">
+  <p:cSld>
+    <p:spTree>
+      <p:nvGrpSpPr>
+        <p:cNvPr id="1" name=""/>
+        <p:cNvGrpSpPr/>
+        <p:nvPr/>
+      </p:nvGrpSpPr>
+      <p:grpSpPr>
+        <a:xfrm>
+          <a:off x="0" y="0"/>
+          <a:ext cx="0" cy="0"/>
+          <a:chOff x="0" y="0"/>
+          <a:chExt cx="0" cy="0"/>
+        </a:xfrm>
+      </p:grpSpPr>
+      <p:sp>
+        <p:nvSpPr>
+          <p:cNvPr id="2" name="スライド イメージ プレースホルダ 1"/>
+          <p:cNvSpPr>
+            <a:spLocks noGrp="1" noRot="1" noChangeAspect="1"/>
+          </p:cNvSpPr>
+          <p:nvPr>
+            <p:ph type="sldImg"/>
+          </p:nvPr>
+        </p:nvSpPr>
+        <p:spPr/>
+      </p:sp>
+      <p:sp>
+        <p:nvSpPr>
+          <p:cNvPr id="3" name="ノート プレースホルダ 2"/>
+          <p:cNvSpPr>
+            <a:spLocks noGrp="1"/>
+          </p:cNvSpPr>
+          <p:nvPr>
+            <p:ph type="body" idx="1"/>
+          </p:nvPr>
+        </p:nvSpPr>
+        <p:spPr/>
+        <p:txBody>
+          <a:bodyPr>
+            <a:normAutofit/>
+          </a:bodyPr>
+          <a:lstStyle/>
+          <a:p>
+            <a:endParaRPr kumimoji="1" lang="en-US" altLang="ja-JP" sz="1200" kern="0" baseline="0" dirty="0">
+              <a:solidFill>
+                <a:schemeClr val="tx1"/>
+              </a:solidFill>
+              <a:latin typeface="+mn-ea"/>
+              <a:ea typeface="ＭＳ Ｐゴシック" pitchFamily="-84" charset="-128"/>
+              <a:cs typeface="ＭＳ Ｐゴシック" pitchFamily="-84" charset="-128"/>
+            </a:endParaRPr>
+          </a:p>
+        </p:txBody>
+      </p:sp>
+      <p:sp>
+        <p:nvSpPr>
+          <p:cNvPr id="4" name="スライド番号プレースホルダ 3"/>
+          <p:cNvSpPr>
+            <a:spLocks noGrp="1"/>
+          </p:cNvSpPr>
+          <p:nvPr>
+            <p:ph type="sldNum" sz="quarter" idx="10"/>
+          </p:nvPr>
+        </p:nvSpPr>
+        <p:spPr/>
+        <p:txBody>
+          <a:bodyPr/>
+          <a:lstStyle/>
+          <a:p>
+            <a:pPr>
+              <a:defRPr/>
+            </a:pPr>
+            <a:fld id="{500FE843-D084-3446-957B-6CA67CB968F9}" type="slidenum">
+              <a:rPr lang="ja-JP" altLang="en-US" smtClean="0"/>
+              <a:pPr>
+                <a:defRPr/>
+              </a:pPr>
+              <a:t>8</a:t>
+            </a:fld>
+            <a:endParaRPr lang="en-US" altLang="ja-JP"/>
+          </a:p>
+        </p:txBody>
+      </p:sp>
+    </p:spTree>
+    <p:extLst>
+      <p:ext uri="{BB962C8B-B14F-4D97-AF65-F5344CB8AC3E}">
+        <p14:creationId xmlns:p14="http://schemas.microsoft.com/office/powerpoint/2010/main" val="457647442"/>
+      </p:ext>
+    </p:extLst>
+  </p:cSld>
+  <p:clrMapOvr>
+    <a:masterClrMapping/>
+  </p:clrMapOvr>
+</p:notes>
+</file>
+
+<file path=ppt/notesSlides/notesSlide9.xml><?xml version="1.0" encoding="utf-8"?>
+<p:notes xmlns:a="http://schemas.openxmlformats.org/drawingml/2006/main" xmlns:r="http://schemas.openxmlformats.org/officeDocument/2006/relationships" xmlns:p="http://schemas.openxmlformats.org/presentationml/2006/main">
+  <p:cSld>
+    <p:spTree>
+      <p:nvGrpSpPr>
+        <p:cNvPr id="1" name=""/>
+        <p:cNvGrpSpPr/>
+        <p:nvPr/>
+      </p:nvGrpSpPr>
+      <p:grpSpPr>
+        <a:xfrm>
+          <a:off x="0" y="0"/>
+          <a:ext cx="0" cy="0"/>
+          <a:chOff x="0" y="0"/>
+          <a:chExt cx="0" cy="0"/>
+        </a:xfrm>
+      </p:grpSpPr>
+      <p:sp>
+        <p:nvSpPr>
+          <p:cNvPr id="2" name="スライド イメージ プレースホルダ 1"/>
+          <p:cNvSpPr>
+            <a:spLocks noGrp="1" noRot="1" noChangeAspect="1"/>
+          </p:cNvSpPr>
+          <p:nvPr>
+            <p:ph type="sldImg"/>
+          </p:nvPr>
+        </p:nvSpPr>
+        <p:spPr/>
+      </p:sp>
+      <p:sp>
+        <p:nvSpPr>
+          <p:cNvPr id="3" name="ノート プレースホルダ 2"/>
+          <p:cNvSpPr>
+            <a:spLocks noGrp="1"/>
+          </p:cNvSpPr>
+          <p:nvPr>
+            <p:ph type="body" idx="1"/>
+          </p:nvPr>
+        </p:nvSpPr>
+        <p:spPr/>
+        <p:txBody>
+          <a:bodyPr>
+            <a:normAutofit/>
+          </a:bodyPr>
+          <a:lstStyle/>
+          <a:p>
+            <a:endParaRPr kumimoji="1" lang="en-US" altLang="ja-JP" sz="1200" kern="0" baseline="0" dirty="0">
+              <a:solidFill>
+                <a:schemeClr val="tx1"/>
+              </a:solidFill>
+              <a:latin typeface="+mn-ea"/>
+              <a:ea typeface="ＭＳ Ｐゴシック" pitchFamily="-84" charset="-128"/>
+              <a:cs typeface="ＭＳ Ｐゴシック" pitchFamily="-84" charset="-128"/>
+            </a:endParaRPr>
+          </a:p>
+        </p:txBody>
+      </p:sp>
+      <p:sp>
+        <p:nvSpPr>
+          <p:cNvPr id="4" name="スライド番号プレースホルダ 3"/>
+          <p:cNvSpPr>
+            <a:spLocks noGrp="1"/>
+          </p:cNvSpPr>
+          <p:nvPr>
+            <p:ph type="sldNum" sz="quarter" idx="10"/>
+          </p:nvPr>
+        </p:nvSpPr>
+        <p:spPr/>
+        <p:txBody>
+          <a:bodyPr/>
+          <a:lstStyle/>
+          <a:p>
+            <a:pPr>
+              <a:defRPr/>
+            </a:pPr>
+            <a:fld id="{500FE843-D084-3446-957B-6CA67CB968F9}" type="slidenum">
+              <a:rPr lang="ja-JP" altLang="en-US" smtClean="0"/>
+              <a:pPr>
+                <a:defRPr/>
+              </a:pPr>
+              <a:t>9</a:t>
+            </a:fld>
+            <a:endParaRPr lang="en-US" altLang="ja-JP"/>
+          </a:p>
+        </p:txBody>
+      </p:sp>
+    </p:spTree>
+    <p:extLst>
+      <p:ext uri="{BB962C8B-B14F-4D97-AF65-F5344CB8AC3E}">
+        <p14:creationId xmlns:p14="http://schemas.microsoft.com/office/powerpoint/2010/main" val="3810370142"/>
       </p:ext>
     </p:extLst>
   </p:cSld>
@@ -4692,8 +5399,8 @@
         </p:nvSpPr>
         <p:spPr>
           <a:xfrm>
-            <a:off x="525736" y="1276400"/>
-            <a:ext cx="11953328" cy="1323437"/>
+            <a:off x="262868" y="1250177"/>
+            <a:ext cx="12479064" cy="1200327"/>
           </a:xfrm>
           <a:prstGeom prst="rect">
             <a:avLst/>
@@ -4707,7 +5414,7 @@
           <a:lstStyle/>
           <a:p>
             <a:r>
-              <a:rPr lang="ja-JP" altLang="en-US" sz="8000" dirty="0">
+              <a:rPr lang="ja-JP" altLang="en-US" sz="7200" dirty="0">
                 <a:effectLst>
                   <a:outerShdw blurRad="38100" dist="38100" dir="2700000" algn="tl">
                     <a:srgbClr val="000000">
@@ -4715,13 +5422,13 @@
                     </a:srgbClr>
                   </a:outerShdw>
                 </a:effectLst>
-                <a:latin typeface="ＭＳ Ｐゴシック" panose="020B0600070205080204" pitchFamily="50" charset="-128"/>
-                <a:ea typeface="ＭＳ Ｐゴシック" panose="020B0600070205080204" pitchFamily="50" charset="-128"/>
+                <a:latin typeface="HGS創英角ｺﾞｼｯｸUB" panose="020B0900000000000000" pitchFamily="50" charset="-128"/>
+                <a:ea typeface="HGS創英角ｺﾞｼｯｸUB" panose="020B0900000000000000" pitchFamily="50" charset="-128"/>
               </a:rPr>
               <a:t>タイトル：</a:t>
             </a:r>
             <a:r>
-              <a:rPr lang="en-US" altLang="ja-JP" sz="8000" dirty="0" err="1">
+              <a:rPr lang="en-US" altLang="ja-JP" sz="7200" dirty="0">
                 <a:effectLst>
                   <a:outerShdw blurRad="38100" dist="38100" dir="2700000" algn="tl">
                     <a:srgbClr val="000000">
@@ -4729,14 +5436,42 @@
                     </a:srgbClr>
                   </a:outerShdw>
                 </a:effectLst>
-                <a:latin typeface="ＭＳ Ｐゴシック" panose="020B0600070205080204" pitchFamily="50" charset="-128"/>
-                <a:ea typeface="ＭＳ Ｐゴシック" panose="020B0600070205080204" pitchFamily="50" charset="-128"/>
-              </a:rPr>
-              <a:t>GrAbility</a:t>
-            </a:r>
-            <a:endParaRPr lang="en-US" altLang="ja-JP" sz="8000" dirty="0">
-              <a:latin typeface="ＭＳ Ｐゴシック" panose="020B0600070205080204" pitchFamily="50" charset="-128"/>
-              <a:ea typeface="ＭＳ Ｐゴシック" panose="020B0600070205080204" pitchFamily="50" charset="-128"/>
+                <a:latin typeface="HGS創英角ｺﾞｼｯｸUB" panose="020B0900000000000000" pitchFamily="50" charset="-128"/>
+                <a:ea typeface="HGS創英角ｺﾞｼｯｸUB" panose="020B0900000000000000" pitchFamily="50" charset="-128"/>
+              </a:rPr>
+              <a:t>Feeling</a:t>
+            </a:r>
+            <a:r>
+              <a:rPr lang="ja-JP" altLang="en-US" sz="7200" dirty="0">
+                <a:effectLst>
+                  <a:outerShdw blurRad="38100" dist="38100" dir="2700000" algn="tl">
+                    <a:srgbClr val="000000">
+                      <a:alpha val="43137"/>
+                    </a:srgbClr>
+                  </a:outerShdw>
+                </a:effectLst>
+                <a:latin typeface="HGS創英角ｺﾞｼｯｸUB" panose="020B0900000000000000" pitchFamily="50" charset="-128"/>
+                <a:ea typeface="HGS創英角ｺﾞｼｯｸUB" panose="020B0900000000000000" pitchFamily="50" charset="-128"/>
+              </a:rPr>
+              <a:t> </a:t>
+            </a:r>
+            <a:r>
+              <a:rPr lang="en-US" altLang="ja-JP" sz="7200" dirty="0">
+                <a:effectLst>
+                  <a:outerShdw blurRad="38100" dist="38100" dir="2700000" algn="tl">
+                    <a:srgbClr val="000000">
+                      <a:alpha val="43137"/>
+                    </a:srgbClr>
+                  </a:outerShdw>
+                </a:effectLst>
+                <a:latin typeface="HGS創英角ｺﾞｼｯｸUB" panose="020B0900000000000000" pitchFamily="50" charset="-128"/>
+                <a:ea typeface="HGS創英角ｺﾞｼｯｸUB" panose="020B0900000000000000" pitchFamily="50" charset="-128"/>
+              </a:rPr>
+              <a:t>Bowling</a:t>
+            </a:r>
+            <a:endParaRPr lang="en-US" altLang="ja-JP" sz="7200" dirty="0">
+              <a:latin typeface="HGS創英角ｺﾞｼｯｸUB" panose="020B0900000000000000" pitchFamily="50" charset="-128"/>
+              <a:ea typeface="HGS創英角ｺﾞｼｯｸUB" panose="020B0900000000000000" pitchFamily="50" charset="-128"/>
             </a:endParaRPr>
           </a:p>
         </p:txBody>
@@ -4798,8 +5533,8 @@
         </p:blipFill>
         <p:spPr>
           <a:xfrm>
-            <a:off x="1389832" y="3364632"/>
-            <a:ext cx="3664034" cy="5514372"/>
+            <a:off x="751733" y="2888145"/>
+            <a:ext cx="1913834" cy="2880320"/>
           </a:xfrm>
           <a:prstGeom prst="rect">
             <a:avLst/>
@@ -4820,8 +5555,8 @@
         </p:nvSpPr>
         <p:spPr>
           <a:xfrm>
-            <a:off x="5673679" y="6316960"/>
-            <a:ext cx="3132978" cy="2062103"/>
+            <a:off x="6214368" y="6532984"/>
+            <a:ext cx="3132978" cy="1815882"/>
           </a:xfrm>
           <a:prstGeom prst="rect">
             <a:avLst/>
@@ -4836,31 +5571,73 @@
           <a:p>
             <a:pPr algn="l"/>
             <a:r>
-              <a:rPr kumimoji="1" lang="ja-JP" altLang="en-US" sz="3200" dirty="0"/>
+              <a:rPr kumimoji="1" lang="ja-JP" altLang="en-US" sz="2800" dirty="0">
+                <a:solidFill>
+                  <a:schemeClr val="tx1"/>
+                </a:solidFill>
+                <a:latin typeface="HGS創英角ｺﾞｼｯｸUB" panose="020B0900000000000000" pitchFamily="50" charset="-128"/>
+                <a:ea typeface="HGS創英角ｺﾞｼｯｸUB" panose="020B0900000000000000" pitchFamily="50" charset="-128"/>
+              </a:rPr>
               <a:t>ゲームジャンル</a:t>
             </a:r>
-            <a:endParaRPr kumimoji="1" lang="en-US" altLang="ja-JP" sz="3200" dirty="0"/>
+            <a:endParaRPr kumimoji="1" lang="en-US" altLang="ja-JP" sz="2800" dirty="0">
+              <a:solidFill>
+                <a:schemeClr val="tx1"/>
+              </a:solidFill>
+              <a:latin typeface="HGS創英角ｺﾞｼｯｸUB" panose="020B0900000000000000" pitchFamily="50" charset="-128"/>
+              <a:ea typeface="HGS創英角ｺﾞｼｯｸUB" panose="020B0900000000000000" pitchFamily="50" charset="-128"/>
+            </a:endParaRPr>
           </a:p>
           <a:p>
             <a:pPr algn="l"/>
             <a:r>
-              <a:rPr kumimoji="1" lang="ja-JP" altLang="en-US" sz="3200" dirty="0"/>
+              <a:rPr kumimoji="1" lang="ja-JP" altLang="en-US" sz="2800" dirty="0">
+                <a:solidFill>
+                  <a:schemeClr val="tx1"/>
+                </a:solidFill>
+                <a:latin typeface="HGS創英角ｺﾞｼｯｸUB" panose="020B0900000000000000" pitchFamily="50" charset="-128"/>
+                <a:ea typeface="HGS創英角ｺﾞｼｯｸUB" panose="020B0900000000000000" pitchFamily="50" charset="-128"/>
+              </a:rPr>
               <a:t>プレイ人数</a:t>
             </a:r>
-            <a:endParaRPr kumimoji="1" lang="en-US" altLang="ja-JP" sz="3200" dirty="0"/>
+            <a:endParaRPr kumimoji="1" lang="en-US" altLang="ja-JP" sz="2800" dirty="0">
+              <a:solidFill>
+                <a:schemeClr val="tx1"/>
+              </a:solidFill>
+              <a:latin typeface="HGS創英角ｺﾞｼｯｸUB" panose="020B0900000000000000" pitchFamily="50" charset="-128"/>
+              <a:ea typeface="HGS創英角ｺﾞｼｯｸUB" panose="020B0900000000000000" pitchFamily="50" charset="-128"/>
+            </a:endParaRPr>
           </a:p>
           <a:p>
             <a:pPr algn="l"/>
             <a:r>
-              <a:rPr kumimoji="1" lang="ja-JP" altLang="en-US" sz="3200" dirty="0"/>
+              <a:rPr kumimoji="1" lang="ja-JP" altLang="en-US" sz="2800" dirty="0">
+                <a:solidFill>
+                  <a:schemeClr val="tx1"/>
+                </a:solidFill>
+                <a:latin typeface="HGS創英角ｺﾞｼｯｸUB" panose="020B0900000000000000" pitchFamily="50" charset="-128"/>
+                <a:ea typeface="HGS創英角ｺﾞｼｯｸUB" panose="020B0900000000000000" pitchFamily="50" charset="-128"/>
+              </a:rPr>
               <a:t>ターゲット</a:t>
             </a:r>
-            <a:endParaRPr kumimoji="1" lang="en-US" altLang="ja-JP" sz="3200" dirty="0"/>
+            <a:endParaRPr kumimoji="1" lang="en-US" altLang="ja-JP" sz="2800" dirty="0">
+              <a:solidFill>
+                <a:schemeClr val="tx1"/>
+              </a:solidFill>
+              <a:latin typeface="HGS創英角ｺﾞｼｯｸUB" panose="020B0900000000000000" pitchFamily="50" charset="-128"/>
+              <a:ea typeface="HGS創英角ｺﾞｼｯｸUB" panose="020B0900000000000000" pitchFamily="50" charset="-128"/>
+            </a:endParaRPr>
           </a:p>
           <a:p>
             <a:pPr algn="l"/>
             <a:r>
-              <a:rPr kumimoji="1" lang="ja-JP" altLang="en-US" sz="3200" dirty="0"/>
+              <a:rPr kumimoji="1" lang="ja-JP" altLang="en-US" sz="2800" dirty="0">
+                <a:solidFill>
+                  <a:schemeClr val="tx1"/>
+                </a:solidFill>
+                <a:latin typeface="HGS創英角ｺﾞｼｯｸUB" panose="020B0900000000000000" pitchFamily="50" charset="-128"/>
+                <a:ea typeface="HGS創英角ｺﾞｼｯｸUB" panose="020B0900000000000000" pitchFamily="50" charset="-128"/>
+              </a:rPr>
               <a:t>開発環境</a:t>
             </a:r>
           </a:p>
@@ -4880,8 +5657,8 @@
         </p:nvSpPr>
         <p:spPr>
           <a:xfrm>
-            <a:off x="8662640" y="6316960"/>
-            <a:ext cx="5075128" cy="2554545"/>
+            <a:off x="8820373" y="6532984"/>
+            <a:ext cx="5075128" cy="1815882"/>
           </a:xfrm>
           <a:prstGeom prst="rect">
             <a:avLst/>
@@ -4896,54 +5673,70 @@
           <a:p>
             <a:pPr algn="l"/>
             <a:r>
-              <a:rPr kumimoji="1" lang="ja-JP" altLang="en-US" sz="3200" dirty="0"/>
+              <a:rPr kumimoji="1" lang="ja-JP" altLang="en-US" sz="2800" dirty="0">
+                <a:latin typeface="HGS創英角ｺﾞｼｯｸUB" panose="020B0900000000000000" pitchFamily="50" charset="-128"/>
+                <a:ea typeface="HGS創英角ｺﾞｼｯｸUB" panose="020B0900000000000000" pitchFamily="50" charset="-128"/>
+              </a:rPr>
               <a:t>：３Ｄアクション</a:t>
             </a:r>
-            <a:endParaRPr kumimoji="1" lang="en-US" altLang="ja-JP" sz="3200" dirty="0"/>
+            <a:endParaRPr kumimoji="1" lang="en-US" altLang="ja-JP" sz="2800" dirty="0">
+              <a:latin typeface="HGS創英角ｺﾞｼｯｸUB" panose="020B0900000000000000" pitchFamily="50" charset="-128"/>
+              <a:ea typeface="HGS創英角ｺﾞｼｯｸUB" panose="020B0900000000000000" pitchFamily="50" charset="-128"/>
+            </a:endParaRPr>
           </a:p>
           <a:p>
             <a:pPr algn="l"/>
             <a:r>
-              <a:rPr kumimoji="1" lang="ja-JP" altLang="en-US" sz="3200" dirty="0"/>
-              <a:t>：１～２ターゲット</a:t>
-            </a:r>
-            <a:endParaRPr kumimoji="1" lang="en-US" altLang="ja-JP" sz="3200" dirty="0"/>
+              <a:rPr kumimoji="1" lang="ja-JP" altLang="en-US" sz="2800" dirty="0">
+                <a:latin typeface="HGS創英角ｺﾞｼｯｸUB" panose="020B0900000000000000" pitchFamily="50" charset="-128"/>
+                <a:ea typeface="HGS創英角ｺﾞｼｯｸUB" panose="020B0900000000000000" pitchFamily="50" charset="-128"/>
+              </a:rPr>
+              <a:t>：１～２人</a:t>
+            </a:r>
+            <a:endParaRPr kumimoji="1" lang="en-US" altLang="ja-JP" sz="2800" dirty="0">
+              <a:latin typeface="HGS創英角ｺﾞｼｯｸUB" panose="020B0900000000000000" pitchFamily="50" charset="-128"/>
+              <a:ea typeface="HGS創英角ｺﾞｼｯｸUB" panose="020B0900000000000000" pitchFamily="50" charset="-128"/>
+            </a:endParaRPr>
           </a:p>
           <a:p>
             <a:pPr algn="l"/>
             <a:r>
-              <a:rPr kumimoji="1" lang="ja-JP" altLang="en-US" sz="3200" dirty="0"/>
-              <a:t>：カジュアル層</a:t>
-            </a:r>
-            <a:endParaRPr kumimoji="1" lang="en-US" altLang="ja-JP" sz="3200" dirty="0"/>
+              <a:rPr kumimoji="1" lang="ja-JP" altLang="en-US" sz="2800" dirty="0">
+                <a:latin typeface="HGS創英角ｺﾞｼｯｸUB" panose="020B0900000000000000" pitchFamily="50" charset="-128"/>
+                <a:ea typeface="HGS創英角ｺﾞｼｯｸUB" panose="020B0900000000000000" pitchFamily="50" charset="-128"/>
+              </a:rPr>
+              <a:t>：１０～２０代の男性</a:t>
+            </a:r>
+            <a:endParaRPr kumimoji="1" lang="en-US" altLang="ja-JP" sz="2800" dirty="0">
+              <a:latin typeface="HGS創英角ｺﾞｼｯｸUB" panose="020B0900000000000000" pitchFamily="50" charset="-128"/>
+              <a:ea typeface="HGS創英角ｺﾞｼｯｸUB" panose="020B0900000000000000" pitchFamily="50" charset="-128"/>
+            </a:endParaRPr>
           </a:p>
           <a:p>
             <a:pPr algn="l"/>
             <a:r>
-              <a:rPr lang="ja-JP" altLang="en-US" sz="3200" dirty="0"/>
-              <a:t>：個人開発エンジン</a:t>
-            </a:r>
-            <a:br>
-              <a:rPr lang="en-US" altLang="ja-JP" sz="3200" dirty="0"/>
-            </a:br>
-            <a:r>
-              <a:rPr lang="ja-JP" altLang="en-US" sz="3200" dirty="0"/>
-              <a:t>　　　</a:t>
-            </a:r>
-            <a:r>
-              <a:rPr lang="en-US" altLang="ja-JP" sz="3200" dirty="0"/>
-              <a:t>(DirectX12)</a:t>
-            </a:r>
-            <a:endParaRPr lang="ja-JP" altLang="en-US" sz="3200" dirty="0"/>
-          </a:p>
-        </p:txBody>
-      </p:sp>
-      <p:sp>
-        <p:nvSpPr>
-          <p:cNvPr id="2" name="テキスト ボックス 1">
+              <a:rPr lang="ja-JP" altLang="en-US" sz="2800" dirty="0">
+                <a:latin typeface="HGS創英角ｺﾞｼｯｸUB" panose="020B0900000000000000" pitchFamily="50" charset="-128"/>
+                <a:ea typeface="HGS創英角ｺﾞｼｯｸUB" panose="020B0900000000000000" pitchFamily="50" charset="-128"/>
+              </a:rPr>
+              <a:t>：</a:t>
+            </a:r>
+            <a:r>
+              <a:rPr lang="en-US" altLang="ja-JP" sz="2800" dirty="0">
+                <a:latin typeface="HGS創英角ｺﾞｼｯｸUB" panose="020B0900000000000000" pitchFamily="50" charset="-128"/>
+                <a:ea typeface="HGS創英角ｺﾞｼｯｸUB" panose="020B0900000000000000" pitchFamily="50" charset="-128"/>
+              </a:rPr>
+              <a:t>DirectX12 / C++</a:t>
+            </a:r>
+          </a:p>
+        </p:txBody>
+      </p:sp>
+      <p:sp>
+        <p:nvSpPr>
+          <p:cNvPr id="4" name="テキスト ボックス 3">
             <a:extLst>
               <a:ext uri="{FF2B5EF4-FFF2-40B4-BE49-F238E27FC236}">
-                <a16:creationId xmlns:a16="http://schemas.microsoft.com/office/drawing/2014/main" id="{CC65F8AF-CC6D-4260-97AE-7D951788D083}"/>
+                <a16:creationId xmlns:a16="http://schemas.microsoft.com/office/drawing/2014/main" id="{EDB6ED7B-D264-4A73-A507-E826BBD4B8C7}"/>
               </a:ext>
             </a:extLst>
           </p:cNvPr>
@@ -4951,9 +5744,9 @@
           <p:nvPr/>
         </p:nvSpPr>
         <p:spPr>
-          <a:xfrm flipH="1">
-            <a:off x="7654528" y="2932584"/>
-            <a:ext cx="4346769" cy="2246769"/>
+          <a:xfrm>
+            <a:off x="6501536" y="3220616"/>
+            <a:ext cx="5416868" cy="1200329"/>
           </a:xfrm>
           <a:prstGeom prst="rect">
             <a:avLst/>
@@ -4961,28 +5754,1829 @@
           <a:noFill/>
         </p:spPr>
         <p:txBody>
+          <a:bodyPr wrap="none" rtlCol="0">
+            <a:spAutoFit/>
+          </a:bodyPr>
+          <a:lstStyle/>
+          <a:p>
+            <a:r>
+              <a:rPr kumimoji="1" lang="ja-JP" altLang="en-US" sz="2400" dirty="0">
+                <a:latin typeface="HGS創英角ｺﾞｼｯｸUB" panose="020B0900000000000000" pitchFamily="50" charset="-128"/>
+                <a:ea typeface="HGS創英角ｺﾞｼｯｸUB" panose="020B0900000000000000" pitchFamily="50" charset="-128"/>
+              </a:rPr>
+              <a:t>三日三晩考えましたが、</a:t>
+            </a:r>
+            <a:endParaRPr kumimoji="1" lang="en-US" altLang="ja-JP" sz="2400" dirty="0">
+              <a:latin typeface="HGS創英角ｺﾞｼｯｸUB" panose="020B0900000000000000" pitchFamily="50" charset="-128"/>
+              <a:ea typeface="HGS創英角ｺﾞｼｯｸUB" panose="020B0900000000000000" pitchFamily="50" charset="-128"/>
+            </a:endParaRPr>
+          </a:p>
+          <a:p>
+            <a:r>
+              <a:rPr kumimoji="1" lang="ja-JP" altLang="en-US" sz="2400" dirty="0">
+                <a:latin typeface="HGS創英角ｺﾞｼｯｸUB" panose="020B0900000000000000" pitchFamily="50" charset="-128"/>
+                <a:ea typeface="HGS創英角ｺﾞｼｯｸUB" panose="020B0900000000000000" pitchFamily="50" charset="-128"/>
+              </a:rPr>
+              <a:t>良いタイトルが思いつかなかったので</a:t>
+            </a:r>
+            <a:endParaRPr kumimoji="1" lang="en-US" altLang="ja-JP" sz="2400" dirty="0">
+              <a:latin typeface="HGS創英角ｺﾞｼｯｸUB" panose="020B0900000000000000" pitchFamily="50" charset="-128"/>
+              <a:ea typeface="HGS創英角ｺﾞｼｯｸUB" panose="020B0900000000000000" pitchFamily="50" charset="-128"/>
+            </a:endParaRPr>
+          </a:p>
+          <a:p>
+            <a:r>
+              <a:rPr kumimoji="1" lang="ja-JP" altLang="en-US" sz="2400" dirty="0">
+                <a:latin typeface="HGS創英角ｺﾞｼｯｸUB" panose="020B0900000000000000" pitchFamily="50" charset="-128"/>
+                <a:ea typeface="HGS創英角ｺﾞｼｯｸUB" panose="020B0900000000000000" pitchFamily="50" charset="-128"/>
+              </a:rPr>
+              <a:t>仮タイトルとさせてください</a:t>
+            </a:r>
+          </a:p>
+        </p:txBody>
+      </p:sp>
+      <p:pic>
+        <p:nvPicPr>
+          <p:cNvPr id="4098" name="Picture 2" descr="たべごろ！スーパーモンキーボール ダウンロード版 | My Nintendo Store（マイニンテンドーストア）">
+            <a:extLst>
+              <a:ext uri="{FF2B5EF4-FFF2-40B4-BE49-F238E27FC236}">
+                <a16:creationId xmlns:a16="http://schemas.microsoft.com/office/drawing/2014/main" id="{446CB435-5423-41AB-90C3-502DC02034AB}"/>
+              </a:ext>
+            </a:extLst>
+          </p:cNvPr>
+          <p:cNvPicPr>
+            <a:picLocks noChangeAspect="1" noChangeArrowheads="1"/>
+          </p:cNvPicPr>
+          <p:nvPr/>
+        </p:nvPicPr>
+        <p:blipFill>
+          <a:blip r:embed="rId4" cstate="print">
+            <a:extLst>
+              <a:ext uri="{28A0092B-C50C-407E-A947-70E740481C1C}">
+                <a14:useLocalDpi xmlns:a14="http://schemas.microsoft.com/office/drawing/2010/main" val="0"/>
+              </a:ext>
+            </a:extLst>
+          </a:blip>
+          <a:srcRect/>
+          <a:stretch>
+            <a:fillRect/>
+          </a:stretch>
+        </p:blipFill>
+        <p:spPr bwMode="auto">
+          <a:xfrm>
+            <a:off x="751733" y="6056774"/>
+            <a:ext cx="4918224" cy="2768302"/>
+          </a:xfrm>
+          <a:prstGeom prst="rect">
+            <a:avLst/>
+          </a:prstGeom>
+          <a:noFill/>
+          <a:extLst>
+            <a:ext uri="{909E8E84-426E-40DD-AFC4-6F175D3DCCD1}">
+              <a14:hiddenFill xmlns:a14="http://schemas.microsoft.com/office/drawing/2010/main">
+                <a:solidFill>
+                  <a:srgbClr val="FFFFFF"/>
+                </a:solidFill>
+              </a14:hiddenFill>
+            </a:ext>
+          </a:extLst>
+        </p:spPr>
+      </p:pic>
+      <p:pic>
+        <p:nvPicPr>
+          <p:cNvPr id="4100" name="Picture 4" descr="PinOut!攻略のコツ／ピンアウト攻略">
+            <a:extLst>
+              <a:ext uri="{FF2B5EF4-FFF2-40B4-BE49-F238E27FC236}">
+                <a16:creationId xmlns:a16="http://schemas.microsoft.com/office/drawing/2014/main" id="{72B51943-F53D-4D3A-98C9-8CA2EBAF82C0}"/>
+              </a:ext>
+            </a:extLst>
+          </p:cNvPr>
+          <p:cNvPicPr>
+            <a:picLocks noChangeAspect="1" noChangeArrowheads="1"/>
+          </p:cNvPicPr>
+          <p:nvPr/>
+        </p:nvPicPr>
+        <p:blipFill>
+          <a:blip r:embed="rId5">
+            <a:extLst>
+              <a:ext uri="{28A0092B-C50C-407E-A947-70E740481C1C}">
+                <a14:useLocalDpi xmlns:a14="http://schemas.microsoft.com/office/drawing/2010/main" val="0"/>
+              </a:ext>
+            </a:extLst>
+          </a:blip>
+          <a:srcRect/>
+          <a:stretch>
+            <a:fillRect/>
+          </a:stretch>
+        </p:blipFill>
+        <p:spPr bwMode="auto">
+          <a:xfrm>
+            <a:off x="2830263" y="4118759"/>
+            <a:ext cx="2945904" cy="1649706"/>
+          </a:xfrm>
+          <a:prstGeom prst="rect">
+            <a:avLst/>
+          </a:prstGeom>
+          <a:noFill/>
+          <a:extLst>
+            <a:ext uri="{909E8E84-426E-40DD-AFC4-6F175D3DCCD1}">
+              <a14:hiddenFill xmlns:a14="http://schemas.microsoft.com/office/drawing/2010/main">
+                <a:solidFill>
+                  <a:srgbClr val="FFFFFF"/>
+                </a:solidFill>
+              </a14:hiddenFill>
+            </a:ext>
+          </a:extLst>
+        </p:spPr>
+      </p:pic>
+    </p:spTree>
+    <p:extLst>
+      <p:ext uri="{BB962C8B-B14F-4D97-AF65-F5344CB8AC3E}">
+        <p14:creationId xmlns:p14="http://schemas.microsoft.com/office/powerpoint/2010/main" val="2395951525"/>
+      </p:ext>
+    </p:extLst>
+  </p:cSld>
+  <p:clrMapOvr>
+    <a:masterClrMapping/>
+  </p:clrMapOvr>
+  <p:transition/>
+</p:sld>
+</file>
+
+<file path=ppt/slides/slide10.xml><?xml version="1.0" encoding="utf-8"?>
+<p:sld xmlns:a="http://schemas.openxmlformats.org/drawingml/2006/main" xmlns:r="http://schemas.openxmlformats.org/officeDocument/2006/relationships" xmlns:p="http://schemas.openxmlformats.org/presentationml/2006/main">
+  <p:cSld>
+    <p:spTree>
+      <p:nvGrpSpPr>
+        <p:cNvPr id="1" name=""/>
+        <p:cNvGrpSpPr/>
+        <p:nvPr/>
+      </p:nvGrpSpPr>
+      <p:grpSpPr>
+        <a:xfrm>
+          <a:off x="0" y="0"/>
+          <a:ext cx="0" cy="0"/>
+          <a:chOff x="0" y="0"/>
+          <a:chExt cx="0" cy="0"/>
+        </a:xfrm>
+      </p:grpSpPr>
+      <p:sp>
+        <p:nvSpPr>
+          <p:cNvPr id="8" name="矢印: 下 7">
+            <a:extLst>
+              <a:ext uri="{FF2B5EF4-FFF2-40B4-BE49-F238E27FC236}">
+                <a16:creationId xmlns:a16="http://schemas.microsoft.com/office/drawing/2014/main" id="{C689BEEE-CFD4-4E11-98B6-F3AC68F15C4E}"/>
+              </a:ext>
+            </a:extLst>
+          </p:cNvPr>
+          <p:cNvSpPr/>
+          <p:nvPr/>
+        </p:nvSpPr>
+        <p:spPr>
+          <a:xfrm>
+            <a:off x="1279420" y="3033395"/>
+            <a:ext cx="1126525" cy="6042271"/>
+          </a:xfrm>
+          <a:prstGeom prst="downArrow">
+            <a:avLst/>
+          </a:prstGeom>
+          <a:solidFill>
+            <a:srgbClr val="00B050"/>
+          </a:solidFill>
+        </p:spPr>
+        <p:style>
+          <a:lnRef idx="2">
+            <a:schemeClr val="accent1">
+              <a:shade val="50000"/>
+            </a:schemeClr>
+          </a:lnRef>
+          <a:fillRef idx="1">
+            <a:schemeClr val="accent1"/>
+          </a:fillRef>
+          <a:effectRef idx="0">
+            <a:schemeClr val="accent1"/>
+          </a:effectRef>
+          <a:fontRef idx="minor">
+            <a:schemeClr val="lt1"/>
+          </a:fontRef>
+        </p:style>
+        <p:txBody>
+          <a:bodyPr rtlCol="0" anchor="ctr"/>
+          <a:lstStyle/>
+          <a:p>
+            <a:pPr algn="ctr"/>
+            <a:endParaRPr kumimoji="1" lang="ja-JP" altLang="en-US" sz="6258"/>
+          </a:p>
+        </p:txBody>
+      </p:sp>
+      <p:sp>
+        <p:nvSpPr>
+          <p:cNvPr id="6" name="額縁 5"/>
+          <p:cNvSpPr/>
+          <p:nvPr/>
+        </p:nvSpPr>
+        <p:spPr bwMode="auto">
+          <a:xfrm>
+            <a:off x="165696" y="471951"/>
+            <a:ext cx="10513168" cy="792088"/>
+          </a:xfrm>
+          <a:prstGeom prst="bevel">
+            <a:avLst/>
+          </a:prstGeom>
+          <a:solidFill>
+            <a:schemeClr val="accent5">
+              <a:lumMod val="25000"/>
+            </a:schemeClr>
+          </a:solidFill>
+          <a:ln>
+            <a:solidFill>
+              <a:schemeClr val="accent3"/>
+            </a:solidFill>
+            <a:headEnd type="none" w="med" len="med"/>
+            <a:tailEnd type="none" w="med" len="med"/>
+          </a:ln>
+          <a:effectLst/>
+        </p:spPr>
+        <p:style>
+          <a:lnRef idx="1">
+            <a:schemeClr val="accent1"/>
+          </a:lnRef>
+          <a:fillRef idx="2">
+            <a:schemeClr val="accent1"/>
+          </a:fillRef>
+          <a:effectRef idx="1">
+            <a:schemeClr val="accent1"/>
+          </a:effectRef>
+          <a:fontRef idx="minor">
+            <a:schemeClr val="dk1"/>
+          </a:fontRef>
+        </p:style>
+        <p:txBody>
+          <a:bodyPr vert="horz" wrap="square" lIns="91436" tIns="45719" rIns="91436" bIns="45719" numCol="1" rtlCol="0" anchor="t" anchorCtr="0" compatLnSpc="1">
+            <a:prstTxWarp prst="textNoShape">
+              <a:avLst/>
+            </a:prstTxWarp>
+          </a:bodyPr>
+          <a:lstStyle/>
+          <a:p>
+            <a:pPr defTabSz="914354"/>
+            <a:r>
+              <a:rPr lang="ja-JP" altLang="en-US" sz="3556" dirty="0">
+                <a:solidFill>
+                  <a:schemeClr val="bg1"/>
+                </a:solidFill>
+                <a:latin typeface="HGS創英角ｺﾞｼｯｸUB" panose="020B0900000000000000" pitchFamily="50" charset="-128"/>
+                <a:ea typeface="HGS創英角ｺﾞｼｯｸUB" panose="020B0900000000000000" pitchFamily="50" charset="-128"/>
+                <a:cs typeface="メイリオ" pitchFamily="50" charset="-128"/>
+              </a:rPr>
+              <a:t>何が面白いのか？　</a:t>
+            </a:r>
+          </a:p>
+        </p:txBody>
+      </p:sp>
+      <p:sp>
+        <p:nvSpPr>
+          <p:cNvPr id="3" name="スライド番号プレースホルダー 2"/>
+          <p:cNvSpPr>
+            <a:spLocks noGrp="1"/>
+          </p:cNvSpPr>
+          <p:nvPr>
+            <p:ph type="sldNum" sz="quarter" idx="10"/>
+          </p:nvPr>
+        </p:nvSpPr>
+        <p:spPr>
+          <a:xfrm>
+            <a:off x="650240" y="8732909"/>
+            <a:ext cx="3034453" cy="519289"/>
+          </a:xfrm>
+        </p:spPr>
+        <p:txBody>
+          <a:bodyPr/>
+          <a:lstStyle/>
+          <a:p>
+            <a:pPr>
+              <a:defRPr/>
+            </a:pPr>
+            <a:fld id="{90303C1F-567D-4446-A625-F0737271D35A}" type="slidenum">
+              <a:rPr lang="ja-JP" altLang="en-US" smtClean="0"/>
+              <a:pPr>
+                <a:defRPr/>
+              </a:pPr>
+              <a:t>10</a:t>
+            </a:fld>
+            <a:endParaRPr lang="en-US" altLang="ja-JP"/>
+          </a:p>
+        </p:txBody>
+      </p:sp>
+      <p:sp>
+        <p:nvSpPr>
+          <p:cNvPr id="5" name="テキスト ボックス 4">
+            <a:extLst>
+              <a:ext uri="{FF2B5EF4-FFF2-40B4-BE49-F238E27FC236}">
+                <a16:creationId xmlns:a16="http://schemas.microsoft.com/office/drawing/2014/main" id="{674C39D2-1702-42E6-9FAD-304408EB6B0B}"/>
+              </a:ext>
+            </a:extLst>
+          </p:cNvPr>
+          <p:cNvSpPr txBox="1"/>
+          <p:nvPr/>
+        </p:nvSpPr>
+        <p:spPr>
+          <a:xfrm>
+            <a:off x="525736" y="1292402"/>
+            <a:ext cx="11953328" cy="1317923"/>
+          </a:xfrm>
+          <a:prstGeom prst="rect">
+            <a:avLst/>
+          </a:prstGeom>
+          <a:noFill/>
+        </p:spPr>
+        <p:txBody>
+          <a:bodyPr wrap="square" lIns="91436" tIns="45719" rIns="91436" bIns="45719" rtlCol="0">
+            <a:spAutoFit/>
+          </a:bodyPr>
+          <a:lstStyle/>
+          <a:p>
+            <a:pPr algn="l"/>
+            <a:r>
+              <a:rPr lang="ja-JP" altLang="en-US" sz="3982" dirty="0">
+                <a:effectLst>
+                  <a:outerShdw blurRad="38100" dist="38100" dir="2700000" algn="tl">
+                    <a:srgbClr val="000000">
+                      <a:alpha val="43137"/>
+                    </a:srgbClr>
+                  </a:outerShdw>
+                </a:effectLst>
+                <a:latin typeface="HGS創英角ｺﾞｼｯｸUB" panose="020B0900000000000000" pitchFamily="50" charset="-128"/>
+                <a:ea typeface="HGS創英角ｺﾞｼｯｸUB" panose="020B0900000000000000" pitchFamily="50" charset="-128"/>
+              </a:rPr>
+              <a:t>このゲームは何が面白い（気持ちいい）のか？</a:t>
+            </a:r>
+            <a:endParaRPr lang="en-US" altLang="ja-JP" sz="3982" dirty="0">
+              <a:effectLst>
+                <a:outerShdw blurRad="38100" dist="38100" dir="2700000" algn="tl">
+                  <a:srgbClr val="000000">
+                    <a:alpha val="43137"/>
+                  </a:srgbClr>
+                </a:outerShdw>
+              </a:effectLst>
+              <a:latin typeface="HGS創英角ｺﾞｼｯｸUB" panose="020B0900000000000000" pitchFamily="50" charset="-128"/>
+              <a:ea typeface="HGS創英角ｺﾞｼｯｸUB" panose="020B0900000000000000" pitchFamily="50" charset="-128"/>
+            </a:endParaRPr>
+          </a:p>
+          <a:p>
+            <a:pPr algn="l"/>
+            <a:r>
+              <a:rPr lang="ja-JP" altLang="en-US" sz="3982" dirty="0">
+                <a:effectLst>
+                  <a:outerShdw blurRad="38100" dist="38100" dir="2700000" algn="tl">
+                    <a:srgbClr val="000000">
+                      <a:alpha val="43137"/>
+                    </a:srgbClr>
+                  </a:outerShdw>
+                </a:effectLst>
+                <a:latin typeface="HGS創英角ｺﾞｼｯｸUB" panose="020B0900000000000000" pitchFamily="50" charset="-128"/>
+                <a:ea typeface="HGS創英角ｺﾞｼｯｸUB" panose="020B0900000000000000" pitchFamily="50" charset="-128"/>
+              </a:rPr>
+              <a:t>３つの「面白さ」を書いてください！</a:t>
+            </a:r>
+            <a:endParaRPr lang="en-US" altLang="ja-JP" sz="3982" dirty="0">
+              <a:effectLst>
+                <a:outerShdw blurRad="38100" dist="38100" dir="2700000" algn="tl">
+                  <a:srgbClr val="000000">
+                    <a:alpha val="43137"/>
+                  </a:srgbClr>
+                </a:outerShdw>
+              </a:effectLst>
+              <a:latin typeface="HGS創英角ｺﾞｼｯｸUB" panose="020B0900000000000000" pitchFamily="50" charset="-128"/>
+              <a:ea typeface="HGS創英角ｺﾞｼｯｸUB" panose="020B0900000000000000" pitchFamily="50" charset="-128"/>
+            </a:endParaRPr>
+          </a:p>
+        </p:txBody>
+      </p:sp>
+      <p:sp>
+        <p:nvSpPr>
+          <p:cNvPr id="2" name="正方形/長方形 1">
+            <a:extLst>
+              <a:ext uri="{FF2B5EF4-FFF2-40B4-BE49-F238E27FC236}">
+                <a16:creationId xmlns:a16="http://schemas.microsoft.com/office/drawing/2014/main" id="{E2FDC03C-756B-441A-A8BE-09FF5FFF9D7F}"/>
+              </a:ext>
+            </a:extLst>
+          </p:cNvPr>
+          <p:cNvSpPr/>
+          <p:nvPr/>
+        </p:nvSpPr>
+        <p:spPr>
+          <a:xfrm>
+            <a:off x="460129" y="2828572"/>
+            <a:ext cx="2765107" cy="1228937"/>
+          </a:xfrm>
+          <a:prstGeom prst="rect">
+            <a:avLst/>
+          </a:prstGeom>
+          <a:solidFill>
+            <a:srgbClr val="FFFF00"/>
+          </a:solidFill>
+        </p:spPr>
+        <p:style>
+          <a:lnRef idx="2">
+            <a:schemeClr val="accent1">
+              <a:shade val="50000"/>
+            </a:schemeClr>
+          </a:lnRef>
+          <a:fillRef idx="1">
+            <a:schemeClr val="accent1"/>
+          </a:fillRef>
+          <a:effectRef idx="0">
+            <a:schemeClr val="accent1"/>
+          </a:effectRef>
+          <a:fontRef idx="minor">
+            <a:schemeClr val="lt1"/>
+          </a:fontRef>
+        </p:style>
+        <p:txBody>
+          <a:bodyPr rtlCol="0" anchor="ctr"/>
+          <a:lstStyle/>
+          <a:p>
+            <a:r>
+              <a:rPr kumimoji="1" lang="ja-JP" altLang="en-US" sz="2400" dirty="0">
+                <a:solidFill>
+                  <a:schemeClr val="tx1"/>
+                </a:solidFill>
+                <a:latin typeface="HGS創英角ﾎﾟｯﾌﾟ体" panose="040B0A00000000000000" pitchFamily="50" charset="-128"/>
+                <a:ea typeface="HGS創英角ﾎﾟｯﾌﾟ体" panose="040B0A00000000000000" pitchFamily="50" charset="-128"/>
+              </a:rPr>
+              <a:t>① やる前の魅力</a:t>
+            </a:r>
+          </a:p>
+        </p:txBody>
+      </p:sp>
+      <p:sp>
+        <p:nvSpPr>
+          <p:cNvPr id="7" name="正方形/長方形 6">
+            <a:extLst>
+              <a:ext uri="{FF2B5EF4-FFF2-40B4-BE49-F238E27FC236}">
+                <a16:creationId xmlns:a16="http://schemas.microsoft.com/office/drawing/2014/main" id="{1A81DF1E-DB87-4295-B566-23C9099DFE0F}"/>
+              </a:ext>
+            </a:extLst>
+          </p:cNvPr>
+          <p:cNvSpPr/>
+          <p:nvPr/>
+        </p:nvSpPr>
+        <p:spPr>
+          <a:xfrm>
+            <a:off x="3441982" y="2841432"/>
+            <a:ext cx="9037082" cy="601609"/>
+          </a:xfrm>
+          <a:prstGeom prst="rect">
+            <a:avLst/>
+          </a:prstGeom>
+          <a:solidFill>
+            <a:srgbClr val="FFFF00"/>
+          </a:solidFill>
+        </p:spPr>
+        <p:style>
+          <a:lnRef idx="2">
+            <a:schemeClr val="accent1">
+              <a:shade val="50000"/>
+            </a:schemeClr>
+          </a:lnRef>
+          <a:fillRef idx="1">
+            <a:schemeClr val="accent1"/>
+          </a:fillRef>
+          <a:effectRef idx="0">
+            <a:schemeClr val="accent1"/>
+          </a:effectRef>
+          <a:fontRef idx="minor">
+            <a:schemeClr val="lt1"/>
+          </a:fontRef>
+        </p:style>
+        <p:txBody>
+          <a:bodyPr rtlCol="0" anchor="ctr"/>
+          <a:lstStyle/>
+          <a:p>
+            <a:r>
+              <a:rPr kumimoji="1" lang="ja-JP" altLang="en-US" sz="2000" dirty="0">
+                <a:solidFill>
+                  <a:schemeClr val="tx1"/>
+                </a:solidFill>
+                <a:latin typeface="HGS創英角ﾎﾟｯﾌﾟ体" panose="040B0A00000000000000" pitchFamily="50" charset="-128"/>
+                <a:ea typeface="HGS創英角ﾎﾟｯﾌﾟ体" panose="040B0A00000000000000" pitchFamily="50" charset="-128"/>
+              </a:rPr>
+              <a:t>プレイする前に、「このゲーム触ってみたい！」と思う魅力は？</a:t>
+            </a:r>
+          </a:p>
+        </p:txBody>
+      </p:sp>
+      <p:sp>
+        <p:nvSpPr>
+          <p:cNvPr id="10" name="正方形/長方形 9">
+            <a:extLst>
+              <a:ext uri="{FF2B5EF4-FFF2-40B4-BE49-F238E27FC236}">
+                <a16:creationId xmlns:a16="http://schemas.microsoft.com/office/drawing/2014/main" id="{47847C75-7E35-47C7-A338-E404D4C4FCC6}"/>
+              </a:ext>
+            </a:extLst>
+          </p:cNvPr>
+          <p:cNvSpPr/>
+          <p:nvPr/>
+        </p:nvSpPr>
+        <p:spPr>
+          <a:xfrm>
+            <a:off x="3430058" y="3545452"/>
+            <a:ext cx="9037082" cy="1317965"/>
+          </a:xfrm>
+          <a:prstGeom prst="rect">
+            <a:avLst/>
+          </a:prstGeom>
+          <a:solidFill>
+            <a:schemeClr val="bg1"/>
+          </a:solidFill>
+        </p:spPr>
+        <p:style>
+          <a:lnRef idx="2">
+            <a:schemeClr val="accent1">
+              <a:shade val="50000"/>
+            </a:schemeClr>
+          </a:lnRef>
+          <a:fillRef idx="1">
+            <a:schemeClr val="accent1"/>
+          </a:fillRef>
+          <a:effectRef idx="0">
+            <a:schemeClr val="accent1"/>
+          </a:effectRef>
+          <a:fontRef idx="minor">
+            <a:schemeClr val="lt1"/>
+          </a:fontRef>
+        </p:style>
+        <p:txBody>
+          <a:bodyPr rtlCol="0" anchor="ctr"/>
+          <a:lstStyle/>
+          <a:p>
+            <a:r>
+              <a:rPr kumimoji="1" lang="ja-JP" altLang="en-US" sz="2000" dirty="0">
+                <a:solidFill>
+                  <a:schemeClr val="tx1"/>
+                </a:solidFill>
+              </a:rPr>
+              <a:t>オブジェクトと接触する度に発生するカンカンという気持ちのいい音や</a:t>
+            </a:r>
+            <a:endParaRPr kumimoji="1" lang="en-US" altLang="ja-JP" sz="2000" dirty="0">
+              <a:solidFill>
+                <a:schemeClr val="tx1"/>
+              </a:solidFill>
+            </a:endParaRPr>
+          </a:p>
+          <a:p>
+            <a:r>
+              <a:rPr kumimoji="1" lang="ja-JP" altLang="en-US" sz="2000" dirty="0">
+                <a:solidFill>
+                  <a:schemeClr val="tx1"/>
+                </a:solidFill>
+              </a:rPr>
+              <a:t>少し大袈裟なエフェクト、演出</a:t>
+            </a:r>
+          </a:p>
+        </p:txBody>
+      </p:sp>
+      <p:sp>
+        <p:nvSpPr>
+          <p:cNvPr id="11" name="正方形/長方形 10">
+            <a:extLst>
+              <a:ext uri="{FF2B5EF4-FFF2-40B4-BE49-F238E27FC236}">
+                <a16:creationId xmlns:a16="http://schemas.microsoft.com/office/drawing/2014/main" id="{87BD9E61-F241-4B4E-AA85-1535C2F05DCC}"/>
+              </a:ext>
+            </a:extLst>
+          </p:cNvPr>
+          <p:cNvSpPr/>
+          <p:nvPr/>
+        </p:nvSpPr>
+        <p:spPr>
+          <a:xfrm>
+            <a:off x="460129" y="4992594"/>
+            <a:ext cx="2765107" cy="1228937"/>
+          </a:xfrm>
+          <a:prstGeom prst="rect">
+            <a:avLst/>
+          </a:prstGeom>
+          <a:solidFill>
+            <a:srgbClr val="FFC000"/>
+          </a:solidFill>
+        </p:spPr>
+        <p:style>
+          <a:lnRef idx="2">
+            <a:schemeClr val="accent1">
+              <a:shade val="50000"/>
+            </a:schemeClr>
+          </a:lnRef>
+          <a:fillRef idx="1">
+            <a:schemeClr val="accent1"/>
+          </a:fillRef>
+          <a:effectRef idx="0">
+            <a:schemeClr val="accent1"/>
+          </a:effectRef>
+          <a:fontRef idx="minor">
+            <a:schemeClr val="lt1"/>
+          </a:fontRef>
+        </p:style>
+        <p:txBody>
+          <a:bodyPr rtlCol="0" anchor="ctr"/>
+          <a:lstStyle/>
+          <a:p>
+            <a:r>
+              <a:rPr lang="ja-JP" altLang="en-US" sz="2000" dirty="0">
+                <a:solidFill>
+                  <a:schemeClr val="tx1"/>
+                </a:solidFill>
+                <a:latin typeface="HGS創英角ﾎﾟｯﾌﾟ体" panose="040B0A00000000000000" pitchFamily="50" charset="-128"/>
+                <a:ea typeface="HGS創英角ﾎﾟｯﾌﾟ体" panose="040B0A00000000000000" pitchFamily="50" charset="-128"/>
+              </a:rPr>
+              <a:t>②</a:t>
+            </a:r>
+            <a:r>
+              <a:rPr kumimoji="1" lang="ja-JP" altLang="en-US" sz="2000" dirty="0">
+                <a:solidFill>
+                  <a:schemeClr val="tx1"/>
+                </a:solidFill>
+                <a:latin typeface="HGS創英角ﾎﾟｯﾌﾟ体" panose="040B0A00000000000000" pitchFamily="50" charset="-128"/>
+                <a:ea typeface="HGS創英角ﾎﾟｯﾌﾟ体" panose="040B0A00000000000000" pitchFamily="50" charset="-128"/>
+              </a:rPr>
+              <a:t> １，２回目の魅力</a:t>
+            </a:r>
+          </a:p>
+        </p:txBody>
+      </p:sp>
+      <p:sp>
+        <p:nvSpPr>
+          <p:cNvPr id="12" name="正方形/長方形 11">
+            <a:extLst>
+              <a:ext uri="{FF2B5EF4-FFF2-40B4-BE49-F238E27FC236}">
+                <a16:creationId xmlns:a16="http://schemas.microsoft.com/office/drawing/2014/main" id="{39899031-D165-464E-8C2C-D21CC2F85956}"/>
+              </a:ext>
+            </a:extLst>
+          </p:cNvPr>
+          <p:cNvSpPr/>
+          <p:nvPr/>
+        </p:nvSpPr>
+        <p:spPr>
+          <a:xfrm>
+            <a:off x="3441982" y="5005454"/>
+            <a:ext cx="9037082" cy="601609"/>
+          </a:xfrm>
+          <a:prstGeom prst="rect">
+            <a:avLst/>
+          </a:prstGeom>
+          <a:solidFill>
+            <a:srgbClr val="FFC000"/>
+          </a:solidFill>
+        </p:spPr>
+        <p:style>
+          <a:lnRef idx="2">
+            <a:schemeClr val="accent1">
+              <a:shade val="50000"/>
+            </a:schemeClr>
+          </a:lnRef>
+          <a:fillRef idx="1">
+            <a:schemeClr val="accent1"/>
+          </a:fillRef>
+          <a:effectRef idx="0">
+            <a:schemeClr val="accent1"/>
+          </a:effectRef>
+          <a:fontRef idx="minor">
+            <a:schemeClr val="lt1"/>
+          </a:fontRef>
+        </p:style>
+        <p:txBody>
+          <a:bodyPr rtlCol="0" anchor="ctr"/>
+          <a:lstStyle/>
+          <a:p>
+            <a:r>
+              <a:rPr kumimoji="1" lang="en-US" altLang="ja-JP" sz="2000" dirty="0">
+                <a:solidFill>
+                  <a:schemeClr val="tx1"/>
+                </a:solidFill>
+                <a:latin typeface="HGS創英角ﾎﾟｯﾌﾟ体" panose="040B0A00000000000000" pitchFamily="50" charset="-128"/>
+                <a:ea typeface="HGS創英角ﾎﾟｯﾌﾟ体" panose="040B0A00000000000000" pitchFamily="50" charset="-128"/>
+              </a:rPr>
+              <a:t>3</a:t>
+            </a:r>
+            <a:r>
+              <a:rPr kumimoji="1" lang="ja-JP" altLang="en-US" sz="2000" dirty="0">
+                <a:solidFill>
+                  <a:schemeClr val="tx1"/>
+                </a:solidFill>
+                <a:latin typeface="HGS創英角ﾎﾟｯﾌﾟ体" panose="040B0A00000000000000" pitchFamily="50" charset="-128"/>
+                <a:ea typeface="HGS創英角ﾎﾟｯﾌﾟ体" panose="040B0A00000000000000" pitchFamily="50" charset="-128"/>
+              </a:rPr>
+              <a:t>回目、そのゲームを再度「遊んでみたい！」と思う魅力は？</a:t>
+            </a:r>
+          </a:p>
+        </p:txBody>
+      </p:sp>
+      <p:sp>
+        <p:nvSpPr>
+          <p:cNvPr id="13" name="正方形/長方形 12">
+            <a:extLst>
+              <a:ext uri="{FF2B5EF4-FFF2-40B4-BE49-F238E27FC236}">
+                <a16:creationId xmlns:a16="http://schemas.microsoft.com/office/drawing/2014/main" id="{6AC74471-3291-4821-9EFF-D220E7D896DF}"/>
+              </a:ext>
+            </a:extLst>
+          </p:cNvPr>
+          <p:cNvSpPr/>
+          <p:nvPr/>
+        </p:nvSpPr>
+        <p:spPr>
+          <a:xfrm>
+            <a:off x="3430058" y="5709474"/>
+            <a:ext cx="9037082" cy="1317965"/>
+          </a:xfrm>
+          <a:prstGeom prst="rect">
+            <a:avLst/>
+          </a:prstGeom>
+          <a:solidFill>
+            <a:schemeClr val="bg1"/>
+          </a:solidFill>
+        </p:spPr>
+        <p:style>
+          <a:lnRef idx="2">
+            <a:schemeClr val="accent1">
+              <a:shade val="50000"/>
+            </a:schemeClr>
+          </a:lnRef>
+          <a:fillRef idx="1">
+            <a:schemeClr val="accent1"/>
+          </a:fillRef>
+          <a:effectRef idx="0">
+            <a:schemeClr val="accent1"/>
+          </a:effectRef>
+          <a:fontRef idx="minor">
+            <a:schemeClr val="lt1"/>
+          </a:fontRef>
+        </p:style>
+        <p:txBody>
+          <a:bodyPr rtlCol="0" anchor="ctr"/>
+          <a:lstStyle/>
+          <a:p>
+            <a:r>
+              <a:rPr kumimoji="1" lang="ja-JP" altLang="en-US" sz="3200" dirty="0">
+                <a:solidFill>
+                  <a:schemeClr val="tx1"/>
+                </a:solidFill>
+              </a:rPr>
+              <a:t>レベルアップ時の能力の振り分けを選択できるので、様々なプレイスタイルで遊べる</a:t>
+            </a:r>
+          </a:p>
+        </p:txBody>
+      </p:sp>
+      <p:sp>
+        <p:nvSpPr>
+          <p:cNvPr id="14" name="正方形/長方形 13">
+            <a:extLst>
+              <a:ext uri="{FF2B5EF4-FFF2-40B4-BE49-F238E27FC236}">
+                <a16:creationId xmlns:a16="http://schemas.microsoft.com/office/drawing/2014/main" id="{EEF77380-6875-47DA-9295-C52CB58C1C32}"/>
+              </a:ext>
+            </a:extLst>
+          </p:cNvPr>
+          <p:cNvSpPr/>
+          <p:nvPr/>
+        </p:nvSpPr>
+        <p:spPr>
+          <a:xfrm>
+            <a:off x="460129" y="7143233"/>
+            <a:ext cx="2765107" cy="1228937"/>
+          </a:xfrm>
+          <a:prstGeom prst="rect">
+            <a:avLst/>
+          </a:prstGeom>
+          <a:solidFill>
+            <a:srgbClr val="FF0000"/>
+          </a:solidFill>
+        </p:spPr>
+        <p:style>
+          <a:lnRef idx="2">
+            <a:schemeClr val="accent1">
+              <a:shade val="50000"/>
+            </a:schemeClr>
+          </a:lnRef>
+          <a:fillRef idx="1">
+            <a:schemeClr val="accent1"/>
+          </a:fillRef>
+          <a:effectRef idx="0">
+            <a:schemeClr val="accent1"/>
+          </a:effectRef>
+          <a:fontRef idx="minor">
+            <a:schemeClr val="lt1"/>
+          </a:fontRef>
+        </p:style>
+        <p:txBody>
+          <a:bodyPr rtlCol="0" anchor="ctr"/>
+          <a:lstStyle/>
+          <a:p>
+            <a:r>
+              <a:rPr kumimoji="1" lang="ja-JP" altLang="en-US" sz="2400" dirty="0">
+                <a:solidFill>
+                  <a:schemeClr val="bg1"/>
+                </a:solidFill>
+                <a:latin typeface="HGS創英角ﾎﾟｯﾌﾟ体" panose="040B0A00000000000000" pitchFamily="50" charset="-128"/>
+                <a:ea typeface="HGS創英角ﾎﾟｯﾌﾟ体" panose="040B0A00000000000000" pitchFamily="50" charset="-128"/>
+              </a:rPr>
+              <a:t>③やりこみの魅力</a:t>
+            </a:r>
+          </a:p>
+        </p:txBody>
+      </p:sp>
+      <p:sp>
+        <p:nvSpPr>
+          <p:cNvPr id="15" name="正方形/長方形 14">
+            <a:extLst>
+              <a:ext uri="{FF2B5EF4-FFF2-40B4-BE49-F238E27FC236}">
+                <a16:creationId xmlns:a16="http://schemas.microsoft.com/office/drawing/2014/main" id="{E8FA2C3E-B234-45E2-9CFE-DFBECFC5ED74}"/>
+              </a:ext>
+            </a:extLst>
+          </p:cNvPr>
+          <p:cNvSpPr/>
+          <p:nvPr/>
+        </p:nvSpPr>
+        <p:spPr>
+          <a:xfrm>
+            <a:off x="3441982" y="7156093"/>
+            <a:ext cx="9037082" cy="601609"/>
+          </a:xfrm>
+          <a:prstGeom prst="rect">
+            <a:avLst/>
+          </a:prstGeom>
+          <a:solidFill>
+            <a:srgbClr val="FF0000"/>
+          </a:solidFill>
+        </p:spPr>
+        <p:style>
+          <a:lnRef idx="2">
+            <a:schemeClr val="accent1">
+              <a:shade val="50000"/>
+            </a:schemeClr>
+          </a:lnRef>
+          <a:fillRef idx="1">
+            <a:schemeClr val="accent1"/>
+          </a:fillRef>
+          <a:effectRef idx="0">
+            <a:schemeClr val="accent1"/>
+          </a:effectRef>
+          <a:fontRef idx="minor">
+            <a:schemeClr val="lt1"/>
+          </a:fontRef>
+        </p:style>
+        <p:txBody>
+          <a:bodyPr rtlCol="0" anchor="ctr"/>
+          <a:lstStyle/>
+          <a:p>
+            <a:r>
+              <a:rPr kumimoji="1" lang="en-US" altLang="ja-JP" sz="2000" dirty="0">
+                <a:solidFill>
+                  <a:schemeClr val="bg1"/>
+                </a:solidFill>
+                <a:latin typeface="HGS創英角ﾎﾟｯﾌﾟ体" panose="040B0A00000000000000" pitchFamily="50" charset="-128"/>
+                <a:ea typeface="HGS創英角ﾎﾟｯﾌﾟ体" panose="040B0A00000000000000" pitchFamily="50" charset="-128"/>
+              </a:rPr>
+              <a:t>10</a:t>
+            </a:r>
+            <a:r>
+              <a:rPr kumimoji="1" lang="ja-JP" altLang="en-US" sz="2000" dirty="0">
+                <a:solidFill>
+                  <a:schemeClr val="bg1"/>
+                </a:solidFill>
+                <a:latin typeface="HGS創英角ﾎﾟｯﾌﾟ体" panose="040B0A00000000000000" pitchFamily="50" charset="-128"/>
+                <a:ea typeface="HGS創英角ﾎﾟｯﾌﾟ体" panose="040B0A00000000000000" pitchFamily="50" charset="-128"/>
+              </a:rPr>
+              <a:t>回以上プレイしても、このゲームを遊びたい！と思う魅力は？</a:t>
+            </a:r>
+          </a:p>
+        </p:txBody>
+      </p:sp>
+      <p:sp>
+        <p:nvSpPr>
+          <p:cNvPr id="16" name="正方形/長方形 15">
+            <a:extLst>
+              <a:ext uri="{FF2B5EF4-FFF2-40B4-BE49-F238E27FC236}">
+                <a16:creationId xmlns:a16="http://schemas.microsoft.com/office/drawing/2014/main" id="{B7CB13C1-7541-4D4F-BFE6-084FD6D78F1E}"/>
+              </a:ext>
+            </a:extLst>
+          </p:cNvPr>
+          <p:cNvSpPr/>
+          <p:nvPr/>
+        </p:nvSpPr>
+        <p:spPr>
+          <a:xfrm>
+            <a:off x="3430058" y="7860113"/>
+            <a:ext cx="9037082" cy="1317965"/>
+          </a:xfrm>
+          <a:prstGeom prst="rect">
+            <a:avLst/>
+          </a:prstGeom>
+          <a:solidFill>
+            <a:schemeClr val="bg1"/>
+          </a:solidFill>
+        </p:spPr>
+        <p:style>
+          <a:lnRef idx="2">
+            <a:schemeClr val="accent1">
+              <a:shade val="50000"/>
+            </a:schemeClr>
+          </a:lnRef>
+          <a:fillRef idx="1">
+            <a:schemeClr val="accent1"/>
+          </a:fillRef>
+          <a:effectRef idx="0">
+            <a:schemeClr val="accent1"/>
+          </a:effectRef>
+          <a:fontRef idx="minor">
+            <a:schemeClr val="lt1"/>
+          </a:fontRef>
+        </p:style>
+        <p:txBody>
+          <a:bodyPr rtlCol="0" anchor="ctr"/>
+          <a:lstStyle/>
+          <a:p>
+            <a:r>
+              <a:rPr kumimoji="1" lang="ja-JP" altLang="en-US" sz="3200" dirty="0">
+                <a:solidFill>
+                  <a:schemeClr val="tx1"/>
+                </a:solidFill>
+              </a:rPr>
+              <a:t>スコアアタックや２ｐで遊べるモード</a:t>
+            </a:r>
+          </a:p>
+        </p:txBody>
+      </p:sp>
+    </p:spTree>
+    <p:extLst>
+      <p:ext uri="{BB962C8B-B14F-4D97-AF65-F5344CB8AC3E}">
+        <p14:creationId xmlns:p14="http://schemas.microsoft.com/office/powerpoint/2010/main" val="3498245418"/>
+      </p:ext>
+    </p:extLst>
+  </p:cSld>
+  <p:clrMapOvr>
+    <a:masterClrMapping/>
+  </p:clrMapOvr>
+  <p:transition/>
+</p:sld>
+</file>
+
+<file path=ppt/slides/slide11.xml><?xml version="1.0" encoding="utf-8"?>
+<p:sld xmlns:a="http://schemas.openxmlformats.org/drawingml/2006/main" xmlns:r="http://schemas.openxmlformats.org/officeDocument/2006/relationships" xmlns:p="http://schemas.openxmlformats.org/presentationml/2006/main">
+  <p:cSld>
+    <p:spTree>
+      <p:nvGrpSpPr>
+        <p:cNvPr id="1" name=""/>
+        <p:cNvGrpSpPr/>
+        <p:nvPr/>
+      </p:nvGrpSpPr>
+      <p:grpSpPr>
+        <a:xfrm>
+          <a:off x="0" y="0"/>
+          <a:ext cx="0" cy="0"/>
+          <a:chOff x="0" y="0"/>
+          <a:chExt cx="0" cy="0"/>
+        </a:xfrm>
+      </p:grpSpPr>
+      <p:sp>
+        <p:nvSpPr>
+          <p:cNvPr id="6" name="額縁 5"/>
+          <p:cNvSpPr/>
+          <p:nvPr/>
+        </p:nvSpPr>
+        <p:spPr bwMode="auto">
+          <a:xfrm>
+            <a:off x="309712" y="268289"/>
+            <a:ext cx="10513168" cy="792088"/>
+          </a:xfrm>
+          <a:prstGeom prst="bevel">
+            <a:avLst/>
+          </a:prstGeom>
+          <a:solidFill>
+            <a:schemeClr val="accent5">
+              <a:lumMod val="25000"/>
+            </a:schemeClr>
+          </a:solidFill>
+          <a:ln>
+            <a:solidFill>
+              <a:schemeClr val="accent3"/>
+            </a:solidFill>
+            <a:headEnd type="none" w="med" len="med"/>
+            <a:tailEnd type="none" w="med" len="med"/>
+          </a:ln>
+          <a:effectLst/>
+        </p:spPr>
+        <p:style>
+          <a:lnRef idx="1">
+            <a:schemeClr val="accent1"/>
+          </a:lnRef>
+          <a:fillRef idx="2">
+            <a:schemeClr val="accent1"/>
+          </a:fillRef>
+          <a:effectRef idx="1">
+            <a:schemeClr val="accent1"/>
+          </a:effectRef>
+          <a:fontRef idx="minor">
+            <a:schemeClr val="dk1"/>
+          </a:fontRef>
+        </p:style>
+        <p:txBody>
+          <a:bodyPr vert="horz" wrap="square" lIns="91436" tIns="45719" rIns="91436" bIns="45719" numCol="1" rtlCol="0" anchor="t" anchorCtr="0" compatLnSpc="1">
+            <a:prstTxWarp prst="textNoShape">
+              <a:avLst/>
+            </a:prstTxWarp>
+          </a:bodyPr>
+          <a:lstStyle/>
+          <a:p>
+            <a:pPr defTabSz="914354"/>
+            <a:r>
+              <a:rPr lang="ja-JP" altLang="en-US" sz="3556" dirty="0">
+                <a:solidFill>
+                  <a:schemeClr val="bg1"/>
+                </a:solidFill>
+                <a:latin typeface="ＭＳ Ｐゴシック" panose="020B0600070205080204" pitchFamily="50" charset="-128"/>
+                <a:ea typeface="ＭＳ Ｐゴシック" panose="020B0600070205080204" pitchFamily="50" charset="-128"/>
+                <a:cs typeface="メイリオ" pitchFamily="50" charset="-128"/>
+              </a:rPr>
+              <a:t>考える⇔操作する　①　（感触）</a:t>
+            </a:r>
+          </a:p>
+        </p:txBody>
+      </p:sp>
+      <p:sp>
+        <p:nvSpPr>
+          <p:cNvPr id="43" name="円/楕円 2">
+            <a:extLst>
+              <a:ext uri="{FF2B5EF4-FFF2-40B4-BE49-F238E27FC236}">
+                <a16:creationId xmlns:a16="http://schemas.microsoft.com/office/drawing/2014/main" id="{83240305-63C5-4B56-9CCC-4BFA65CA6C6C}"/>
+              </a:ext>
+            </a:extLst>
+          </p:cNvPr>
+          <p:cNvSpPr/>
+          <p:nvPr/>
+        </p:nvSpPr>
+        <p:spPr bwMode="auto">
+          <a:xfrm>
+            <a:off x="577682" y="3885337"/>
+            <a:ext cx="3374982" cy="2714640"/>
+          </a:xfrm>
+          <a:prstGeom prst="ellipse">
+            <a:avLst/>
+          </a:prstGeom>
+          <a:solidFill>
+            <a:schemeClr val="bg1"/>
+          </a:solidFill>
+          <a:ln w="19050">
+            <a:solidFill>
+              <a:srgbClr val="FF0000"/>
+            </a:solidFill>
+            <a:headEnd type="none" w="med" len="med"/>
+            <a:tailEnd type="none" w="med" len="med"/>
+          </a:ln>
+          <a:effectLst/>
+        </p:spPr>
+        <p:style>
+          <a:lnRef idx="1">
+            <a:schemeClr val="accent1"/>
+          </a:lnRef>
+          <a:fillRef idx="2">
+            <a:schemeClr val="accent1"/>
+          </a:fillRef>
+          <a:effectRef idx="1">
+            <a:schemeClr val="accent1"/>
+          </a:effectRef>
+          <a:fontRef idx="minor">
+            <a:schemeClr val="dk1"/>
+          </a:fontRef>
+        </p:style>
+        <p:txBody>
+          <a:bodyPr vert="horz" wrap="square" lIns="130048" tIns="65024" rIns="130048" bIns="65024" numCol="1" rtlCol="0" anchor="ctr" anchorCtr="0" compatLnSpc="1">
+            <a:prstTxWarp prst="textNoShape">
+              <a:avLst/>
+            </a:prstTxWarp>
+          </a:bodyPr>
+          <a:lstStyle/>
+          <a:p>
+            <a:pPr defTabSz="1300460"/>
+            <a:r>
+              <a:rPr lang="ja-JP" altLang="en-US" sz="1991" dirty="0">
+                <a:solidFill>
+                  <a:srgbClr val="000000"/>
+                </a:solidFill>
+                <a:latin typeface="HGP創英角ｺﾞｼｯｸUB" panose="020B0900000000000000" pitchFamily="50" charset="-128"/>
+                <a:ea typeface="HGP創英角ｺﾞｼｯｸUB" panose="020B0900000000000000" pitchFamily="50" charset="-128"/>
+                <a:cs typeface="メイリオ" pitchFamily="50" charset="-128"/>
+              </a:rPr>
+              <a:t>ステージに侵入</a:t>
+            </a:r>
+            <a:endParaRPr lang="en-US" altLang="ja-JP" sz="1991" dirty="0">
+              <a:solidFill>
+                <a:srgbClr val="000000"/>
+              </a:solidFill>
+              <a:latin typeface="HGP創英角ｺﾞｼｯｸUB" panose="020B0900000000000000" pitchFamily="50" charset="-128"/>
+              <a:ea typeface="HGP創英角ｺﾞｼｯｸUB" panose="020B0900000000000000" pitchFamily="50" charset="-128"/>
+              <a:cs typeface="メイリオ" pitchFamily="50" charset="-128"/>
+            </a:endParaRPr>
+          </a:p>
+        </p:txBody>
+      </p:sp>
+      <p:sp>
+        <p:nvSpPr>
+          <p:cNvPr id="44" name="円/楕円 7">
+            <a:extLst>
+              <a:ext uri="{FF2B5EF4-FFF2-40B4-BE49-F238E27FC236}">
+                <a16:creationId xmlns:a16="http://schemas.microsoft.com/office/drawing/2014/main" id="{DC4B5910-97F7-4BDB-B713-85CAF7443061}"/>
+              </a:ext>
+            </a:extLst>
+          </p:cNvPr>
+          <p:cNvSpPr/>
+          <p:nvPr/>
+        </p:nvSpPr>
+        <p:spPr bwMode="auto">
+          <a:xfrm>
+            <a:off x="4741733" y="3885337"/>
+            <a:ext cx="3374982" cy="2714640"/>
+          </a:xfrm>
+          <a:prstGeom prst="ellipse">
+            <a:avLst/>
+          </a:prstGeom>
+          <a:solidFill>
+            <a:schemeClr val="bg1"/>
+          </a:solidFill>
+          <a:ln w="19050">
+            <a:solidFill>
+              <a:srgbClr val="FFC000"/>
+            </a:solidFill>
+            <a:headEnd type="none" w="med" len="med"/>
+            <a:tailEnd type="none" w="med" len="med"/>
+          </a:ln>
+          <a:effectLst/>
+        </p:spPr>
+        <p:style>
+          <a:lnRef idx="1">
+            <a:schemeClr val="accent1"/>
+          </a:lnRef>
+          <a:fillRef idx="2">
+            <a:schemeClr val="accent1"/>
+          </a:fillRef>
+          <a:effectRef idx="1">
+            <a:schemeClr val="accent1"/>
+          </a:effectRef>
+          <a:fontRef idx="minor">
+            <a:schemeClr val="dk1"/>
+          </a:fontRef>
+        </p:style>
+        <p:txBody>
+          <a:bodyPr vert="horz" wrap="square" lIns="130048" tIns="65024" rIns="130048" bIns="65024" numCol="1" rtlCol="0" anchor="ctr" anchorCtr="0" compatLnSpc="1">
+            <a:prstTxWarp prst="textNoShape">
+              <a:avLst/>
+            </a:prstTxWarp>
+          </a:bodyPr>
+          <a:lstStyle/>
+          <a:p>
+            <a:pPr defTabSz="1300460"/>
+            <a:endParaRPr lang="en-US" altLang="ja-JP" sz="1991" dirty="0">
+              <a:solidFill>
+                <a:srgbClr val="000000"/>
+              </a:solidFill>
+              <a:latin typeface="HGP創英角ｺﾞｼｯｸUB" panose="020B0900000000000000" pitchFamily="50" charset="-128"/>
+              <a:ea typeface="HGP創英角ｺﾞｼｯｸUB" panose="020B0900000000000000" pitchFamily="50" charset="-128"/>
+              <a:cs typeface="メイリオ" pitchFamily="50" charset="-128"/>
+            </a:endParaRPr>
+          </a:p>
+          <a:p>
+            <a:pPr defTabSz="1300460"/>
+            <a:r>
+              <a:rPr lang="ja-JP" altLang="en-US" sz="1991" dirty="0">
+                <a:solidFill>
+                  <a:srgbClr val="000000"/>
+                </a:solidFill>
+                <a:latin typeface="HGP創英角ｺﾞｼｯｸUB" panose="020B0900000000000000" pitchFamily="50" charset="-128"/>
+                <a:ea typeface="HGP創英角ｺﾞｼｯｸUB" panose="020B0900000000000000" pitchFamily="50" charset="-128"/>
+                <a:cs typeface="メイリオ" pitchFamily="50" charset="-128"/>
+              </a:rPr>
+              <a:t>①で考えたルート通りに進めるよう、</a:t>
+            </a:r>
+            <a:endParaRPr lang="en-US" altLang="ja-JP" sz="1991" dirty="0">
+              <a:solidFill>
+                <a:srgbClr val="000000"/>
+              </a:solidFill>
+              <a:latin typeface="HGP創英角ｺﾞｼｯｸUB" panose="020B0900000000000000" pitchFamily="50" charset="-128"/>
+              <a:ea typeface="HGP創英角ｺﾞｼｯｸUB" panose="020B0900000000000000" pitchFamily="50" charset="-128"/>
+              <a:cs typeface="メイリオ" pitchFamily="50" charset="-128"/>
+            </a:endParaRPr>
+          </a:p>
+          <a:p>
+            <a:pPr defTabSz="1300460"/>
+            <a:r>
+              <a:rPr lang="ja-JP" altLang="en-US" sz="1991" dirty="0">
+                <a:solidFill>
+                  <a:srgbClr val="000000"/>
+                </a:solidFill>
+                <a:latin typeface="HGP創英角ｺﾞｼｯｸUB" panose="020B0900000000000000" pitchFamily="50" charset="-128"/>
+                <a:ea typeface="HGP創英角ｺﾞｼｯｸUB" panose="020B0900000000000000" pitchFamily="50" charset="-128"/>
+                <a:cs typeface="メイリオ" pitchFamily="50" charset="-128"/>
+              </a:rPr>
+              <a:t>パワーをコントロールし発射！</a:t>
+            </a:r>
+          </a:p>
+        </p:txBody>
+      </p:sp>
+      <p:sp>
+        <p:nvSpPr>
+          <p:cNvPr id="45" name="円/楕円 2">
+            <a:extLst>
+              <a:ext uri="{FF2B5EF4-FFF2-40B4-BE49-F238E27FC236}">
+                <a16:creationId xmlns:a16="http://schemas.microsoft.com/office/drawing/2014/main" id="{DBCD7921-8338-4375-B5C4-25E9FCAA9210}"/>
+              </a:ext>
+            </a:extLst>
+          </p:cNvPr>
+          <p:cNvSpPr/>
+          <p:nvPr/>
+        </p:nvSpPr>
+        <p:spPr bwMode="auto">
+          <a:xfrm>
+            <a:off x="9151473" y="3879520"/>
+            <a:ext cx="3277164" cy="2714640"/>
+          </a:xfrm>
+          <a:prstGeom prst="ellipse">
+            <a:avLst/>
+          </a:prstGeom>
+          <a:solidFill>
+            <a:schemeClr val="bg1"/>
+          </a:solidFill>
+          <a:ln w="19050">
+            <a:solidFill>
+              <a:srgbClr val="FF0000"/>
+            </a:solidFill>
+            <a:headEnd type="none" w="med" len="med"/>
+            <a:tailEnd type="none" w="med" len="med"/>
+          </a:ln>
+          <a:effectLst/>
+        </p:spPr>
+        <p:style>
+          <a:lnRef idx="1">
+            <a:schemeClr val="accent1"/>
+          </a:lnRef>
+          <a:fillRef idx="2">
+            <a:schemeClr val="accent1"/>
+          </a:fillRef>
+          <a:effectRef idx="1">
+            <a:schemeClr val="accent1"/>
+          </a:effectRef>
+          <a:fontRef idx="minor">
+            <a:schemeClr val="dk1"/>
+          </a:fontRef>
+        </p:style>
+        <p:txBody>
+          <a:bodyPr vert="horz" wrap="square" lIns="130048" tIns="65024" rIns="130048" bIns="65024" numCol="1" rtlCol="0" anchor="ctr" anchorCtr="0" compatLnSpc="1">
+            <a:prstTxWarp prst="textNoShape">
+              <a:avLst/>
+            </a:prstTxWarp>
+          </a:bodyPr>
+          <a:lstStyle/>
+          <a:p>
+            <a:pPr defTabSz="1300460"/>
+            <a:r>
+              <a:rPr lang="ja-JP" altLang="en-US" sz="1991" dirty="0">
+                <a:solidFill>
+                  <a:srgbClr val="000000"/>
+                </a:solidFill>
+                <a:latin typeface="HGP創英角ｺﾞｼｯｸUB" panose="020B0900000000000000" pitchFamily="50" charset="-128"/>
+                <a:ea typeface="HGP創英角ｺﾞｼｯｸUB" panose="020B0900000000000000" pitchFamily="50" charset="-128"/>
+                <a:cs typeface="メイリオ" pitchFamily="50" charset="-128"/>
+              </a:rPr>
+              <a:t>アイテムをゲットし次のステージへ</a:t>
+            </a:r>
+          </a:p>
+        </p:txBody>
+      </p:sp>
+      <p:cxnSp>
+        <p:nvCxnSpPr>
+          <p:cNvPr id="46" name="直線矢印コネクタ 45">
+            <a:extLst>
+              <a:ext uri="{FF2B5EF4-FFF2-40B4-BE49-F238E27FC236}">
+                <a16:creationId xmlns:a16="http://schemas.microsoft.com/office/drawing/2014/main" id="{A4C53935-3D46-48F0-ADFA-1AD01C1B3A77}"/>
+              </a:ext>
+            </a:extLst>
+          </p:cNvPr>
+          <p:cNvCxnSpPr>
+            <a:cxnSpLocks/>
+            <a:stCxn id="43" idx="6"/>
+            <a:endCxn id="44" idx="2"/>
+          </p:cNvCxnSpPr>
+          <p:nvPr/>
+        </p:nvCxnSpPr>
+        <p:spPr bwMode="auto">
+          <a:xfrm>
+            <a:off x="3952664" y="5242657"/>
+            <a:ext cx="789069" cy="0"/>
+          </a:xfrm>
+          <a:prstGeom prst="straightConnector1">
+            <a:avLst/>
+          </a:prstGeom>
+          <a:blipFill dpi="0" rotWithShape="0">
+            <a:blip/>
+            <a:srcRect/>
+            <a:tile tx="0" ty="0" sx="100000" sy="100000" flip="none" algn="tl"/>
+          </a:blipFill>
+          <a:ln w="57150" cap="flat" cmpd="sng" algn="ctr">
+            <a:solidFill>
+              <a:srgbClr val="000000"/>
+            </a:solidFill>
+            <a:prstDash val="solid"/>
+            <a:round/>
+            <a:headEnd type="none" w="med" len="med"/>
+            <a:tailEnd type="arrow"/>
+          </a:ln>
+          <a:effectLst/>
+          <a:extLst>
+            <a:ext uri="{AF507438-7753-43E0-B8FC-AC1667EBCBE1}">
+              <a14:hiddenEffects xmlns:a14="http://schemas.microsoft.com/office/drawing/2010/main">
+                <a:effectLst>
+                  <a:outerShdw dist="35921" dir="2700000" algn="ctr" rotWithShape="0">
+                    <a:schemeClr val="bg2"/>
+                  </a:outerShdw>
+                </a:effectLst>
+              </a14:hiddenEffects>
+            </a:ext>
+          </a:extLst>
+        </p:spPr>
+      </p:cxnSp>
+      <p:cxnSp>
+        <p:nvCxnSpPr>
+          <p:cNvPr id="49" name="直線矢印コネクタ 48">
+            <a:extLst>
+              <a:ext uri="{FF2B5EF4-FFF2-40B4-BE49-F238E27FC236}">
+                <a16:creationId xmlns:a16="http://schemas.microsoft.com/office/drawing/2014/main" id="{09E5B85E-BBC3-48DE-B552-95EB030AE74A}"/>
+              </a:ext>
+            </a:extLst>
+          </p:cNvPr>
+          <p:cNvCxnSpPr>
+            <a:cxnSpLocks/>
+            <a:stCxn id="44" idx="6"/>
+            <a:endCxn id="45" idx="2"/>
+          </p:cNvCxnSpPr>
+          <p:nvPr/>
+        </p:nvCxnSpPr>
+        <p:spPr bwMode="auto">
+          <a:xfrm flipV="1">
+            <a:off x="8116715" y="5236840"/>
+            <a:ext cx="1034758" cy="5817"/>
+          </a:xfrm>
+          <a:prstGeom prst="straightConnector1">
+            <a:avLst/>
+          </a:prstGeom>
+          <a:blipFill dpi="0" rotWithShape="0">
+            <a:blip/>
+            <a:srcRect/>
+            <a:tile tx="0" ty="0" sx="100000" sy="100000" flip="none" algn="tl"/>
+          </a:blipFill>
+          <a:ln w="57150" cap="flat" cmpd="sng" algn="ctr">
+            <a:solidFill>
+              <a:srgbClr val="000000"/>
+            </a:solidFill>
+            <a:prstDash val="solid"/>
+            <a:round/>
+            <a:headEnd type="none" w="med" len="med"/>
+            <a:tailEnd type="arrow"/>
+          </a:ln>
+          <a:effectLst/>
+          <a:extLst>
+            <a:ext uri="{AF507438-7753-43E0-B8FC-AC1667EBCBE1}">
+              <a14:hiddenEffects xmlns:a14="http://schemas.microsoft.com/office/drawing/2010/main">
+                <a:effectLst>
+                  <a:outerShdw dist="35921" dir="2700000" algn="ctr" rotWithShape="0">
+                    <a:schemeClr val="bg2"/>
+                  </a:outerShdw>
+                </a:effectLst>
+              </a14:hiddenEffects>
+            </a:ext>
+          </a:extLst>
+        </p:spPr>
+      </p:cxnSp>
+      <p:cxnSp>
+        <p:nvCxnSpPr>
+          <p:cNvPr id="52" name="コネクタ: カギ線 51">
+            <a:extLst>
+              <a:ext uri="{FF2B5EF4-FFF2-40B4-BE49-F238E27FC236}">
+                <a16:creationId xmlns:a16="http://schemas.microsoft.com/office/drawing/2014/main" id="{0D7A78E1-E6F5-4038-857F-DC4E56BB52DE}"/>
+              </a:ext>
+            </a:extLst>
+          </p:cNvPr>
+          <p:cNvCxnSpPr>
+            <a:cxnSpLocks/>
+            <a:stCxn id="45" idx="4"/>
+            <a:endCxn id="43" idx="4"/>
+          </p:cNvCxnSpPr>
+          <p:nvPr/>
+        </p:nvCxnSpPr>
+        <p:spPr bwMode="auto">
+          <a:xfrm rot="5400000">
+            <a:off x="6524706" y="2334627"/>
+            <a:ext cx="5817" cy="8524882"/>
+          </a:xfrm>
+          <a:prstGeom prst="bentConnector3">
+            <a:avLst>
+              <a:gd name="adj1" fmla="val 41973388"/>
+            </a:avLst>
+          </a:prstGeom>
+          <a:blipFill dpi="0" rotWithShape="0">
+            <a:blip/>
+            <a:srcRect/>
+            <a:tile tx="0" ty="0" sx="100000" sy="100000" flip="none" algn="tl"/>
+          </a:blipFill>
+          <a:ln w="57150" cap="flat" cmpd="sng" algn="ctr">
+            <a:solidFill>
+              <a:srgbClr val="000000"/>
+            </a:solidFill>
+            <a:prstDash val="solid"/>
+            <a:round/>
+            <a:headEnd type="none" w="med" len="med"/>
+            <a:tailEnd type="triangle"/>
+          </a:ln>
+          <a:effectLst/>
+          <a:extLst>
+            <a:ext uri="{AF507438-7753-43E0-B8FC-AC1667EBCBE1}">
+              <a14:hiddenEffects xmlns:a14="http://schemas.microsoft.com/office/drawing/2010/main">
+                <a:effectLst>
+                  <a:outerShdw dist="35921" dir="2700000" algn="ctr" rotWithShape="0">
+                    <a:schemeClr val="bg2"/>
+                  </a:outerShdw>
+                </a:effectLst>
+              </a14:hiddenEffects>
+            </a:ext>
+          </a:extLst>
+        </p:spPr>
+      </p:cxnSp>
+      <p:sp>
+        <p:nvSpPr>
+          <p:cNvPr id="63" name="吹き出し: 四角形 62">
+            <a:extLst>
+              <a:ext uri="{FF2B5EF4-FFF2-40B4-BE49-F238E27FC236}">
+                <a16:creationId xmlns:a16="http://schemas.microsoft.com/office/drawing/2014/main" id="{30137517-DF71-4A84-AE20-B1B0408BDC2C}"/>
+              </a:ext>
+            </a:extLst>
+          </p:cNvPr>
+          <p:cNvSpPr/>
+          <p:nvPr/>
+        </p:nvSpPr>
+        <p:spPr>
+          <a:xfrm>
+            <a:off x="3148989" y="6749008"/>
+            <a:ext cx="3185487" cy="1945334"/>
+          </a:xfrm>
+          <a:prstGeom prst="wedgeRectCallout">
+            <a:avLst>
+              <a:gd name="adj1" fmla="val -13220"/>
+              <a:gd name="adj2" fmla="val -93407"/>
+            </a:avLst>
+          </a:prstGeom>
+          <a:noFill/>
+        </p:spPr>
+        <p:style>
+          <a:lnRef idx="2">
+            <a:schemeClr val="accent1">
+              <a:shade val="50000"/>
+            </a:schemeClr>
+          </a:lnRef>
+          <a:fillRef idx="1">
+            <a:schemeClr val="accent1"/>
+          </a:fillRef>
+          <a:effectRef idx="0">
+            <a:schemeClr val="accent1"/>
+          </a:effectRef>
+          <a:fontRef idx="minor">
+            <a:schemeClr val="lt1"/>
+          </a:fontRef>
+        </p:style>
+        <p:txBody>
+          <a:bodyPr rtlCol="0" anchor="ctr"/>
+          <a:lstStyle/>
+          <a:p>
+            <a:pPr algn="ctr"/>
+            <a:endParaRPr kumimoji="1" lang="ja-JP" altLang="en-US" sz="6258"/>
+          </a:p>
+        </p:txBody>
+      </p:sp>
+      <p:sp>
+        <p:nvSpPr>
+          <p:cNvPr id="64" name="吹き出し: 四角形 63">
+            <a:extLst>
+              <a:ext uri="{FF2B5EF4-FFF2-40B4-BE49-F238E27FC236}">
+                <a16:creationId xmlns:a16="http://schemas.microsoft.com/office/drawing/2014/main" id="{76456B98-880C-473E-9D76-FF10E3B2EF2F}"/>
+              </a:ext>
+            </a:extLst>
+          </p:cNvPr>
+          <p:cNvSpPr/>
+          <p:nvPr/>
+        </p:nvSpPr>
+        <p:spPr>
+          <a:xfrm flipV="1">
+            <a:off x="7936158" y="1392224"/>
+            <a:ext cx="3034453" cy="2140461"/>
+          </a:xfrm>
+          <a:prstGeom prst="wedgeRectCallout">
+            <a:avLst>
+              <a:gd name="adj1" fmla="val -29193"/>
+              <a:gd name="adj2" fmla="val -105351"/>
+            </a:avLst>
+          </a:prstGeom>
+          <a:noFill/>
+        </p:spPr>
+        <p:style>
+          <a:lnRef idx="2">
+            <a:schemeClr val="accent1">
+              <a:shade val="50000"/>
+            </a:schemeClr>
+          </a:lnRef>
+          <a:fillRef idx="1">
+            <a:schemeClr val="accent1"/>
+          </a:fillRef>
+          <a:effectRef idx="0">
+            <a:schemeClr val="accent1"/>
+          </a:effectRef>
+          <a:fontRef idx="minor">
+            <a:schemeClr val="lt1"/>
+          </a:fontRef>
+        </p:style>
+        <p:txBody>
+          <a:bodyPr rtlCol="0" anchor="ctr"/>
+          <a:lstStyle/>
+          <a:p>
+            <a:pPr algn="ctr"/>
+            <a:endParaRPr kumimoji="1" lang="ja-JP" altLang="en-US" sz="6258"/>
+          </a:p>
+        </p:txBody>
+      </p:sp>
+      <p:sp>
+        <p:nvSpPr>
+          <p:cNvPr id="2" name="テキスト ボックス 1">
+            <a:extLst>
+              <a:ext uri="{FF2B5EF4-FFF2-40B4-BE49-F238E27FC236}">
+                <a16:creationId xmlns:a16="http://schemas.microsoft.com/office/drawing/2014/main" id="{9C1413FE-11EC-4ED7-BB21-7C044FDC0934}"/>
+              </a:ext>
+            </a:extLst>
+          </p:cNvPr>
+          <p:cNvSpPr txBox="1"/>
+          <p:nvPr/>
+        </p:nvSpPr>
+        <p:spPr>
+          <a:xfrm>
+            <a:off x="3265568" y="7303019"/>
+            <a:ext cx="2952328" cy="1477328"/>
+          </a:xfrm>
+          <a:prstGeom prst="rect">
+            <a:avLst/>
+          </a:prstGeom>
+          <a:noFill/>
+        </p:spPr>
+        <p:txBody>
           <a:bodyPr wrap="square" rtlCol="0">
             <a:spAutoFit/>
           </a:bodyPr>
           <a:lstStyle/>
           <a:p>
             <a:r>
-              <a:rPr kumimoji="1" lang="en-US" altLang="ja-JP" sz="2800" dirty="0"/>
-              <a:t>Gravity +</a:t>
-            </a:r>
-            <a:r>
-              <a:rPr kumimoji="1" lang="ja-JP" altLang="en-US" sz="2800" dirty="0"/>
-              <a:t> </a:t>
-            </a:r>
-            <a:r>
-              <a:rPr kumimoji="1" lang="en-US" altLang="ja-JP" sz="2800" dirty="0"/>
-              <a:t>Ability</a:t>
-            </a:r>
-          </a:p>
-          <a:p>
-            <a:r>
-              <a:rPr kumimoji="1" lang="ja-JP" altLang="en-US" sz="2800" dirty="0"/>
-              <a:t>意味が伝わりづらいと思うのでタイトルロゴにアニメーションを付けて工夫する</a:t>
+              <a:rPr kumimoji="1" lang="ja-JP" altLang="en-US" sz="1800" dirty="0">
+                <a:latin typeface="HGS創英角ｺﾞｼｯｸUB" panose="020B0900000000000000" pitchFamily="50" charset="-128"/>
+                <a:ea typeface="HGS創英角ｺﾞｼｯｸUB" panose="020B0900000000000000" pitchFamily="50" charset="-128"/>
+              </a:rPr>
+              <a:t>ステージの構造や敵の能力や配置を把握</a:t>
+            </a:r>
+            <a:endParaRPr kumimoji="1" lang="en-US" altLang="ja-JP" sz="1800" dirty="0">
+              <a:latin typeface="HGS創英角ｺﾞｼｯｸUB" panose="020B0900000000000000" pitchFamily="50" charset="-128"/>
+              <a:ea typeface="HGS創英角ｺﾞｼｯｸUB" panose="020B0900000000000000" pitchFamily="50" charset="-128"/>
+            </a:endParaRPr>
+          </a:p>
+          <a:p>
+            <a:r>
+              <a:rPr kumimoji="1" lang="ja-JP" altLang="en-US" sz="1800" dirty="0">
+                <a:latin typeface="HGS創英角ｺﾞｼｯｸUB" panose="020B0900000000000000" pitchFamily="50" charset="-128"/>
+                <a:ea typeface="HGS創英角ｺﾞｼｯｸUB" panose="020B0900000000000000" pitchFamily="50" charset="-128"/>
+              </a:rPr>
+              <a:t>↓</a:t>
+            </a:r>
+            <a:endParaRPr kumimoji="1" lang="en-US" altLang="ja-JP" sz="1800" dirty="0">
+              <a:latin typeface="HGS創英角ｺﾞｼｯｸUB" panose="020B0900000000000000" pitchFamily="50" charset="-128"/>
+              <a:ea typeface="HGS創英角ｺﾞｼｯｸUB" panose="020B0900000000000000" pitchFamily="50" charset="-128"/>
+            </a:endParaRPr>
+          </a:p>
+          <a:p>
+            <a:r>
+              <a:rPr kumimoji="1" lang="ja-JP" altLang="en-US" sz="1800" dirty="0">
+                <a:latin typeface="HGS創英角ｺﾞｼｯｸUB" panose="020B0900000000000000" pitchFamily="50" charset="-128"/>
+                <a:ea typeface="HGS創英角ｺﾞｼｯｸUB" panose="020B0900000000000000" pitchFamily="50" charset="-128"/>
+              </a:rPr>
+              <a:t>最適なルートを導き出す</a:t>
+            </a:r>
+            <a:endParaRPr kumimoji="1" lang="en-US" altLang="ja-JP" sz="1800" dirty="0">
+              <a:latin typeface="HGS創英角ｺﾞｼｯｸUB" panose="020B0900000000000000" pitchFamily="50" charset="-128"/>
+              <a:ea typeface="HGS創英角ｺﾞｼｯｸUB" panose="020B0900000000000000" pitchFamily="50" charset="-128"/>
+            </a:endParaRPr>
+          </a:p>
+          <a:p>
+            <a:endParaRPr kumimoji="1" lang="ja-JP" altLang="en-US" sz="1800" dirty="0"/>
+          </a:p>
+        </p:txBody>
+      </p:sp>
+      <p:sp>
+        <p:nvSpPr>
+          <p:cNvPr id="26" name="テキスト ボックス 25">
+            <a:extLst>
+              <a:ext uri="{FF2B5EF4-FFF2-40B4-BE49-F238E27FC236}">
+                <a16:creationId xmlns:a16="http://schemas.microsoft.com/office/drawing/2014/main" id="{8E5654BA-90D5-4737-91D1-B852FD727474}"/>
+              </a:ext>
+            </a:extLst>
+          </p:cNvPr>
+          <p:cNvSpPr txBox="1"/>
+          <p:nvPr/>
+        </p:nvSpPr>
+        <p:spPr>
+          <a:xfrm>
+            <a:off x="3123220" y="6841354"/>
+            <a:ext cx="3120254" cy="461665"/>
+          </a:xfrm>
+          <a:prstGeom prst="rect">
+            <a:avLst/>
+          </a:prstGeom>
+          <a:noFill/>
+        </p:spPr>
+        <p:txBody>
+          <a:bodyPr wrap="square" rtlCol="0">
+            <a:spAutoFit/>
+          </a:bodyPr>
+          <a:lstStyle/>
+          <a:p>
+            <a:r>
+              <a:rPr kumimoji="1" lang="ja-JP" altLang="en-US" sz="2400" dirty="0">
+                <a:latin typeface="HGS創英角ｺﾞｼｯｸUB" panose="020B0900000000000000" pitchFamily="50" charset="-128"/>
+                <a:ea typeface="HGS創英角ｺﾞｼｯｸUB" panose="020B0900000000000000" pitchFamily="50" charset="-128"/>
+              </a:rPr>
+              <a:t>①考える</a:t>
+            </a:r>
+          </a:p>
+        </p:txBody>
+      </p:sp>
+      <p:sp>
+        <p:nvSpPr>
+          <p:cNvPr id="27" name="テキスト ボックス 26">
+            <a:extLst>
+              <a:ext uri="{FF2B5EF4-FFF2-40B4-BE49-F238E27FC236}">
+                <a16:creationId xmlns:a16="http://schemas.microsoft.com/office/drawing/2014/main" id="{652BA864-456C-4AC7-A0ED-9B7112B92BB5}"/>
+              </a:ext>
+            </a:extLst>
+          </p:cNvPr>
+          <p:cNvSpPr txBox="1"/>
+          <p:nvPr/>
+        </p:nvSpPr>
+        <p:spPr>
+          <a:xfrm>
+            <a:off x="5626590" y="4156720"/>
+            <a:ext cx="1415772" cy="584775"/>
+          </a:xfrm>
+          <a:prstGeom prst="rect">
+            <a:avLst/>
+          </a:prstGeom>
+          <a:noFill/>
+        </p:spPr>
+        <p:txBody>
+          <a:bodyPr wrap="none" rtlCol="0">
+            <a:spAutoFit/>
+          </a:bodyPr>
+          <a:lstStyle/>
+          <a:p>
+            <a:r>
+              <a:rPr kumimoji="1" lang="ja-JP" altLang="en-US" sz="3200" dirty="0">
+                <a:latin typeface="HGS創英角ｺﾞｼｯｸUB" panose="020B0900000000000000" pitchFamily="50" charset="-128"/>
+                <a:ea typeface="HGS創英角ｺﾞｼｯｸUB" panose="020B0900000000000000" pitchFamily="50" charset="-128"/>
+              </a:rPr>
+              <a:t>②行動</a:t>
+            </a:r>
+          </a:p>
+        </p:txBody>
+      </p:sp>
+      <p:sp>
+        <p:nvSpPr>
+          <p:cNvPr id="28" name="テキスト ボックス 27">
+            <a:extLst>
+              <a:ext uri="{FF2B5EF4-FFF2-40B4-BE49-F238E27FC236}">
+                <a16:creationId xmlns:a16="http://schemas.microsoft.com/office/drawing/2014/main" id="{39E17C62-3C6C-4E8A-9945-0E9B2F9F6306}"/>
+              </a:ext>
+            </a:extLst>
+          </p:cNvPr>
+          <p:cNvSpPr txBox="1"/>
+          <p:nvPr/>
+        </p:nvSpPr>
+        <p:spPr>
+          <a:xfrm>
+            <a:off x="8642710" y="1453765"/>
+            <a:ext cx="1415772" cy="584775"/>
+          </a:xfrm>
+          <a:prstGeom prst="rect">
+            <a:avLst/>
+          </a:prstGeom>
+          <a:noFill/>
+        </p:spPr>
+        <p:txBody>
+          <a:bodyPr wrap="none" rtlCol="0">
+            <a:spAutoFit/>
+          </a:bodyPr>
+          <a:lstStyle/>
+          <a:p>
+            <a:r>
+              <a:rPr kumimoji="1" lang="ja-JP" altLang="en-US" sz="3200" dirty="0">
+                <a:latin typeface="HGS創英角ｺﾞｼｯｸUB" panose="020B0900000000000000" pitchFamily="50" charset="-128"/>
+                <a:ea typeface="HGS創英角ｺﾞｼｯｸUB" panose="020B0900000000000000" pitchFamily="50" charset="-128"/>
+              </a:rPr>
+              <a:t>③結果</a:t>
+            </a:r>
+          </a:p>
+        </p:txBody>
+      </p:sp>
+      <p:sp>
+        <p:nvSpPr>
+          <p:cNvPr id="29" name="テキスト ボックス 28">
+            <a:extLst>
+              <a:ext uri="{FF2B5EF4-FFF2-40B4-BE49-F238E27FC236}">
+                <a16:creationId xmlns:a16="http://schemas.microsoft.com/office/drawing/2014/main" id="{ED6A3D08-2D4F-4FB6-B1FC-02C95D68C5BF}"/>
+              </a:ext>
+            </a:extLst>
+          </p:cNvPr>
+          <p:cNvSpPr txBox="1"/>
+          <p:nvPr/>
+        </p:nvSpPr>
+        <p:spPr>
+          <a:xfrm>
+            <a:off x="7822169" y="2258001"/>
+            <a:ext cx="3262432" cy="830997"/>
+          </a:xfrm>
+          <a:prstGeom prst="rect">
+            <a:avLst/>
+          </a:prstGeom>
+          <a:noFill/>
+        </p:spPr>
+        <p:txBody>
+          <a:bodyPr wrap="none" rtlCol="0">
+            <a:spAutoFit/>
+          </a:bodyPr>
+          <a:lstStyle/>
+          <a:p>
+            <a:r>
+              <a:rPr kumimoji="1" lang="ja-JP" altLang="en-US" sz="2400" dirty="0">
+                <a:latin typeface="HGS創英角ｺﾞｼｯｸUB" panose="020B0900000000000000" pitchFamily="50" charset="-128"/>
+                <a:ea typeface="HGS創英角ｺﾞｼｯｸUB" panose="020B0900000000000000" pitchFamily="50" charset="-128"/>
+              </a:rPr>
+              <a:t>成功：ステージクリア</a:t>
+            </a:r>
+            <a:endParaRPr kumimoji="1" lang="en-US" altLang="ja-JP" sz="2400" dirty="0">
+              <a:latin typeface="HGS創英角ｺﾞｼｯｸUB" panose="020B0900000000000000" pitchFamily="50" charset="-128"/>
+              <a:ea typeface="HGS創英角ｺﾞｼｯｸUB" panose="020B0900000000000000" pitchFamily="50" charset="-128"/>
+            </a:endParaRPr>
+          </a:p>
+          <a:p>
+            <a:r>
+              <a:rPr kumimoji="1" lang="ja-JP" altLang="en-US" sz="2400" dirty="0">
+                <a:latin typeface="HGS創英角ｺﾞｼｯｸUB" panose="020B0900000000000000" pitchFamily="50" charset="-128"/>
+                <a:ea typeface="HGS創英角ｺﾞｼｯｸUB" panose="020B0900000000000000" pitchFamily="50" charset="-128"/>
+              </a:rPr>
+              <a:t>失敗：①からやり直し</a:t>
+            </a:r>
+          </a:p>
+        </p:txBody>
+      </p:sp>
+      <p:sp>
+        <p:nvSpPr>
+          <p:cNvPr id="3" name="テキスト ボックス 2">
+            <a:extLst>
+              <a:ext uri="{FF2B5EF4-FFF2-40B4-BE49-F238E27FC236}">
+                <a16:creationId xmlns:a16="http://schemas.microsoft.com/office/drawing/2014/main" id="{0D1D0BBB-D7FF-4D1B-A520-6B12AA102A1B}"/>
+              </a:ext>
+            </a:extLst>
+          </p:cNvPr>
+          <p:cNvSpPr txBox="1"/>
+          <p:nvPr/>
+        </p:nvSpPr>
+        <p:spPr>
+          <a:xfrm>
+            <a:off x="2044721" y="2104112"/>
+            <a:ext cx="2441694" cy="769441"/>
+          </a:xfrm>
+          <a:prstGeom prst="rect">
+            <a:avLst/>
+          </a:prstGeom>
+          <a:noFill/>
+        </p:spPr>
+        <p:txBody>
+          <a:bodyPr wrap="none" rtlCol="0">
+            <a:spAutoFit/>
+          </a:bodyPr>
+          <a:lstStyle/>
+          <a:p>
+            <a:r>
+              <a:rPr kumimoji="1" lang="ja-JP" altLang="en-US" dirty="0">
+                <a:latin typeface="HGS創英角ｺﾞｼｯｸUB" panose="020B0900000000000000" pitchFamily="50" charset="-128"/>
+                <a:ea typeface="HGS創英角ｺﾞｼｯｸUB" panose="020B0900000000000000" pitchFamily="50" charset="-128"/>
+              </a:rPr>
+              <a:t>ボス以外</a:t>
             </a:r>
           </a:p>
         </p:txBody>
@@ -4990,7 +7584,926 @@
     </p:spTree>
     <p:extLst>
       <p:ext uri="{BB962C8B-B14F-4D97-AF65-F5344CB8AC3E}">
-        <p14:creationId xmlns:p14="http://schemas.microsoft.com/office/powerpoint/2010/main" val="2395951525"/>
+        <p14:creationId xmlns:p14="http://schemas.microsoft.com/office/powerpoint/2010/main" val="3229065520"/>
+      </p:ext>
+    </p:extLst>
+  </p:cSld>
+  <p:clrMapOvr>
+    <a:masterClrMapping/>
+  </p:clrMapOvr>
+  <p:transition/>
+</p:sld>
+</file>
+
+<file path=ppt/slides/slide12.xml><?xml version="1.0" encoding="utf-8"?>
+<p:sld xmlns:a="http://schemas.openxmlformats.org/drawingml/2006/main" xmlns:r="http://schemas.openxmlformats.org/officeDocument/2006/relationships" xmlns:p="http://schemas.openxmlformats.org/presentationml/2006/main">
+  <p:cSld>
+    <p:spTree>
+      <p:nvGrpSpPr>
+        <p:cNvPr id="1" name=""/>
+        <p:cNvGrpSpPr/>
+        <p:nvPr/>
+      </p:nvGrpSpPr>
+      <p:grpSpPr>
+        <a:xfrm>
+          <a:off x="0" y="0"/>
+          <a:ext cx="0" cy="0"/>
+          <a:chOff x="0" y="0"/>
+          <a:chExt cx="0" cy="0"/>
+        </a:xfrm>
+      </p:grpSpPr>
+      <p:sp>
+        <p:nvSpPr>
+          <p:cNvPr id="6" name="額縁 5"/>
+          <p:cNvSpPr/>
+          <p:nvPr/>
+        </p:nvSpPr>
+        <p:spPr bwMode="auto">
+          <a:xfrm>
+            <a:off x="309712" y="268289"/>
+            <a:ext cx="10513168" cy="792088"/>
+          </a:xfrm>
+          <a:prstGeom prst="bevel">
+            <a:avLst/>
+          </a:prstGeom>
+          <a:solidFill>
+            <a:schemeClr val="accent5">
+              <a:lumMod val="25000"/>
+            </a:schemeClr>
+          </a:solidFill>
+          <a:ln>
+            <a:solidFill>
+              <a:schemeClr val="accent3"/>
+            </a:solidFill>
+            <a:headEnd type="none" w="med" len="med"/>
+            <a:tailEnd type="none" w="med" len="med"/>
+          </a:ln>
+          <a:effectLst/>
+        </p:spPr>
+        <p:style>
+          <a:lnRef idx="1">
+            <a:schemeClr val="accent1"/>
+          </a:lnRef>
+          <a:fillRef idx="2">
+            <a:schemeClr val="accent1"/>
+          </a:fillRef>
+          <a:effectRef idx="1">
+            <a:schemeClr val="accent1"/>
+          </a:effectRef>
+          <a:fontRef idx="minor">
+            <a:schemeClr val="dk1"/>
+          </a:fontRef>
+        </p:style>
+        <p:txBody>
+          <a:bodyPr vert="horz" wrap="square" lIns="91436" tIns="45719" rIns="91436" bIns="45719" numCol="1" rtlCol="0" anchor="t" anchorCtr="0" compatLnSpc="1">
+            <a:prstTxWarp prst="textNoShape">
+              <a:avLst/>
+            </a:prstTxWarp>
+          </a:bodyPr>
+          <a:lstStyle/>
+          <a:p>
+            <a:pPr defTabSz="914354"/>
+            <a:r>
+              <a:rPr lang="ja-JP" altLang="en-US" sz="3556" dirty="0">
+                <a:solidFill>
+                  <a:schemeClr val="bg1"/>
+                </a:solidFill>
+                <a:latin typeface="ＭＳ Ｐゴシック" panose="020B0600070205080204" pitchFamily="50" charset="-128"/>
+                <a:ea typeface="ＭＳ Ｐゴシック" panose="020B0600070205080204" pitchFamily="50" charset="-128"/>
+                <a:cs typeface="メイリオ" pitchFamily="50" charset="-128"/>
+              </a:rPr>
+              <a:t>考える⇔操作する　②　（感触）</a:t>
+            </a:r>
+          </a:p>
+        </p:txBody>
+      </p:sp>
+      <p:sp>
+        <p:nvSpPr>
+          <p:cNvPr id="43" name="円/楕円 2">
+            <a:extLst>
+              <a:ext uri="{FF2B5EF4-FFF2-40B4-BE49-F238E27FC236}">
+                <a16:creationId xmlns:a16="http://schemas.microsoft.com/office/drawing/2014/main" id="{83240305-63C5-4B56-9CCC-4BFA65CA6C6C}"/>
+              </a:ext>
+            </a:extLst>
+          </p:cNvPr>
+          <p:cNvSpPr/>
+          <p:nvPr/>
+        </p:nvSpPr>
+        <p:spPr bwMode="auto">
+          <a:xfrm>
+            <a:off x="577682" y="3885337"/>
+            <a:ext cx="3374982" cy="2714640"/>
+          </a:xfrm>
+          <a:prstGeom prst="ellipse">
+            <a:avLst/>
+          </a:prstGeom>
+          <a:solidFill>
+            <a:schemeClr val="bg1"/>
+          </a:solidFill>
+          <a:ln w="19050">
+            <a:solidFill>
+              <a:srgbClr val="FF0000"/>
+            </a:solidFill>
+            <a:headEnd type="none" w="med" len="med"/>
+            <a:tailEnd type="none" w="med" len="med"/>
+          </a:ln>
+          <a:effectLst/>
+        </p:spPr>
+        <p:style>
+          <a:lnRef idx="1">
+            <a:schemeClr val="accent1"/>
+          </a:lnRef>
+          <a:fillRef idx="2">
+            <a:schemeClr val="accent1"/>
+          </a:fillRef>
+          <a:effectRef idx="1">
+            <a:schemeClr val="accent1"/>
+          </a:effectRef>
+          <a:fontRef idx="minor">
+            <a:schemeClr val="dk1"/>
+          </a:fontRef>
+        </p:style>
+        <p:txBody>
+          <a:bodyPr vert="horz" wrap="square" lIns="130048" tIns="65024" rIns="130048" bIns="65024" numCol="1" rtlCol="0" anchor="ctr" anchorCtr="0" compatLnSpc="1">
+            <a:prstTxWarp prst="textNoShape">
+              <a:avLst/>
+            </a:prstTxWarp>
+          </a:bodyPr>
+          <a:lstStyle/>
+          <a:p>
+            <a:pPr defTabSz="1300460"/>
+            <a:r>
+              <a:rPr lang="ja-JP" altLang="en-US" sz="1991" dirty="0">
+                <a:solidFill>
+                  <a:srgbClr val="000000"/>
+                </a:solidFill>
+                <a:latin typeface="HGP創英角ｺﾞｼｯｸUB" panose="020B0900000000000000" pitchFamily="50" charset="-128"/>
+                <a:ea typeface="HGP創英角ｺﾞｼｯｸUB" panose="020B0900000000000000" pitchFamily="50" charset="-128"/>
+                <a:cs typeface="メイリオ" pitchFamily="50" charset="-128"/>
+              </a:rPr>
+              <a:t>ボスステージに侵入しボスと戦闘</a:t>
+            </a:r>
+            <a:endParaRPr lang="en-US" altLang="ja-JP" sz="1991" dirty="0">
+              <a:solidFill>
+                <a:srgbClr val="000000"/>
+              </a:solidFill>
+              <a:latin typeface="HGP創英角ｺﾞｼｯｸUB" panose="020B0900000000000000" pitchFamily="50" charset="-128"/>
+              <a:ea typeface="HGP創英角ｺﾞｼｯｸUB" panose="020B0900000000000000" pitchFamily="50" charset="-128"/>
+              <a:cs typeface="メイリオ" pitchFamily="50" charset="-128"/>
+            </a:endParaRPr>
+          </a:p>
+        </p:txBody>
+      </p:sp>
+      <p:sp>
+        <p:nvSpPr>
+          <p:cNvPr id="44" name="円/楕円 7">
+            <a:extLst>
+              <a:ext uri="{FF2B5EF4-FFF2-40B4-BE49-F238E27FC236}">
+                <a16:creationId xmlns:a16="http://schemas.microsoft.com/office/drawing/2014/main" id="{DC4B5910-97F7-4BDB-B713-85CAF7443061}"/>
+              </a:ext>
+            </a:extLst>
+          </p:cNvPr>
+          <p:cNvSpPr/>
+          <p:nvPr/>
+        </p:nvSpPr>
+        <p:spPr bwMode="auto">
+          <a:xfrm>
+            <a:off x="4741733" y="3885337"/>
+            <a:ext cx="3374982" cy="2714640"/>
+          </a:xfrm>
+          <a:prstGeom prst="ellipse">
+            <a:avLst/>
+          </a:prstGeom>
+          <a:solidFill>
+            <a:schemeClr val="bg1"/>
+          </a:solidFill>
+          <a:ln w="19050">
+            <a:solidFill>
+              <a:srgbClr val="FFC000"/>
+            </a:solidFill>
+            <a:headEnd type="none" w="med" len="med"/>
+            <a:tailEnd type="none" w="med" len="med"/>
+          </a:ln>
+          <a:effectLst/>
+        </p:spPr>
+        <p:style>
+          <a:lnRef idx="1">
+            <a:schemeClr val="accent1"/>
+          </a:lnRef>
+          <a:fillRef idx="2">
+            <a:schemeClr val="accent1"/>
+          </a:fillRef>
+          <a:effectRef idx="1">
+            <a:schemeClr val="accent1"/>
+          </a:effectRef>
+          <a:fontRef idx="minor">
+            <a:schemeClr val="dk1"/>
+          </a:fontRef>
+        </p:style>
+        <p:txBody>
+          <a:bodyPr vert="horz" wrap="square" lIns="130048" tIns="65024" rIns="130048" bIns="65024" numCol="1" rtlCol="0" anchor="ctr" anchorCtr="0" compatLnSpc="1">
+            <a:prstTxWarp prst="textNoShape">
+              <a:avLst/>
+            </a:prstTxWarp>
+          </a:bodyPr>
+          <a:lstStyle/>
+          <a:p>
+            <a:pPr defTabSz="1300460"/>
+            <a:endParaRPr lang="en-US" altLang="ja-JP" sz="1991" dirty="0">
+              <a:solidFill>
+                <a:srgbClr val="000000"/>
+              </a:solidFill>
+              <a:latin typeface="HGP創英角ｺﾞｼｯｸUB" panose="020B0900000000000000" pitchFamily="50" charset="-128"/>
+              <a:ea typeface="HGP創英角ｺﾞｼｯｸUB" panose="020B0900000000000000" pitchFamily="50" charset="-128"/>
+              <a:cs typeface="メイリオ" pitchFamily="50" charset="-128"/>
+            </a:endParaRPr>
+          </a:p>
+          <a:p>
+            <a:pPr defTabSz="1300460"/>
+            <a:r>
+              <a:rPr lang="ja-JP" altLang="en-US" sz="1991" dirty="0">
+                <a:solidFill>
+                  <a:srgbClr val="000000"/>
+                </a:solidFill>
+                <a:latin typeface="HGP創英角ｺﾞｼｯｸUB" panose="020B0900000000000000" pitchFamily="50" charset="-128"/>
+                <a:ea typeface="HGP創英角ｺﾞｼｯｸUB" panose="020B0900000000000000" pitchFamily="50" charset="-128"/>
+                <a:cs typeface="メイリオ" pitchFamily="50" charset="-128"/>
+              </a:rPr>
+              <a:t>①で考えたルート通りに進めるよう、</a:t>
+            </a:r>
+            <a:endParaRPr lang="en-US" altLang="ja-JP" sz="1991" dirty="0">
+              <a:solidFill>
+                <a:srgbClr val="000000"/>
+              </a:solidFill>
+              <a:latin typeface="HGP創英角ｺﾞｼｯｸUB" panose="020B0900000000000000" pitchFamily="50" charset="-128"/>
+              <a:ea typeface="HGP創英角ｺﾞｼｯｸUB" panose="020B0900000000000000" pitchFamily="50" charset="-128"/>
+              <a:cs typeface="メイリオ" pitchFamily="50" charset="-128"/>
+            </a:endParaRPr>
+          </a:p>
+          <a:p>
+            <a:pPr defTabSz="1300460"/>
+            <a:r>
+              <a:rPr lang="ja-JP" altLang="en-US" sz="1991" dirty="0">
+                <a:solidFill>
+                  <a:srgbClr val="000000"/>
+                </a:solidFill>
+                <a:latin typeface="HGP創英角ｺﾞｼｯｸUB" panose="020B0900000000000000" pitchFamily="50" charset="-128"/>
+                <a:ea typeface="HGP創英角ｺﾞｼｯｸUB" panose="020B0900000000000000" pitchFamily="50" charset="-128"/>
+                <a:cs typeface="メイリオ" pitchFamily="50" charset="-128"/>
+              </a:rPr>
+              <a:t>パワーをコントロールし発射！</a:t>
+            </a:r>
+          </a:p>
+        </p:txBody>
+      </p:sp>
+      <p:sp>
+        <p:nvSpPr>
+          <p:cNvPr id="45" name="円/楕円 2">
+            <a:extLst>
+              <a:ext uri="{FF2B5EF4-FFF2-40B4-BE49-F238E27FC236}">
+                <a16:creationId xmlns:a16="http://schemas.microsoft.com/office/drawing/2014/main" id="{DBCD7921-8338-4375-B5C4-25E9FCAA9210}"/>
+              </a:ext>
+            </a:extLst>
+          </p:cNvPr>
+          <p:cNvSpPr/>
+          <p:nvPr/>
+        </p:nvSpPr>
+        <p:spPr bwMode="auto">
+          <a:xfrm>
+            <a:off x="9151473" y="3879520"/>
+            <a:ext cx="3277164" cy="2714640"/>
+          </a:xfrm>
+          <a:prstGeom prst="ellipse">
+            <a:avLst/>
+          </a:prstGeom>
+          <a:solidFill>
+            <a:schemeClr val="bg1"/>
+          </a:solidFill>
+          <a:ln w="19050">
+            <a:solidFill>
+              <a:srgbClr val="FF0000"/>
+            </a:solidFill>
+            <a:headEnd type="none" w="med" len="med"/>
+            <a:tailEnd type="none" w="med" len="med"/>
+          </a:ln>
+          <a:effectLst/>
+        </p:spPr>
+        <p:style>
+          <a:lnRef idx="1">
+            <a:schemeClr val="accent1"/>
+          </a:lnRef>
+          <a:fillRef idx="2">
+            <a:schemeClr val="accent1"/>
+          </a:fillRef>
+          <a:effectRef idx="1">
+            <a:schemeClr val="accent1"/>
+          </a:effectRef>
+          <a:fontRef idx="minor">
+            <a:schemeClr val="dk1"/>
+          </a:fontRef>
+        </p:style>
+        <p:txBody>
+          <a:bodyPr vert="horz" wrap="square" lIns="130048" tIns="65024" rIns="130048" bIns="65024" numCol="1" rtlCol="0" anchor="ctr" anchorCtr="0" compatLnSpc="1">
+            <a:prstTxWarp prst="textNoShape">
+              <a:avLst/>
+            </a:prstTxWarp>
+          </a:bodyPr>
+          <a:lstStyle/>
+          <a:p>
+            <a:pPr defTabSz="1300460"/>
+            <a:r>
+              <a:rPr lang="ja-JP" altLang="en-US" sz="1991" dirty="0">
+                <a:solidFill>
+                  <a:srgbClr val="000000"/>
+                </a:solidFill>
+                <a:latin typeface="HGP創英角ｺﾞｼｯｸUB" panose="020B0900000000000000" pitchFamily="50" charset="-128"/>
+                <a:ea typeface="HGP創英角ｺﾞｼｯｸUB" panose="020B0900000000000000" pitchFamily="50" charset="-128"/>
+                <a:cs typeface="メイリオ" pitchFamily="50" charset="-128"/>
+              </a:rPr>
+              <a:t>次の装甲を破壊する</a:t>
+            </a:r>
+            <a:endParaRPr lang="en-US" altLang="ja-JP" sz="1991" dirty="0">
+              <a:solidFill>
+                <a:srgbClr val="000000"/>
+              </a:solidFill>
+              <a:latin typeface="HGP創英角ｺﾞｼｯｸUB" panose="020B0900000000000000" pitchFamily="50" charset="-128"/>
+              <a:ea typeface="HGP創英角ｺﾞｼｯｸUB" panose="020B0900000000000000" pitchFamily="50" charset="-128"/>
+              <a:cs typeface="メイリオ" pitchFamily="50" charset="-128"/>
+            </a:endParaRPr>
+          </a:p>
+          <a:p>
+            <a:pPr defTabSz="1300460"/>
+            <a:endParaRPr lang="en-US" altLang="ja-JP" sz="1991" dirty="0">
+              <a:solidFill>
+                <a:srgbClr val="000000"/>
+              </a:solidFill>
+              <a:latin typeface="HGP創英角ｺﾞｼｯｸUB" panose="020B0900000000000000" pitchFamily="50" charset="-128"/>
+              <a:ea typeface="HGP創英角ｺﾞｼｯｸUB" panose="020B0900000000000000" pitchFamily="50" charset="-128"/>
+              <a:cs typeface="メイリオ" pitchFamily="50" charset="-128"/>
+            </a:endParaRPr>
+          </a:p>
+          <a:p>
+            <a:pPr defTabSz="1300460"/>
+            <a:r>
+              <a:rPr lang="ja-JP" altLang="en-US" sz="1991" dirty="0">
+                <a:solidFill>
+                  <a:srgbClr val="000000"/>
+                </a:solidFill>
+                <a:latin typeface="HGP創英角ｺﾞｼｯｸUB" panose="020B0900000000000000" pitchFamily="50" charset="-128"/>
+                <a:ea typeface="HGP創英角ｺﾞｼｯｸUB" panose="020B0900000000000000" pitchFamily="50" charset="-128"/>
+                <a:cs typeface="メイリオ" pitchFamily="50" charset="-128"/>
+              </a:rPr>
+              <a:t>全ての装甲を破壊できるとトドメのチャンス！</a:t>
+            </a:r>
+          </a:p>
+        </p:txBody>
+      </p:sp>
+      <p:cxnSp>
+        <p:nvCxnSpPr>
+          <p:cNvPr id="46" name="直線矢印コネクタ 45">
+            <a:extLst>
+              <a:ext uri="{FF2B5EF4-FFF2-40B4-BE49-F238E27FC236}">
+                <a16:creationId xmlns:a16="http://schemas.microsoft.com/office/drawing/2014/main" id="{A4C53935-3D46-48F0-ADFA-1AD01C1B3A77}"/>
+              </a:ext>
+            </a:extLst>
+          </p:cNvPr>
+          <p:cNvCxnSpPr>
+            <a:cxnSpLocks/>
+            <a:stCxn id="43" idx="6"/>
+            <a:endCxn id="44" idx="2"/>
+          </p:cNvCxnSpPr>
+          <p:nvPr/>
+        </p:nvCxnSpPr>
+        <p:spPr bwMode="auto">
+          <a:xfrm>
+            <a:off x="3952664" y="5242657"/>
+            <a:ext cx="789069" cy="0"/>
+          </a:xfrm>
+          <a:prstGeom prst="straightConnector1">
+            <a:avLst/>
+          </a:prstGeom>
+          <a:blipFill dpi="0" rotWithShape="0">
+            <a:blip/>
+            <a:srcRect/>
+            <a:tile tx="0" ty="0" sx="100000" sy="100000" flip="none" algn="tl"/>
+          </a:blipFill>
+          <a:ln w="57150" cap="flat" cmpd="sng" algn="ctr">
+            <a:solidFill>
+              <a:srgbClr val="000000"/>
+            </a:solidFill>
+            <a:prstDash val="solid"/>
+            <a:round/>
+            <a:headEnd type="none" w="med" len="med"/>
+            <a:tailEnd type="arrow"/>
+          </a:ln>
+          <a:effectLst/>
+          <a:extLst>
+            <a:ext uri="{AF507438-7753-43E0-B8FC-AC1667EBCBE1}">
+              <a14:hiddenEffects xmlns:a14="http://schemas.microsoft.com/office/drawing/2010/main">
+                <a:effectLst>
+                  <a:outerShdw dist="35921" dir="2700000" algn="ctr" rotWithShape="0">
+                    <a:schemeClr val="bg2"/>
+                  </a:outerShdw>
+                </a:effectLst>
+              </a14:hiddenEffects>
+            </a:ext>
+          </a:extLst>
+        </p:spPr>
+      </p:cxnSp>
+      <p:cxnSp>
+        <p:nvCxnSpPr>
+          <p:cNvPr id="49" name="直線矢印コネクタ 48">
+            <a:extLst>
+              <a:ext uri="{FF2B5EF4-FFF2-40B4-BE49-F238E27FC236}">
+                <a16:creationId xmlns:a16="http://schemas.microsoft.com/office/drawing/2014/main" id="{09E5B85E-BBC3-48DE-B552-95EB030AE74A}"/>
+              </a:ext>
+            </a:extLst>
+          </p:cNvPr>
+          <p:cNvCxnSpPr>
+            <a:cxnSpLocks/>
+            <a:stCxn id="44" idx="6"/>
+            <a:endCxn id="45" idx="2"/>
+          </p:cNvCxnSpPr>
+          <p:nvPr/>
+        </p:nvCxnSpPr>
+        <p:spPr bwMode="auto">
+          <a:xfrm flipV="1">
+            <a:off x="8116715" y="5236840"/>
+            <a:ext cx="1034758" cy="5817"/>
+          </a:xfrm>
+          <a:prstGeom prst="straightConnector1">
+            <a:avLst/>
+          </a:prstGeom>
+          <a:blipFill dpi="0" rotWithShape="0">
+            <a:blip/>
+            <a:srcRect/>
+            <a:tile tx="0" ty="0" sx="100000" sy="100000" flip="none" algn="tl"/>
+          </a:blipFill>
+          <a:ln w="57150" cap="flat" cmpd="sng" algn="ctr">
+            <a:solidFill>
+              <a:srgbClr val="000000"/>
+            </a:solidFill>
+            <a:prstDash val="solid"/>
+            <a:round/>
+            <a:headEnd type="none" w="med" len="med"/>
+            <a:tailEnd type="arrow"/>
+          </a:ln>
+          <a:effectLst/>
+          <a:extLst>
+            <a:ext uri="{AF507438-7753-43E0-B8FC-AC1667EBCBE1}">
+              <a14:hiddenEffects xmlns:a14="http://schemas.microsoft.com/office/drawing/2010/main">
+                <a:effectLst>
+                  <a:outerShdw dist="35921" dir="2700000" algn="ctr" rotWithShape="0">
+                    <a:schemeClr val="bg2"/>
+                  </a:outerShdw>
+                </a:effectLst>
+              </a14:hiddenEffects>
+            </a:ext>
+          </a:extLst>
+        </p:spPr>
+      </p:cxnSp>
+      <p:cxnSp>
+        <p:nvCxnSpPr>
+          <p:cNvPr id="52" name="コネクタ: カギ線 51">
+            <a:extLst>
+              <a:ext uri="{FF2B5EF4-FFF2-40B4-BE49-F238E27FC236}">
+                <a16:creationId xmlns:a16="http://schemas.microsoft.com/office/drawing/2014/main" id="{0D7A78E1-E6F5-4038-857F-DC4E56BB52DE}"/>
+              </a:ext>
+            </a:extLst>
+          </p:cNvPr>
+          <p:cNvCxnSpPr>
+            <a:cxnSpLocks/>
+            <a:stCxn id="45" idx="4"/>
+            <a:endCxn id="43" idx="4"/>
+          </p:cNvCxnSpPr>
+          <p:nvPr/>
+        </p:nvCxnSpPr>
+        <p:spPr bwMode="auto">
+          <a:xfrm rot="5400000">
+            <a:off x="6524706" y="2334627"/>
+            <a:ext cx="5817" cy="8524882"/>
+          </a:xfrm>
+          <a:prstGeom prst="bentConnector3">
+            <a:avLst>
+              <a:gd name="adj1" fmla="val 41973388"/>
+            </a:avLst>
+          </a:prstGeom>
+          <a:blipFill dpi="0" rotWithShape="0">
+            <a:blip/>
+            <a:srcRect/>
+            <a:tile tx="0" ty="0" sx="100000" sy="100000" flip="none" algn="tl"/>
+          </a:blipFill>
+          <a:ln w="57150" cap="flat" cmpd="sng" algn="ctr">
+            <a:solidFill>
+              <a:srgbClr val="000000"/>
+            </a:solidFill>
+            <a:prstDash val="solid"/>
+            <a:round/>
+            <a:headEnd type="none" w="med" len="med"/>
+            <a:tailEnd type="triangle"/>
+          </a:ln>
+          <a:effectLst/>
+          <a:extLst>
+            <a:ext uri="{AF507438-7753-43E0-B8FC-AC1667EBCBE1}">
+              <a14:hiddenEffects xmlns:a14="http://schemas.microsoft.com/office/drawing/2010/main">
+                <a:effectLst>
+                  <a:outerShdw dist="35921" dir="2700000" algn="ctr" rotWithShape="0">
+                    <a:schemeClr val="bg2"/>
+                  </a:outerShdw>
+                </a:effectLst>
+              </a14:hiddenEffects>
+            </a:ext>
+          </a:extLst>
+        </p:spPr>
+      </p:cxnSp>
+      <p:sp>
+        <p:nvSpPr>
+          <p:cNvPr id="63" name="吹き出し: 四角形 62">
+            <a:extLst>
+              <a:ext uri="{FF2B5EF4-FFF2-40B4-BE49-F238E27FC236}">
+                <a16:creationId xmlns:a16="http://schemas.microsoft.com/office/drawing/2014/main" id="{30137517-DF71-4A84-AE20-B1B0408BDC2C}"/>
+              </a:ext>
+            </a:extLst>
+          </p:cNvPr>
+          <p:cNvSpPr/>
+          <p:nvPr/>
+        </p:nvSpPr>
+        <p:spPr>
+          <a:xfrm>
+            <a:off x="3148989" y="6749008"/>
+            <a:ext cx="3185487" cy="1945334"/>
+          </a:xfrm>
+          <a:prstGeom prst="wedgeRectCallout">
+            <a:avLst>
+              <a:gd name="adj1" fmla="val -13220"/>
+              <a:gd name="adj2" fmla="val -93407"/>
+            </a:avLst>
+          </a:prstGeom>
+          <a:noFill/>
+        </p:spPr>
+        <p:style>
+          <a:lnRef idx="2">
+            <a:schemeClr val="accent1">
+              <a:shade val="50000"/>
+            </a:schemeClr>
+          </a:lnRef>
+          <a:fillRef idx="1">
+            <a:schemeClr val="accent1"/>
+          </a:fillRef>
+          <a:effectRef idx="0">
+            <a:schemeClr val="accent1"/>
+          </a:effectRef>
+          <a:fontRef idx="minor">
+            <a:schemeClr val="lt1"/>
+          </a:fontRef>
+        </p:style>
+        <p:txBody>
+          <a:bodyPr rtlCol="0" anchor="ctr"/>
+          <a:lstStyle/>
+          <a:p>
+            <a:pPr algn="ctr"/>
+            <a:endParaRPr kumimoji="1" lang="ja-JP" altLang="en-US" sz="6258"/>
+          </a:p>
+        </p:txBody>
+      </p:sp>
+      <p:sp>
+        <p:nvSpPr>
+          <p:cNvPr id="64" name="吹き出し: 四角形 63">
+            <a:extLst>
+              <a:ext uri="{FF2B5EF4-FFF2-40B4-BE49-F238E27FC236}">
+                <a16:creationId xmlns:a16="http://schemas.microsoft.com/office/drawing/2014/main" id="{76456B98-880C-473E-9D76-FF10E3B2EF2F}"/>
+              </a:ext>
+            </a:extLst>
+          </p:cNvPr>
+          <p:cNvSpPr/>
+          <p:nvPr/>
+        </p:nvSpPr>
+        <p:spPr>
+          <a:xfrm flipV="1">
+            <a:off x="7936158" y="1392224"/>
+            <a:ext cx="3034453" cy="2140461"/>
+          </a:xfrm>
+          <a:prstGeom prst="wedgeRectCallout">
+            <a:avLst>
+              <a:gd name="adj1" fmla="val -29193"/>
+              <a:gd name="adj2" fmla="val -105351"/>
+            </a:avLst>
+          </a:prstGeom>
+          <a:noFill/>
+        </p:spPr>
+        <p:style>
+          <a:lnRef idx="2">
+            <a:schemeClr val="accent1">
+              <a:shade val="50000"/>
+            </a:schemeClr>
+          </a:lnRef>
+          <a:fillRef idx="1">
+            <a:schemeClr val="accent1"/>
+          </a:fillRef>
+          <a:effectRef idx="0">
+            <a:schemeClr val="accent1"/>
+          </a:effectRef>
+          <a:fontRef idx="minor">
+            <a:schemeClr val="lt1"/>
+          </a:fontRef>
+        </p:style>
+        <p:txBody>
+          <a:bodyPr rtlCol="0" anchor="ctr"/>
+          <a:lstStyle/>
+          <a:p>
+            <a:pPr algn="ctr"/>
+            <a:endParaRPr kumimoji="1" lang="ja-JP" altLang="en-US" sz="6258"/>
+          </a:p>
+        </p:txBody>
+      </p:sp>
+      <p:sp>
+        <p:nvSpPr>
+          <p:cNvPr id="2" name="テキスト ボックス 1">
+            <a:extLst>
+              <a:ext uri="{FF2B5EF4-FFF2-40B4-BE49-F238E27FC236}">
+                <a16:creationId xmlns:a16="http://schemas.microsoft.com/office/drawing/2014/main" id="{9C1413FE-11EC-4ED7-BB21-7C044FDC0934}"/>
+              </a:ext>
+            </a:extLst>
+          </p:cNvPr>
+          <p:cNvSpPr txBox="1"/>
+          <p:nvPr/>
+        </p:nvSpPr>
+        <p:spPr>
+          <a:xfrm>
+            <a:off x="3207183" y="7204565"/>
+            <a:ext cx="2952328" cy="1754326"/>
+          </a:xfrm>
+          <a:prstGeom prst="rect">
+            <a:avLst/>
+          </a:prstGeom>
+          <a:noFill/>
+        </p:spPr>
+        <p:txBody>
+          <a:bodyPr wrap="square" rtlCol="0">
+            <a:spAutoFit/>
+          </a:bodyPr>
+          <a:lstStyle/>
+          <a:p>
+            <a:r>
+              <a:rPr kumimoji="1" lang="ja-JP" altLang="en-US" sz="1800" dirty="0">
+                <a:latin typeface="HGS創英角ｺﾞｼｯｸUB" panose="020B0900000000000000" pitchFamily="50" charset="-128"/>
+                <a:ea typeface="HGS創英角ｺﾞｼｯｸUB" panose="020B0900000000000000" pitchFamily="50" charset="-128"/>
+              </a:rPr>
+              <a:t>ボスの能力や配置、弱点などをを把握</a:t>
+            </a:r>
+            <a:endParaRPr kumimoji="1" lang="en-US" altLang="ja-JP" sz="1800" dirty="0">
+              <a:latin typeface="HGS創英角ｺﾞｼｯｸUB" panose="020B0900000000000000" pitchFamily="50" charset="-128"/>
+              <a:ea typeface="HGS創英角ｺﾞｼｯｸUB" panose="020B0900000000000000" pitchFamily="50" charset="-128"/>
+            </a:endParaRPr>
+          </a:p>
+          <a:p>
+            <a:r>
+              <a:rPr kumimoji="1" lang="ja-JP" altLang="en-US" sz="1800" dirty="0">
+                <a:latin typeface="HGS創英角ｺﾞｼｯｸUB" panose="020B0900000000000000" pitchFamily="50" charset="-128"/>
+                <a:ea typeface="HGS創英角ｺﾞｼｯｸUB" panose="020B0900000000000000" pitchFamily="50" charset="-128"/>
+              </a:rPr>
+              <a:t>↓</a:t>
+            </a:r>
+            <a:endParaRPr kumimoji="1" lang="en-US" altLang="ja-JP" sz="1800" dirty="0">
+              <a:latin typeface="HGS創英角ｺﾞｼｯｸUB" panose="020B0900000000000000" pitchFamily="50" charset="-128"/>
+              <a:ea typeface="HGS創英角ｺﾞｼｯｸUB" panose="020B0900000000000000" pitchFamily="50" charset="-128"/>
+            </a:endParaRPr>
+          </a:p>
+          <a:p>
+            <a:r>
+              <a:rPr kumimoji="1" lang="ja-JP" altLang="en-US" sz="1800" dirty="0">
+                <a:latin typeface="HGS創英角ｺﾞｼｯｸUB" panose="020B0900000000000000" pitchFamily="50" charset="-128"/>
+                <a:ea typeface="HGS創英角ｺﾞｼｯｸUB" panose="020B0900000000000000" pitchFamily="50" charset="-128"/>
+              </a:rPr>
+              <a:t>最適なルート、撃破方法を導き出す</a:t>
+            </a:r>
+            <a:endParaRPr kumimoji="1" lang="en-US" altLang="ja-JP" sz="1800" dirty="0">
+              <a:latin typeface="HGS創英角ｺﾞｼｯｸUB" panose="020B0900000000000000" pitchFamily="50" charset="-128"/>
+              <a:ea typeface="HGS創英角ｺﾞｼｯｸUB" panose="020B0900000000000000" pitchFamily="50" charset="-128"/>
+            </a:endParaRPr>
+          </a:p>
+          <a:p>
+            <a:endParaRPr kumimoji="1" lang="ja-JP" altLang="en-US" sz="1800" dirty="0"/>
+          </a:p>
+        </p:txBody>
+      </p:sp>
+      <p:sp>
+        <p:nvSpPr>
+          <p:cNvPr id="26" name="テキスト ボックス 25">
+            <a:extLst>
+              <a:ext uri="{FF2B5EF4-FFF2-40B4-BE49-F238E27FC236}">
+                <a16:creationId xmlns:a16="http://schemas.microsoft.com/office/drawing/2014/main" id="{8E5654BA-90D5-4737-91D1-B852FD727474}"/>
+              </a:ext>
+            </a:extLst>
+          </p:cNvPr>
+          <p:cNvSpPr txBox="1"/>
+          <p:nvPr/>
+        </p:nvSpPr>
+        <p:spPr>
+          <a:xfrm>
+            <a:off x="3123220" y="6814062"/>
+            <a:ext cx="3120254" cy="461665"/>
+          </a:xfrm>
+          <a:prstGeom prst="rect">
+            <a:avLst/>
+          </a:prstGeom>
+          <a:noFill/>
+        </p:spPr>
+        <p:txBody>
+          <a:bodyPr wrap="square" rtlCol="0">
+            <a:spAutoFit/>
+          </a:bodyPr>
+          <a:lstStyle/>
+          <a:p>
+            <a:r>
+              <a:rPr kumimoji="1" lang="ja-JP" altLang="en-US" sz="2400" dirty="0">
+                <a:latin typeface="HGS創英角ｺﾞｼｯｸUB" panose="020B0900000000000000" pitchFamily="50" charset="-128"/>
+                <a:ea typeface="HGS創英角ｺﾞｼｯｸUB" panose="020B0900000000000000" pitchFamily="50" charset="-128"/>
+              </a:rPr>
+              <a:t>①考える</a:t>
+            </a:r>
+          </a:p>
+        </p:txBody>
+      </p:sp>
+      <p:sp>
+        <p:nvSpPr>
+          <p:cNvPr id="27" name="テキスト ボックス 26">
+            <a:extLst>
+              <a:ext uri="{FF2B5EF4-FFF2-40B4-BE49-F238E27FC236}">
+                <a16:creationId xmlns:a16="http://schemas.microsoft.com/office/drawing/2014/main" id="{652BA864-456C-4AC7-A0ED-9B7112B92BB5}"/>
+              </a:ext>
+            </a:extLst>
+          </p:cNvPr>
+          <p:cNvSpPr txBox="1"/>
+          <p:nvPr/>
+        </p:nvSpPr>
+        <p:spPr>
+          <a:xfrm>
+            <a:off x="5626590" y="4156720"/>
+            <a:ext cx="1415772" cy="584775"/>
+          </a:xfrm>
+          <a:prstGeom prst="rect">
+            <a:avLst/>
+          </a:prstGeom>
+          <a:noFill/>
+        </p:spPr>
+        <p:txBody>
+          <a:bodyPr wrap="none" rtlCol="0">
+            <a:spAutoFit/>
+          </a:bodyPr>
+          <a:lstStyle/>
+          <a:p>
+            <a:r>
+              <a:rPr kumimoji="1" lang="ja-JP" altLang="en-US" sz="3200" dirty="0">
+                <a:latin typeface="HGS創英角ｺﾞｼｯｸUB" panose="020B0900000000000000" pitchFamily="50" charset="-128"/>
+                <a:ea typeface="HGS創英角ｺﾞｼｯｸUB" panose="020B0900000000000000" pitchFamily="50" charset="-128"/>
+              </a:rPr>
+              <a:t>②行動</a:t>
+            </a:r>
+          </a:p>
+        </p:txBody>
+      </p:sp>
+      <p:sp>
+        <p:nvSpPr>
+          <p:cNvPr id="28" name="テキスト ボックス 27">
+            <a:extLst>
+              <a:ext uri="{FF2B5EF4-FFF2-40B4-BE49-F238E27FC236}">
+                <a16:creationId xmlns:a16="http://schemas.microsoft.com/office/drawing/2014/main" id="{39E17C62-3C6C-4E8A-9945-0E9B2F9F6306}"/>
+              </a:ext>
+            </a:extLst>
+          </p:cNvPr>
+          <p:cNvSpPr txBox="1"/>
+          <p:nvPr/>
+        </p:nvSpPr>
+        <p:spPr>
+          <a:xfrm>
+            <a:off x="8642710" y="1453765"/>
+            <a:ext cx="1415772" cy="584775"/>
+          </a:xfrm>
+          <a:prstGeom prst="rect">
+            <a:avLst/>
+          </a:prstGeom>
+          <a:noFill/>
+        </p:spPr>
+        <p:txBody>
+          <a:bodyPr wrap="none" rtlCol="0">
+            <a:spAutoFit/>
+          </a:bodyPr>
+          <a:lstStyle/>
+          <a:p>
+            <a:r>
+              <a:rPr kumimoji="1" lang="ja-JP" altLang="en-US" sz="3200" dirty="0">
+                <a:latin typeface="HGS創英角ｺﾞｼｯｸUB" panose="020B0900000000000000" pitchFamily="50" charset="-128"/>
+                <a:ea typeface="HGS創英角ｺﾞｼｯｸUB" panose="020B0900000000000000" pitchFamily="50" charset="-128"/>
+              </a:rPr>
+              <a:t>③結果</a:t>
+            </a:r>
+          </a:p>
+        </p:txBody>
+      </p:sp>
+      <p:sp>
+        <p:nvSpPr>
+          <p:cNvPr id="29" name="テキスト ボックス 28">
+            <a:extLst>
+              <a:ext uri="{FF2B5EF4-FFF2-40B4-BE49-F238E27FC236}">
+                <a16:creationId xmlns:a16="http://schemas.microsoft.com/office/drawing/2014/main" id="{ED6A3D08-2D4F-4FB6-B1FC-02C95D68C5BF}"/>
+              </a:ext>
+            </a:extLst>
+          </p:cNvPr>
+          <p:cNvSpPr txBox="1"/>
+          <p:nvPr/>
+        </p:nvSpPr>
+        <p:spPr>
+          <a:xfrm>
+            <a:off x="7942648" y="2128681"/>
+            <a:ext cx="3034453" cy="1323439"/>
+          </a:xfrm>
+          <a:prstGeom prst="rect">
+            <a:avLst/>
+          </a:prstGeom>
+          <a:noFill/>
+        </p:spPr>
+        <p:txBody>
+          <a:bodyPr wrap="square" rtlCol="0">
+            <a:spAutoFit/>
+          </a:bodyPr>
+          <a:lstStyle/>
+          <a:p>
+            <a:r>
+              <a:rPr kumimoji="1" lang="ja-JP" altLang="en-US" sz="2000" dirty="0">
+                <a:latin typeface="HGS創英角ｺﾞｼｯｸUB" panose="020B0900000000000000" pitchFamily="50" charset="-128"/>
+                <a:ea typeface="HGS創英角ｺﾞｼｯｸUB" panose="020B0900000000000000" pitchFamily="50" charset="-128"/>
+              </a:rPr>
+              <a:t>成功：ボスの装甲を破壊</a:t>
+            </a:r>
+            <a:endParaRPr kumimoji="1" lang="en-US" altLang="ja-JP" sz="2000" dirty="0">
+              <a:latin typeface="HGS創英角ｺﾞｼｯｸUB" panose="020B0900000000000000" pitchFamily="50" charset="-128"/>
+              <a:ea typeface="HGS創英角ｺﾞｼｯｸUB" panose="020B0900000000000000" pitchFamily="50" charset="-128"/>
+            </a:endParaRPr>
+          </a:p>
+          <a:p>
+            <a:r>
+              <a:rPr kumimoji="1" lang="ja-JP" altLang="en-US" sz="2000" dirty="0">
+                <a:latin typeface="HGS創英角ｺﾞｼｯｸUB" panose="020B0900000000000000" pitchFamily="50" charset="-128"/>
+                <a:ea typeface="HGS創英角ｺﾞｼｯｸUB" panose="020B0900000000000000" pitchFamily="50" charset="-128"/>
+              </a:rPr>
+              <a:t>失敗：敵の攻撃を食らってしまうリスク</a:t>
+            </a:r>
+            <a:endParaRPr kumimoji="1" lang="en-US" altLang="ja-JP" sz="2000" dirty="0">
+              <a:latin typeface="HGS創英角ｺﾞｼｯｸUB" panose="020B0900000000000000" pitchFamily="50" charset="-128"/>
+              <a:ea typeface="HGS創英角ｺﾞｼｯｸUB" panose="020B0900000000000000" pitchFamily="50" charset="-128"/>
+            </a:endParaRPr>
+          </a:p>
+          <a:p>
+            <a:endParaRPr kumimoji="1" lang="ja-JP" altLang="en-US" sz="2000" dirty="0">
+              <a:latin typeface="HGS創英角ｺﾞｼｯｸUB" panose="020B0900000000000000" pitchFamily="50" charset="-128"/>
+              <a:ea typeface="HGS創英角ｺﾞｼｯｸUB" panose="020B0900000000000000" pitchFamily="50" charset="-128"/>
+            </a:endParaRPr>
+          </a:p>
+        </p:txBody>
+      </p:sp>
+      <p:sp>
+        <p:nvSpPr>
+          <p:cNvPr id="3" name="テキスト ボックス 2">
+            <a:extLst>
+              <a:ext uri="{FF2B5EF4-FFF2-40B4-BE49-F238E27FC236}">
+                <a16:creationId xmlns:a16="http://schemas.microsoft.com/office/drawing/2014/main" id="{0D1D0BBB-D7FF-4D1B-A520-6B12AA102A1B}"/>
+              </a:ext>
+            </a:extLst>
+          </p:cNvPr>
+          <p:cNvSpPr txBox="1"/>
+          <p:nvPr/>
+        </p:nvSpPr>
+        <p:spPr>
+          <a:xfrm>
+            <a:off x="2608977" y="2104112"/>
+            <a:ext cx="1313180" cy="769441"/>
+          </a:xfrm>
+          <a:prstGeom prst="rect">
+            <a:avLst/>
+          </a:prstGeom>
+          <a:noFill/>
+        </p:spPr>
+        <p:txBody>
+          <a:bodyPr wrap="none" rtlCol="0">
+            <a:spAutoFit/>
+          </a:bodyPr>
+          <a:lstStyle/>
+          <a:p>
+            <a:r>
+              <a:rPr kumimoji="1" lang="ja-JP" altLang="en-US" dirty="0">
+                <a:latin typeface="HGS創英角ｺﾞｼｯｸUB" panose="020B0900000000000000" pitchFamily="50" charset="-128"/>
+                <a:ea typeface="HGS創英角ｺﾞｼｯｸUB" panose="020B0900000000000000" pitchFamily="50" charset="-128"/>
+              </a:rPr>
+              <a:t>ボス</a:t>
+            </a:r>
+          </a:p>
+        </p:txBody>
+      </p:sp>
+    </p:spTree>
+    <p:extLst>
+      <p:ext uri="{BB962C8B-B14F-4D97-AF65-F5344CB8AC3E}">
+        <p14:creationId xmlns:p14="http://schemas.microsoft.com/office/powerpoint/2010/main" val="2045251743"/>
       </p:ext>
     </p:extLst>
   </p:cSld>
@@ -5078,7 +8591,7 @@
                 <a:ea typeface="HGS創英角ｺﾞｼｯｸUB" panose="020B0900000000000000" pitchFamily="50" charset="-128"/>
                 <a:cs typeface="メイリオ" pitchFamily="50" charset="-128"/>
               </a:rPr>
-              <a:t>ゲーム概要</a:t>
+              <a:t>ゲーム概要　①</a:t>
             </a:r>
           </a:p>
         </p:txBody>
@@ -5091,8 +8604,8 @@
         </p:nvSpPr>
         <p:spPr>
           <a:xfrm>
-            <a:off x="533861" y="1418686"/>
-            <a:ext cx="11953328" cy="3156311"/>
+            <a:off x="668366" y="1492424"/>
+            <a:ext cx="11953328" cy="5016756"/>
           </a:xfrm>
           <a:prstGeom prst="rect">
             <a:avLst/>
@@ -5107,27 +8620,13 @@
           <a:p>
             <a:pPr algn="l"/>
             <a:r>
-              <a:rPr lang="ja-JP" altLang="en-US" sz="3982" dirty="0">
-                <a:effectLst>
-                  <a:outerShdw blurRad="38100" dist="38100" dir="2700000" algn="tl">
-                    <a:srgbClr val="000000">
-                      <a:alpha val="43137"/>
-                    </a:srgbClr>
-                  </a:outerShdw>
-                </a:effectLst>
+              <a:rPr lang="ja-JP" altLang="en-US" sz="2000" dirty="0">
                 <a:latin typeface="HGS創英角ｺﾞｼｯｸUB" panose="020B0900000000000000" pitchFamily="50" charset="-128"/>
                 <a:ea typeface="HGS創英角ｺﾞｼｯｸUB" panose="020B0900000000000000" pitchFamily="50" charset="-128"/>
               </a:rPr>
-              <a:t>ボール型のプレイヤーが</a:t>
-            </a:r>
-            <a:endParaRPr lang="en-US" altLang="ja-JP" sz="3982" dirty="0">
-              <a:effectLst>
-                <a:outerShdw blurRad="38100" dist="38100" dir="2700000" algn="tl">
-                  <a:srgbClr val="000000">
-                    <a:alpha val="43137"/>
-                  </a:srgbClr>
-                </a:outerShdw>
-              </a:effectLst>
+              <a:t>プレイヤー</a:t>
+            </a:r>
+            <a:endParaRPr lang="en-US" altLang="ja-JP" sz="2000" dirty="0">
               <a:latin typeface="HGS創英角ｺﾞｼｯｸUB" panose="020B0900000000000000" pitchFamily="50" charset="-128"/>
               <a:ea typeface="HGS創英角ｺﾞｼｯｸUB" panose="020B0900000000000000" pitchFamily="50" charset="-128"/>
             </a:endParaRPr>
@@ -5135,27 +8634,13 @@
           <a:p>
             <a:pPr algn="l"/>
             <a:r>
-              <a:rPr lang="ja-JP" altLang="en-US" sz="3982" dirty="0">
-                <a:effectLst>
-                  <a:outerShdw blurRad="38100" dist="38100" dir="2700000" algn="tl">
-                    <a:srgbClr val="000000">
-                      <a:alpha val="43137"/>
-                    </a:srgbClr>
-                  </a:outerShdw>
-                </a:effectLst>
+              <a:rPr lang="ja-JP" altLang="en-US" sz="2000" dirty="0">
                 <a:latin typeface="HGS創英角ｺﾞｼｯｸUB" panose="020B0900000000000000" pitchFamily="50" charset="-128"/>
                 <a:ea typeface="HGS創英角ｺﾞｼｯｸUB" panose="020B0900000000000000" pitchFamily="50" charset="-128"/>
               </a:rPr>
-              <a:t>危険が潜むダンジョンで</a:t>
-            </a:r>
-            <a:endParaRPr lang="en-US" altLang="ja-JP" sz="3982" dirty="0">
-              <a:effectLst>
-                <a:outerShdw blurRad="38100" dist="38100" dir="2700000" algn="tl">
-                  <a:srgbClr val="000000">
-                    <a:alpha val="43137"/>
-                  </a:srgbClr>
-                </a:outerShdw>
-              </a:effectLst>
+              <a:t>・画像の様なテクスチャを貼ったボール型</a:t>
+            </a:r>
+            <a:endParaRPr lang="en-US" altLang="ja-JP" sz="2000" dirty="0">
               <a:latin typeface="HGS創英角ｺﾞｼｯｸUB" panose="020B0900000000000000" pitchFamily="50" charset="-128"/>
               <a:ea typeface="HGS創英角ｺﾞｼｯｸUB" panose="020B0900000000000000" pitchFamily="50" charset="-128"/>
             </a:endParaRPr>
@@ -5163,27 +8648,13 @@
           <a:p>
             <a:pPr algn="l"/>
             <a:r>
-              <a:rPr lang="ja-JP" altLang="en-US" sz="3982" dirty="0">
-                <a:effectLst>
-                  <a:outerShdw blurRad="38100" dist="38100" dir="2700000" algn="tl">
-                    <a:srgbClr val="000000">
-                      <a:alpha val="43137"/>
-                    </a:srgbClr>
-                  </a:outerShdw>
-                </a:effectLst>
+              <a:rPr lang="ja-JP" altLang="en-US" sz="2000" dirty="0">
                 <a:latin typeface="HGS創英角ｺﾞｼｯｸUB" panose="020B0900000000000000" pitchFamily="50" charset="-128"/>
                 <a:ea typeface="HGS創英角ｺﾞｼｯｸUB" panose="020B0900000000000000" pitchFamily="50" charset="-128"/>
               </a:rPr>
-              <a:t>自分自身を弾いて</a:t>
-            </a:r>
-            <a:endParaRPr lang="en-US" altLang="ja-JP" sz="3982" dirty="0">
-              <a:effectLst>
-                <a:outerShdw blurRad="38100" dist="38100" dir="2700000" algn="tl">
-                  <a:srgbClr val="000000">
-                    <a:alpha val="43137"/>
-                  </a:srgbClr>
-                </a:outerShdw>
-              </a:effectLst>
+              <a:t>・弾いて移動や攻撃する</a:t>
+            </a:r>
+            <a:endParaRPr lang="en-US" altLang="ja-JP" sz="2000" dirty="0">
               <a:latin typeface="HGS創英角ｺﾞｼｯｸUB" panose="020B0900000000000000" pitchFamily="50" charset="-128"/>
               <a:ea typeface="HGS創英角ｺﾞｼｯｸUB" panose="020B0900000000000000" pitchFamily="50" charset="-128"/>
             </a:endParaRPr>
@@ -5191,27 +8662,37 @@
           <a:p>
             <a:pPr algn="l"/>
             <a:r>
-              <a:rPr lang="ja-JP" altLang="en-US" sz="3982" dirty="0">
-                <a:effectLst>
-                  <a:outerShdw blurRad="38100" dist="38100" dir="2700000" algn="tl">
-                    <a:srgbClr val="000000">
-                      <a:alpha val="43137"/>
-                    </a:srgbClr>
-                  </a:outerShdw>
-                </a:effectLst>
+              <a:rPr lang="ja-JP" altLang="en-US" sz="2000" dirty="0">
                 <a:latin typeface="HGS創英角ｺﾞｼｯｸUB" panose="020B0900000000000000" pitchFamily="50" charset="-128"/>
                 <a:ea typeface="HGS創英角ｺﾞｼｯｸUB" panose="020B0900000000000000" pitchFamily="50" charset="-128"/>
               </a:rPr>
-              <a:t>最下層に佇むボスの撃破を目指す</a:t>
-            </a:r>
-            <a:endParaRPr lang="en-US" altLang="ja-JP" sz="3982" dirty="0">
-              <a:effectLst>
-                <a:outerShdw blurRad="38100" dist="38100" dir="2700000" algn="tl">
-                  <a:srgbClr val="000000">
-                    <a:alpha val="43137"/>
-                  </a:srgbClr>
-                </a:outerShdw>
-              </a:effectLst>
+              <a:t>・移動中に更に弾く事ができる</a:t>
+            </a:r>
+            <a:r>
+              <a:rPr lang="en-US" altLang="ja-JP" sz="2000" dirty="0">
+                <a:latin typeface="HGS創英角ｺﾞｼｯｸUB" panose="020B0900000000000000" pitchFamily="50" charset="-128"/>
+                <a:ea typeface="HGS創英角ｺﾞｼｯｸUB" panose="020B0900000000000000" pitchFamily="50" charset="-128"/>
+              </a:rPr>
+              <a:t>(</a:t>
+            </a:r>
+            <a:r>
+              <a:rPr lang="ja-JP" altLang="en-US" sz="2000" dirty="0">
+                <a:latin typeface="HGS創英角ｺﾞｼｯｸUB" panose="020B0900000000000000" pitchFamily="50" charset="-128"/>
+                <a:ea typeface="HGS創英角ｺﾞｼｯｸUB" panose="020B0900000000000000" pitchFamily="50" charset="-128"/>
+              </a:rPr>
+              <a:t>ハイテンポな操作感</a:t>
+            </a:r>
+            <a:r>
+              <a:rPr lang="en-US" altLang="ja-JP" sz="2000" dirty="0">
+                <a:latin typeface="HGS創英角ｺﾞｼｯｸUB" panose="020B0900000000000000" pitchFamily="50" charset="-128"/>
+                <a:ea typeface="HGS創英角ｺﾞｼｯｸUB" panose="020B0900000000000000" pitchFamily="50" charset="-128"/>
+              </a:rPr>
+              <a:t>)</a:t>
+            </a:r>
+          </a:p>
+          <a:p>
+            <a:pPr algn="l"/>
+            <a:endParaRPr lang="en-US" altLang="ja-JP" sz="2000" dirty="0">
               <a:latin typeface="HGS創英角ｺﾞｼｯｸUB" panose="020B0900000000000000" pitchFamily="50" charset="-128"/>
               <a:ea typeface="HGS創英角ｺﾞｼｯｸUB" panose="020B0900000000000000" pitchFamily="50" charset="-128"/>
             </a:endParaRPr>
@@ -5219,27 +8700,153 @@
           <a:p>
             <a:pPr algn="l"/>
             <a:r>
-              <a:rPr lang="ja-JP" altLang="en-US" sz="3982" dirty="0">
-                <a:effectLst>
-                  <a:outerShdw blurRad="38100" dist="38100" dir="2700000" algn="tl">
-                    <a:srgbClr val="000000">
-                      <a:alpha val="43137"/>
-                    </a:srgbClr>
-                  </a:outerShdw>
-                </a:effectLst>
+              <a:rPr lang="ja-JP" altLang="en-US" sz="2000" dirty="0">
                 <a:latin typeface="HGS創英角ｺﾞｼｯｸUB" panose="020B0900000000000000" pitchFamily="50" charset="-128"/>
                 <a:ea typeface="HGS創英角ｺﾞｼｯｸUB" panose="020B0900000000000000" pitchFamily="50" charset="-128"/>
               </a:rPr>
-              <a:t>３Ｄアクションゲーム</a:t>
-            </a:r>
-            <a:endParaRPr lang="en-US" altLang="ja-JP" sz="3982" dirty="0">
-              <a:effectLst>
-                <a:outerShdw blurRad="38100" dist="38100" dir="2700000" algn="tl">
-                  <a:srgbClr val="000000">
-                    <a:alpha val="43137"/>
-                  </a:srgbClr>
-                </a:outerShdw>
-              </a:effectLst>
+              <a:t>敵</a:t>
+            </a:r>
+            <a:endParaRPr lang="en-US" altLang="ja-JP" sz="2000" dirty="0">
+              <a:latin typeface="HGS創英角ｺﾞｼｯｸUB" panose="020B0900000000000000" pitchFamily="50" charset="-128"/>
+              <a:ea typeface="HGS創英角ｺﾞｼｯｸUB" panose="020B0900000000000000" pitchFamily="50" charset="-128"/>
+            </a:endParaRPr>
+          </a:p>
+          <a:p>
+            <a:pPr algn="l"/>
+            <a:r>
+              <a:rPr lang="ja-JP" altLang="en-US" sz="2000" dirty="0">
+                <a:latin typeface="HGS創英角ｺﾞｼｯｸUB" panose="020B0900000000000000" pitchFamily="50" charset="-128"/>
+                <a:ea typeface="HGS創英角ｺﾞｼｯｸUB" panose="020B0900000000000000" pitchFamily="50" charset="-128"/>
+              </a:rPr>
+              <a:t>・プレイヤーを撃破しようと様々な攻撃を仕掛けてくる</a:t>
+            </a:r>
+            <a:endParaRPr lang="en-US" altLang="ja-JP" sz="2000" dirty="0">
+              <a:latin typeface="HGS創英角ｺﾞｼｯｸUB" panose="020B0900000000000000" pitchFamily="50" charset="-128"/>
+              <a:ea typeface="HGS創英角ｺﾞｼｯｸUB" panose="020B0900000000000000" pitchFamily="50" charset="-128"/>
+            </a:endParaRPr>
+          </a:p>
+          <a:p>
+            <a:pPr algn="l"/>
+            <a:r>
+              <a:rPr lang="ja-JP" altLang="en-US" sz="2000" dirty="0">
+                <a:latin typeface="HGS創英角ｺﾞｼｯｸUB" panose="020B0900000000000000" pitchFamily="50" charset="-128"/>
+                <a:ea typeface="HGS創英角ｺﾞｼｯｸUB" panose="020B0900000000000000" pitchFamily="50" charset="-128"/>
+              </a:rPr>
+              <a:t>・敵は基本的に移動しない、固定砲台の様なイメージ</a:t>
+            </a:r>
+            <a:endParaRPr lang="en-US" altLang="ja-JP" sz="2000" dirty="0">
+              <a:latin typeface="HGS創英角ｺﾞｼｯｸUB" panose="020B0900000000000000" pitchFamily="50" charset="-128"/>
+              <a:ea typeface="HGS創英角ｺﾞｼｯｸUB" panose="020B0900000000000000" pitchFamily="50" charset="-128"/>
+            </a:endParaRPr>
+          </a:p>
+          <a:p>
+            <a:pPr algn="l"/>
+            <a:endParaRPr lang="en-US" altLang="ja-JP" sz="2000" dirty="0">
+              <a:latin typeface="HGS創英角ｺﾞｼｯｸUB" panose="020B0900000000000000" pitchFamily="50" charset="-128"/>
+              <a:ea typeface="HGS創英角ｺﾞｼｯｸUB" panose="020B0900000000000000" pitchFamily="50" charset="-128"/>
+            </a:endParaRPr>
+          </a:p>
+          <a:p>
+            <a:pPr algn="l"/>
+            <a:r>
+              <a:rPr lang="ja-JP" altLang="en-US" sz="2000" dirty="0">
+                <a:latin typeface="HGS創英角ｺﾞｼｯｸUB" panose="020B0900000000000000" pitchFamily="50" charset="-128"/>
+                <a:ea typeface="HGS創英角ｺﾞｼｯｸUB" panose="020B0900000000000000" pitchFamily="50" charset="-128"/>
+              </a:rPr>
+              <a:t>ステージ</a:t>
+            </a:r>
+            <a:endParaRPr lang="en-US" altLang="ja-JP" sz="2000" dirty="0">
+              <a:latin typeface="HGS創英角ｺﾞｼｯｸUB" panose="020B0900000000000000" pitchFamily="50" charset="-128"/>
+              <a:ea typeface="HGS創英角ｺﾞｼｯｸUB" panose="020B0900000000000000" pitchFamily="50" charset="-128"/>
+            </a:endParaRPr>
+          </a:p>
+          <a:p>
+            <a:pPr algn="l"/>
+            <a:r>
+              <a:rPr lang="ja-JP" altLang="en-US" sz="2000" dirty="0">
+                <a:latin typeface="HGS創英角ｺﾞｼｯｸUB" panose="020B0900000000000000" pitchFamily="50" charset="-128"/>
+                <a:ea typeface="HGS創英角ｺﾞｼｯｸUB" panose="020B0900000000000000" pitchFamily="50" charset="-128"/>
+              </a:rPr>
+              <a:t>・画像の様なネオンラインで輪郭を</a:t>
+            </a:r>
+            <a:endParaRPr lang="en-US" altLang="ja-JP" sz="2000" dirty="0">
+              <a:latin typeface="HGS創英角ｺﾞｼｯｸUB" panose="020B0900000000000000" pitchFamily="50" charset="-128"/>
+              <a:ea typeface="HGS創英角ｺﾞｼｯｸUB" panose="020B0900000000000000" pitchFamily="50" charset="-128"/>
+            </a:endParaRPr>
+          </a:p>
+          <a:p>
+            <a:pPr algn="l"/>
+            <a:r>
+              <a:rPr lang="en-US" altLang="ja-JP" sz="2000" dirty="0">
+                <a:latin typeface="HGS創英角ｺﾞｼｯｸUB" panose="020B0900000000000000" pitchFamily="50" charset="-128"/>
+                <a:ea typeface="HGS創英角ｺﾞｼｯｸUB" panose="020B0900000000000000" pitchFamily="50" charset="-128"/>
+              </a:rPr>
+              <a:t>	</a:t>
+            </a:r>
+            <a:r>
+              <a:rPr lang="ja-JP" altLang="en-US" sz="2000" dirty="0">
+                <a:latin typeface="HGS創英角ｺﾞｼｯｸUB" panose="020B0900000000000000" pitchFamily="50" charset="-128"/>
+                <a:ea typeface="HGS創英角ｺﾞｼｯｸUB" panose="020B0900000000000000" pitchFamily="50" charset="-128"/>
+              </a:rPr>
+              <a:t>象った近未来を感じさせる様なグラフィック</a:t>
+            </a:r>
+            <a:endParaRPr lang="en-US" altLang="ja-JP" sz="2000" dirty="0">
+              <a:latin typeface="HGS創英角ｺﾞｼｯｸUB" panose="020B0900000000000000" pitchFamily="50" charset="-128"/>
+              <a:ea typeface="HGS創英角ｺﾞｼｯｸUB" panose="020B0900000000000000" pitchFamily="50" charset="-128"/>
+            </a:endParaRPr>
+          </a:p>
+          <a:p>
+            <a:pPr algn="l"/>
+            <a:endParaRPr lang="en-US" altLang="ja-JP" sz="2000" dirty="0">
+              <a:latin typeface="HGS創英角ｺﾞｼｯｸUB" panose="020B0900000000000000" pitchFamily="50" charset="-128"/>
+              <a:ea typeface="HGS創英角ｺﾞｼｯｸUB" panose="020B0900000000000000" pitchFamily="50" charset="-128"/>
+            </a:endParaRPr>
+          </a:p>
+          <a:p>
+            <a:pPr algn="l"/>
+            <a:r>
+              <a:rPr lang="ja-JP" altLang="en-US" sz="2000" dirty="0">
+                <a:latin typeface="HGS創英角ｺﾞｼｯｸUB" panose="020B0900000000000000" pitchFamily="50" charset="-128"/>
+                <a:ea typeface="HGS創英角ｺﾞｼｯｸUB" panose="020B0900000000000000" pitchFamily="50" charset="-128"/>
+              </a:rPr>
+              <a:t>目的</a:t>
+            </a:r>
+            <a:endParaRPr lang="en-US" altLang="ja-JP" sz="2000" dirty="0">
+              <a:latin typeface="HGS創英角ｺﾞｼｯｸUB" panose="020B0900000000000000" pitchFamily="50" charset="-128"/>
+              <a:ea typeface="HGS創英角ｺﾞｼｯｸUB" panose="020B0900000000000000" pitchFamily="50" charset="-128"/>
+            </a:endParaRPr>
+          </a:p>
+          <a:p>
+            <a:pPr algn="l"/>
+            <a:r>
+              <a:rPr lang="ja-JP" altLang="en-US" sz="2000" dirty="0">
+                <a:latin typeface="HGS創英角ｺﾞｼｯｸUB" panose="020B0900000000000000" pitchFamily="50" charset="-128"/>
+                <a:ea typeface="HGS創英角ｺﾞｼｯｸUB" panose="020B0900000000000000" pitchFamily="50" charset="-128"/>
+              </a:rPr>
+              <a:t>・動力エネルギーを開発していた施設の動力コアがエラーにより暴走</a:t>
+            </a:r>
+            <a:endParaRPr lang="en-US" altLang="ja-JP" sz="2000" dirty="0">
+              <a:latin typeface="HGS創英角ｺﾞｼｯｸUB" panose="020B0900000000000000" pitchFamily="50" charset="-128"/>
+              <a:ea typeface="HGS創英角ｺﾞｼｯｸUB" panose="020B0900000000000000" pitchFamily="50" charset="-128"/>
+            </a:endParaRPr>
+          </a:p>
+          <a:p>
+            <a:pPr algn="l"/>
+            <a:r>
+              <a:rPr lang="en-US" altLang="ja-JP" sz="2000" dirty="0">
+                <a:latin typeface="HGS創英角ｺﾞｼｯｸUB" panose="020B0900000000000000" pitchFamily="50" charset="-128"/>
+                <a:ea typeface="HGS創英角ｺﾞｼｯｸUB" panose="020B0900000000000000" pitchFamily="50" charset="-128"/>
+              </a:rPr>
+              <a:t>	</a:t>
+            </a:r>
+            <a:r>
+              <a:rPr lang="ja-JP" altLang="en-US" sz="2000" dirty="0">
+                <a:latin typeface="HGS創英角ｺﾞｼｯｸUB" panose="020B0900000000000000" pitchFamily="50" charset="-128"/>
+                <a:ea typeface="HGS創英角ｺﾞｼｯｸUB" panose="020B0900000000000000" pitchFamily="50" charset="-128"/>
+              </a:rPr>
+              <a:t>それを止める為にボール型のプレイヤーが侵入</a:t>
+            </a:r>
+            <a:endParaRPr lang="en-US" altLang="ja-JP" sz="2000" dirty="0">
               <a:latin typeface="HGS創英角ｺﾞｼｯｸUB" panose="020B0900000000000000" pitchFamily="50" charset="-128"/>
               <a:ea typeface="HGS創英角ｺﾞｼｯｸUB" panose="020B0900000000000000" pitchFamily="50" charset="-128"/>
             </a:endParaRPr>
@@ -5277,10 +8884,10 @@
       </p:sp>
       <p:pic>
         <p:nvPicPr>
-          <p:cNvPr id="5" name="図 4" descr="ダイアグラム&#10;&#10;自動的に生成された説明">
+          <p:cNvPr id="7" name="図 6" descr="屋外のオブジェ, 巣蜜 が含まれている画像&#10;&#10;自動的に生成された説明">
             <a:extLst>
               <a:ext uri="{FF2B5EF4-FFF2-40B4-BE49-F238E27FC236}">
-                <a16:creationId xmlns:a16="http://schemas.microsoft.com/office/drawing/2014/main" id="{FCAB8D0B-B01E-4F32-9ACF-C7FB817DE60F}"/>
+                <a16:creationId xmlns:a16="http://schemas.microsoft.com/office/drawing/2014/main" id="{F317A7AB-8BBA-48B7-93BC-86166C9C5034}"/>
               </a:ext>
             </a:extLst>
           </p:cNvPr>
@@ -5303,12 +8910,95 @@
         </p:blipFill>
         <p:spPr>
           <a:xfrm>
-            <a:off x="6822547" y="5380856"/>
-            <a:ext cx="5638304" cy="3171546"/>
+            <a:off x="10139554" y="1723848"/>
+            <a:ext cx="1597909" cy="1543979"/>
           </a:xfrm>
           <a:prstGeom prst="rect">
             <a:avLst/>
           </a:prstGeom>
+        </p:spPr>
+      </p:pic>
+      <p:pic>
+        <p:nvPicPr>
+          <p:cNvPr id="8" name="図 7" descr="コンピュータ, ノートパソコン, 机, テーブル が含まれている画像&#10;&#10;自動的に生成された説明">
+            <a:extLst>
+              <a:ext uri="{FF2B5EF4-FFF2-40B4-BE49-F238E27FC236}">
+                <a16:creationId xmlns:a16="http://schemas.microsoft.com/office/drawing/2014/main" id="{14A66ADD-2191-4145-A90F-EAC086E0A24E}"/>
+              </a:ext>
+            </a:extLst>
+          </p:cNvPr>
+          <p:cNvPicPr>
+            <a:picLocks noChangeAspect="1"/>
+          </p:cNvPicPr>
+          <p:nvPr/>
+        </p:nvPicPr>
+        <p:blipFill>
+          <a:blip r:embed="rId4">
+            <a:extLst>
+              <a:ext uri="{28A0092B-C50C-407E-A947-70E740481C1C}">
+                <a14:useLocalDpi xmlns:a14="http://schemas.microsoft.com/office/drawing/2010/main" val="0"/>
+              </a:ext>
+            </a:extLst>
+          </a:blip>
+          <a:stretch>
+            <a:fillRect/>
+          </a:stretch>
+        </p:blipFill>
+        <p:spPr>
+          <a:xfrm>
+            <a:off x="5712931" y="7610953"/>
+            <a:ext cx="4426623" cy="1727811"/>
+          </a:xfrm>
+          <a:prstGeom prst="rect">
+            <a:avLst/>
+          </a:prstGeom>
+        </p:spPr>
+      </p:pic>
+      <p:pic>
+        <p:nvPicPr>
+          <p:cNvPr id="1026" name="Picture 2" descr="画像集No.006/近未来の超高速レーシングゲーム「FAST Racing NEO」が12">
+            <a:extLst>
+              <a:ext uri="{FF2B5EF4-FFF2-40B4-BE49-F238E27FC236}">
+                <a16:creationId xmlns:a16="http://schemas.microsoft.com/office/drawing/2014/main" id="{ADEB1909-D216-4F6C-938A-A3FB38547201}"/>
+              </a:ext>
+            </a:extLst>
+          </p:cNvPr>
+          <p:cNvPicPr>
+            <a:picLocks noChangeAspect="1" noChangeArrowheads="1"/>
+          </p:cNvPicPr>
+          <p:nvPr/>
+        </p:nvPicPr>
+        <p:blipFill>
+          <a:blip r:embed="rId5" cstate="print">
+            <a:extLst>
+              <a:ext uri="{28A0092B-C50C-407E-A947-70E740481C1C}">
+                <a14:useLocalDpi xmlns:a14="http://schemas.microsoft.com/office/drawing/2010/main" val="0"/>
+              </a:ext>
+            </a:extLst>
+          </a:blip>
+          <a:srcRect/>
+          <a:stretch>
+            <a:fillRect/>
+          </a:stretch>
+        </p:blipFill>
+        <p:spPr bwMode="auto">
+          <a:xfrm>
+            <a:off x="2403618" y="7610953"/>
+            <a:ext cx="3071664" cy="1727811"/>
+          </a:xfrm>
+          <a:prstGeom prst="rect">
+            <a:avLst/>
+          </a:prstGeom>
+          <a:noFill/>
+          <a:extLst>
+            <a:ext uri="{909E8E84-426E-40DD-AFC4-6F175D3DCCD1}">
+              <a14:hiddenFill xmlns:a14="http://schemas.microsoft.com/office/drawing/2010/main">
+                <a:solidFill>
+                  <a:srgbClr val="FFFFFF"/>
+                </a:solidFill>
+              </a14:hiddenFill>
+            </a:ext>
+          </a:extLst>
         </p:spPr>
       </p:pic>
     </p:spTree>
@@ -5398,12 +9088,181 @@
                 <a:solidFill>
                   <a:schemeClr val="bg1"/>
                 </a:solidFill>
-                <a:latin typeface="ＭＳ Ｐゴシック" panose="020B0600070205080204" pitchFamily="50" charset="-128"/>
-                <a:ea typeface="ＭＳ Ｐゴシック" panose="020B0600070205080204" pitchFamily="50" charset="-128"/>
+                <a:latin typeface="HGS創英角ｺﾞｼｯｸUB" panose="020B0900000000000000" pitchFamily="50" charset="-128"/>
+                <a:ea typeface="HGS創英角ｺﾞｼｯｸUB" panose="020B0900000000000000" pitchFamily="50" charset="-128"/>
                 <a:cs typeface="メイリオ" pitchFamily="50" charset="-128"/>
               </a:rPr>
-              <a:t>このゲームのクライマックスシーン！</a:t>
-            </a:r>
+              <a:t>操作方法</a:t>
+            </a:r>
+          </a:p>
+        </p:txBody>
+      </p:sp>
+      <p:sp>
+        <p:nvSpPr>
+          <p:cNvPr id="3" name="スライド番号プレースホルダー 2"/>
+          <p:cNvSpPr>
+            <a:spLocks noGrp="1"/>
+          </p:cNvSpPr>
+          <p:nvPr>
+            <p:ph type="sldNum" sz="quarter" idx="10"/>
+          </p:nvPr>
+        </p:nvSpPr>
+        <p:spPr/>
+        <p:txBody>
+          <a:bodyPr/>
+          <a:lstStyle/>
+          <a:p>
+            <a:pPr>
+              <a:defRPr/>
+            </a:pPr>
+            <a:fld id="{90303C1F-567D-4446-A625-F0737271D35A}" type="slidenum">
+              <a:rPr lang="ja-JP" altLang="en-US" smtClean="0"/>
+              <a:pPr>
+                <a:defRPr/>
+              </a:pPr>
+              <a:t>3</a:t>
+            </a:fld>
+            <a:endParaRPr lang="en-US" altLang="ja-JP"/>
+          </a:p>
+        </p:txBody>
+      </p:sp>
+      <p:pic>
+        <p:nvPicPr>
+          <p:cNvPr id="7" name="図 6" descr="ダイアグラム, 概略図&#10;&#10;自動的に生成された説明">
+            <a:extLst>
+              <a:ext uri="{FF2B5EF4-FFF2-40B4-BE49-F238E27FC236}">
+                <a16:creationId xmlns:a16="http://schemas.microsoft.com/office/drawing/2014/main" id="{982901D0-6776-4844-8785-CD80090D8103}"/>
+              </a:ext>
+            </a:extLst>
+          </p:cNvPr>
+          <p:cNvPicPr>
+            <a:picLocks noChangeAspect="1"/>
+          </p:cNvPicPr>
+          <p:nvPr/>
+        </p:nvPicPr>
+        <p:blipFill>
+          <a:blip r:embed="rId3">
+            <a:extLst>
+              <a:ext uri="{28A0092B-C50C-407E-A947-70E740481C1C}">
+                <a14:useLocalDpi xmlns:a14="http://schemas.microsoft.com/office/drawing/2010/main" val="0"/>
+              </a:ext>
+            </a:extLst>
+          </a:blip>
+          <a:stretch>
+            <a:fillRect/>
+          </a:stretch>
+        </p:blipFill>
+        <p:spPr>
+          <a:xfrm>
+            <a:off x="1245815" y="1708448"/>
+            <a:ext cx="10513169" cy="6912409"/>
+          </a:xfrm>
+          <a:prstGeom prst="rect">
+            <a:avLst/>
+          </a:prstGeom>
+        </p:spPr>
+      </p:pic>
+    </p:spTree>
+    <p:extLst>
+      <p:ext uri="{BB962C8B-B14F-4D97-AF65-F5344CB8AC3E}">
+        <p14:creationId xmlns:p14="http://schemas.microsoft.com/office/powerpoint/2010/main" val="1628814889"/>
+      </p:ext>
+    </p:extLst>
+  </p:cSld>
+  <p:clrMapOvr>
+    <a:masterClrMapping/>
+  </p:clrMapOvr>
+  <p:transition/>
+</p:sld>
+</file>
+
+<file path=ppt/slides/slide4.xml><?xml version="1.0" encoding="utf-8"?>
+<p:sld xmlns:a="http://schemas.openxmlformats.org/drawingml/2006/main" xmlns:r="http://schemas.openxmlformats.org/officeDocument/2006/relationships" xmlns:p="http://schemas.openxmlformats.org/presentationml/2006/main">
+  <p:cSld>
+    <p:spTree>
+      <p:nvGrpSpPr>
+        <p:cNvPr id="1" name=""/>
+        <p:cNvGrpSpPr/>
+        <p:nvPr/>
+      </p:nvGrpSpPr>
+      <p:grpSpPr>
+        <a:xfrm>
+          <a:off x="0" y="0"/>
+          <a:ext cx="0" cy="0"/>
+          <a:chOff x="0" y="0"/>
+          <a:chExt cx="0" cy="0"/>
+        </a:xfrm>
+      </p:grpSpPr>
+      <p:sp>
+        <p:nvSpPr>
+          <p:cNvPr id="6" name="額縁 5"/>
+          <p:cNvSpPr/>
+          <p:nvPr/>
+        </p:nvSpPr>
+        <p:spPr bwMode="auto">
+          <a:xfrm>
+            <a:off x="105480" y="445540"/>
+            <a:ext cx="10513168" cy="792088"/>
+          </a:xfrm>
+          <a:prstGeom prst="bevel">
+            <a:avLst/>
+          </a:prstGeom>
+          <a:solidFill>
+            <a:schemeClr val="accent5">
+              <a:lumMod val="25000"/>
+            </a:schemeClr>
+          </a:solidFill>
+          <a:ln>
+            <a:solidFill>
+              <a:schemeClr val="accent3"/>
+            </a:solidFill>
+            <a:headEnd type="none" w="med" len="med"/>
+            <a:tailEnd type="none" w="med" len="med"/>
+          </a:ln>
+          <a:effectLst/>
+        </p:spPr>
+        <p:style>
+          <a:lnRef idx="1">
+            <a:schemeClr val="accent1"/>
+          </a:lnRef>
+          <a:fillRef idx="2">
+            <a:schemeClr val="accent1"/>
+          </a:fillRef>
+          <a:effectRef idx="1">
+            <a:schemeClr val="accent1"/>
+          </a:effectRef>
+          <a:fontRef idx="minor">
+            <a:schemeClr val="dk1"/>
+          </a:fontRef>
+        </p:style>
+        <p:txBody>
+          <a:bodyPr vert="horz" wrap="square" lIns="91436" tIns="45719" rIns="91436" bIns="45719" numCol="1" rtlCol="0" anchor="t" anchorCtr="0" compatLnSpc="1">
+            <a:prstTxWarp prst="textNoShape">
+              <a:avLst/>
+            </a:prstTxWarp>
+          </a:bodyPr>
+          <a:lstStyle/>
+          <a:p>
+            <a:pPr defTabSz="914354"/>
+            <a:r>
+              <a:rPr lang="ja-JP" altLang="en-US" sz="3556">
+                <a:solidFill>
+                  <a:schemeClr val="bg1"/>
+                </a:solidFill>
+                <a:latin typeface="HGS創英角ｺﾞｼｯｸUB" panose="020B0900000000000000" pitchFamily="50" charset="-128"/>
+                <a:ea typeface="HGS創英角ｺﾞｼｯｸUB" panose="020B0900000000000000" pitchFamily="50" charset="-128"/>
+                <a:cs typeface="メイリオ" pitchFamily="50" charset="-128"/>
+              </a:rPr>
+              <a:t>カメラ</a:t>
+            </a:r>
+            <a:endParaRPr lang="ja-JP" altLang="en-US" sz="3556" dirty="0">
+              <a:solidFill>
+                <a:schemeClr val="bg1"/>
+              </a:solidFill>
+              <a:latin typeface="HGS創英角ｺﾞｼｯｸUB" panose="020B0900000000000000" pitchFamily="50" charset="-128"/>
+              <a:ea typeface="HGS創英角ｺﾞｼｯｸUB" panose="020B0900000000000000" pitchFamily="50" charset="-128"/>
+              <a:cs typeface="メイリオ" pitchFamily="50" charset="-128"/>
+            </a:endParaRPr>
           </a:p>
         </p:txBody>
       </p:sp>
@@ -5415,8 +9274,8 @@
         </p:nvSpPr>
         <p:spPr>
           <a:xfrm>
-            <a:off x="525736" y="1292402"/>
-            <a:ext cx="11953328" cy="3156311"/>
+            <a:off x="668366" y="1492424"/>
+            <a:ext cx="11953328" cy="5016756"/>
           </a:xfrm>
           <a:prstGeom prst="rect">
             <a:avLst/>
@@ -5431,7 +9290,1528 @@
           <a:p>
             <a:pPr algn="l"/>
             <a:r>
-              <a:rPr lang="ja-JP" altLang="en-US" sz="3982" dirty="0">
+              <a:rPr lang="ja-JP" altLang="en-US" sz="2000">
+                <a:latin typeface="HGS創英角ｺﾞｼｯｸUB" panose="020B0900000000000000" pitchFamily="50" charset="-128"/>
+                <a:ea typeface="HGS創英角ｺﾞｼｯｸUB" panose="020B0900000000000000" pitchFamily="50" charset="-128"/>
+              </a:rPr>
+              <a:t>通常時</a:t>
+            </a:r>
+            <a:endParaRPr lang="en-US" altLang="ja-JP" sz="2000">
+              <a:latin typeface="HGS創英角ｺﾞｼｯｸUB" panose="020B0900000000000000" pitchFamily="50" charset="-128"/>
+              <a:ea typeface="HGS創英角ｺﾞｼｯｸUB" panose="020B0900000000000000" pitchFamily="50" charset="-128"/>
+            </a:endParaRPr>
+          </a:p>
+          <a:p>
+            <a:pPr algn="l"/>
+            <a:r>
+              <a:rPr lang="ja-JP" altLang="en-US" sz="2000">
+                <a:latin typeface="HGS創英角ｺﾞｼｯｸUB" panose="020B0900000000000000" pitchFamily="50" charset="-128"/>
+                <a:ea typeface="HGS創英角ｺﾞｼｯｸUB" panose="020B0900000000000000" pitchFamily="50" charset="-128"/>
+              </a:rPr>
+              <a:t>・</a:t>
+            </a:r>
+            <a:r>
+              <a:rPr lang="en-US" altLang="ja-JP" sz="2000">
+                <a:latin typeface="HGS創英角ｺﾞｼｯｸUB" panose="020B0900000000000000" pitchFamily="50" charset="-128"/>
+                <a:ea typeface="HGS創英角ｺﾞｼｯｸUB" panose="020B0900000000000000" pitchFamily="50" charset="-128"/>
+              </a:rPr>
+              <a:t>TPS</a:t>
+            </a:r>
+            <a:r>
+              <a:rPr lang="ja-JP" altLang="en-US" sz="2000">
+                <a:latin typeface="HGS創英角ｺﾞｼｯｸUB" panose="020B0900000000000000" pitchFamily="50" charset="-128"/>
+                <a:ea typeface="HGS創英角ｺﾞｼｯｸUB" panose="020B0900000000000000" pitchFamily="50" charset="-128"/>
+              </a:rPr>
+              <a:t>ゲームの様に上下左右に視点移動ができる</a:t>
+            </a:r>
+            <a:endParaRPr lang="en-US" altLang="ja-JP" sz="2000">
+              <a:latin typeface="HGS創英角ｺﾞｼｯｸUB" panose="020B0900000000000000" pitchFamily="50" charset="-128"/>
+              <a:ea typeface="HGS創英角ｺﾞｼｯｸUB" panose="020B0900000000000000" pitchFamily="50" charset="-128"/>
+            </a:endParaRPr>
+          </a:p>
+          <a:p>
+            <a:pPr algn="l"/>
+            <a:endParaRPr lang="en-US" altLang="ja-JP" sz="2000">
+              <a:latin typeface="HGS創英角ｺﾞｼｯｸUB" panose="020B0900000000000000" pitchFamily="50" charset="-128"/>
+              <a:ea typeface="HGS創英角ｺﾞｼｯｸUB" panose="020B0900000000000000" pitchFamily="50" charset="-128"/>
+            </a:endParaRPr>
+          </a:p>
+          <a:p>
+            <a:pPr algn="l"/>
+            <a:r>
+              <a:rPr lang="ja-JP" altLang="en-US" sz="2000">
+                <a:latin typeface="HGS創英角ｺﾞｼｯｸUB" panose="020B0900000000000000" pitchFamily="50" charset="-128"/>
+                <a:ea typeface="HGS創英角ｺﾞｼｯｸUB" panose="020B0900000000000000" pitchFamily="50" charset="-128"/>
+              </a:rPr>
+              <a:t>オブジェクトを見てる時（ロックオン）</a:t>
+            </a:r>
+            <a:endParaRPr lang="en-US" altLang="ja-JP" sz="2000">
+              <a:latin typeface="HGS創英角ｺﾞｼｯｸUB" panose="020B0900000000000000" pitchFamily="50" charset="-128"/>
+              <a:ea typeface="HGS創英角ｺﾞｼｯｸUB" panose="020B0900000000000000" pitchFamily="50" charset="-128"/>
+            </a:endParaRPr>
+          </a:p>
+          <a:p>
+            <a:pPr algn="l"/>
+            <a:r>
+              <a:rPr lang="ja-JP" altLang="en-US" sz="2000">
+                <a:latin typeface="HGS創英角ｺﾞｼｯｸUB" panose="020B0900000000000000" pitchFamily="50" charset="-128"/>
+                <a:ea typeface="HGS創英角ｺﾞｼｯｸUB" panose="020B0900000000000000" pitchFamily="50" charset="-128"/>
+              </a:rPr>
+              <a:t>・画像の様なエフェクトを表示し、</a:t>
+            </a:r>
+            <a:endParaRPr lang="en-US" altLang="ja-JP" sz="2000">
+              <a:latin typeface="HGS創英角ｺﾞｼｯｸUB" panose="020B0900000000000000" pitchFamily="50" charset="-128"/>
+              <a:ea typeface="HGS創英角ｺﾞｼｯｸUB" panose="020B0900000000000000" pitchFamily="50" charset="-128"/>
+            </a:endParaRPr>
+          </a:p>
+          <a:p>
+            <a:pPr algn="l"/>
+            <a:r>
+              <a:rPr lang="en-US" altLang="ja-JP" sz="2000">
+                <a:latin typeface="HGS創英角ｺﾞｼｯｸUB" panose="020B0900000000000000" pitchFamily="50" charset="-128"/>
+                <a:ea typeface="HGS創英角ｺﾞｼｯｸUB" panose="020B0900000000000000" pitchFamily="50" charset="-128"/>
+              </a:rPr>
+              <a:t>	</a:t>
+            </a:r>
+            <a:r>
+              <a:rPr lang="ja-JP" altLang="en-US" sz="2000">
+                <a:latin typeface="HGS創英角ｺﾞｼｯｸUB" panose="020B0900000000000000" pitchFamily="50" charset="-128"/>
+                <a:ea typeface="HGS創英角ｺﾞｼｯｸUB" panose="020B0900000000000000" pitchFamily="50" charset="-128"/>
+              </a:rPr>
+              <a:t>表示されてる時に弾くとオブジェクトに向かって射出される</a:t>
+            </a:r>
+            <a:endParaRPr lang="en-US" altLang="ja-JP" sz="2000">
+              <a:latin typeface="HGS創英角ｺﾞｼｯｸUB" panose="020B0900000000000000" pitchFamily="50" charset="-128"/>
+              <a:ea typeface="HGS創英角ｺﾞｼｯｸUB" panose="020B0900000000000000" pitchFamily="50" charset="-128"/>
+            </a:endParaRPr>
+          </a:p>
+          <a:p>
+            <a:pPr algn="l"/>
+            <a:endParaRPr lang="en-US" altLang="ja-JP" sz="2000">
+              <a:latin typeface="HGS創英角ｺﾞｼｯｸUB" panose="020B0900000000000000" pitchFamily="50" charset="-128"/>
+              <a:ea typeface="HGS創英角ｺﾞｼｯｸUB" panose="020B0900000000000000" pitchFamily="50" charset="-128"/>
+            </a:endParaRPr>
+          </a:p>
+          <a:p>
+            <a:pPr algn="l"/>
+            <a:r>
+              <a:rPr lang="ja-JP" altLang="en-US" sz="2000">
+                <a:latin typeface="HGS創英角ｺﾞｼｯｸUB" panose="020B0900000000000000" pitchFamily="50" charset="-128"/>
+                <a:ea typeface="HGS創英角ｺﾞｼｯｸUB" panose="020B0900000000000000" pitchFamily="50" charset="-128"/>
+              </a:rPr>
+              <a:t>ピンチ時</a:t>
+            </a:r>
+            <a:endParaRPr lang="en-US" altLang="ja-JP" sz="2000">
+              <a:latin typeface="HGS創英角ｺﾞｼｯｸUB" panose="020B0900000000000000" pitchFamily="50" charset="-128"/>
+              <a:ea typeface="HGS創英角ｺﾞｼｯｸUB" panose="020B0900000000000000" pitchFamily="50" charset="-128"/>
+            </a:endParaRPr>
+          </a:p>
+          <a:p>
+            <a:pPr algn="l"/>
+            <a:r>
+              <a:rPr lang="ja-JP" altLang="en-US" sz="2000">
+                <a:latin typeface="HGS創英角ｺﾞｼｯｸUB" panose="020B0900000000000000" pitchFamily="50" charset="-128"/>
+                <a:ea typeface="HGS創英角ｺﾞｼｯｸUB" panose="020B0900000000000000" pitchFamily="50" charset="-128"/>
+              </a:rPr>
+              <a:t>・視覚外のオブジェクトからの攻撃を食らってしまいそうな時、</a:t>
+            </a:r>
+            <a:endParaRPr lang="en-US" altLang="ja-JP" sz="2000">
+              <a:latin typeface="HGS創英角ｺﾞｼｯｸUB" panose="020B0900000000000000" pitchFamily="50" charset="-128"/>
+              <a:ea typeface="HGS創英角ｺﾞｼｯｸUB" panose="020B0900000000000000" pitchFamily="50" charset="-128"/>
+            </a:endParaRPr>
+          </a:p>
+          <a:p>
+            <a:pPr algn="l"/>
+            <a:r>
+              <a:rPr lang="en-US" altLang="ja-JP" sz="2000">
+                <a:latin typeface="HGS創英角ｺﾞｼｯｸUB" panose="020B0900000000000000" pitchFamily="50" charset="-128"/>
+                <a:ea typeface="HGS創英角ｺﾞｼｯｸUB" panose="020B0900000000000000" pitchFamily="50" charset="-128"/>
+              </a:rPr>
+              <a:t>	</a:t>
+            </a:r>
+            <a:r>
+              <a:rPr lang="ja-JP" altLang="en-US" sz="2000">
+                <a:latin typeface="HGS創英角ｺﾞｼｯｸUB" panose="020B0900000000000000" pitchFamily="50" charset="-128"/>
+                <a:ea typeface="HGS創英角ｺﾞｼｯｸUB" panose="020B0900000000000000" pitchFamily="50" charset="-128"/>
+              </a:rPr>
+              <a:t>攻撃してくるオブジェクトの方向をプレイヤーの近くに表示</a:t>
+            </a:r>
+            <a:endParaRPr lang="en-US" altLang="ja-JP" sz="2000">
+              <a:latin typeface="HGS創英角ｺﾞｼｯｸUB" panose="020B0900000000000000" pitchFamily="50" charset="-128"/>
+              <a:ea typeface="HGS創英角ｺﾞｼｯｸUB" panose="020B0900000000000000" pitchFamily="50" charset="-128"/>
+            </a:endParaRPr>
+          </a:p>
+          <a:p>
+            <a:pPr algn="l"/>
+            <a:endParaRPr lang="en-US" altLang="ja-JP" sz="2000">
+              <a:latin typeface="HGS創英角ｺﾞｼｯｸUB" panose="020B0900000000000000" pitchFamily="50" charset="-128"/>
+              <a:ea typeface="HGS創英角ｺﾞｼｯｸUB" panose="020B0900000000000000" pitchFamily="50" charset="-128"/>
+            </a:endParaRPr>
+          </a:p>
+          <a:p>
+            <a:pPr algn="l"/>
+            <a:r>
+              <a:rPr lang="ja-JP" altLang="en-US" sz="2000">
+                <a:latin typeface="HGS創英角ｺﾞｼｯｸUB" panose="020B0900000000000000" pitchFamily="50" charset="-128"/>
+                <a:ea typeface="HGS創英角ｺﾞｼｯｸUB" panose="020B0900000000000000" pitchFamily="50" charset="-128"/>
+              </a:rPr>
+              <a:t>回避時</a:t>
+            </a:r>
+            <a:endParaRPr lang="en-US" altLang="ja-JP" sz="2000">
+              <a:latin typeface="HGS創英角ｺﾞｼｯｸUB" panose="020B0900000000000000" pitchFamily="50" charset="-128"/>
+              <a:ea typeface="HGS創英角ｺﾞｼｯｸUB" panose="020B0900000000000000" pitchFamily="50" charset="-128"/>
+            </a:endParaRPr>
+          </a:p>
+          <a:p>
+            <a:pPr algn="l"/>
+            <a:r>
+              <a:rPr lang="ja-JP" altLang="en-US" sz="2000">
+                <a:latin typeface="HGS創英角ｺﾞｼｯｸUB" panose="020B0900000000000000" pitchFamily="50" charset="-128"/>
+                <a:ea typeface="HGS創英角ｺﾞｼｯｸUB" panose="020B0900000000000000" pitchFamily="50" charset="-128"/>
+              </a:rPr>
+              <a:t>・タイミングよく回避すると煽りや俯瞰視点に切り替え、</a:t>
+            </a:r>
+            <a:endParaRPr lang="en-US" altLang="ja-JP" sz="2000">
+              <a:latin typeface="HGS創英角ｺﾞｼｯｸUB" panose="020B0900000000000000" pitchFamily="50" charset="-128"/>
+              <a:ea typeface="HGS創英角ｺﾞｼｯｸUB" panose="020B0900000000000000" pitchFamily="50" charset="-128"/>
+            </a:endParaRPr>
+          </a:p>
+          <a:p>
+            <a:pPr algn="l"/>
+            <a:r>
+              <a:rPr lang="en-US" altLang="ja-JP" sz="2000">
+                <a:latin typeface="HGS創英角ｺﾞｼｯｸUB" panose="020B0900000000000000" pitchFamily="50" charset="-128"/>
+                <a:ea typeface="HGS創英角ｺﾞｼｯｸUB" panose="020B0900000000000000" pitchFamily="50" charset="-128"/>
+              </a:rPr>
+              <a:t>	</a:t>
+            </a:r>
+            <a:r>
+              <a:rPr lang="ja-JP" altLang="en-US" sz="2000">
+                <a:latin typeface="HGS創英角ｺﾞｼｯｸUB" panose="020B0900000000000000" pitchFamily="50" charset="-128"/>
+                <a:ea typeface="HGS創英角ｺﾞｼｯｸUB" panose="020B0900000000000000" pitchFamily="50" charset="-128"/>
+              </a:rPr>
+              <a:t>回避しているボールをかっこよく見せる</a:t>
+            </a:r>
+            <a:endParaRPr lang="en-US" altLang="ja-JP" sz="2000">
+              <a:latin typeface="HGS創英角ｺﾞｼｯｸUB" panose="020B0900000000000000" pitchFamily="50" charset="-128"/>
+              <a:ea typeface="HGS創英角ｺﾞｼｯｸUB" panose="020B0900000000000000" pitchFamily="50" charset="-128"/>
+            </a:endParaRPr>
+          </a:p>
+          <a:p>
+            <a:pPr algn="l"/>
+            <a:endParaRPr lang="en-US" altLang="ja-JP" sz="2000">
+              <a:latin typeface="HGS創英角ｺﾞｼｯｸUB" panose="020B0900000000000000" pitchFamily="50" charset="-128"/>
+              <a:ea typeface="HGS創英角ｺﾞｼｯｸUB" panose="020B0900000000000000" pitchFamily="50" charset="-128"/>
+            </a:endParaRPr>
+          </a:p>
+          <a:p>
+            <a:pPr algn="l"/>
+            <a:endParaRPr lang="en-US" altLang="ja-JP" sz="2000">
+              <a:latin typeface="HGS創英角ｺﾞｼｯｸUB" panose="020B0900000000000000" pitchFamily="50" charset="-128"/>
+              <a:ea typeface="HGS創英角ｺﾞｼｯｸUB" panose="020B0900000000000000" pitchFamily="50" charset="-128"/>
+            </a:endParaRPr>
+          </a:p>
+        </p:txBody>
+      </p:sp>
+      <p:sp>
+        <p:nvSpPr>
+          <p:cNvPr id="3" name="スライド番号プレースホルダー 2"/>
+          <p:cNvSpPr>
+            <a:spLocks noGrp="1"/>
+          </p:cNvSpPr>
+          <p:nvPr>
+            <p:ph type="sldNum" sz="quarter" idx="10"/>
+          </p:nvPr>
+        </p:nvSpPr>
+        <p:spPr/>
+        <p:txBody>
+          <a:bodyPr/>
+          <a:lstStyle/>
+          <a:p>
+            <a:pPr>
+              <a:defRPr/>
+            </a:pPr>
+            <a:fld id="{90303C1F-567D-4446-A625-F0737271D35A}" type="slidenum">
+              <a:rPr lang="ja-JP" altLang="en-US" smtClean="0"/>
+              <a:pPr>
+                <a:defRPr/>
+              </a:pPr>
+              <a:t>4</a:t>
+            </a:fld>
+            <a:endParaRPr lang="en-US" altLang="ja-JP"/>
+          </a:p>
+        </p:txBody>
+      </p:sp>
+      <p:pic>
+        <p:nvPicPr>
+          <p:cNvPr id="2" name="Picture 2" descr="ロックオンのイラスト素材 [70929414] - PIXTA">
+            <a:extLst>
+              <a:ext uri="{FF2B5EF4-FFF2-40B4-BE49-F238E27FC236}">
+                <a16:creationId xmlns:a16="http://schemas.microsoft.com/office/drawing/2014/main" id="{33E2D1BE-B95E-46F9-8413-A9EDC21B85E3}"/>
+              </a:ext>
+            </a:extLst>
+          </p:cNvPr>
+          <p:cNvPicPr>
+            <a:picLocks noChangeAspect="1" noChangeArrowheads="1"/>
+          </p:cNvPicPr>
+          <p:nvPr/>
+        </p:nvPicPr>
+        <p:blipFill>
+          <a:blip r:embed="rId3">
+            <a:extLst>
+              <a:ext uri="{28A0092B-C50C-407E-A947-70E740481C1C}">
+                <a14:useLocalDpi xmlns:a14="http://schemas.microsoft.com/office/drawing/2010/main" val="0"/>
+              </a:ext>
+            </a:extLst>
+          </a:blip>
+          <a:srcRect/>
+          <a:stretch>
+            <a:fillRect/>
+          </a:stretch>
+        </p:blipFill>
+        <p:spPr bwMode="auto">
+          <a:xfrm>
+            <a:off x="9555643" y="1996480"/>
+            <a:ext cx="2126010" cy="1847266"/>
+          </a:xfrm>
+          <a:prstGeom prst="rect">
+            <a:avLst/>
+          </a:prstGeom>
+          <a:noFill/>
+          <a:extLst>
+            <a:ext uri="{909E8E84-426E-40DD-AFC4-6F175D3DCCD1}">
+              <a14:hiddenFill xmlns:a14="http://schemas.microsoft.com/office/drawing/2010/main">
+                <a:solidFill>
+                  <a:srgbClr val="FFFFFF"/>
+                </a:solidFill>
+              </a14:hiddenFill>
+            </a:ext>
+          </a:extLst>
+        </p:spPr>
+      </p:pic>
+    </p:spTree>
+    <p:extLst>
+      <p:ext uri="{BB962C8B-B14F-4D97-AF65-F5344CB8AC3E}">
+        <p14:creationId xmlns:p14="http://schemas.microsoft.com/office/powerpoint/2010/main" val="3456896731"/>
+      </p:ext>
+    </p:extLst>
+  </p:cSld>
+  <p:clrMapOvr>
+    <a:masterClrMapping/>
+  </p:clrMapOvr>
+  <p:transition/>
+</p:sld>
+</file>
+
+<file path=ppt/slides/slide5.xml><?xml version="1.0" encoding="utf-8"?>
+<p:sld xmlns:a="http://schemas.openxmlformats.org/drawingml/2006/main" xmlns:r="http://schemas.openxmlformats.org/officeDocument/2006/relationships" xmlns:p="http://schemas.openxmlformats.org/presentationml/2006/main">
+  <p:cSld>
+    <p:spTree>
+      <p:nvGrpSpPr>
+        <p:cNvPr id="1" name=""/>
+        <p:cNvGrpSpPr/>
+        <p:nvPr/>
+      </p:nvGrpSpPr>
+      <p:grpSpPr>
+        <a:xfrm>
+          <a:off x="0" y="0"/>
+          <a:ext cx="0" cy="0"/>
+          <a:chOff x="0" y="0"/>
+          <a:chExt cx="0" cy="0"/>
+        </a:xfrm>
+      </p:grpSpPr>
+      <p:sp>
+        <p:nvSpPr>
+          <p:cNvPr id="6" name="額縁 5"/>
+          <p:cNvSpPr/>
+          <p:nvPr/>
+        </p:nvSpPr>
+        <p:spPr bwMode="auto">
+          <a:xfrm>
+            <a:off x="105480" y="445540"/>
+            <a:ext cx="10513168" cy="792088"/>
+          </a:xfrm>
+          <a:prstGeom prst="bevel">
+            <a:avLst/>
+          </a:prstGeom>
+          <a:solidFill>
+            <a:schemeClr val="accent5">
+              <a:lumMod val="25000"/>
+            </a:schemeClr>
+          </a:solidFill>
+          <a:ln>
+            <a:solidFill>
+              <a:schemeClr val="accent3"/>
+            </a:solidFill>
+            <a:headEnd type="none" w="med" len="med"/>
+            <a:tailEnd type="none" w="med" len="med"/>
+          </a:ln>
+          <a:effectLst/>
+        </p:spPr>
+        <p:style>
+          <a:lnRef idx="1">
+            <a:schemeClr val="accent1"/>
+          </a:lnRef>
+          <a:fillRef idx="2">
+            <a:schemeClr val="accent1"/>
+          </a:fillRef>
+          <a:effectRef idx="1">
+            <a:schemeClr val="accent1"/>
+          </a:effectRef>
+          <a:fontRef idx="minor">
+            <a:schemeClr val="dk1"/>
+          </a:fontRef>
+        </p:style>
+        <p:txBody>
+          <a:bodyPr vert="horz" wrap="square" lIns="91436" tIns="45719" rIns="91436" bIns="45719" numCol="1" rtlCol="0" anchor="t" anchorCtr="0" compatLnSpc="1">
+            <a:prstTxWarp prst="textNoShape">
+              <a:avLst/>
+            </a:prstTxWarp>
+          </a:bodyPr>
+          <a:lstStyle/>
+          <a:p>
+            <a:pPr defTabSz="914354"/>
+            <a:r>
+              <a:rPr lang="ja-JP" altLang="en-US" sz="3556">
+                <a:solidFill>
+                  <a:schemeClr val="bg1"/>
+                </a:solidFill>
+                <a:latin typeface="HGS創英角ｺﾞｼｯｸUB" panose="020B0900000000000000" pitchFamily="50" charset="-128"/>
+                <a:ea typeface="HGS創英角ｺﾞｼｯｸUB" panose="020B0900000000000000" pitchFamily="50" charset="-128"/>
+                <a:cs typeface="メイリオ" pitchFamily="50" charset="-128"/>
+              </a:rPr>
+              <a:t>ステージ</a:t>
+            </a:r>
+            <a:endParaRPr lang="ja-JP" altLang="en-US" sz="3556" dirty="0">
+              <a:solidFill>
+                <a:schemeClr val="bg1"/>
+              </a:solidFill>
+              <a:latin typeface="HGS創英角ｺﾞｼｯｸUB" panose="020B0900000000000000" pitchFamily="50" charset="-128"/>
+              <a:ea typeface="HGS創英角ｺﾞｼｯｸUB" panose="020B0900000000000000" pitchFamily="50" charset="-128"/>
+              <a:cs typeface="メイリオ" pitchFamily="50" charset="-128"/>
+            </a:endParaRPr>
+          </a:p>
+        </p:txBody>
+      </p:sp>
+      <p:sp>
+        <p:nvSpPr>
+          <p:cNvPr id="3" name="スライド番号プレースホルダー 2"/>
+          <p:cNvSpPr>
+            <a:spLocks noGrp="1"/>
+          </p:cNvSpPr>
+          <p:nvPr>
+            <p:ph type="sldNum" sz="quarter" idx="10"/>
+          </p:nvPr>
+        </p:nvSpPr>
+        <p:spPr/>
+        <p:txBody>
+          <a:bodyPr/>
+          <a:lstStyle/>
+          <a:p>
+            <a:pPr>
+              <a:defRPr/>
+            </a:pPr>
+            <a:fld id="{90303C1F-567D-4446-A625-F0737271D35A}" type="slidenum">
+              <a:rPr lang="ja-JP" altLang="en-US" smtClean="0"/>
+              <a:pPr>
+                <a:defRPr/>
+              </a:pPr>
+              <a:t>5</a:t>
+            </a:fld>
+            <a:endParaRPr lang="en-US" altLang="ja-JP"/>
+          </a:p>
+        </p:txBody>
+      </p:sp>
+      <p:pic>
+        <p:nvPicPr>
+          <p:cNvPr id="5" name="図 4">
+            <a:extLst>
+              <a:ext uri="{FF2B5EF4-FFF2-40B4-BE49-F238E27FC236}">
+                <a16:creationId xmlns:a16="http://schemas.microsoft.com/office/drawing/2014/main" id="{D50E3724-3291-4E4A-A162-80940D095949}"/>
+              </a:ext>
+            </a:extLst>
+          </p:cNvPr>
+          <p:cNvPicPr>
+            <a:picLocks noChangeAspect="1"/>
+          </p:cNvPicPr>
+          <p:nvPr/>
+        </p:nvPicPr>
+        <p:blipFill>
+          <a:blip r:embed="rId3" cstate="print">
+            <a:extLst>
+              <a:ext uri="{28A0092B-C50C-407E-A947-70E740481C1C}">
+                <a14:useLocalDpi xmlns:a14="http://schemas.microsoft.com/office/drawing/2010/main" val="0"/>
+              </a:ext>
+            </a:extLst>
+          </a:blip>
+          <a:stretch>
+            <a:fillRect/>
+          </a:stretch>
+        </p:blipFill>
+        <p:spPr>
+          <a:xfrm rot="5400000">
+            <a:off x="5927570" y="2637652"/>
+            <a:ext cx="7478960" cy="5609220"/>
+          </a:xfrm>
+          <a:prstGeom prst="rect">
+            <a:avLst/>
+          </a:prstGeom>
+        </p:spPr>
+      </p:pic>
+      <p:sp>
+        <p:nvSpPr>
+          <p:cNvPr id="7" name="テキスト ボックス 6">
+            <a:extLst>
+              <a:ext uri="{FF2B5EF4-FFF2-40B4-BE49-F238E27FC236}">
+                <a16:creationId xmlns:a16="http://schemas.microsoft.com/office/drawing/2014/main" id="{FD95C41F-4CD5-4453-911B-7E52FC143E59}"/>
+              </a:ext>
+            </a:extLst>
+          </p:cNvPr>
+          <p:cNvSpPr txBox="1"/>
+          <p:nvPr/>
+        </p:nvSpPr>
+        <p:spPr>
+          <a:xfrm>
+            <a:off x="669752" y="3436640"/>
+            <a:ext cx="5832648" cy="3477875"/>
+          </a:xfrm>
+          <a:prstGeom prst="rect">
+            <a:avLst/>
+          </a:prstGeom>
+          <a:noFill/>
+        </p:spPr>
+        <p:txBody>
+          <a:bodyPr wrap="square" rtlCol="0">
+            <a:spAutoFit/>
+          </a:bodyPr>
+          <a:lstStyle/>
+          <a:p>
+            <a:pPr algn="l"/>
+            <a:r>
+              <a:rPr kumimoji="1" lang="ja-JP" altLang="en-US" sz="2400">
+                <a:latin typeface="HGS創英角ｺﾞｼｯｸUB" panose="020B0900000000000000" pitchFamily="50" charset="-128"/>
+                <a:ea typeface="HGS創英角ｺﾞｼｯｸUB" panose="020B0900000000000000" pitchFamily="50" charset="-128"/>
+              </a:rPr>
+              <a:t>・全体的にステージの構造は直線、</a:t>
+            </a:r>
+            <a:endParaRPr kumimoji="1" lang="en-US" altLang="ja-JP" sz="2400">
+              <a:latin typeface="HGS創英角ｺﾞｼｯｸUB" panose="020B0900000000000000" pitchFamily="50" charset="-128"/>
+              <a:ea typeface="HGS創英角ｺﾞｼｯｸUB" panose="020B0900000000000000" pitchFamily="50" charset="-128"/>
+            </a:endParaRPr>
+          </a:p>
+          <a:p>
+            <a:pPr algn="l"/>
+            <a:r>
+              <a:rPr kumimoji="1" lang="en-US" altLang="ja-JP" sz="2400">
+                <a:latin typeface="HGS創英角ｺﾞｼｯｸUB" panose="020B0900000000000000" pitchFamily="50" charset="-128"/>
+                <a:ea typeface="HGS創英角ｺﾞｼｯｸUB" panose="020B0900000000000000" pitchFamily="50" charset="-128"/>
+              </a:rPr>
+              <a:t>	</a:t>
+            </a:r>
+            <a:r>
+              <a:rPr kumimoji="1" lang="ja-JP" altLang="en-US" sz="2400">
+                <a:latin typeface="HGS創英角ｺﾞｼｯｸUB" panose="020B0900000000000000" pitchFamily="50" charset="-128"/>
+                <a:ea typeface="HGS創英角ｺﾞｼｯｸUB" panose="020B0900000000000000" pitchFamily="50" charset="-128"/>
+              </a:rPr>
+              <a:t>敵オブジェクトは曲線と区別し、</a:t>
+            </a:r>
+            <a:endParaRPr kumimoji="1" lang="en-US" altLang="ja-JP" sz="2400">
+              <a:latin typeface="HGS創英角ｺﾞｼｯｸUB" panose="020B0900000000000000" pitchFamily="50" charset="-128"/>
+              <a:ea typeface="HGS創英角ｺﾞｼｯｸUB" panose="020B0900000000000000" pitchFamily="50" charset="-128"/>
+            </a:endParaRPr>
+          </a:p>
+          <a:p>
+            <a:pPr algn="l"/>
+            <a:r>
+              <a:rPr kumimoji="1" lang="en-US" altLang="ja-JP" sz="2400">
+                <a:latin typeface="HGS創英角ｺﾞｼｯｸUB" panose="020B0900000000000000" pitchFamily="50" charset="-128"/>
+                <a:ea typeface="HGS創英角ｺﾞｼｯｸUB" panose="020B0900000000000000" pitchFamily="50" charset="-128"/>
+              </a:rPr>
+              <a:t>	</a:t>
+            </a:r>
+            <a:r>
+              <a:rPr kumimoji="1" lang="ja-JP" altLang="en-US" sz="2400">
+                <a:latin typeface="HGS創英角ｺﾞｼｯｸUB" panose="020B0900000000000000" pitchFamily="50" charset="-128"/>
+                <a:ea typeface="HGS創英角ｺﾞｼｯｸUB" panose="020B0900000000000000" pitchFamily="50" charset="-128"/>
+              </a:rPr>
+              <a:t>ユーザーが一目でどちらか判別し</a:t>
+            </a:r>
+            <a:r>
+              <a:rPr kumimoji="1" lang="en-US" altLang="ja-JP" sz="2400">
+                <a:latin typeface="HGS創英角ｺﾞｼｯｸUB" panose="020B0900000000000000" pitchFamily="50" charset="-128"/>
+                <a:ea typeface="HGS創英角ｺﾞｼｯｸUB" panose="020B0900000000000000" pitchFamily="50" charset="-128"/>
+              </a:rPr>
+              <a:t>	</a:t>
+            </a:r>
+            <a:r>
+              <a:rPr kumimoji="1" lang="ja-JP" altLang="en-US" sz="2400">
+                <a:latin typeface="HGS創英角ｺﾞｼｯｸUB" panose="020B0900000000000000" pitchFamily="50" charset="-128"/>
+                <a:ea typeface="HGS創英角ｺﾞｼｯｸUB" panose="020B0900000000000000" pitchFamily="50" charset="-128"/>
+              </a:rPr>
+              <a:t>やすい様に</a:t>
+            </a:r>
+            <a:endParaRPr kumimoji="1" lang="en-US" altLang="ja-JP" sz="2400">
+              <a:latin typeface="HGS創英角ｺﾞｼｯｸUB" panose="020B0900000000000000" pitchFamily="50" charset="-128"/>
+              <a:ea typeface="HGS創英角ｺﾞｼｯｸUB" panose="020B0900000000000000" pitchFamily="50" charset="-128"/>
+            </a:endParaRPr>
+          </a:p>
+          <a:p>
+            <a:pPr algn="l"/>
+            <a:endParaRPr kumimoji="1" lang="en-US" altLang="ja-JP" sz="2800">
+              <a:latin typeface="HGS創英角ｺﾞｼｯｸUB" panose="020B0900000000000000" pitchFamily="50" charset="-128"/>
+              <a:ea typeface="HGS創英角ｺﾞｼｯｸUB" panose="020B0900000000000000" pitchFamily="50" charset="-128"/>
+            </a:endParaRPr>
+          </a:p>
+          <a:p>
+            <a:pPr algn="l"/>
+            <a:r>
+              <a:rPr kumimoji="1" lang="ja-JP" altLang="en-US" sz="2400">
+                <a:latin typeface="HGS創英角ｺﾞｼｯｸUB" panose="020B0900000000000000" pitchFamily="50" charset="-128"/>
+                <a:ea typeface="HGS創英角ｺﾞｼｯｸUB" panose="020B0900000000000000" pitchFamily="50" charset="-128"/>
+              </a:rPr>
+              <a:t>・クリア前には大量の加速板を設</a:t>
+            </a:r>
+            <a:r>
+              <a:rPr kumimoji="1" lang="en-US" altLang="ja-JP" sz="2400">
+                <a:latin typeface="HGS創英角ｺﾞｼｯｸUB" panose="020B0900000000000000" pitchFamily="50" charset="-128"/>
+                <a:ea typeface="HGS創英角ｺﾞｼｯｸUB" panose="020B0900000000000000" pitchFamily="50" charset="-128"/>
+              </a:rPr>
+              <a:t>	</a:t>
+            </a:r>
+            <a:r>
+              <a:rPr kumimoji="1" lang="ja-JP" altLang="en-US" sz="2400">
+                <a:latin typeface="HGS創英角ｺﾞｼｯｸUB" panose="020B0900000000000000" pitchFamily="50" charset="-128"/>
+                <a:ea typeface="HGS創英角ｺﾞｼｯｸUB" panose="020B0900000000000000" pitchFamily="50" charset="-128"/>
+              </a:rPr>
+              <a:t>置し、ゴール時の爽快感を演出</a:t>
+            </a:r>
+            <a:endParaRPr kumimoji="1" lang="en-US" altLang="ja-JP" sz="2400">
+              <a:latin typeface="HGS創英角ｺﾞｼｯｸUB" panose="020B0900000000000000" pitchFamily="50" charset="-128"/>
+              <a:ea typeface="HGS創英角ｺﾞｼｯｸUB" panose="020B0900000000000000" pitchFamily="50" charset="-128"/>
+            </a:endParaRPr>
+          </a:p>
+          <a:p>
+            <a:pPr algn="l"/>
+            <a:endParaRPr kumimoji="1" lang="en-US" altLang="ja-JP" sz="2400">
+              <a:latin typeface="HGS創英角ｺﾞｼｯｸUB" panose="020B0900000000000000" pitchFamily="50" charset="-128"/>
+              <a:ea typeface="HGS創英角ｺﾞｼｯｸUB" panose="020B0900000000000000" pitchFamily="50" charset="-128"/>
+            </a:endParaRPr>
+          </a:p>
+          <a:p>
+            <a:pPr algn="l"/>
+            <a:r>
+              <a:rPr kumimoji="1" lang="ja-JP" altLang="en-US" sz="2400">
+                <a:latin typeface="HGS創英角ｺﾞｼｯｸUB" panose="020B0900000000000000" pitchFamily="50" charset="-128"/>
+                <a:ea typeface="HGS創英角ｺﾞｼｯｸUB" panose="020B0900000000000000" pitchFamily="50" charset="-128"/>
+              </a:rPr>
+              <a:t>・高低差をつけ、３ｄ感を演出</a:t>
+            </a:r>
+          </a:p>
+        </p:txBody>
+      </p:sp>
+    </p:spTree>
+    <p:extLst>
+      <p:ext uri="{BB962C8B-B14F-4D97-AF65-F5344CB8AC3E}">
+        <p14:creationId xmlns:p14="http://schemas.microsoft.com/office/powerpoint/2010/main" val="387523837"/>
+      </p:ext>
+    </p:extLst>
+  </p:cSld>
+  <p:clrMapOvr>
+    <a:masterClrMapping/>
+  </p:clrMapOvr>
+  <p:transition/>
+</p:sld>
+</file>
+
+<file path=ppt/slides/slide6.xml><?xml version="1.0" encoding="utf-8"?>
+<p:sld xmlns:a="http://schemas.openxmlformats.org/drawingml/2006/main" xmlns:r="http://schemas.openxmlformats.org/officeDocument/2006/relationships" xmlns:p="http://schemas.openxmlformats.org/presentationml/2006/main">
+  <p:cSld>
+    <p:spTree>
+      <p:nvGrpSpPr>
+        <p:cNvPr id="1" name=""/>
+        <p:cNvGrpSpPr/>
+        <p:nvPr/>
+      </p:nvGrpSpPr>
+      <p:grpSpPr>
+        <a:xfrm>
+          <a:off x="0" y="0"/>
+          <a:ext cx="0" cy="0"/>
+          <a:chOff x="0" y="0"/>
+          <a:chExt cx="0" cy="0"/>
+        </a:xfrm>
+      </p:grpSpPr>
+      <p:sp>
+        <p:nvSpPr>
+          <p:cNvPr id="6" name="額縁 5"/>
+          <p:cNvSpPr/>
+          <p:nvPr/>
+        </p:nvSpPr>
+        <p:spPr bwMode="auto">
+          <a:xfrm>
+            <a:off x="105480" y="445540"/>
+            <a:ext cx="10513168" cy="792088"/>
+          </a:xfrm>
+          <a:prstGeom prst="bevel">
+            <a:avLst/>
+          </a:prstGeom>
+          <a:solidFill>
+            <a:schemeClr val="accent5">
+              <a:lumMod val="25000"/>
+            </a:schemeClr>
+          </a:solidFill>
+          <a:ln>
+            <a:solidFill>
+              <a:schemeClr val="accent3"/>
+            </a:solidFill>
+            <a:headEnd type="none" w="med" len="med"/>
+            <a:tailEnd type="none" w="med" len="med"/>
+          </a:ln>
+          <a:effectLst/>
+        </p:spPr>
+        <p:style>
+          <a:lnRef idx="1">
+            <a:schemeClr val="accent1"/>
+          </a:lnRef>
+          <a:fillRef idx="2">
+            <a:schemeClr val="accent1"/>
+          </a:fillRef>
+          <a:effectRef idx="1">
+            <a:schemeClr val="accent1"/>
+          </a:effectRef>
+          <a:fontRef idx="minor">
+            <a:schemeClr val="dk1"/>
+          </a:fontRef>
+        </p:style>
+        <p:txBody>
+          <a:bodyPr vert="horz" wrap="square" lIns="91436" tIns="45719" rIns="91436" bIns="45719" numCol="1" rtlCol="0" anchor="t" anchorCtr="0" compatLnSpc="1">
+            <a:prstTxWarp prst="textNoShape">
+              <a:avLst/>
+            </a:prstTxWarp>
+          </a:bodyPr>
+          <a:lstStyle/>
+          <a:p>
+            <a:pPr defTabSz="914354"/>
+            <a:r>
+              <a:rPr lang="ja-JP" altLang="en-US" sz="3556" dirty="0">
+                <a:solidFill>
+                  <a:schemeClr val="bg1"/>
+                </a:solidFill>
+                <a:latin typeface="HGS創英角ｺﾞｼｯｸUB" panose="020B0900000000000000" pitchFamily="50" charset="-128"/>
+                <a:ea typeface="HGS創英角ｺﾞｼｯｸUB" panose="020B0900000000000000" pitchFamily="50" charset="-128"/>
+                <a:cs typeface="メイリオ" pitchFamily="50" charset="-128"/>
+              </a:rPr>
+              <a:t>敵のイメージ　①（ボス）</a:t>
+            </a:r>
+          </a:p>
+        </p:txBody>
+      </p:sp>
+      <p:sp>
+        <p:nvSpPr>
+          <p:cNvPr id="3" name="スライド番号プレースホルダー 2"/>
+          <p:cNvSpPr>
+            <a:spLocks noGrp="1"/>
+          </p:cNvSpPr>
+          <p:nvPr>
+            <p:ph type="sldNum" sz="quarter" idx="10"/>
+          </p:nvPr>
+        </p:nvSpPr>
+        <p:spPr/>
+        <p:txBody>
+          <a:bodyPr/>
+          <a:lstStyle/>
+          <a:p>
+            <a:pPr>
+              <a:defRPr/>
+            </a:pPr>
+            <a:fld id="{90303C1F-567D-4446-A625-F0737271D35A}" type="slidenum">
+              <a:rPr lang="ja-JP" altLang="en-US" smtClean="0"/>
+              <a:pPr>
+                <a:defRPr/>
+              </a:pPr>
+              <a:t>6</a:t>
+            </a:fld>
+            <a:endParaRPr lang="en-US" altLang="ja-JP"/>
+          </a:p>
+        </p:txBody>
+      </p:sp>
+      <p:pic>
+        <p:nvPicPr>
+          <p:cNvPr id="3074" name="Picture 2" descr="星のカービィ ロボボプラネット】ラスボス 星の夢.Soul OS 攻略のコツ | かーびぃまみれ｜星のカービィシリーズの総合情報ファンサイト">
+            <a:extLst>
+              <a:ext uri="{FF2B5EF4-FFF2-40B4-BE49-F238E27FC236}">
+                <a16:creationId xmlns:a16="http://schemas.microsoft.com/office/drawing/2014/main" id="{3D6C8D64-A83F-4F3C-94D8-0FA2AF4B9B08}"/>
+              </a:ext>
+            </a:extLst>
+          </p:cNvPr>
+          <p:cNvPicPr>
+            <a:picLocks noChangeAspect="1" noChangeArrowheads="1"/>
+          </p:cNvPicPr>
+          <p:nvPr/>
+        </p:nvPicPr>
+        <p:blipFill>
+          <a:blip r:embed="rId3">
+            <a:extLst>
+              <a:ext uri="{28A0092B-C50C-407E-A947-70E740481C1C}">
+                <a14:useLocalDpi xmlns:a14="http://schemas.microsoft.com/office/drawing/2010/main" val="0"/>
+              </a:ext>
+            </a:extLst>
+          </a:blip>
+          <a:srcRect/>
+          <a:stretch>
+            <a:fillRect/>
+          </a:stretch>
+        </p:blipFill>
+        <p:spPr bwMode="auto">
+          <a:xfrm>
+            <a:off x="2533443" y="4897574"/>
+            <a:ext cx="7937914" cy="4145355"/>
+          </a:xfrm>
+          <a:prstGeom prst="rect">
+            <a:avLst/>
+          </a:prstGeom>
+          <a:noFill/>
+          <a:extLst>
+            <a:ext uri="{909E8E84-426E-40DD-AFC4-6F175D3DCCD1}">
+              <a14:hiddenFill xmlns:a14="http://schemas.microsoft.com/office/drawing/2010/main">
+                <a:solidFill>
+                  <a:srgbClr val="FFFFFF"/>
+                </a:solidFill>
+              </a14:hiddenFill>
+            </a:ext>
+          </a:extLst>
+        </p:spPr>
+      </p:pic>
+      <p:sp>
+        <p:nvSpPr>
+          <p:cNvPr id="2" name="テキスト ボックス 1">
+            <a:extLst>
+              <a:ext uri="{FF2B5EF4-FFF2-40B4-BE49-F238E27FC236}">
+                <a16:creationId xmlns:a16="http://schemas.microsoft.com/office/drawing/2014/main" id="{BD5F9097-DBAF-4DCE-B3F3-C831428D5519}"/>
+              </a:ext>
+            </a:extLst>
+          </p:cNvPr>
+          <p:cNvSpPr txBox="1"/>
+          <p:nvPr/>
+        </p:nvSpPr>
+        <p:spPr>
+          <a:xfrm>
+            <a:off x="597744" y="1636440"/>
+            <a:ext cx="10513168" cy="2862322"/>
+          </a:xfrm>
+          <a:prstGeom prst="rect">
+            <a:avLst/>
+          </a:prstGeom>
+          <a:noFill/>
+        </p:spPr>
+        <p:txBody>
+          <a:bodyPr wrap="square" rtlCol="0">
+            <a:spAutoFit/>
+          </a:bodyPr>
+          <a:lstStyle/>
+          <a:p>
+            <a:pPr algn="l"/>
+            <a:r>
+              <a:rPr kumimoji="1" lang="ja-JP" altLang="en-US" sz="3600" dirty="0">
+                <a:latin typeface="HGS創英角ｺﾞｼｯｸUB" panose="020B0900000000000000" pitchFamily="50" charset="-128"/>
+                <a:ea typeface="HGS創英角ｺﾞｼｯｸUB" panose="020B0900000000000000" pitchFamily="50" charset="-128"/>
+              </a:rPr>
+              <a:t>・動力コアが暴走した物</a:t>
+            </a:r>
+            <a:endParaRPr kumimoji="1" lang="en-US" altLang="ja-JP" sz="3600" dirty="0">
+              <a:latin typeface="HGS創英角ｺﾞｼｯｸUB" panose="020B0900000000000000" pitchFamily="50" charset="-128"/>
+              <a:ea typeface="HGS創英角ｺﾞｼｯｸUB" panose="020B0900000000000000" pitchFamily="50" charset="-128"/>
+            </a:endParaRPr>
+          </a:p>
+          <a:p>
+            <a:pPr algn="l"/>
+            <a:r>
+              <a:rPr kumimoji="1" lang="ja-JP" altLang="en-US" sz="3600" dirty="0">
+                <a:latin typeface="HGS創英角ｺﾞｼｯｸUB" panose="020B0900000000000000" pitchFamily="50" charset="-128"/>
+                <a:ea typeface="HGS創英角ｺﾞｼｯｸUB" panose="020B0900000000000000" pitchFamily="50" charset="-128"/>
+              </a:rPr>
+              <a:t>・厳重なガードが施されているので、</a:t>
+            </a:r>
+            <a:endParaRPr kumimoji="1" lang="en-US" altLang="ja-JP" sz="3600" dirty="0">
+              <a:latin typeface="HGS創英角ｺﾞｼｯｸUB" panose="020B0900000000000000" pitchFamily="50" charset="-128"/>
+              <a:ea typeface="HGS創英角ｺﾞｼｯｸUB" panose="020B0900000000000000" pitchFamily="50" charset="-128"/>
+            </a:endParaRPr>
+          </a:p>
+          <a:p>
+            <a:pPr algn="l"/>
+            <a:r>
+              <a:rPr kumimoji="1" lang="en-US" altLang="ja-JP" sz="3600" dirty="0">
+                <a:latin typeface="HGS創英角ｺﾞｼｯｸUB" panose="020B0900000000000000" pitchFamily="50" charset="-128"/>
+                <a:ea typeface="HGS創英角ｺﾞｼｯｸUB" panose="020B0900000000000000" pitchFamily="50" charset="-128"/>
+              </a:rPr>
+              <a:t>	</a:t>
+            </a:r>
+            <a:r>
+              <a:rPr kumimoji="1" lang="ja-JP" altLang="en-US" sz="3600" dirty="0">
+                <a:latin typeface="HGS創英角ｺﾞｼｯｸUB" panose="020B0900000000000000" pitchFamily="50" charset="-128"/>
+                <a:ea typeface="HGS創英角ｺﾞｼｯｸUB" panose="020B0900000000000000" pitchFamily="50" charset="-128"/>
+              </a:rPr>
+              <a:t>一つ一つ攻撃してガードを解除しなければならない</a:t>
+            </a:r>
+            <a:endParaRPr kumimoji="1" lang="en-US" altLang="ja-JP" sz="3600" dirty="0">
+              <a:latin typeface="HGS創英角ｺﾞｼｯｸUB" panose="020B0900000000000000" pitchFamily="50" charset="-128"/>
+              <a:ea typeface="HGS創英角ｺﾞｼｯｸUB" panose="020B0900000000000000" pitchFamily="50" charset="-128"/>
+            </a:endParaRPr>
+          </a:p>
+          <a:p>
+            <a:pPr algn="l"/>
+            <a:r>
+              <a:rPr kumimoji="1" lang="ja-JP" altLang="en-US" sz="3600" dirty="0">
+                <a:latin typeface="HGS創英角ｺﾞｼｯｸUB" panose="020B0900000000000000" pitchFamily="50" charset="-128"/>
+                <a:ea typeface="HGS創英角ｺﾞｼｯｸUB" panose="020B0900000000000000" pitchFamily="50" charset="-128"/>
+              </a:rPr>
+              <a:t>・レーザーやステージを変形させて攻撃してくる</a:t>
+            </a:r>
+          </a:p>
+        </p:txBody>
+      </p:sp>
+    </p:spTree>
+    <p:extLst>
+      <p:ext uri="{BB962C8B-B14F-4D97-AF65-F5344CB8AC3E}">
+        <p14:creationId xmlns:p14="http://schemas.microsoft.com/office/powerpoint/2010/main" val="3218832678"/>
+      </p:ext>
+    </p:extLst>
+  </p:cSld>
+  <p:clrMapOvr>
+    <a:masterClrMapping/>
+  </p:clrMapOvr>
+  <p:transition/>
+</p:sld>
+</file>
+
+<file path=ppt/slides/slide7.xml><?xml version="1.0" encoding="utf-8"?>
+<p:sld xmlns:a="http://schemas.openxmlformats.org/drawingml/2006/main" xmlns:r="http://schemas.openxmlformats.org/officeDocument/2006/relationships" xmlns:p="http://schemas.openxmlformats.org/presentationml/2006/main">
+  <p:cSld>
+    <p:spTree>
+      <p:nvGrpSpPr>
+        <p:cNvPr id="1" name=""/>
+        <p:cNvGrpSpPr/>
+        <p:nvPr/>
+      </p:nvGrpSpPr>
+      <p:grpSpPr>
+        <a:xfrm>
+          <a:off x="0" y="0"/>
+          <a:ext cx="0" cy="0"/>
+          <a:chOff x="0" y="0"/>
+          <a:chExt cx="0" cy="0"/>
+        </a:xfrm>
+      </p:grpSpPr>
+      <p:sp>
+        <p:nvSpPr>
+          <p:cNvPr id="6" name="額縁 5"/>
+          <p:cNvSpPr/>
+          <p:nvPr/>
+        </p:nvSpPr>
+        <p:spPr bwMode="auto">
+          <a:xfrm>
+            <a:off x="105480" y="445540"/>
+            <a:ext cx="10513168" cy="792088"/>
+          </a:xfrm>
+          <a:prstGeom prst="bevel">
+            <a:avLst/>
+          </a:prstGeom>
+          <a:solidFill>
+            <a:schemeClr val="accent5">
+              <a:lumMod val="25000"/>
+            </a:schemeClr>
+          </a:solidFill>
+          <a:ln>
+            <a:solidFill>
+              <a:schemeClr val="accent3"/>
+            </a:solidFill>
+            <a:headEnd type="none" w="med" len="med"/>
+            <a:tailEnd type="none" w="med" len="med"/>
+          </a:ln>
+          <a:effectLst/>
+        </p:spPr>
+        <p:style>
+          <a:lnRef idx="1">
+            <a:schemeClr val="accent1"/>
+          </a:lnRef>
+          <a:fillRef idx="2">
+            <a:schemeClr val="accent1"/>
+          </a:fillRef>
+          <a:effectRef idx="1">
+            <a:schemeClr val="accent1"/>
+          </a:effectRef>
+          <a:fontRef idx="minor">
+            <a:schemeClr val="dk1"/>
+          </a:fontRef>
+        </p:style>
+        <p:txBody>
+          <a:bodyPr vert="horz" wrap="square" lIns="91436" tIns="45719" rIns="91436" bIns="45719" numCol="1" rtlCol="0" anchor="t" anchorCtr="0" compatLnSpc="1">
+            <a:prstTxWarp prst="textNoShape">
+              <a:avLst/>
+            </a:prstTxWarp>
+          </a:bodyPr>
+          <a:lstStyle/>
+          <a:p>
+            <a:pPr defTabSz="914354"/>
+            <a:r>
+              <a:rPr lang="ja-JP" altLang="en-US" sz="3556" dirty="0">
+                <a:solidFill>
+                  <a:schemeClr val="bg1"/>
+                </a:solidFill>
+                <a:latin typeface="HGS創英角ｺﾞｼｯｸUB" panose="020B0900000000000000" pitchFamily="50" charset="-128"/>
+                <a:ea typeface="HGS創英角ｺﾞｼｯｸUB" panose="020B0900000000000000" pitchFamily="50" charset="-128"/>
+                <a:cs typeface="メイリオ" pitchFamily="50" charset="-128"/>
+              </a:rPr>
+              <a:t>敵のイメージ　②（モブ敵）</a:t>
+            </a:r>
+          </a:p>
+        </p:txBody>
+      </p:sp>
+      <p:sp>
+        <p:nvSpPr>
+          <p:cNvPr id="3" name="スライド番号プレースホルダー 2"/>
+          <p:cNvSpPr>
+            <a:spLocks noGrp="1"/>
+          </p:cNvSpPr>
+          <p:nvPr>
+            <p:ph type="sldNum" sz="quarter" idx="10"/>
+          </p:nvPr>
+        </p:nvSpPr>
+        <p:spPr/>
+        <p:txBody>
+          <a:bodyPr/>
+          <a:lstStyle/>
+          <a:p>
+            <a:pPr>
+              <a:defRPr/>
+            </a:pPr>
+            <a:fld id="{90303C1F-567D-4446-A625-F0737271D35A}" type="slidenum">
+              <a:rPr lang="ja-JP" altLang="en-US" smtClean="0"/>
+              <a:pPr>
+                <a:defRPr/>
+              </a:pPr>
+              <a:t>7</a:t>
+            </a:fld>
+            <a:endParaRPr lang="en-US" altLang="ja-JP"/>
+          </a:p>
+        </p:txBody>
+      </p:sp>
+      <p:sp>
+        <p:nvSpPr>
+          <p:cNvPr id="2" name="テキスト ボックス 1">
+            <a:extLst>
+              <a:ext uri="{FF2B5EF4-FFF2-40B4-BE49-F238E27FC236}">
+                <a16:creationId xmlns:a16="http://schemas.microsoft.com/office/drawing/2014/main" id="{BD5F9097-DBAF-4DCE-B3F3-C831428D5519}"/>
+              </a:ext>
+            </a:extLst>
+          </p:cNvPr>
+          <p:cNvSpPr txBox="1"/>
+          <p:nvPr/>
+        </p:nvSpPr>
+        <p:spPr>
+          <a:xfrm>
+            <a:off x="597744" y="2428528"/>
+            <a:ext cx="10513168" cy="1200329"/>
+          </a:xfrm>
+          <a:prstGeom prst="rect">
+            <a:avLst/>
+          </a:prstGeom>
+          <a:noFill/>
+        </p:spPr>
+        <p:txBody>
+          <a:bodyPr wrap="square" rtlCol="0">
+            <a:spAutoFit/>
+          </a:bodyPr>
+          <a:lstStyle/>
+          <a:p>
+            <a:pPr algn="l"/>
+            <a:r>
+              <a:rPr kumimoji="1" lang="ja-JP" altLang="en-US" sz="3600" dirty="0">
+                <a:latin typeface="HGS創英角ｺﾞｼｯｸUB" panose="020B0900000000000000" pitchFamily="50" charset="-128"/>
+                <a:ea typeface="HGS創英角ｺﾞｼｯｸUB" panose="020B0900000000000000" pitchFamily="50" charset="-128"/>
+              </a:rPr>
+              <a:t>・施設の整備をしていたロボット</a:t>
+            </a:r>
+            <a:endParaRPr kumimoji="1" lang="en-US" altLang="ja-JP" sz="3600" dirty="0">
+              <a:latin typeface="HGS創英角ｺﾞｼｯｸUB" panose="020B0900000000000000" pitchFamily="50" charset="-128"/>
+              <a:ea typeface="HGS創英角ｺﾞｼｯｸUB" panose="020B0900000000000000" pitchFamily="50" charset="-128"/>
+            </a:endParaRPr>
+          </a:p>
+          <a:p>
+            <a:pPr algn="l"/>
+            <a:r>
+              <a:rPr kumimoji="1" lang="ja-JP" altLang="en-US" sz="3600" dirty="0">
+                <a:latin typeface="HGS創英角ｺﾞｼｯｸUB" panose="020B0900000000000000" pitchFamily="50" charset="-128"/>
+                <a:ea typeface="HGS創英角ｺﾞｼｯｸUB" panose="020B0900000000000000" pitchFamily="50" charset="-128"/>
+              </a:rPr>
+              <a:t>・レーザーを用いて攻撃してくる</a:t>
+            </a:r>
+          </a:p>
+        </p:txBody>
+      </p:sp>
+      <p:pic>
+        <p:nvPicPr>
+          <p:cNvPr id="5122" name="Picture 2" descr="Gravastar】ロボット型Bluetoothスピーカーが近未来的！手作業で施されたウェザリング塗装にもこだわり - 特選街web">
+            <a:extLst>
+              <a:ext uri="{FF2B5EF4-FFF2-40B4-BE49-F238E27FC236}">
+                <a16:creationId xmlns:a16="http://schemas.microsoft.com/office/drawing/2014/main" id="{CFF49692-D37A-4582-AB5C-994E95DC6353}"/>
+              </a:ext>
+            </a:extLst>
+          </p:cNvPr>
+          <p:cNvPicPr>
+            <a:picLocks noChangeAspect="1" noChangeArrowheads="1"/>
+          </p:cNvPicPr>
+          <p:nvPr/>
+        </p:nvPicPr>
+        <p:blipFill>
+          <a:blip r:embed="rId3">
+            <a:extLst>
+              <a:ext uri="{28A0092B-C50C-407E-A947-70E740481C1C}">
+                <a14:useLocalDpi xmlns:a14="http://schemas.microsoft.com/office/drawing/2010/main" val="0"/>
+              </a:ext>
+            </a:extLst>
+          </a:blip>
+          <a:srcRect/>
+          <a:stretch>
+            <a:fillRect/>
+          </a:stretch>
+        </p:blipFill>
+        <p:spPr bwMode="auto">
+          <a:xfrm>
+            <a:off x="4121150" y="5452864"/>
+            <a:ext cx="4762500" cy="3238500"/>
+          </a:xfrm>
+          <a:prstGeom prst="rect">
+            <a:avLst/>
+          </a:prstGeom>
+          <a:noFill/>
+          <a:extLst>
+            <a:ext uri="{909E8E84-426E-40DD-AFC4-6F175D3DCCD1}">
+              <a14:hiddenFill xmlns:a14="http://schemas.microsoft.com/office/drawing/2010/main">
+                <a:solidFill>
+                  <a:srgbClr val="FFFFFF"/>
+                </a:solidFill>
+              </a14:hiddenFill>
+            </a:ext>
+          </a:extLst>
+        </p:spPr>
+      </p:pic>
+    </p:spTree>
+    <p:extLst>
+      <p:ext uri="{BB962C8B-B14F-4D97-AF65-F5344CB8AC3E}">
+        <p14:creationId xmlns:p14="http://schemas.microsoft.com/office/powerpoint/2010/main" val="2689959614"/>
+      </p:ext>
+    </p:extLst>
+  </p:cSld>
+  <p:clrMapOvr>
+    <a:masterClrMapping/>
+  </p:clrMapOvr>
+  <p:transition/>
+</p:sld>
+</file>
+
+<file path=ppt/slides/slide8.xml><?xml version="1.0" encoding="utf-8"?>
+<p:sld xmlns:a="http://schemas.openxmlformats.org/drawingml/2006/main" xmlns:r="http://schemas.openxmlformats.org/officeDocument/2006/relationships" xmlns:p="http://schemas.openxmlformats.org/presentationml/2006/main">
+  <p:cSld>
+    <p:spTree>
+      <p:nvGrpSpPr>
+        <p:cNvPr id="1" name=""/>
+        <p:cNvGrpSpPr/>
+        <p:nvPr/>
+      </p:nvGrpSpPr>
+      <p:grpSpPr>
+        <a:xfrm>
+          <a:off x="0" y="0"/>
+          <a:ext cx="0" cy="0"/>
+          <a:chOff x="0" y="0"/>
+          <a:chExt cx="0" cy="0"/>
+        </a:xfrm>
+      </p:grpSpPr>
+      <p:sp>
+        <p:nvSpPr>
+          <p:cNvPr id="6" name="額縁 5"/>
+          <p:cNvSpPr/>
+          <p:nvPr/>
+        </p:nvSpPr>
+        <p:spPr bwMode="auto">
+          <a:xfrm>
+            <a:off x="105480" y="445540"/>
+            <a:ext cx="10513168" cy="792088"/>
+          </a:xfrm>
+          <a:prstGeom prst="bevel">
+            <a:avLst/>
+          </a:prstGeom>
+          <a:solidFill>
+            <a:schemeClr val="accent5">
+              <a:lumMod val="25000"/>
+            </a:schemeClr>
+          </a:solidFill>
+          <a:ln>
+            <a:solidFill>
+              <a:schemeClr val="accent3"/>
+            </a:solidFill>
+            <a:headEnd type="none" w="med" len="med"/>
+            <a:tailEnd type="none" w="med" len="med"/>
+          </a:ln>
+          <a:effectLst/>
+        </p:spPr>
+        <p:style>
+          <a:lnRef idx="1">
+            <a:schemeClr val="accent1"/>
+          </a:lnRef>
+          <a:fillRef idx="2">
+            <a:schemeClr val="accent1"/>
+          </a:fillRef>
+          <a:effectRef idx="1">
+            <a:schemeClr val="accent1"/>
+          </a:effectRef>
+          <a:fontRef idx="minor">
+            <a:schemeClr val="dk1"/>
+          </a:fontRef>
+        </p:style>
+        <p:txBody>
+          <a:bodyPr vert="horz" wrap="square" lIns="91436" tIns="45719" rIns="91436" bIns="45719" numCol="1" rtlCol="0" anchor="t" anchorCtr="0" compatLnSpc="1">
+            <a:prstTxWarp prst="textNoShape">
+              <a:avLst/>
+            </a:prstTxWarp>
+          </a:bodyPr>
+          <a:lstStyle/>
+          <a:p>
+            <a:pPr defTabSz="914354"/>
+            <a:r>
+              <a:rPr lang="ja-JP" altLang="en-US" sz="3556" dirty="0">
+                <a:solidFill>
+                  <a:schemeClr val="bg1"/>
+                </a:solidFill>
+                <a:latin typeface="HGS創英角ｺﾞｼｯｸUB" panose="020B0900000000000000" pitchFamily="50" charset="-128"/>
+                <a:ea typeface="HGS創英角ｺﾞｼｯｸUB" panose="020B0900000000000000" pitchFamily="50" charset="-128"/>
+                <a:cs typeface="メイリオ" pitchFamily="50" charset="-128"/>
+              </a:rPr>
+              <a:t>敵のイメージ　③（ギミック）</a:t>
+            </a:r>
+          </a:p>
+        </p:txBody>
+      </p:sp>
+      <p:sp>
+        <p:nvSpPr>
+          <p:cNvPr id="3" name="スライド番号プレースホルダー 2"/>
+          <p:cNvSpPr>
+            <a:spLocks noGrp="1"/>
+          </p:cNvSpPr>
+          <p:nvPr>
+            <p:ph type="sldNum" sz="quarter" idx="10"/>
+          </p:nvPr>
+        </p:nvSpPr>
+        <p:spPr/>
+        <p:txBody>
+          <a:bodyPr/>
+          <a:lstStyle/>
+          <a:p>
+            <a:pPr>
+              <a:defRPr/>
+            </a:pPr>
+            <a:fld id="{90303C1F-567D-4446-A625-F0737271D35A}" type="slidenum">
+              <a:rPr lang="ja-JP" altLang="en-US" smtClean="0"/>
+              <a:pPr>
+                <a:defRPr/>
+              </a:pPr>
+              <a:t>8</a:t>
+            </a:fld>
+            <a:endParaRPr lang="en-US" altLang="ja-JP"/>
+          </a:p>
+        </p:txBody>
+      </p:sp>
+      <p:sp>
+        <p:nvSpPr>
+          <p:cNvPr id="2" name="テキスト ボックス 1">
+            <a:extLst>
+              <a:ext uri="{FF2B5EF4-FFF2-40B4-BE49-F238E27FC236}">
+                <a16:creationId xmlns:a16="http://schemas.microsoft.com/office/drawing/2014/main" id="{BD5F9097-DBAF-4DCE-B3F3-C831428D5519}"/>
+              </a:ext>
+            </a:extLst>
+          </p:cNvPr>
+          <p:cNvSpPr txBox="1"/>
+          <p:nvPr/>
+        </p:nvSpPr>
+        <p:spPr>
+          <a:xfrm>
+            <a:off x="741760" y="2205021"/>
+            <a:ext cx="10513168" cy="1754326"/>
+          </a:xfrm>
+          <a:prstGeom prst="rect">
+            <a:avLst/>
+          </a:prstGeom>
+          <a:noFill/>
+        </p:spPr>
+        <p:txBody>
+          <a:bodyPr wrap="square" rtlCol="0">
+            <a:spAutoFit/>
+          </a:bodyPr>
+          <a:lstStyle/>
+          <a:p>
+            <a:pPr algn="l"/>
+            <a:r>
+              <a:rPr kumimoji="1" lang="ja-JP" altLang="en-US" sz="3600" dirty="0">
+                <a:latin typeface="HGS創英角ｺﾞｼｯｸUB" panose="020B0900000000000000" pitchFamily="50" charset="-128"/>
+                <a:ea typeface="HGS創英角ｺﾞｼｯｸUB" panose="020B0900000000000000" pitchFamily="50" charset="-128"/>
+              </a:rPr>
+              <a:t>・施設の機械</a:t>
+            </a:r>
+            <a:endParaRPr kumimoji="1" lang="en-US" altLang="ja-JP" sz="3600" dirty="0">
+              <a:latin typeface="HGS創英角ｺﾞｼｯｸUB" panose="020B0900000000000000" pitchFamily="50" charset="-128"/>
+              <a:ea typeface="HGS創英角ｺﾞｼｯｸUB" panose="020B0900000000000000" pitchFamily="50" charset="-128"/>
+            </a:endParaRPr>
+          </a:p>
+          <a:p>
+            <a:pPr algn="l"/>
+            <a:r>
+              <a:rPr kumimoji="1" lang="ja-JP" altLang="en-US" sz="3600" dirty="0">
+                <a:latin typeface="HGS創英角ｺﾞｼｯｸUB" panose="020B0900000000000000" pitchFamily="50" charset="-128"/>
+                <a:ea typeface="HGS創英角ｺﾞｼｯｸUB" panose="020B0900000000000000" pitchFamily="50" charset="-128"/>
+              </a:rPr>
+              <a:t>・風でプレイヤーを吹き飛ばすファンの様な物や、</a:t>
+            </a:r>
+            <a:endParaRPr kumimoji="1" lang="en-US" altLang="ja-JP" sz="3600" dirty="0">
+              <a:latin typeface="HGS創英角ｺﾞｼｯｸUB" panose="020B0900000000000000" pitchFamily="50" charset="-128"/>
+              <a:ea typeface="HGS創英角ｺﾞｼｯｸUB" panose="020B0900000000000000" pitchFamily="50" charset="-128"/>
+            </a:endParaRPr>
+          </a:p>
+          <a:p>
+            <a:pPr algn="l"/>
+            <a:r>
+              <a:rPr kumimoji="1" lang="en-US" altLang="ja-JP" sz="3600" dirty="0">
+                <a:latin typeface="HGS創英角ｺﾞｼｯｸUB" panose="020B0900000000000000" pitchFamily="50" charset="-128"/>
+                <a:ea typeface="HGS創英角ｺﾞｼｯｸUB" panose="020B0900000000000000" pitchFamily="50" charset="-128"/>
+              </a:rPr>
+              <a:t>	</a:t>
+            </a:r>
+            <a:r>
+              <a:rPr kumimoji="1" lang="ja-JP" altLang="en-US" sz="3600" dirty="0">
+                <a:latin typeface="HGS創英角ｺﾞｼｯｸUB" panose="020B0900000000000000" pitchFamily="50" charset="-128"/>
+                <a:ea typeface="HGS創英角ｺﾞｼｯｸUB" panose="020B0900000000000000" pitchFamily="50" charset="-128"/>
+              </a:rPr>
+              <a:t>衝突すると勢いよく弾く物など</a:t>
+            </a:r>
+            <a:endParaRPr kumimoji="1" lang="en-US" altLang="ja-JP" sz="3600" dirty="0">
+              <a:latin typeface="HGS創英角ｺﾞｼｯｸUB" panose="020B0900000000000000" pitchFamily="50" charset="-128"/>
+              <a:ea typeface="HGS創英角ｺﾞｼｯｸUB" panose="020B0900000000000000" pitchFamily="50" charset="-128"/>
+            </a:endParaRPr>
+          </a:p>
+        </p:txBody>
+      </p:sp>
+      <p:pic>
+        <p:nvPicPr>
+          <p:cNvPr id="6146" name="Picture 2" descr="CPU パソコン ファン ラジエーター 3ファン Alseye ST-90 cpu クーラー 6ヒートパイプ rgb 4pin cpuファン 高品質  cpu 冷却 新到着 ALSEYE DR90 通販 LINEポイント最大0.5%GET | LINEショッピング">
+            <a:extLst>
+              <a:ext uri="{FF2B5EF4-FFF2-40B4-BE49-F238E27FC236}">
+                <a16:creationId xmlns:a16="http://schemas.microsoft.com/office/drawing/2014/main" id="{B93D26AE-05C9-47DD-9BF9-22EAE9CA0A47}"/>
+              </a:ext>
+            </a:extLst>
+          </p:cNvPr>
+          <p:cNvPicPr>
+            <a:picLocks noChangeAspect="1" noChangeArrowheads="1"/>
+          </p:cNvPicPr>
+          <p:nvPr/>
+        </p:nvPicPr>
+        <p:blipFill>
+          <a:blip r:embed="rId3">
+            <a:extLst>
+              <a:ext uri="{28A0092B-C50C-407E-A947-70E740481C1C}">
+                <a14:useLocalDpi xmlns:a14="http://schemas.microsoft.com/office/drawing/2010/main" val="0"/>
+              </a:ext>
+            </a:extLst>
+          </a:blip>
+          <a:srcRect/>
+          <a:stretch>
+            <a:fillRect/>
+          </a:stretch>
+        </p:blipFill>
+        <p:spPr bwMode="auto">
+          <a:xfrm>
+            <a:off x="8086576" y="4372744"/>
+            <a:ext cx="4026024" cy="4026024"/>
+          </a:xfrm>
+          <a:prstGeom prst="rect">
+            <a:avLst/>
+          </a:prstGeom>
+          <a:noFill/>
+          <a:extLst>
+            <a:ext uri="{909E8E84-426E-40DD-AFC4-6F175D3DCCD1}">
+              <a14:hiddenFill xmlns:a14="http://schemas.microsoft.com/office/drawing/2010/main">
+                <a:solidFill>
+                  <a:srgbClr val="FFFFFF"/>
+                </a:solidFill>
+              </a14:hiddenFill>
+            </a:ext>
+          </a:extLst>
+        </p:spPr>
+      </p:pic>
+      <p:pic>
+        <p:nvPicPr>
+          <p:cNvPr id="6148" name="Picture 4" descr="光ってミュージックが流れるコマ - YouTube">
+            <a:extLst>
+              <a:ext uri="{FF2B5EF4-FFF2-40B4-BE49-F238E27FC236}">
+                <a16:creationId xmlns:a16="http://schemas.microsoft.com/office/drawing/2014/main" id="{0957139E-E505-4179-B732-6998F4A3EAD5}"/>
+              </a:ext>
+            </a:extLst>
+          </p:cNvPr>
+          <p:cNvPicPr>
+            <a:picLocks noChangeAspect="1" noChangeArrowheads="1"/>
+          </p:cNvPicPr>
+          <p:nvPr/>
+        </p:nvPicPr>
+        <p:blipFill>
+          <a:blip r:embed="rId4">
+            <a:extLst>
+              <a:ext uri="{28A0092B-C50C-407E-A947-70E740481C1C}">
+                <a14:useLocalDpi xmlns:a14="http://schemas.microsoft.com/office/drawing/2010/main" val="0"/>
+              </a:ext>
+            </a:extLst>
+          </a:blip>
+          <a:srcRect/>
+          <a:stretch>
+            <a:fillRect/>
+          </a:stretch>
+        </p:blipFill>
+        <p:spPr bwMode="auto">
+          <a:xfrm>
+            <a:off x="1389832" y="5164832"/>
+            <a:ext cx="5312671" cy="2988378"/>
+          </a:xfrm>
+          <a:prstGeom prst="rect">
+            <a:avLst/>
+          </a:prstGeom>
+          <a:noFill/>
+          <a:extLst>
+            <a:ext uri="{909E8E84-426E-40DD-AFC4-6F175D3DCCD1}">
+              <a14:hiddenFill xmlns:a14="http://schemas.microsoft.com/office/drawing/2010/main">
+                <a:solidFill>
+                  <a:srgbClr val="FFFFFF"/>
+                </a:solidFill>
+              </a14:hiddenFill>
+            </a:ext>
+          </a:extLst>
+        </p:spPr>
+      </p:pic>
+    </p:spTree>
+    <p:extLst>
+      <p:ext uri="{BB962C8B-B14F-4D97-AF65-F5344CB8AC3E}">
+        <p14:creationId xmlns:p14="http://schemas.microsoft.com/office/powerpoint/2010/main" val="114045034"/>
+      </p:ext>
+    </p:extLst>
+  </p:cSld>
+  <p:clrMapOvr>
+    <a:masterClrMapping/>
+  </p:clrMapOvr>
+  <p:transition/>
+</p:sld>
+</file>
+
+<file path=ppt/slides/slide9.xml><?xml version="1.0" encoding="utf-8"?>
+<p:sld xmlns:a="http://schemas.openxmlformats.org/drawingml/2006/main" xmlns:r="http://schemas.openxmlformats.org/officeDocument/2006/relationships" xmlns:p="http://schemas.openxmlformats.org/presentationml/2006/main">
+  <p:cSld>
+    <p:spTree>
+      <p:nvGrpSpPr>
+        <p:cNvPr id="1" name=""/>
+        <p:cNvGrpSpPr/>
+        <p:nvPr/>
+      </p:nvGrpSpPr>
+      <p:grpSpPr>
+        <a:xfrm>
+          <a:off x="0" y="0"/>
+          <a:ext cx="0" cy="0"/>
+          <a:chOff x="0" y="0"/>
+          <a:chExt cx="0" cy="0"/>
+        </a:xfrm>
+      </p:grpSpPr>
+      <p:sp>
+        <p:nvSpPr>
+          <p:cNvPr id="6" name="額縁 5"/>
+          <p:cNvSpPr/>
+          <p:nvPr/>
+        </p:nvSpPr>
+        <p:spPr bwMode="auto">
+          <a:xfrm>
+            <a:off x="105480" y="445540"/>
+            <a:ext cx="10513168" cy="792088"/>
+          </a:xfrm>
+          <a:prstGeom prst="bevel">
+            <a:avLst/>
+          </a:prstGeom>
+          <a:solidFill>
+            <a:schemeClr val="accent5">
+              <a:lumMod val="25000"/>
+            </a:schemeClr>
+          </a:solidFill>
+          <a:ln>
+            <a:solidFill>
+              <a:schemeClr val="accent3"/>
+            </a:solidFill>
+            <a:headEnd type="none" w="med" len="med"/>
+            <a:tailEnd type="none" w="med" len="med"/>
+          </a:ln>
+          <a:effectLst/>
+        </p:spPr>
+        <p:style>
+          <a:lnRef idx="1">
+            <a:schemeClr val="accent1"/>
+          </a:lnRef>
+          <a:fillRef idx="2">
+            <a:schemeClr val="accent1"/>
+          </a:fillRef>
+          <a:effectRef idx="1">
+            <a:schemeClr val="accent1"/>
+          </a:effectRef>
+          <a:fontRef idx="minor">
+            <a:schemeClr val="dk1"/>
+          </a:fontRef>
+        </p:style>
+        <p:txBody>
+          <a:bodyPr vert="horz" wrap="square" lIns="91436" tIns="45719" rIns="91436" bIns="45719" numCol="1" rtlCol="0" anchor="t" anchorCtr="0" compatLnSpc="1">
+            <a:prstTxWarp prst="textNoShape">
+              <a:avLst/>
+            </a:prstTxWarp>
+          </a:bodyPr>
+          <a:lstStyle/>
+          <a:p>
+            <a:pPr defTabSz="914354"/>
+            <a:r>
+              <a:rPr lang="ja-JP" altLang="en-US" sz="3556" dirty="0">
+                <a:solidFill>
+                  <a:schemeClr val="bg1"/>
+                </a:solidFill>
+                <a:latin typeface="ＭＳ Ｐゴシック" panose="020B0600070205080204" pitchFamily="50" charset="-128"/>
+                <a:ea typeface="ＭＳ Ｐゴシック" panose="020B0600070205080204" pitchFamily="50" charset="-128"/>
+                <a:cs typeface="メイリオ" pitchFamily="50" charset="-128"/>
+              </a:rPr>
+              <a:t>このゲームのクライマックスシーン！</a:t>
+            </a:r>
+          </a:p>
+        </p:txBody>
+      </p:sp>
+      <p:sp>
+        <p:nvSpPr>
+          <p:cNvPr id="9" name="テキスト ボックス 8"/>
+          <p:cNvSpPr txBox="1"/>
+          <p:nvPr/>
+        </p:nvSpPr>
+        <p:spPr>
+          <a:xfrm>
+            <a:off x="525736" y="1492424"/>
+            <a:ext cx="11953328" cy="5139867"/>
+          </a:xfrm>
+          <a:prstGeom prst="rect">
+            <a:avLst/>
+          </a:prstGeom>
+          <a:noFill/>
+        </p:spPr>
+        <p:txBody>
+          <a:bodyPr wrap="square" lIns="91436" tIns="45719" rIns="91436" bIns="45719" rtlCol="0">
+            <a:spAutoFit/>
+          </a:bodyPr>
+          <a:lstStyle/>
+          <a:p>
+            <a:pPr algn="l"/>
+            <a:r>
+              <a:rPr lang="ja-JP" altLang="en-US" sz="2800" dirty="0">
                 <a:effectLst>
                   <a:outerShdw blurRad="38100" dist="38100" dir="2700000" algn="tl">
                     <a:srgbClr val="000000">
@@ -5442,9 +10822,37 @@
                 <a:latin typeface="HGS創英角ｺﾞｼｯｸUB" panose="020B0900000000000000" pitchFamily="50" charset="-128"/>
                 <a:ea typeface="HGS創英角ｺﾞｼｯｸUB" panose="020B0900000000000000" pitchFamily="50" charset="-128"/>
               </a:rPr>
-              <a:t>敵の攻撃を避け続けながら</a:t>
-            </a:r>
-            <a:endParaRPr lang="en-US" altLang="ja-JP" sz="3982" dirty="0">
+              <a:t>プレイヤーを、みんなの</a:t>
+            </a:r>
+            <a:r>
+              <a:rPr lang="en-US" altLang="ja-JP" sz="2800" dirty="0">
+                <a:effectLst>
+                  <a:outerShdw blurRad="38100" dist="38100" dir="2700000" algn="tl">
+                    <a:srgbClr val="000000">
+                      <a:alpha val="43137"/>
+                    </a:srgbClr>
+                  </a:outerShdw>
+                </a:effectLst>
+                <a:latin typeface="HGS創英角ｺﾞｼｯｸUB" panose="020B0900000000000000" pitchFamily="50" charset="-128"/>
+                <a:ea typeface="HGS創英角ｺﾞｼｯｸUB" panose="020B0900000000000000" pitchFamily="50" charset="-128"/>
+              </a:rPr>
+              <a:t>GOLF</a:t>
+            </a:r>
+            <a:r>
+              <a:rPr lang="ja-JP" altLang="en-US" sz="2800" dirty="0">
+                <a:effectLst>
+                  <a:outerShdw blurRad="38100" dist="38100" dir="2700000" algn="tl">
+                    <a:srgbClr val="000000">
+                      <a:alpha val="43137"/>
+                    </a:srgbClr>
+                  </a:outerShdw>
+                </a:effectLst>
+                <a:latin typeface="HGS創英角ｺﾞｼｯｸUB" panose="020B0900000000000000" pitchFamily="50" charset="-128"/>
+                <a:ea typeface="HGS創英角ｺﾞｼｯｸUB" panose="020B0900000000000000" pitchFamily="50" charset="-128"/>
+              </a:rPr>
+              <a:t>やモンスターストライクの様にリアルタイムで弾き、重力やステージのギミックを変更しながらボスの攻撃を避け続け、ボスの背後にある弱点を攻撃し体力を削る</a:t>
+            </a:r>
+            <a:endParaRPr lang="en-US" altLang="ja-JP" sz="2800" dirty="0">
               <a:effectLst>
                 <a:outerShdw blurRad="38100" dist="38100" dir="2700000" algn="tl">
                   <a:srgbClr val="000000">
@@ -5459,7 +10867,7 @@
           <a:p>
             <a:pPr algn="l"/>
             <a:r>
-              <a:rPr lang="ja-JP" altLang="en-US" sz="3982" dirty="0">
+              <a:rPr lang="ja-JP" altLang="en-US" sz="2800" dirty="0">
                 <a:effectLst>
                   <a:outerShdw blurRad="38100" dist="38100" dir="2700000" algn="tl">
                     <a:srgbClr val="000000">
@@ -5470,9 +10878,9 @@
                 <a:latin typeface="HGS創英角ｺﾞｼｯｸUB" panose="020B0900000000000000" pitchFamily="50" charset="-128"/>
                 <a:ea typeface="HGS創英角ｺﾞｼｯｸUB" panose="020B0900000000000000" pitchFamily="50" charset="-128"/>
               </a:rPr>
-              <a:t>マップに散らばったパワーアップアイテムを</a:t>
-            </a:r>
-            <a:endParaRPr lang="en-US" altLang="ja-JP" sz="3982" dirty="0">
+              <a:t>↓</a:t>
+            </a:r>
+            <a:endParaRPr lang="en-US" altLang="ja-JP" sz="2800" dirty="0">
               <a:effectLst>
                 <a:outerShdw blurRad="38100" dist="38100" dir="2700000" algn="tl">
                   <a:srgbClr val="000000">
@@ -5487,7 +10895,7 @@
           <a:p>
             <a:pPr algn="l"/>
             <a:r>
-              <a:rPr lang="ja-JP" altLang="en-US" sz="3982" dirty="0">
+              <a:rPr lang="ja-JP" altLang="en-US" sz="2800" dirty="0">
                 <a:effectLst>
                   <a:outerShdw blurRad="38100" dist="38100" dir="2700000" algn="tl">
                     <a:srgbClr val="000000">
@@ -5498,9 +10906,9 @@
                 <a:latin typeface="HGS創英角ｺﾞｼｯｸUB" panose="020B0900000000000000" pitchFamily="50" charset="-128"/>
                 <a:ea typeface="HGS創英角ｺﾞｼｯｸUB" panose="020B0900000000000000" pitchFamily="50" charset="-128"/>
               </a:rPr>
-              <a:t>集めて</a:t>
-            </a:r>
-            <a:endParaRPr lang="en-US" altLang="ja-JP" sz="3982" dirty="0">
+              <a:t>ボスの暴走を振り切り、最後の一撃を放つ</a:t>
+            </a:r>
+            <a:endParaRPr lang="en-US" altLang="ja-JP" sz="2800" dirty="0">
               <a:effectLst>
                 <a:outerShdw blurRad="38100" dist="38100" dir="2700000" algn="tl">
                   <a:srgbClr val="000000">
@@ -5515,7 +10923,7 @@
           <a:p>
             <a:pPr algn="l"/>
             <a:r>
-              <a:rPr lang="ja-JP" altLang="en-US" sz="3982" dirty="0">
+              <a:rPr lang="en-US" altLang="ja-JP" sz="2000" dirty="0">
                 <a:effectLst>
                   <a:outerShdw blurRad="38100" dist="38100" dir="2700000" algn="tl">
                     <a:srgbClr val="000000">
@@ -5526,9 +10934,54 @@
                 <a:latin typeface="HGS創英角ｺﾞｼｯｸUB" panose="020B0900000000000000" pitchFamily="50" charset="-128"/>
                 <a:ea typeface="HGS創英角ｺﾞｼｯｸUB" panose="020B0900000000000000" pitchFamily="50" charset="-128"/>
               </a:rPr>
-              <a:t>渾身の一撃でボスを撃破するシーン</a:t>
-            </a:r>
-            <a:endParaRPr lang="en-US" altLang="ja-JP" sz="3982">
+              <a:t>(</a:t>
+            </a:r>
+            <a:r>
+              <a:rPr lang="ja-JP" altLang="en-US" sz="2000" dirty="0">
+                <a:effectLst>
+                  <a:outerShdw blurRad="38100" dist="38100" dir="2700000" algn="tl">
+                    <a:srgbClr val="000000">
+                      <a:alpha val="43137"/>
+                    </a:srgbClr>
+                  </a:outerShdw>
+                </a:effectLst>
+                <a:latin typeface="HGS創英角ｺﾞｼｯｸUB" panose="020B0900000000000000" pitchFamily="50" charset="-128"/>
+                <a:ea typeface="HGS創英角ｺﾞｼｯｸUB" panose="020B0900000000000000" pitchFamily="50" charset="-128"/>
+              </a:rPr>
+              <a:t>タイミングが悪いと決めきれず、ボスの体力が回復してしまう</a:t>
+            </a:r>
+            <a:r>
+              <a:rPr lang="en-US" altLang="ja-JP" sz="2000" dirty="0">
+                <a:effectLst>
+                  <a:outerShdw blurRad="38100" dist="38100" dir="2700000" algn="tl">
+                    <a:srgbClr val="000000">
+                      <a:alpha val="43137"/>
+                    </a:srgbClr>
+                  </a:outerShdw>
+                </a:effectLst>
+                <a:latin typeface="HGS創英角ｺﾞｼｯｸUB" panose="020B0900000000000000" pitchFamily="50" charset="-128"/>
+                <a:ea typeface="HGS創英角ｺﾞｼｯｸUB" panose="020B0900000000000000" pitchFamily="50" charset="-128"/>
+              </a:rPr>
+              <a:t>)</a:t>
+            </a:r>
+          </a:p>
+          <a:p>
+            <a:pPr algn="l"/>
+            <a:r>
+              <a:rPr lang="ja-JP" altLang="en-US" sz="2800" dirty="0">
+                <a:effectLst>
+                  <a:outerShdw blurRad="38100" dist="38100" dir="2700000" algn="tl">
+                    <a:srgbClr val="000000">
+                      <a:alpha val="43137"/>
+                    </a:srgbClr>
+                  </a:outerShdw>
+                </a:effectLst>
+                <a:latin typeface="HGS創英角ｺﾞｼｯｸUB" panose="020B0900000000000000" pitchFamily="50" charset="-128"/>
+                <a:ea typeface="HGS創英角ｺﾞｼｯｸUB" panose="020B0900000000000000" pitchFamily="50" charset="-128"/>
+              </a:rPr>
+              <a:t>↓</a:t>
+            </a:r>
+            <a:endParaRPr lang="en-US" altLang="ja-JP" sz="2800" dirty="0">
               <a:effectLst>
                 <a:outerShdw blurRad="38100" dist="38100" dir="2700000" algn="tl">
                   <a:srgbClr val="000000">
@@ -5542,7 +10995,49 @@
           </a:p>
           <a:p>
             <a:pPr algn="l"/>
-            <a:endParaRPr lang="en-US" altLang="ja-JP" sz="3982" dirty="0">
+            <a:r>
+              <a:rPr lang="ja-JP" altLang="en-US" sz="2800" dirty="0">
+                <a:effectLst>
+                  <a:outerShdw blurRad="38100" dist="38100" dir="2700000" algn="tl">
+                    <a:srgbClr val="000000">
+                      <a:alpha val="43137"/>
+                    </a:srgbClr>
+                  </a:outerShdw>
+                </a:effectLst>
+                <a:latin typeface="HGS創英角ｺﾞｼｯｸUB" panose="020B0900000000000000" pitchFamily="50" charset="-128"/>
+                <a:ea typeface="HGS創英角ｺﾞｼｯｸUB" panose="020B0900000000000000" pitchFamily="50" charset="-128"/>
+              </a:rPr>
+              <a:t>タイミングよくトドメを刺したらフィニッシュ</a:t>
+            </a:r>
+            <a:r>
+              <a:rPr lang="en-US" altLang="ja-JP" sz="2800" dirty="0">
+                <a:effectLst>
+                  <a:outerShdw blurRad="38100" dist="38100" dir="2700000" algn="tl">
+                    <a:srgbClr val="000000">
+                      <a:alpha val="43137"/>
+                    </a:srgbClr>
+                  </a:outerShdw>
+                </a:effectLst>
+                <a:latin typeface="HGS創英角ｺﾞｼｯｸUB" panose="020B0900000000000000" pitchFamily="50" charset="-128"/>
+                <a:ea typeface="HGS創英角ｺﾞｼｯｸUB" panose="020B0900000000000000" pitchFamily="50" charset="-128"/>
+              </a:rPr>
+              <a:t>…</a:t>
+            </a:r>
+            <a:r>
+              <a:rPr lang="ja-JP" altLang="en-US" sz="2800" dirty="0">
+                <a:effectLst>
+                  <a:outerShdw blurRad="38100" dist="38100" dir="2700000" algn="tl">
+                    <a:srgbClr val="000000">
+                      <a:alpha val="43137"/>
+                    </a:srgbClr>
+                  </a:outerShdw>
+                </a:effectLst>
+                <a:latin typeface="HGS創英角ｺﾞｼｯｸUB" panose="020B0900000000000000" pitchFamily="50" charset="-128"/>
+                <a:ea typeface="HGS創英角ｺﾞｼｯｸUB" panose="020B0900000000000000" pitchFamily="50" charset="-128"/>
+              </a:rPr>
+              <a:t>かと思いきや</a:t>
+            </a:r>
+            <a:endParaRPr lang="en-US" altLang="ja-JP" sz="2800" dirty="0">
               <a:effectLst>
                 <a:outerShdw blurRad="38100" dist="38100" dir="2700000" algn="tl">
                   <a:srgbClr val="000000">
@@ -5554,6 +11049,135 @@
               <a:ea typeface="HGS創英角ｺﾞｼｯｸUB" panose="020B0900000000000000" pitchFamily="50" charset="-128"/>
             </a:endParaRPr>
           </a:p>
+          <a:p>
+            <a:pPr algn="l"/>
+            <a:r>
+              <a:rPr lang="ja-JP" altLang="en-US" sz="2800" dirty="0">
+                <a:effectLst>
+                  <a:outerShdw blurRad="38100" dist="38100" dir="2700000" algn="tl">
+                    <a:srgbClr val="000000">
+                      <a:alpha val="43137"/>
+                    </a:srgbClr>
+                  </a:outerShdw>
+                </a:effectLst>
+                <a:latin typeface="HGS創英角ｺﾞｼｯｸUB" panose="020B0900000000000000" pitchFamily="50" charset="-128"/>
+                <a:ea typeface="HGS創英角ｺﾞｼｯｸUB" panose="020B0900000000000000" pitchFamily="50" charset="-128"/>
+              </a:rPr>
+              <a:t>ボスの爆発によりステージが崩壊</a:t>
+            </a:r>
+            <a:endParaRPr lang="en-US" altLang="ja-JP" sz="2800" dirty="0">
+              <a:effectLst>
+                <a:outerShdw blurRad="38100" dist="38100" dir="2700000" algn="tl">
+                  <a:srgbClr val="000000">
+                    <a:alpha val="43137"/>
+                  </a:srgbClr>
+                </a:outerShdw>
+              </a:effectLst>
+              <a:latin typeface="HGS創英角ｺﾞｼｯｸUB" panose="020B0900000000000000" pitchFamily="50" charset="-128"/>
+              <a:ea typeface="HGS創英角ｺﾞｼｯｸUB" panose="020B0900000000000000" pitchFamily="50" charset="-128"/>
+            </a:endParaRPr>
+          </a:p>
+          <a:p>
+            <a:pPr algn="l"/>
+            <a:r>
+              <a:rPr lang="en-US" altLang="ja-JP" sz="2800" dirty="0">
+                <a:effectLst>
+                  <a:outerShdw blurRad="38100" dist="38100" dir="2700000" algn="tl">
+                    <a:srgbClr val="000000">
+                      <a:alpha val="43137"/>
+                    </a:srgbClr>
+                  </a:outerShdw>
+                </a:effectLst>
+                <a:latin typeface="HGS創英角ｺﾞｼｯｸUB" panose="020B0900000000000000" pitchFamily="50" charset="-128"/>
+                <a:ea typeface="HGS創英角ｺﾞｼｯｸUB" panose="020B0900000000000000" pitchFamily="50" charset="-128"/>
+              </a:rPr>
+              <a:t>(</a:t>
+            </a:r>
+            <a:r>
+              <a:rPr lang="ja-JP" altLang="en-US" sz="2800" dirty="0">
+                <a:effectLst>
+                  <a:outerShdw blurRad="38100" dist="38100" dir="2700000" algn="tl">
+                    <a:srgbClr val="000000">
+                      <a:alpha val="43137"/>
+                    </a:srgbClr>
+                  </a:outerShdw>
+                </a:effectLst>
+                <a:latin typeface="HGS創英角ｺﾞｼｯｸUB" panose="020B0900000000000000" pitchFamily="50" charset="-128"/>
+                <a:ea typeface="HGS創英角ｺﾞｼｯｸUB" panose="020B0900000000000000" pitchFamily="50" charset="-128"/>
+              </a:rPr>
+              <a:t>これまで黒と青の基調だったステージを黒と赤に変更し危機感を煽る</a:t>
+            </a:r>
+            <a:r>
+              <a:rPr lang="en-US" altLang="ja-JP" sz="2800" dirty="0">
+                <a:effectLst>
+                  <a:outerShdw blurRad="38100" dist="38100" dir="2700000" algn="tl">
+                    <a:srgbClr val="000000">
+                      <a:alpha val="43137"/>
+                    </a:srgbClr>
+                  </a:outerShdw>
+                </a:effectLst>
+                <a:latin typeface="HGS創英角ｺﾞｼｯｸUB" panose="020B0900000000000000" pitchFamily="50" charset="-128"/>
+                <a:ea typeface="HGS創英角ｺﾞｼｯｸUB" panose="020B0900000000000000" pitchFamily="50" charset="-128"/>
+              </a:rPr>
+              <a:t>)</a:t>
+            </a:r>
+          </a:p>
+          <a:p>
+            <a:pPr algn="l"/>
+            <a:r>
+              <a:rPr lang="ja-JP" altLang="en-US" sz="2800" dirty="0">
+                <a:effectLst>
+                  <a:outerShdw blurRad="38100" dist="38100" dir="2700000" algn="tl">
+                    <a:srgbClr val="000000">
+                      <a:alpha val="43137"/>
+                    </a:srgbClr>
+                  </a:outerShdw>
+                </a:effectLst>
+                <a:latin typeface="HGS創英角ｺﾞｼｯｸUB" panose="020B0900000000000000" pitchFamily="50" charset="-128"/>
+                <a:ea typeface="HGS創英角ｺﾞｼｯｸUB" panose="020B0900000000000000" pitchFamily="50" charset="-128"/>
+              </a:rPr>
+              <a:t>↓</a:t>
+            </a:r>
+            <a:endParaRPr lang="en-US" altLang="ja-JP" sz="2800" dirty="0">
+              <a:effectLst>
+                <a:outerShdw blurRad="38100" dist="38100" dir="2700000" algn="tl">
+                  <a:srgbClr val="000000">
+                    <a:alpha val="43137"/>
+                  </a:srgbClr>
+                </a:outerShdw>
+              </a:effectLst>
+              <a:latin typeface="HGS創英角ｺﾞｼｯｸUB" panose="020B0900000000000000" pitchFamily="50" charset="-128"/>
+              <a:ea typeface="HGS創英角ｺﾞｼｯｸUB" panose="020B0900000000000000" pitchFamily="50" charset="-128"/>
+            </a:endParaRPr>
+          </a:p>
+          <a:p>
+            <a:pPr algn="l"/>
+            <a:r>
+              <a:rPr lang="ja-JP" altLang="en-US" sz="2800" dirty="0">
+                <a:effectLst>
+                  <a:outerShdw blurRad="38100" dist="38100" dir="2700000" algn="tl">
+                    <a:srgbClr val="000000">
+                      <a:alpha val="43137"/>
+                    </a:srgbClr>
+                  </a:outerShdw>
+                </a:effectLst>
+                <a:latin typeface="HGS創英角ｺﾞｼｯｸUB" panose="020B0900000000000000" pitchFamily="50" charset="-128"/>
+                <a:ea typeface="HGS創英角ｺﾞｼｯｸUB" panose="020B0900000000000000" pitchFamily="50" charset="-128"/>
+              </a:rPr>
+              <a:t>崩壊するステージから脱出できればクリア</a:t>
+            </a:r>
+            <a:endParaRPr lang="en-US" altLang="ja-JP" sz="2800" dirty="0">
+              <a:effectLst>
+                <a:outerShdw blurRad="38100" dist="38100" dir="2700000" algn="tl">
+                  <a:srgbClr val="000000">
+                    <a:alpha val="43137"/>
+                  </a:srgbClr>
+                </a:outerShdw>
+              </a:effectLst>
+              <a:latin typeface="HGS創英角ｺﾞｼｯｸUB" panose="020B0900000000000000" pitchFamily="50" charset="-128"/>
+              <a:ea typeface="HGS創英角ｺﾞｼｯｸUB" panose="020B0900000000000000" pitchFamily="50" charset="-128"/>
+            </a:endParaRPr>
+          </a:p>
         </p:txBody>
       </p:sp>
       <p:sp>
@@ -5579,7 +11203,7 @@
               <a:pPr>
                 <a:defRPr/>
               </a:pPr>
-              <a:t>3</a:t>
+              <a:t>9</a:t>
             </a:fld>
             <a:endParaRPr lang="en-US" altLang="ja-JP"/>
           </a:p>
@@ -5613,8 +11237,8 @@
         </p:blipFill>
         <p:spPr>
           <a:xfrm>
-            <a:off x="6502400" y="5092824"/>
-            <a:ext cx="5767076" cy="3243980"/>
+            <a:off x="7569447" y="6100936"/>
+            <a:ext cx="4909617" cy="2761659"/>
           </a:xfrm>
           <a:prstGeom prst="rect">
             <a:avLst/>
@@ -5625,2043 +11249,6 @@
     <p:extLst>
       <p:ext uri="{BB962C8B-B14F-4D97-AF65-F5344CB8AC3E}">
         <p14:creationId xmlns:p14="http://schemas.microsoft.com/office/powerpoint/2010/main" val="1175655835"/>
-      </p:ext>
-    </p:extLst>
-  </p:cSld>
-  <p:clrMapOvr>
-    <a:masterClrMapping/>
-  </p:clrMapOvr>
-  <p:transition/>
-</p:sld>
-</file>
-
-<file path=ppt/slides/slide4.xml><?xml version="1.0" encoding="utf-8"?>
-<p:sld xmlns:a="http://schemas.openxmlformats.org/drawingml/2006/main" xmlns:r="http://schemas.openxmlformats.org/officeDocument/2006/relationships" xmlns:p="http://schemas.openxmlformats.org/presentationml/2006/main">
-  <p:cSld>
-    <p:spTree>
-      <p:nvGrpSpPr>
-        <p:cNvPr id="1" name=""/>
-        <p:cNvGrpSpPr/>
-        <p:nvPr/>
-      </p:nvGrpSpPr>
-      <p:grpSpPr>
-        <a:xfrm>
-          <a:off x="0" y="0"/>
-          <a:ext cx="0" cy="0"/>
-          <a:chOff x="0" y="0"/>
-          <a:chExt cx="0" cy="0"/>
-        </a:xfrm>
-      </p:grpSpPr>
-      <p:sp>
-        <p:nvSpPr>
-          <p:cNvPr id="8" name="矢印: 下 7">
-            <a:extLst>
-              <a:ext uri="{FF2B5EF4-FFF2-40B4-BE49-F238E27FC236}">
-                <a16:creationId xmlns:a16="http://schemas.microsoft.com/office/drawing/2014/main" id="{C689BEEE-CFD4-4E11-98B6-F3AC68F15C4E}"/>
-              </a:ext>
-            </a:extLst>
-          </p:cNvPr>
-          <p:cNvSpPr/>
-          <p:nvPr/>
-        </p:nvSpPr>
-        <p:spPr>
-          <a:xfrm>
-            <a:off x="1279420" y="3033395"/>
-            <a:ext cx="1126525" cy="6042271"/>
-          </a:xfrm>
-          <a:prstGeom prst="downArrow">
-            <a:avLst/>
-          </a:prstGeom>
-          <a:solidFill>
-            <a:srgbClr val="00B050"/>
-          </a:solidFill>
-        </p:spPr>
-        <p:style>
-          <a:lnRef idx="2">
-            <a:schemeClr val="accent1">
-              <a:shade val="50000"/>
-            </a:schemeClr>
-          </a:lnRef>
-          <a:fillRef idx="1">
-            <a:schemeClr val="accent1"/>
-          </a:fillRef>
-          <a:effectRef idx="0">
-            <a:schemeClr val="accent1"/>
-          </a:effectRef>
-          <a:fontRef idx="minor">
-            <a:schemeClr val="lt1"/>
-          </a:fontRef>
-        </p:style>
-        <p:txBody>
-          <a:bodyPr rtlCol="0" anchor="ctr"/>
-          <a:lstStyle/>
-          <a:p>
-            <a:pPr algn="ctr"/>
-            <a:endParaRPr kumimoji="1" lang="ja-JP" altLang="en-US" sz="6258"/>
-          </a:p>
-        </p:txBody>
-      </p:sp>
-      <p:sp>
-        <p:nvSpPr>
-          <p:cNvPr id="6" name="額縁 5"/>
-          <p:cNvSpPr/>
-          <p:nvPr/>
-        </p:nvSpPr>
-        <p:spPr bwMode="auto">
-          <a:xfrm>
-            <a:off x="165696" y="471951"/>
-            <a:ext cx="10513168" cy="792088"/>
-          </a:xfrm>
-          <a:prstGeom prst="bevel">
-            <a:avLst/>
-          </a:prstGeom>
-          <a:solidFill>
-            <a:schemeClr val="accent5">
-              <a:lumMod val="25000"/>
-            </a:schemeClr>
-          </a:solidFill>
-          <a:ln>
-            <a:solidFill>
-              <a:schemeClr val="accent3"/>
-            </a:solidFill>
-            <a:headEnd type="none" w="med" len="med"/>
-            <a:tailEnd type="none" w="med" len="med"/>
-          </a:ln>
-          <a:effectLst/>
-        </p:spPr>
-        <p:style>
-          <a:lnRef idx="1">
-            <a:schemeClr val="accent1"/>
-          </a:lnRef>
-          <a:fillRef idx="2">
-            <a:schemeClr val="accent1"/>
-          </a:fillRef>
-          <a:effectRef idx="1">
-            <a:schemeClr val="accent1"/>
-          </a:effectRef>
-          <a:fontRef idx="minor">
-            <a:schemeClr val="dk1"/>
-          </a:fontRef>
-        </p:style>
-        <p:txBody>
-          <a:bodyPr vert="horz" wrap="square" lIns="91436" tIns="45719" rIns="91436" bIns="45719" numCol="1" rtlCol="0" anchor="t" anchorCtr="0" compatLnSpc="1">
-            <a:prstTxWarp prst="textNoShape">
-              <a:avLst/>
-            </a:prstTxWarp>
-          </a:bodyPr>
-          <a:lstStyle/>
-          <a:p>
-            <a:pPr defTabSz="914354"/>
-            <a:r>
-              <a:rPr lang="ja-JP" altLang="en-US" sz="3556" dirty="0">
-                <a:solidFill>
-                  <a:schemeClr val="bg1"/>
-                </a:solidFill>
-                <a:latin typeface="HGP行書体" panose="03000600000000000000" pitchFamily="66" charset="-128"/>
-                <a:ea typeface="HGP行書体" panose="03000600000000000000" pitchFamily="66" charset="-128"/>
-                <a:cs typeface="メイリオ" pitchFamily="50" charset="-128"/>
-              </a:rPr>
-              <a:t>何が面白いのか？　</a:t>
-            </a:r>
-          </a:p>
-        </p:txBody>
-      </p:sp>
-      <p:sp>
-        <p:nvSpPr>
-          <p:cNvPr id="3" name="スライド番号プレースホルダー 2"/>
-          <p:cNvSpPr>
-            <a:spLocks noGrp="1"/>
-          </p:cNvSpPr>
-          <p:nvPr>
-            <p:ph type="sldNum" sz="quarter" idx="10"/>
-          </p:nvPr>
-        </p:nvSpPr>
-        <p:spPr>
-          <a:xfrm>
-            <a:off x="650240" y="8732909"/>
-            <a:ext cx="3034453" cy="519289"/>
-          </a:xfrm>
-        </p:spPr>
-        <p:txBody>
-          <a:bodyPr/>
-          <a:lstStyle/>
-          <a:p>
-            <a:pPr>
-              <a:defRPr/>
-            </a:pPr>
-            <a:fld id="{90303C1F-567D-4446-A625-F0737271D35A}" type="slidenum">
-              <a:rPr lang="ja-JP" altLang="en-US" smtClean="0"/>
-              <a:pPr>
-                <a:defRPr/>
-              </a:pPr>
-              <a:t>4</a:t>
-            </a:fld>
-            <a:endParaRPr lang="en-US" altLang="ja-JP"/>
-          </a:p>
-        </p:txBody>
-      </p:sp>
-      <p:sp>
-        <p:nvSpPr>
-          <p:cNvPr id="5" name="テキスト ボックス 4">
-            <a:extLst>
-              <a:ext uri="{FF2B5EF4-FFF2-40B4-BE49-F238E27FC236}">
-                <a16:creationId xmlns:a16="http://schemas.microsoft.com/office/drawing/2014/main" id="{674C39D2-1702-42E6-9FAD-304408EB6B0B}"/>
-              </a:ext>
-            </a:extLst>
-          </p:cNvPr>
-          <p:cNvSpPr txBox="1"/>
-          <p:nvPr/>
-        </p:nvSpPr>
-        <p:spPr>
-          <a:xfrm>
-            <a:off x="525736" y="1292402"/>
-            <a:ext cx="11953328" cy="1317923"/>
-          </a:xfrm>
-          <a:prstGeom prst="rect">
-            <a:avLst/>
-          </a:prstGeom>
-          <a:noFill/>
-        </p:spPr>
-        <p:txBody>
-          <a:bodyPr wrap="square" lIns="91436" tIns="45719" rIns="91436" bIns="45719" rtlCol="0">
-            <a:spAutoFit/>
-          </a:bodyPr>
-          <a:lstStyle/>
-          <a:p>
-            <a:pPr algn="l"/>
-            <a:r>
-              <a:rPr lang="ja-JP" altLang="en-US" sz="3982" dirty="0">
-                <a:effectLst>
-                  <a:outerShdw blurRad="38100" dist="38100" dir="2700000" algn="tl">
-                    <a:srgbClr val="000000">
-                      <a:alpha val="43137"/>
-                    </a:srgbClr>
-                  </a:outerShdw>
-                </a:effectLst>
-                <a:latin typeface="HGS創英角ｺﾞｼｯｸUB" panose="020B0900000000000000" pitchFamily="50" charset="-128"/>
-                <a:ea typeface="HGS創英角ｺﾞｼｯｸUB" panose="020B0900000000000000" pitchFamily="50" charset="-128"/>
-              </a:rPr>
-              <a:t>このゲームは何が面白い（気持ちいい）のか？</a:t>
-            </a:r>
-            <a:endParaRPr lang="en-US" altLang="ja-JP" sz="3982" dirty="0">
-              <a:effectLst>
-                <a:outerShdw blurRad="38100" dist="38100" dir="2700000" algn="tl">
-                  <a:srgbClr val="000000">
-                    <a:alpha val="43137"/>
-                  </a:srgbClr>
-                </a:outerShdw>
-              </a:effectLst>
-              <a:latin typeface="HGS創英角ｺﾞｼｯｸUB" panose="020B0900000000000000" pitchFamily="50" charset="-128"/>
-              <a:ea typeface="HGS創英角ｺﾞｼｯｸUB" panose="020B0900000000000000" pitchFamily="50" charset="-128"/>
-            </a:endParaRPr>
-          </a:p>
-          <a:p>
-            <a:pPr algn="l"/>
-            <a:r>
-              <a:rPr lang="ja-JP" altLang="en-US" sz="3982" dirty="0">
-                <a:effectLst>
-                  <a:outerShdw blurRad="38100" dist="38100" dir="2700000" algn="tl">
-                    <a:srgbClr val="000000">
-                      <a:alpha val="43137"/>
-                    </a:srgbClr>
-                  </a:outerShdw>
-                </a:effectLst>
-                <a:latin typeface="HGS創英角ｺﾞｼｯｸUB" panose="020B0900000000000000" pitchFamily="50" charset="-128"/>
-                <a:ea typeface="HGS創英角ｺﾞｼｯｸUB" panose="020B0900000000000000" pitchFamily="50" charset="-128"/>
-              </a:rPr>
-              <a:t>３つの「面白さ」を書いてください！</a:t>
-            </a:r>
-            <a:endParaRPr lang="en-US" altLang="ja-JP" sz="3982" dirty="0">
-              <a:effectLst>
-                <a:outerShdw blurRad="38100" dist="38100" dir="2700000" algn="tl">
-                  <a:srgbClr val="000000">
-                    <a:alpha val="43137"/>
-                  </a:srgbClr>
-                </a:outerShdw>
-              </a:effectLst>
-              <a:latin typeface="HGS創英角ｺﾞｼｯｸUB" panose="020B0900000000000000" pitchFamily="50" charset="-128"/>
-              <a:ea typeface="HGS創英角ｺﾞｼｯｸUB" panose="020B0900000000000000" pitchFamily="50" charset="-128"/>
-            </a:endParaRPr>
-          </a:p>
-        </p:txBody>
-      </p:sp>
-      <p:sp>
-        <p:nvSpPr>
-          <p:cNvPr id="2" name="正方形/長方形 1">
-            <a:extLst>
-              <a:ext uri="{FF2B5EF4-FFF2-40B4-BE49-F238E27FC236}">
-                <a16:creationId xmlns:a16="http://schemas.microsoft.com/office/drawing/2014/main" id="{E2FDC03C-756B-441A-A8BE-09FF5FFF9D7F}"/>
-              </a:ext>
-            </a:extLst>
-          </p:cNvPr>
-          <p:cNvSpPr/>
-          <p:nvPr/>
-        </p:nvSpPr>
-        <p:spPr>
-          <a:xfrm>
-            <a:off x="460129" y="2828572"/>
-            <a:ext cx="2765107" cy="1228937"/>
-          </a:xfrm>
-          <a:prstGeom prst="rect">
-            <a:avLst/>
-          </a:prstGeom>
-          <a:solidFill>
-            <a:srgbClr val="FFFF00"/>
-          </a:solidFill>
-        </p:spPr>
-        <p:style>
-          <a:lnRef idx="2">
-            <a:schemeClr val="accent1">
-              <a:shade val="50000"/>
-            </a:schemeClr>
-          </a:lnRef>
-          <a:fillRef idx="1">
-            <a:schemeClr val="accent1"/>
-          </a:fillRef>
-          <a:effectRef idx="0">
-            <a:schemeClr val="accent1"/>
-          </a:effectRef>
-          <a:fontRef idx="minor">
-            <a:schemeClr val="lt1"/>
-          </a:fontRef>
-        </p:style>
-        <p:txBody>
-          <a:bodyPr rtlCol="0" anchor="ctr"/>
-          <a:lstStyle/>
-          <a:p>
-            <a:r>
-              <a:rPr kumimoji="1" lang="ja-JP" altLang="en-US" sz="2400" dirty="0">
-                <a:solidFill>
-                  <a:schemeClr val="tx1"/>
-                </a:solidFill>
-                <a:latin typeface="HGS創英角ﾎﾟｯﾌﾟ体" panose="040B0A00000000000000" pitchFamily="50" charset="-128"/>
-                <a:ea typeface="HGS創英角ﾎﾟｯﾌﾟ体" panose="040B0A00000000000000" pitchFamily="50" charset="-128"/>
-              </a:rPr>
-              <a:t>① やる前の魅力</a:t>
-            </a:r>
-          </a:p>
-        </p:txBody>
-      </p:sp>
-      <p:sp>
-        <p:nvSpPr>
-          <p:cNvPr id="7" name="正方形/長方形 6">
-            <a:extLst>
-              <a:ext uri="{FF2B5EF4-FFF2-40B4-BE49-F238E27FC236}">
-                <a16:creationId xmlns:a16="http://schemas.microsoft.com/office/drawing/2014/main" id="{1A81DF1E-DB87-4295-B566-23C9099DFE0F}"/>
-              </a:ext>
-            </a:extLst>
-          </p:cNvPr>
-          <p:cNvSpPr/>
-          <p:nvPr/>
-        </p:nvSpPr>
-        <p:spPr>
-          <a:xfrm>
-            <a:off x="3441982" y="2841432"/>
-            <a:ext cx="9037082" cy="601609"/>
-          </a:xfrm>
-          <a:prstGeom prst="rect">
-            <a:avLst/>
-          </a:prstGeom>
-          <a:solidFill>
-            <a:srgbClr val="FFFF00"/>
-          </a:solidFill>
-        </p:spPr>
-        <p:style>
-          <a:lnRef idx="2">
-            <a:schemeClr val="accent1">
-              <a:shade val="50000"/>
-            </a:schemeClr>
-          </a:lnRef>
-          <a:fillRef idx="1">
-            <a:schemeClr val="accent1"/>
-          </a:fillRef>
-          <a:effectRef idx="0">
-            <a:schemeClr val="accent1"/>
-          </a:effectRef>
-          <a:fontRef idx="minor">
-            <a:schemeClr val="lt1"/>
-          </a:fontRef>
-        </p:style>
-        <p:txBody>
-          <a:bodyPr rtlCol="0" anchor="ctr"/>
-          <a:lstStyle/>
-          <a:p>
-            <a:r>
-              <a:rPr kumimoji="1" lang="ja-JP" altLang="en-US" sz="2000" dirty="0">
-                <a:solidFill>
-                  <a:schemeClr val="tx1"/>
-                </a:solidFill>
-                <a:latin typeface="HGS創英角ﾎﾟｯﾌﾟ体" panose="040B0A00000000000000" pitchFamily="50" charset="-128"/>
-                <a:ea typeface="HGS創英角ﾎﾟｯﾌﾟ体" panose="040B0A00000000000000" pitchFamily="50" charset="-128"/>
-              </a:rPr>
-              <a:t>プレイする前に、「このゲーム触ってみたい！」と思う魅力は？</a:t>
-            </a:r>
-          </a:p>
-        </p:txBody>
-      </p:sp>
-      <p:sp>
-        <p:nvSpPr>
-          <p:cNvPr id="10" name="正方形/長方形 9">
-            <a:extLst>
-              <a:ext uri="{FF2B5EF4-FFF2-40B4-BE49-F238E27FC236}">
-                <a16:creationId xmlns:a16="http://schemas.microsoft.com/office/drawing/2014/main" id="{47847C75-7E35-47C7-A338-E404D4C4FCC6}"/>
-              </a:ext>
-            </a:extLst>
-          </p:cNvPr>
-          <p:cNvSpPr/>
-          <p:nvPr/>
-        </p:nvSpPr>
-        <p:spPr>
-          <a:xfrm>
-            <a:off x="3430058" y="3545452"/>
-            <a:ext cx="9037082" cy="1317965"/>
-          </a:xfrm>
-          <a:prstGeom prst="rect">
-            <a:avLst/>
-          </a:prstGeom>
-          <a:solidFill>
-            <a:schemeClr val="bg1"/>
-          </a:solidFill>
-        </p:spPr>
-        <p:style>
-          <a:lnRef idx="2">
-            <a:schemeClr val="accent1">
-              <a:shade val="50000"/>
-            </a:schemeClr>
-          </a:lnRef>
-          <a:fillRef idx="1">
-            <a:schemeClr val="accent1"/>
-          </a:fillRef>
-          <a:effectRef idx="0">
-            <a:schemeClr val="accent1"/>
-          </a:effectRef>
-          <a:fontRef idx="minor">
-            <a:schemeClr val="lt1"/>
-          </a:fontRef>
-        </p:style>
-        <p:txBody>
-          <a:bodyPr rtlCol="0" anchor="ctr"/>
-          <a:lstStyle/>
-          <a:p>
-            <a:r>
-              <a:rPr kumimoji="1" lang="ja-JP" altLang="en-US" sz="3200" dirty="0">
-                <a:solidFill>
-                  <a:schemeClr val="tx1"/>
-                </a:solidFill>
-              </a:rPr>
-              <a:t>迫力のある演出</a:t>
-            </a:r>
-          </a:p>
-        </p:txBody>
-      </p:sp>
-      <p:sp>
-        <p:nvSpPr>
-          <p:cNvPr id="11" name="正方形/長方形 10">
-            <a:extLst>
-              <a:ext uri="{FF2B5EF4-FFF2-40B4-BE49-F238E27FC236}">
-                <a16:creationId xmlns:a16="http://schemas.microsoft.com/office/drawing/2014/main" id="{87BD9E61-F241-4B4E-AA85-1535C2F05DCC}"/>
-              </a:ext>
-            </a:extLst>
-          </p:cNvPr>
-          <p:cNvSpPr/>
-          <p:nvPr/>
-        </p:nvSpPr>
-        <p:spPr>
-          <a:xfrm>
-            <a:off x="460129" y="4992594"/>
-            <a:ext cx="2765107" cy="1228937"/>
-          </a:xfrm>
-          <a:prstGeom prst="rect">
-            <a:avLst/>
-          </a:prstGeom>
-          <a:solidFill>
-            <a:srgbClr val="FFC000"/>
-          </a:solidFill>
-        </p:spPr>
-        <p:style>
-          <a:lnRef idx="2">
-            <a:schemeClr val="accent1">
-              <a:shade val="50000"/>
-            </a:schemeClr>
-          </a:lnRef>
-          <a:fillRef idx="1">
-            <a:schemeClr val="accent1"/>
-          </a:fillRef>
-          <a:effectRef idx="0">
-            <a:schemeClr val="accent1"/>
-          </a:effectRef>
-          <a:fontRef idx="minor">
-            <a:schemeClr val="lt1"/>
-          </a:fontRef>
-        </p:style>
-        <p:txBody>
-          <a:bodyPr rtlCol="0" anchor="ctr"/>
-          <a:lstStyle/>
-          <a:p>
-            <a:r>
-              <a:rPr lang="ja-JP" altLang="en-US" sz="2000" dirty="0">
-                <a:solidFill>
-                  <a:schemeClr val="tx1"/>
-                </a:solidFill>
-                <a:latin typeface="HGS創英角ﾎﾟｯﾌﾟ体" panose="040B0A00000000000000" pitchFamily="50" charset="-128"/>
-                <a:ea typeface="HGS創英角ﾎﾟｯﾌﾟ体" panose="040B0A00000000000000" pitchFamily="50" charset="-128"/>
-              </a:rPr>
-              <a:t>②</a:t>
-            </a:r>
-            <a:r>
-              <a:rPr kumimoji="1" lang="ja-JP" altLang="en-US" sz="2000" dirty="0">
-                <a:solidFill>
-                  <a:schemeClr val="tx1"/>
-                </a:solidFill>
-                <a:latin typeface="HGS創英角ﾎﾟｯﾌﾟ体" panose="040B0A00000000000000" pitchFamily="50" charset="-128"/>
-                <a:ea typeface="HGS創英角ﾎﾟｯﾌﾟ体" panose="040B0A00000000000000" pitchFamily="50" charset="-128"/>
-              </a:rPr>
-              <a:t> １，２回目の魅力</a:t>
-            </a:r>
-          </a:p>
-        </p:txBody>
-      </p:sp>
-      <p:sp>
-        <p:nvSpPr>
-          <p:cNvPr id="12" name="正方形/長方形 11">
-            <a:extLst>
-              <a:ext uri="{FF2B5EF4-FFF2-40B4-BE49-F238E27FC236}">
-                <a16:creationId xmlns:a16="http://schemas.microsoft.com/office/drawing/2014/main" id="{39899031-D165-464E-8C2C-D21CC2F85956}"/>
-              </a:ext>
-            </a:extLst>
-          </p:cNvPr>
-          <p:cNvSpPr/>
-          <p:nvPr/>
-        </p:nvSpPr>
-        <p:spPr>
-          <a:xfrm>
-            <a:off x="3441982" y="5005454"/>
-            <a:ext cx="9037082" cy="601609"/>
-          </a:xfrm>
-          <a:prstGeom prst="rect">
-            <a:avLst/>
-          </a:prstGeom>
-          <a:solidFill>
-            <a:srgbClr val="FFC000"/>
-          </a:solidFill>
-        </p:spPr>
-        <p:style>
-          <a:lnRef idx="2">
-            <a:schemeClr val="accent1">
-              <a:shade val="50000"/>
-            </a:schemeClr>
-          </a:lnRef>
-          <a:fillRef idx="1">
-            <a:schemeClr val="accent1"/>
-          </a:fillRef>
-          <a:effectRef idx="0">
-            <a:schemeClr val="accent1"/>
-          </a:effectRef>
-          <a:fontRef idx="minor">
-            <a:schemeClr val="lt1"/>
-          </a:fontRef>
-        </p:style>
-        <p:txBody>
-          <a:bodyPr rtlCol="0" anchor="ctr"/>
-          <a:lstStyle/>
-          <a:p>
-            <a:r>
-              <a:rPr kumimoji="1" lang="en-US" altLang="ja-JP" sz="2000" dirty="0">
-                <a:solidFill>
-                  <a:schemeClr val="tx1"/>
-                </a:solidFill>
-                <a:latin typeface="HGS創英角ﾎﾟｯﾌﾟ体" panose="040B0A00000000000000" pitchFamily="50" charset="-128"/>
-                <a:ea typeface="HGS創英角ﾎﾟｯﾌﾟ体" panose="040B0A00000000000000" pitchFamily="50" charset="-128"/>
-              </a:rPr>
-              <a:t>3</a:t>
-            </a:r>
-            <a:r>
-              <a:rPr kumimoji="1" lang="ja-JP" altLang="en-US" sz="2000" dirty="0">
-                <a:solidFill>
-                  <a:schemeClr val="tx1"/>
-                </a:solidFill>
-                <a:latin typeface="HGS創英角ﾎﾟｯﾌﾟ体" panose="040B0A00000000000000" pitchFamily="50" charset="-128"/>
-                <a:ea typeface="HGS創英角ﾎﾟｯﾌﾟ体" panose="040B0A00000000000000" pitchFamily="50" charset="-128"/>
-              </a:rPr>
-              <a:t>回目、そのゲームを再度「遊んでみたい！」と思う魅力は？</a:t>
-            </a:r>
-          </a:p>
-        </p:txBody>
-      </p:sp>
-      <p:sp>
-        <p:nvSpPr>
-          <p:cNvPr id="13" name="正方形/長方形 12">
-            <a:extLst>
-              <a:ext uri="{FF2B5EF4-FFF2-40B4-BE49-F238E27FC236}">
-                <a16:creationId xmlns:a16="http://schemas.microsoft.com/office/drawing/2014/main" id="{6AC74471-3291-4821-9EFF-D220E7D896DF}"/>
-              </a:ext>
-            </a:extLst>
-          </p:cNvPr>
-          <p:cNvSpPr/>
-          <p:nvPr/>
-        </p:nvSpPr>
-        <p:spPr>
-          <a:xfrm>
-            <a:off x="3430058" y="5709474"/>
-            <a:ext cx="9037082" cy="1317965"/>
-          </a:xfrm>
-          <a:prstGeom prst="rect">
-            <a:avLst/>
-          </a:prstGeom>
-          <a:solidFill>
-            <a:schemeClr val="bg1"/>
-          </a:solidFill>
-        </p:spPr>
-        <p:style>
-          <a:lnRef idx="2">
-            <a:schemeClr val="accent1">
-              <a:shade val="50000"/>
-            </a:schemeClr>
-          </a:lnRef>
-          <a:fillRef idx="1">
-            <a:schemeClr val="accent1"/>
-          </a:fillRef>
-          <a:effectRef idx="0">
-            <a:schemeClr val="accent1"/>
-          </a:effectRef>
-          <a:fontRef idx="minor">
-            <a:schemeClr val="lt1"/>
-          </a:fontRef>
-        </p:style>
-        <p:txBody>
-          <a:bodyPr rtlCol="0" anchor="ctr"/>
-          <a:lstStyle/>
-          <a:p>
-            <a:r>
-              <a:rPr kumimoji="1" lang="ja-JP" altLang="en-US" sz="3200" dirty="0">
-                <a:solidFill>
-                  <a:schemeClr val="tx1"/>
-                </a:solidFill>
-              </a:rPr>
-              <a:t>ステージ毎に変わるギミック</a:t>
-            </a:r>
-          </a:p>
-        </p:txBody>
-      </p:sp>
-      <p:sp>
-        <p:nvSpPr>
-          <p:cNvPr id="14" name="正方形/長方形 13">
-            <a:extLst>
-              <a:ext uri="{FF2B5EF4-FFF2-40B4-BE49-F238E27FC236}">
-                <a16:creationId xmlns:a16="http://schemas.microsoft.com/office/drawing/2014/main" id="{EEF77380-6875-47DA-9295-C52CB58C1C32}"/>
-              </a:ext>
-            </a:extLst>
-          </p:cNvPr>
-          <p:cNvSpPr/>
-          <p:nvPr/>
-        </p:nvSpPr>
-        <p:spPr>
-          <a:xfrm>
-            <a:off x="460129" y="7143233"/>
-            <a:ext cx="2765107" cy="1228937"/>
-          </a:xfrm>
-          <a:prstGeom prst="rect">
-            <a:avLst/>
-          </a:prstGeom>
-          <a:solidFill>
-            <a:srgbClr val="FF0000"/>
-          </a:solidFill>
-        </p:spPr>
-        <p:style>
-          <a:lnRef idx="2">
-            <a:schemeClr val="accent1">
-              <a:shade val="50000"/>
-            </a:schemeClr>
-          </a:lnRef>
-          <a:fillRef idx="1">
-            <a:schemeClr val="accent1"/>
-          </a:fillRef>
-          <a:effectRef idx="0">
-            <a:schemeClr val="accent1"/>
-          </a:effectRef>
-          <a:fontRef idx="minor">
-            <a:schemeClr val="lt1"/>
-          </a:fontRef>
-        </p:style>
-        <p:txBody>
-          <a:bodyPr rtlCol="0" anchor="ctr"/>
-          <a:lstStyle/>
-          <a:p>
-            <a:r>
-              <a:rPr kumimoji="1" lang="ja-JP" altLang="en-US" sz="2400" dirty="0">
-                <a:solidFill>
-                  <a:schemeClr val="bg1"/>
-                </a:solidFill>
-                <a:latin typeface="HGS創英角ﾎﾟｯﾌﾟ体" panose="040B0A00000000000000" pitchFamily="50" charset="-128"/>
-                <a:ea typeface="HGS創英角ﾎﾟｯﾌﾟ体" panose="040B0A00000000000000" pitchFamily="50" charset="-128"/>
-              </a:rPr>
-              <a:t>③やりこみの魅力</a:t>
-            </a:r>
-          </a:p>
-        </p:txBody>
-      </p:sp>
-      <p:sp>
-        <p:nvSpPr>
-          <p:cNvPr id="15" name="正方形/長方形 14">
-            <a:extLst>
-              <a:ext uri="{FF2B5EF4-FFF2-40B4-BE49-F238E27FC236}">
-                <a16:creationId xmlns:a16="http://schemas.microsoft.com/office/drawing/2014/main" id="{E8FA2C3E-B234-45E2-9CFE-DFBECFC5ED74}"/>
-              </a:ext>
-            </a:extLst>
-          </p:cNvPr>
-          <p:cNvSpPr/>
-          <p:nvPr/>
-        </p:nvSpPr>
-        <p:spPr>
-          <a:xfrm>
-            <a:off x="3441982" y="7156093"/>
-            <a:ext cx="9037082" cy="601609"/>
-          </a:xfrm>
-          <a:prstGeom prst="rect">
-            <a:avLst/>
-          </a:prstGeom>
-          <a:solidFill>
-            <a:srgbClr val="FF0000"/>
-          </a:solidFill>
-        </p:spPr>
-        <p:style>
-          <a:lnRef idx="2">
-            <a:schemeClr val="accent1">
-              <a:shade val="50000"/>
-            </a:schemeClr>
-          </a:lnRef>
-          <a:fillRef idx="1">
-            <a:schemeClr val="accent1"/>
-          </a:fillRef>
-          <a:effectRef idx="0">
-            <a:schemeClr val="accent1"/>
-          </a:effectRef>
-          <a:fontRef idx="minor">
-            <a:schemeClr val="lt1"/>
-          </a:fontRef>
-        </p:style>
-        <p:txBody>
-          <a:bodyPr rtlCol="0" anchor="ctr"/>
-          <a:lstStyle/>
-          <a:p>
-            <a:r>
-              <a:rPr kumimoji="1" lang="en-US" altLang="ja-JP" sz="2000" dirty="0">
-                <a:solidFill>
-                  <a:schemeClr val="bg1"/>
-                </a:solidFill>
-                <a:latin typeface="HGS創英角ﾎﾟｯﾌﾟ体" panose="040B0A00000000000000" pitchFamily="50" charset="-128"/>
-                <a:ea typeface="HGS創英角ﾎﾟｯﾌﾟ体" panose="040B0A00000000000000" pitchFamily="50" charset="-128"/>
-              </a:rPr>
-              <a:t>10</a:t>
-            </a:r>
-            <a:r>
-              <a:rPr kumimoji="1" lang="ja-JP" altLang="en-US" sz="2000" dirty="0">
-                <a:solidFill>
-                  <a:schemeClr val="bg1"/>
-                </a:solidFill>
-                <a:latin typeface="HGS創英角ﾎﾟｯﾌﾟ体" panose="040B0A00000000000000" pitchFamily="50" charset="-128"/>
-                <a:ea typeface="HGS創英角ﾎﾟｯﾌﾟ体" panose="040B0A00000000000000" pitchFamily="50" charset="-128"/>
-              </a:rPr>
-              <a:t>回以上プレイしても、このゲームを遊びたい！と思う魅力は？</a:t>
-            </a:r>
-          </a:p>
-        </p:txBody>
-      </p:sp>
-      <p:sp>
-        <p:nvSpPr>
-          <p:cNvPr id="16" name="正方形/長方形 15">
-            <a:extLst>
-              <a:ext uri="{FF2B5EF4-FFF2-40B4-BE49-F238E27FC236}">
-                <a16:creationId xmlns:a16="http://schemas.microsoft.com/office/drawing/2014/main" id="{B7CB13C1-7541-4D4F-BFE6-084FD6D78F1E}"/>
-              </a:ext>
-            </a:extLst>
-          </p:cNvPr>
-          <p:cNvSpPr/>
-          <p:nvPr/>
-        </p:nvSpPr>
-        <p:spPr>
-          <a:xfrm>
-            <a:off x="3430058" y="7860113"/>
-            <a:ext cx="9037082" cy="1317965"/>
-          </a:xfrm>
-          <a:prstGeom prst="rect">
-            <a:avLst/>
-          </a:prstGeom>
-          <a:solidFill>
-            <a:schemeClr val="bg1"/>
-          </a:solidFill>
-        </p:spPr>
-        <p:style>
-          <a:lnRef idx="2">
-            <a:schemeClr val="accent1">
-              <a:shade val="50000"/>
-            </a:schemeClr>
-          </a:lnRef>
-          <a:fillRef idx="1">
-            <a:schemeClr val="accent1"/>
-          </a:fillRef>
-          <a:effectRef idx="0">
-            <a:schemeClr val="accent1"/>
-          </a:effectRef>
-          <a:fontRef idx="minor">
-            <a:schemeClr val="lt1"/>
-          </a:fontRef>
-        </p:style>
-        <p:txBody>
-          <a:bodyPr rtlCol="0" anchor="ctr"/>
-          <a:lstStyle/>
-          <a:p>
-            <a:r>
-              <a:rPr kumimoji="1" lang="ja-JP" altLang="en-US" sz="3200" dirty="0">
-                <a:solidFill>
-                  <a:schemeClr val="tx1"/>
-                </a:solidFill>
-              </a:rPr>
-              <a:t>スコアアタックや２ｐで遊べるモード</a:t>
-            </a:r>
-          </a:p>
-        </p:txBody>
-      </p:sp>
-    </p:spTree>
-    <p:extLst>
-      <p:ext uri="{BB962C8B-B14F-4D97-AF65-F5344CB8AC3E}">
-        <p14:creationId xmlns:p14="http://schemas.microsoft.com/office/powerpoint/2010/main" val="3498245418"/>
-      </p:ext>
-    </p:extLst>
-  </p:cSld>
-  <p:clrMapOvr>
-    <a:masterClrMapping/>
-  </p:clrMapOvr>
-  <p:transition/>
-</p:sld>
-</file>
-
-<file path=ppt/slides/slide5.xml><?xml version="1.0" encoding="utf-8"?>
-<p:sld xmlns:a="http://schemas.openxmlformats.org/drawingml/2006/main" xmlns:r="http://schemas.openxmlformats.org/officeDocument/2006/relationships" xmlns:p="http://schemas.openxmlformats.org/presentationml/2006/main">
-  <p:cSld>
-    <p:spTree>
-      <p:nvGrpSpPr>
-        <p:cNvPr id="1" name=""/>
-        <p:cNvGrpSpPr/>
-        <p:nvPr/>
-      </p:nvGrpSpPr>
-      <p:grpSpPr>
-        <a:xfrm>
-          <a:off x="0" y="0"/>
-          <a:ext cx="0" cy="0"/>
-          <a:chOff x="0" y="0"/>
-          <a:chExt cx="0" cy="0"/>
-        </a:xfrm>
-      </p:grpSpPr>
-      <p:sp>
-        <p:nvSpPr>
-          <p:cNvPr id="6" name="額縁 5"/>
-          <p:cNvSpPr/>
-          <p:nvPr/>
-        </p:nvSpPr>
-        <p:spPr bwMode="auto">
-          <a:xfrm>
-            <a:off x="309712" y="268289"/>
-            <a:ext cx="10513168" cy="792088"/>
-          </a:xfrm>
-          <a:prstGeom prst="bevel">
-            <a:avLst/>
-          </a:prstGeom>
-          <a:solidFill>
-            <a:schemeClr val="accent5">
-              <a:lumMod val="25000"/>
-            </a:schemeClr>
-          </a:solidFill>
-          <a:ln>
-            <a:solidFill>
-              <a:schemeClr val="accent3"/>
-            </a:solidFill>
-            <a:headEnd type="none" w="med" len="med"/>
-            <a:tailEnd type="none" w="med" len="med"/>
-          </a:ln>
-          <a:effectLst/>
-        </p:spPr>
-        <p:style>
-          <a:lnRef idx="1">
-            <a:schemeClr val="accent1"/>
-          </a:lnRef>
-          <a:fillRef idx="2">
-            <a:schemeClr val="accent1"/>
-          </a:fillRef>
-          <a:effectRef idx="1">
-            <a:schemeClr val="accent1"/>
-          </a:effectRef>
-          <a:fontRef idx="minor">
-            <a:schemeClr val="dk1"/>
-          </a:fontRef>
-        </p:style>
-        <p:txBody>
-          <a:bodyPr vert="horz" wrap="square" lIns="91436" tIns="45719" rIns="91436" bIns="45719" numCol="1" rtlCol="0" anchor="t" anchorCtr="0" compatLnSpc="1">
-            <a:prstTxWarp prst="textNoShape">
-              <a:avLst/>
-            </a:prstTxWarp>
-          </a:bodyPr>
-          <a:lstStyle/>
-          <a:p>
-            <a:pPr defTabSz="914354"/>
-            <a:r>
-              <a:rPr lang="ja-JP" altLang="en-US" sz="3556" dirty="0">
-                <a:solidFill>
-                  <a:schemeClr val="bg1"/>
-                </a:solidFill>
-                <a:latin typeface="ＭＳ Ｐゴシック" panose="020B0600070205080204" pitchFamily="50" charset="-128"/>
-                <a:ea typeface="ＭＳ Ｐゴシック" panose="020B0600070205080204" pitchFamily="50" charset="-128"/>
-                <a:cs typeface="メイリオ" pitchFamily="50" charset="-128"/>
-              </a:rPr>
-              <a:t>考える⇔操作する　（感触）</a:t>
-            </a:r>
-          </a:p>
-        </p:txBody>
-      </p:sp>
-      <p:sp>
-        <p:nvSpPr>
-          <p:cNvPr id="18" name="円/楕円 2">
-            <a:extLst>
-              <a:ext uri="{FF2B5EF4-FFF2-40B4-BE49-F238E27FC236}">
-                <a16:creationId xmlns:a16="http://schemas.microsoft.com/office/drawing/2014/main" id="{E7F92F28-4DB8-45CF-9DCB-EA2542F5B0BF}"/>
-              </a:ext>
-            </a:extLst>
-          </p:cNvPr>
-          <p:cNvSpPr/>
-          <p:nvPr/>
-        </p:nvSpPr>
-        <p:spPr bwMode="auto">
-          <a:xfrm>
-            <a:off x="847018" y="1648323"/>
-            <a:ext cx="2406719" cy="786569"/>
-          </a:xfrm>
-          <a:prstGeom prst="ellipse">
-            <a:avLst/>
-          </a:prstGeom>
-          <a:solidFill>
-            <a:schemeClr val="bg1"/>
-          </a:solidFill>
-          <a:ln w="76200">
-            <a:solidFill>
-              <a:srgbClr val="FF0000"/>
-            </a:solidFill>
-            <a:headEnd type="none" w="med" len="med"/>
-            <a:tailEnd type="none" w="med" len="med"/>
-          </a:ln>
-          <a:effectLst/>
-        </p:spPr>
-        <p:style>
-          <a:lnRef idx="1">
-            <a:schemeClr val="accent1"/>
-          </a:lnRef>
-          <a:fillRef idx="2">
-            <a:schemeClr val="accent1"/>
-          </a:fillRef>
-          <a:effectRef idx="1">
-            <a:schemeClr val="accent1"/>
-          </a:effectRef>
-          <a:fontRef idx="minor">
-            <a:schemeClr val="dk1"/>
-          </a:fontRef>
-        </p:style>
-        <p:txBody>
-          <a:bodyPr vert="horz" wrap="square" lIns="130048" tIns="65024" rIns="130048" bIns="65024" numCol="1" rtlCol="0" anchor="ctr" anchorCtr="0" compatLnSpc="1">
-            <a:prstTxWarp prst="textNoShape">
-              <a:avLst/>
-            </a:prstTxWarp>
-          </a:bodyPr>
-          <a:lstStyle/>
-          <a:p>
-            <a:pPr defTabSz="1300460"/>
-            <a:r>
-              <a:rPr lang="ja-JP" altLang="en-US" sz="1991" dirty="0">
-                <a:solidFill>
-                  <a:srgbClr val="000000"/>
-                </a:solidFill>
-                <a:latin typeface="HGP創英角ｺﾞｼｯｸUB" panose="020B0900000000000000" pitchFamily="50" charset="-128"/>
-                <a:ea typeface="HGP創英角ｺﾞｼｯｸUB" panose="020B0900000000000000" pitchFamily="50" charset="-128"/>
-                <a:cs typeface="メイリオ" pitchFamily="50" charset="-128"/>
-              </a:rPr>
-              <a:t>状況を把握</a:t>
-            </a:r>
-          </a:p>
-        </p:txBody>
-      </p:sp>
-      <p:sp>
-        <p:nvSpPr>
-          <p:cNvPr id="19" name="円/楕円 7">
-            <a:extLst>
-              <a:ext uri="{FF2B5EF4-FFF2-40B4-BE49-F238E27FC236}">
-                <a16:creationId xmlns:a16="http://schemas.microsoft.com/office/drawing/2014/main" id="{FB05A037-8CCD-4BA6-A98E-F6A04202181F}"/>
-              </a:ext>
-            </a:extLst>
-          </p:cNvPr>
-          <p:cNvSpPr/>
-          <p:nvPr/>
-        </p:nvSpPr>
-        <p:spPr bwMode="auto">
-          <a:xfrm>
-            <a:off x="4457098" y="1648323"/>
-            <a:ext cx="2406719" cy="786569"/>
-          </a:xfrm>
-          <a:prstGeom prst="ellipse">
-            <a:avLst/>
-          </a:prstGeom>
-          <a:solidFill>
-            <a:schemeClr val="bg1"/>
-          </a:solidFill>
-          <a:ln w="76200">
-            <a:solidFill>
-              <a:srgbClr val="FFC000"/>
-            </a:solidFill>
-            <a:headEnd type="none" w="med" len="med"/>
-            <a:tailEnd type="none" w="med" len="med"/>
-          </a:ln>
-          <a:effectLst/>
-        </p:spPr>
-        <p:style>
-          <a:lnRef idx="1">
-            <a:schemeClr val="accent1"/>
-          </a:lnRef>
-          <a:fillRef idx="2">
-            <a:schemeClr val="accent1"/>
-          </a:fillRef>
-          <a:effectRef idx="1">
-            <a:schemeClr val="accent1"/>
-          </a:effectRef>
-          <a:fontRef idx="minor">
-            <a:schemeClr val="dk1"/>
-          </a:fontRef>
-        </p:style>
-        <p:txBody>
-          <a:bodyPr vert="horz" wrap="square" lIns="130048" tIns="65024" rIns="130048" bIns="65024" numCol="1" rtlCol="0" anchor="ctr" anchorCtr="0" compatLnSpc="1">
-            <a:prstTxWarp prst="textNoShape">
-              <a:avLst/>
-            </a:prstTxWarp>
-          </a:bodyPr>
-          <a:lstStyle/>
-          <a:p>
-            <a:pPr defTabSz="1300460"/>
-            <a:r>
-              <a:rPr lang="ja-JP" altLang="en-US" sz="1991" dirty="0">
-                <a:solidFill>
-                  <a:srgbClr val="0000FF"/>
-                </a:solidFill>
-                <a:latin typeface="HGP創英角ｺﾞｼｯｸUB" panose="020B0900000000000000" pitchFamily="50" charset="-128"/>
-                <a:ea typeface="HGP創英角ｺﾞｼｯｸUB" panose="020B0900000000000000" pitchFamily="50" charset="-128"/>
-                <a:cs typeface="メイリオ" pitchFamily="50" charset="-128"/>
-              </a:rPr>
-              <a:t>②操作</a:t>
-            </a:r>
-            <a:endParaRPr lang="en-US" altLang="ja-JP" sz="1991" dirty="0">
-              <a:solidFill>
-                <a:srgbClr val="0000FF"/>
-              </a:solidFill>
-              <a:latin typeface="HGP創英角ｺﾞｼｯｸUB" panose="020B0900000000000000" pitchFamily="50" charset="-128"/>
-              <a:ea typeface="HGP創英角ｺﾞｼｯｸUB" panose="020B0900000000000000" pitchFamily="50" charset="-128"/>
-              <a:cs typeface="メイリオ" pitchFamily="50" charset="-128"/>
-            </a:endParaRPr>
-          </a:p>
-          <a:p>
-            <a:pPr defTabSz="1300460"/>
-            <a:r>
-              <a:rPr lang="ja-JP" altLang="en-US" sz="1991" dirty="0">
-                <a:solidFill>
-                  <a:srgbClr val="000000"/>
-                </a:solidFill>
-                <a:latin typeface="HGP創英角ｺﾞｼｯｸUB" panose="020B0900000000000000" pitchFamily="50" charset="-128"/>
-                <a:ea typeface="HGP創英角ｺﾞｼｯｸUB" panose="020B0900000000000000" pitchFamily="50" charset="-128"/>
-                <a:cs typeface="メイリオ" pitchFamily="50" charset="-128"/>
-              </a:rPr>
-              <a:t>アクション！</a:t>
-            </a:r>
-          </a:p>
-        </p:txBody>
-      </p:sp>
-      <p:cxnSp>
-        <p:nvCxnSpPr>
-          <p:cNvPr id="20" name="直線矢印コネクタ 19">
-            <a:extLst>
-              <a:ext uri="{FF2B5EF4-FFF2-40B4-BE49-F238E27FC236}">
-                <a16:creationId xmlns:a16="http://schemas.microsoft.com/office/drawing/2014/main" id="{D3BE223C-35F5-45C8-8816-619602BF742E}"/>
-              </a:ext>
-            </a:extLst>
-          </p:cNvPr>
-          <p:cNvCxnSpPr>
-            <a:stCxn id="18" idx="6"/>
-            <a:endCxn id="19" idx="2"/>
-          </p:cNvCxnSpPr>
-          <p:nvPr/>
-        </p:nvCxnSpPr>
-        <p:spPr bwMode="auto">
-          <a:xfrm>
-            <a:off x="3253737" y="2041607"/>
-            <a:ext cx="1203359" cy="0"/>
-          </a:xfrm>
-          <a:prstGeom prst="straightConnector1">
-            <a:avLst/>
-          </a:prstGeom>
-          <a:blipFill dpi="0" rotWithShape="0">
-            <a:blip/>
-            <a:srcRect/>
-            <a:tile tx="0" ty="0" sx="100000" sy="100000" flip="none" algn="tl"/>
-          </a:blipFill>
-          <a:ln w="57150" cap="flat" cmpd="sng" algn="ctr">
-            <a:solidFill>
-              <a:srgbClr val="000000"/>
-            </a:solidFill>
-            <a:prstDash val="solid"/>
-            <a:round/>
-            <a:headEnd type="none" w="med" len="med"/>
-            <a:tailEnd type="arrow"/>
-          </a:ln>
-          <a:effectLst/>
-          <a:extLst>
-            <a:ext uri="{AF507438-7753-43E0-B8FC-AC1667EBCBE1}">
-              <a14:hiddenEffects xmlns:a14="http://schemas.microsoft.com/office/drawing/2010/main">
-                <a:effectLst>
-                  <a:outerShdw dist="35921" dir="2700000" algn="ctr" rotWithShape="0">
-                    <a:schemeClr val="bg2"/>
-                  </a:outerShdw>
-                </a:effectLst>
-              </a14:hiddenEffects>
-            </a:ext>
-          </a:extLst>
-        </p:spPr>
-      </p:cxnSp>
-      <p:sp>
-        <p:nvSpPr>
-          <p:cNvPr id="21" name="角丸四角形吹き出し 30">
-            <a:extLst>
-              <a:ext uri="{FF2B5EF4-FFF2-40B4-BE49-F238E27FC236}">
-                <a16:creationId xmlns:a16="http://schemas.microsoft.com/office/drawing/2014/main" id="{EA6996FE-EDB3-489A-8FF8-41D13ECE7176}"/>
-              </a:ext>
-            </a:extLst>
-          </p:cNvPr>
-          <p:cNvSpPr/>
-          <p:nvPr/>
-        </p:nvSpPr>
-        <p:spPr bwMode="auto">
-          <a:xfrm>
-            <a:off x="2953058" y="2317286"/>
-            <a:ext cx="1710037" cy="629254"/>
-          </a:xfrm>
-          <a:prstGeom prst="wedgeRoundRectCallout">
-            <a:avLst>
-              <a:gd name="adj1" fmla="val -18744"/>
-              <a:gd name="adj2" fmla="val -94343"/>
-              <a:gd name="adj3" fmla="val 16667"/>
-            </a:avLst>
-          </a:prstGeom>
-          <a:solidFill>
-            <a:schemeClr val="bg1"/>
-          </a:solidFill>
-          <a:ln>
-            <a:solidFill>
-              <a:srgbClr val="FF0000"/>
-            </a:solidFill>
-            <a:headEnd type="none" w="med" len="med"/>
-            <a:tailEnd type="none" w="med" len="med"/>
-          </a:ln>
-          <a:effectLst/>
-        </p:spPr>
-        <p:style>
-          <a:lnRef idx="1">
-            <a:schemeClr val="accent1"/>
-          </a:lnRef>
-          <a:fillRef idx="2">
-            <a:schemeClr val="accent1"/>
-          </a:fillRef>
-          <a:effectRef idx="1">
-            <a:schemeClr val="accent1"/>
-          </a:effectRef>
-          <a:fontRef idx="minor">
-            <a:schemeClr val="dk1"/>
-          </a:fontRef>
-        </p:style>
-        <p:txBody>
-          <a:bodyPr vert="horz" wrap="square" lIns="130048" tIns="65024" rIns="130048" bIns="65024" numCol="1" rtlCol="0" anchor="ctr" anchorCtr="0" compatLnSpc="1">
-            <a:prstTxWarp prst="textNoShape">
-              <a:avLst/>
-            </a:prstTxWarp>
-          </a:bodyPr>
-          <a:lstStyle/>
-          <a:p>
-            <a:pPr defTabSz="1300460"/>
-            <a:r>
-              <a:rPr lang="ja-JP" altLang="en-US" sz="1991" dirty="0">
-                <a:solidFill>
-                  <a:srgbClr val="FF0000"/>
-                </a:solidFill>
-                <a:latin typeface="HGP創英角ｺﾞｼｯｸUB" panose="020B0900000000000000" pitchFamily="50" charset="-128"/>
-                <a:ea typeface="HGP創英角ｺﾞｼｯｸUB" panose="020B0900000000000000" pitchFamily="50" charset="-128"/>
-                <a:cs typeface="メイリオ" pitchFamily="50" charset="-128"/>
-              </a:rPr>
-              <a:t>①考える</a:t>
-            </a:r>
-            <a:endParaRPr lang="en-US" altLang="ja-JP" sz="1991" dirty="0">
-              <a:solidFill>
-                <a:srgbClr val="FF0000"/>
-              </a:solidFill>
-              <a:latin typeface="HGP創英角ｺﾞｼｯｸUB" panose="020B0900000000000000" pitchFamily="50" charset="-128"/>
-              <a:ea typeface="HGP創英角ｺﾞｼｯｸUB" panose="020B0900000000000000" pitchFamily="50" charset="-128"/>
-              <a:cs typeface="メイリオ" pitchFamily="50" charset="-128"/>
-            </a:endParaRPr>
-          </a:p>
-          <a:p>
-            <a:pPr defTabSz="1300460"/>
-            <a:r>
-              <a:rPr lang="ja-JP" altLang="en-US" sz="1564" dirty="0">
-                <a:solidFill>
-                  <a:srgbClr val="000000"/>
-                </a:solidFill>
-                <a:latin typeface="HGP創英角ｺﾞｼｯｸUB" panose="020B0900000000000000" pitchFamily="50" charset="-128"/>
-                <a:ea typeface="HGP創英角ｺﾞｼｯｸUB" panose="020B0900000000000000" pitchFamily="50" charset="-128"/>
-                <a:cs typeface="メイリオ" pitchFamily="50" charset="-128"/>
-              </a:rPr>
-              <a:t>「どうしよう？」</a:t>
-            </a:r>
-          </a:p>
-        </p:txBody>
-      </p:sp>
-      <p:sp>
-        <p:nvSpPr>
-          <p:cNvPr id="22" name="円/楕円 2">
-            <a:extLst>
-              <a:ext uri="{FF2B5EF4-FFF2-40B4-BE49-F238E27FC236}">
-                <a16:creationId xmlns:a16="http://schemas.microsoft.com/office/drawing/2014/main" id="{E91D5B78-1438-4A21-9E2C-CB7FC720212B}"/>
-              </a:ext>
-            </a:extLst>
-          </p:cNvPr>
-          <p:cNvSpPr/>
-          <p:nvPr/>
-        </p:nvSpPr>
-        <p:spPr bwMode="auto">
-          <a:xfrm>
-            <a:off x="7782491" y="1648323"/>
-            <a:ext cx="2406719" cy="786569"/>
-          </a:xfrm>
-          <a:prstGeom prst="ellipse">
-            <a:avLst/>
-          </a:prstGeom>
-          <a:solidFill>
-            <a:schemeClr val="bg1"/>
-          </a:solidFill>
-          <a:ln w="76200">
-            <a:solidFill>
-              <a:srgbClr val="FF0000"/>
-            </a:solidFill>
-            <a:headEnd type="none" w="med" len="med"/>
-            <a:tailEnd type="none" w="med" len="med"/>
-          </a:ln>
-          <a:effectLst/>
-        </p:spPr>
-        <p:style>
-          <a:lnRef idx="1">
-            <a:schemeClr val="accent1"/>
-          </a:lnRef>
-          <a:fillRef idx="2">
-            <a:schemeClr val="accent1"/>
-          </a:fillRef>
-          <a:effectRef idx="1">
-            <a:schemeClr val="accent1"/>
-          </a:effectRef>
-          <a:fontRef idx="minor">
-            <a:schemeClr val="dk1"/>
-          </a:fontRef>
-        </p:style>
-        <p:txBody>
-          <a:bodyPr vert="horz" wrap="square" lIns="130048" tIns="65024" rIns="130048" bIns="65024" numCol="1" rtlCol="0" anchor="ctr" anchorCtr="0" compatLnSpc="1">
-            <a:prstTxWarp prst="textNoShape">
-              <a:avLst/>
-            </a:prstTxWarp>
-          </a:bodyPr>
-          <a:lstStyle/>
-          <a:p>
-            <a:pPr defTabSz="1300460"/>
-            <a:r>
-              <a:rPr lang="ja-JP" altLang="en-US" sz="1991" dirty="0">
-                <a:solidFill>
-                  <a:srgbClr val="000000"/>
-                </a:solidFill>
-                <a:latin typeface="HGP創英角ｺﾞｼｯｸUB" panose="020B0900000000000000" pitchFamily="50" charset="-128"/>
-                <a:ea typeface="HGP創英角ｺﾞｼｯｸUB" panose="020B0900000000000000" pitchFamily="50" charset="-128"/>
-                <a:cs typeface="メイリオ" pitchFamily="50" charset="-128"/>
-              </a:rPr>
-              <a:t>④振り返る</a:t>
-            </a:r>
-            <a:endParaRPr lang="en-US" altLang="ja-JP" sz="1991" dirty="0">
-              <a:solidFill>
-                <a:srgbClr val="000000"/>
-              </a:solidFill>
-              <a:latin typeface="HGP創英角ｺﾞｼｯｸUB" panose="020B0900000000000000" pitchFamily="50" charset="-128"/>
-              <a:ea typeface="HGP創英角ｺﾞｼｯｸUB" panose="020B0900000000000000" pitchFamily="50" charset="-128"/>
-              <a:cs typeface="メイリオ" pitchFamily="50" charset="-128"/>
-            </a:endParaRPr>
-          </a:p>
-          <a:p>
-            <a:pPr defTabSz="1300460"/>
-            <a:r>
-              <a:rPr lang="ja-JP" altLang="en-US" sz="1991" dirty="0">
-                <a:solidFill>
-                  <a:srgbClr val="000000"/>
-                </a:solidFill>
-                <a:latin typeface="HGP創英角ｺﾞｼｯｸUB" panose="020B0900000000000000" pitchFamily="50" charset="-128"/>
-                <a:ea typeface="HGP創英角ｺﾞｼｯｸUB" panose="020B0900000000000000" pitchFamily="50" charset="-128"/>
-                <a:cs typeface="メイリオ" pitchFamily="50" charset="-128"/>
-              </a:rPr>
-              <a:t>新状況</a:t>
-            </a:r>
-          </a:p>
-        </p:txBody>
-      </p:sp>
-      <p:sp>
-        <p:nvSpPr>
-          <p:cNvPr id="23" name="角丸四角形吹き出し 30">
-            <a:extLst>
-              <a:ext uri="{FF2B5EF4-FFF2-40B4-BE49-F238E27FC236}">
-                <a16:creationId xmlns:a16="http://schemas.microsoft.com/office/drawing/2014/main" id="{851B05A6-6618-4A5F-B917-A962DFE6083B}"/>
-              </a:ext>
-            </a:extLst>
-          </p:cNvPr>
-          <p:cNvSpPr/>
-          <p:nvPr/>
-        </p:nvSpPr>
-        <p:spPr bwMode="auto">
-          <a:xfrm>
-            <a:off x="6753141" y="1087579"/>
-            <a:ext cx="1456698" cy="629254"/>
-          </a:xfrm>
-          <a:prstGeom prst="wedgeRoundRectCallout">
-            <a:avLst>
-              <a:gd name="adj1" fmla="val -21916"/>
-              <a:gd name="adj2" fmla="val 97967"/>
-              <a:gd name="adj3" fmla="val 16667"/>
-            </a:avLst>
-          </a:prstGeom>
-          <a:solidFill>
-            <a:schemeClr val="bg1"/>
-          </a:solidFill>
-          <a:ln>
-            <a:solidFill>
-              <a:srgbClr val="FF0000"/>
-            </a:solidFill>
-            <a:headEnd type="none" w="med" len="med"/>
-            <a:tailEnd type="none" w="med" len="med"/>
-          </a:ln>
-          <a:effectLst/>
-        </p:spPr>
-        <p:style>
-          <a:lnRef idx="1">
-            <a:schemeClr val="accent1"/>
-          </a:lnRef>
-          <a:fillRef idx="2">
-            <a:schemeClr val="accent1"/>
-          </a:fillRef>
-          <a:effectRef idx="1">
-            <a:schemeClr val="accent1"/>
-          </a:effectRef>
-          <a:fontRef idx="minor">
-            <a:schemeClr val="dk1"/>
-          </a:fontRef>
-        </p:style>
-        <p:txBody>
-          <a:bodyPr vert="horz" wrap="square" lIns="130048" tIns="65024" rIns="130048" bIns="65024" numCol="1" rtlCol="0" anchor="ctr" anchorCtr="0" compatLnSpc="1">
-            <a:prstTxWarp prst="textNoShape">
-              <a:avLst/>
-            </a:prstTxWarp>
-          </a:bodyPr>
-          <a:lstStyle/>
-          <a:p>
-            <a:pPr defTabSz="1300460"/>
-            <a:r>
-              <a:rPr lang="ja-JP" altLang="en-US" sz="1991" dirty="0">
-                <a:solidFill>
-                  <a:srgbClr val="FF0000"/>
-                </a:solidFill>
-                <a:latin typeface="HGP創英角ｺﾞｼｯｸUB" panose="020B0900000000000000" pitchFamily="50" charset="-128"/>
-                <a:ea typeface="HGP創英角ｺﾞｼｯｸUB" panose="020B0900000000000000" pitchFamily="50" charset="-128"/>
-                <a:cs typeface="メイリオ" pitchFamily="50" charset="-128"/>
-              </a:rPr>
-              <a:t>③結果</a:t>
-            </a:r>
-            <a:endParaRPr lang="en-US" altLang="ja-JP" sz="1991" dirty="0">
-              <a:solidFill>
-                <a:srgbClr val="FF0000"/>
-              </a:solidFill>
-              <a:latin typeface="HGP創英角ｺﾞｼｯｸUB" panose="020B0900000000000000" pitchFamily="50" charset="-128"/>
-              <a:ea typeface="HGP創英角ｺﾞｼｯｸUB" panose="020B0900000000000000" pitchFamily="50" charset="-128"/>
-              <a:cs typeface="メイリオ" pitchFamily="50" charset="-128"/>
-            </a:endParaRPr>
-          </a:p>
-          <a:p>
-            <a:pPr defTabSz="1300460"/>
-            <a:r>
-              <a:rPr lang="ja-JP" altLang="en-US" sz="1991" dirty="0">
-                <a:solidFill>
-                  <a:srgbClr val="FF0000"/>
-                </a:solidFill>
-                <a:latin typeface="HGP創英角ｺﾞｼｯｸUB" panose="020B0900000000000000" pitchFamily="50" charset="-128"/>
-                <a:ea typeface="HGP創英角ｺﾞｼｯｸUB" panose="020B0900000000000000" pitchFamily="50" charset="-128"/>
-                <a:cs typeface="メイリオ" pitchFamily="50" charset="-128"/>
-              </a:rPr>
-              <a:t>出る</a:t>
-            </a:r>
-            <a:endParaRPr lang="ja-JP" altLang="en-US" sz="1991" dirty="0">
-              <a:solidFill>
-                <a:srgbClr val="000000"/>
-              </a:solidFill>
-              <a:latin typeface="HGP創英角ｺﾞｼｯｸUB" panose="020B0900000000000000" pitchFamily="50" charset="-128"/>
-              <a:ea typeface="HGP創英角ｺﾞｼｯｸUB" panose="020B0900000000000000" pitchFamily="50" charset="-128"/>
-              <a:cs typeface="メイリオ" pitchFamily="50" charset="-128"/>
-            </a:endParaRPr>
-          </a:p>
-        </p:txBody>
-      </p:sp>
-      <p:cxnSp>
-        <p:nvCxnSpPr>
-          <p:cNvPr id="24" name="コネクタ: カギ線 23">
-            <a:extLst>
-              <a:ext uri="{FF2B5EF4-FFF2-40B4-BE49-F238E27FC236}">
-                <a16:creationId xmlns:a16="http://schemas.microsoft.com/office/drawing/2014/main" id="{E6245C39-8047-4B4F-9B58-F17E5138FC72}"/>
-              </a:ext>
-            </a:extLst>
-          </p:cNvPr>
-          <p:cNvCxnSpPr>
-            <a:stCxn id="22" idx="4"/>
-          </p:cNvCxnSpPr>
-          <p:nvPr/>
-        </p:nvCxnSpPr>
-        <p:spPr bwMode="auto">
-          <a:xfrm rot="5400000">
-            <a:off x="5464894" y="-1088182"/>
-            <a:ext cx="6936" cy="7046147"/>
-          </a:xfrm>
-          <a:prstGeom prst="bentConnector4">
-            <a:avLst>
-              <a:gd name="adj1" fmla="val 8815386"/>
-              <a:gd name="adj2" fmla="val 99806"/>
-            </a:avLst>
-          </a:prstGeom>
-          <a:blipFill dpi="0" rotWithShape="0">
-            <a:blip/>
-            <a:srcRect/>
-            <a:tile tx="0" ty="0" sx="100000" sy="100000" flip="none" algn="tl"/>
-          </a:blipFill>
-          <a:ln w="57150" cap="flat" cmpd="sng" algn="ctr">
-            <a:solidFill>
-              <a:srgbClr val="000000"/>
-            </a:solidFill>
-            <a:prstDash val="solid"/>
-            <a:round/>
-            <a:headEnd type="none" w="med" len="med"/>
-            <a:tailEnd type="triangle"/>
-          </a:ln>
-          <a:effectLst/>
-          <a:extLst>
-            <a:ext uri="{AF507438-7753-43E0-B8FC-AC1667EBCBE1}">
-              <a14:hiddenEffects xmlns:a14="http://schemas.microsoft.com/office/drawing/2010/main">
-                <a:effectLst>
-                  <a:outerShdw dist="35921" dir="2700000" algn="ctr" rotWithShape="0">
-                    <a:schemeClr val="bg2"/>
-                  </a:outerShdw>
-                </a:effectLst>
-              </a14:hiddenEffects>
-            </a:ext>
-          </a:extLst>
-        </p:spPr>
-      </p:cxnSp>
-      <p:cxnSp>
-        <p:nvCxnSpPr>
-          <p:cNvPr id="9" name="直線矢印コネクタ 8">
-            <a:extLst>
-              <a:ext uri="{FF2B5EF4-FFF2-40B4-BE49-F238E27FC236}">
-                <a16:creationId xmlns:a16="http://schemas.microsoft.com/office/drawing/2014/main" id="{3D4335AA-ABB1-42BA-947E-E0706FFA80CA}"/>
-              </a:ext>
-            </a:extLst>
-          </p:cNvPr>
-          <p:cNvCxnSpPr>
-            <a:stCxn id="19" idx="6"/>
-            <a:endCxn id="22" idx="2"/>
-          </p:cNvCxnSpPr>
-          <p:nvPr/>
-        </p:nvCxnSpPr>
-        <p:spPr>
-          <a:xfrm>
-            <a:off x="6863817" y="2041607"/>
-            <a:ext cx="918674" cy="0"/>
-          </a:xfrm>
-          <a:prstGeom prst="straightConnector1">
-            <a:avLst/>
-          </a:prstGeom>
-          <a:ln w="76200">
-            <a:solidFill>
-              <a:schemeClr val="tx1"/>
-            </a:solidFill>
-            <a:tailEnd type="triangle"/>
-          </a:ln>
-        </p:spPr>
-        <p:style>
-          <a:lnRef idx="1">
-            <a:schemeClr val="accent1"/>
-          </a:lnRef>
-          <a:fillRef idx="0">
-            <a:schemeClr val="accent1"/>
-          </a:fillRef>
-          <a:effectRef idx="0">
-            <a:schemeClr val="accent1"/>
-          </a:effectRef>
-          <a:fontRef idx="minor">
-            <a:schemeClr val="tx1"/>
-          </a:fontRef>
-        </p:style>
-      </p:cxnSp>
-      <p:sp>
-        <p:nvSpPr>
-          <p:cNvPr id="43" name="円/楕円 2">
-            <a:extLst>
-              <a:ext uri="{FF2B5EF4-FFF2-40B4-BE49-F238E27FC236}">
-                <a16:creationId xmlns:a16="http://schemas.microsoft.com/office/drawing/2014/main" id="{83240305-63C5-4B56-9CCC-4BFA65CA6C6C}"/>
-              </a:ext>
-            </a:extLst>
-          </p:cNvPr>
-          <p:cNvSpPr/>
-          <p:nvPr/>
-        </p:nvSpPr>
-        <p:spPr bwMode="auto">
-          <a:xfrm>
-            <a:off x="309711" y="4203451"/>
-            <a:ext cx="3374982" cy="2714640"/>
-          </a:xfrm>
-          <a:prstGeom prst="ellipse">
-            <a:avLst/>
-          </a:prstGeom>
-          <a:solidFill>
-            <a:schemeClr val="bg1"/>
-          </a:solidFill>
-          <a:ln w="19050">
-            <a:solidFill>
-              <a:srgbClr val="FF0000"/>
-            </a:solidFill>
-            <a:headEnd type="none" w="med" len="med"/>
-            <a:tailEnd type="none" w="med" len="med"/>
-          </a:ln>
-          <a:effectLst/>
-        </p:spPr>
-        <p:style>
-          <a:lnRef idx="1">
-            <a:schemeClr val="accent1"/>
-          </a:lnRef>
-          <a:fillRef idx="2">
-            <a:schemeClr val="accent1"/>
-          </a:fillRef>
-          <a:effectRef idx="1">
-            <a:schemeClr val="accent1"/>
-          </a:effectRef>
-          <a:fontRef idx="minor">
-            <a:schemeClr val="dk1"/>
-          </a:fontRef>
-        </p:style>
-        <p:txBody>
-          <a:bodyPr vert="horz" wrap="square" lIns="130048" tIns="65024" rIns="130048" bIns="65024" numCol="1" rtlCol="0" anchor="ctr" anchorCtr="0" compatLnSpc="1">
-            <a:prstTxWarp prst="textNoShape">
-              <a:avLst/>
-            </a:prstTxWarp>
-          </a:bodyPr>
-          <a:lstStyle/>
-          <a:p>
-            <a:pPr defTabSz="1300460"/>
-            <a:r>
-              <a:rPr lang="ja-JP" altLang="en-US" sz="1991" dirty="0">
-                <a:solidFill>
-                  <a:srgbClr val="000000"/>
-                </a:solidFill>
-                <a:latin typeface="HGP創英角ｺﾞｼｯｸUB" panose="020B0900000000000000" pitchFamily="50" charset="-128"/>
-                <a:ea typeface="HGP創英角ｺﾞｼｯｸUB" panose="020B0900000000000000" pitchFamily="50" charset="-128"/>
-                <a:cs typeface="メイリオ" pitchFamily="50" charset="-128"/>
-              </a:rPr>
-              <a:t>ステージのギミックを把握</a:t>
-            </a:r>
-          </a:p>
-        </p:txBody>
-      </p:sp>
-      <p:sp>
-        <p:nvSpPr>
-          <p:cNvPr id="44" name="円/楕円 7">
-            <a:extLst>
-              <a:ext uri="{FF2B5EF4-FFF2-40B4-BE49-F238E27FC236}">
-                <a16:creationId xmlns:a16="http://schemas.microsoft.com/office/drawing/2014/main" id="{DC4B5910-97F7-4BDB-B713-85CAF7443061}"/>
-              </a:ext>
-            </a:extLst>
-          </p:cNvPr>
-          <p:cNvSpPr/>
-          <p:nvPr/>
-        </p:nvSpPr>
-        <p:spPr bwMode="auto">
-          <a:xfrm>
-            <a:off x="4820183" y="4203451"/>
-            <a:ext cx="3374982" cy="2714640"/>
-          </a:xfrm>
-          <a:prstGeom prst="ellipse">
-            <a:avLst/>
-          </a:prstGeom>
-          <a:solidFill>
-            <a:schemeClr val="bg1"/>
-          </a:solidFill>
-          <a:ln w="19050">
-            <a:solidFill>
-              <a:srgbClr val="FFC000"/>
-            </a:solidFill>
-            <a:headEnd type="none" w="med" len="med"/>
-            <a:tailEnd type="none" w="med" len="med"/>
-          </a:ln>
-          <a:effectLst/>
-        </p:spPr>
-        <p:style>
-          <a:lnRef idx="1">
-            <a:schemeClr val="accent1"/>
-          </a:lnRef>
-          <a:fillRef idx="2">
-            <a:schemeClr val="accent1"/>
-          </a:fillRef>
-          <a:effectRef idx="1">
-            <a:schemeClr val="accent1"/>
-          </a:effectRef>
-          <a:fontRef idx="minor">
-            <a:schemeClr val="dk1"/>
-          </a:fontRef>
-        </p:style>
-        <p:txBody>
-          <a:bodyPr vert="horz" wrap="square" lIns="130048" tIns="65024" rIns="130048" bIns="65024" numCol="1" rtlCol="0" anchor="ctr" anchorCtr="0" compatLnSpc="1">
-            <a:prstTxWarp prst="textNoShape">
-              <a:avLst/>
-            </a:prstTxWarp>
-          </a:bodyPr>
-          <a:lstStyle/>
-          <a:p>
-            <a:pPr defTabSz="1300460"/>
-            <a:r>
-              <a:rPr lang="ja-JP" altLang="en-US" sz="1991" dirty="0">
-                <a:solidFill>
-                  <a:srgbClr val="000000"/>
-                </a:solidFill>
-                <a:latin typeface="HGP創英角ｺﾞｼｯｸUB" panose="020B0900000000000000" pitchFamily="50" charset="-128"/>
-                <a:ea typeface="HGP創英角ｺﾞｼｯｸUB" panose="020B0900000000000000" pitchFamily="50" charset="-128"/>
-                <a:cs typeface="メイリオ" pitchFamily="50" charset="-128"/>
-              </a:rPr>
-              <a:t>タイミングよくボタンを離してボールを発射</a:t>
-            </a:r>
-          </a:p>
-        </p:txBody>
-      </p:sp>
-      <p:sp>
-        <p:nvSpPr>
-          <p:cNvPr id="45" name="円/楕円 2">
-            <a:extLst>
-              <a:ext uri="{FF2B5EF4-FFF2-40B4-BE49-F238E27FC236}">
-                <a16:creationId xmlns:a16="http://schemas.microsoft.com/office/drawing/2014/main" id="{DBCD7921-8338-4375-B5C4-25E9FCAA9210}"/>
-              </a:ext>
-            </a:extLst>
-          </p:cNvPr>
-          <p:cNvSpPr/>
-          <p:nvPr/>
-        </p:nvSpPr>
-        <p:spPr bwMode="auto">
-          <a:xfrm>
-            <a:off x="9062684" y="4203451"/>
-            <a:ext cx="3277164" cy="2714640"/>
-          </a:xfrm>
-          <a:prstGeom prst="ellipse">
-            <a:avLst/>
-          </a:prstGeom>
-          <a:solidFill>
-            <a:schemeClr val="bg1"/>
-          </a:solidFill>
-          <a:ln w="19050">
-            <a:solidFill>
-              <a:srgbClr val="FF0000"/>
-            </a:solidFill>
-            <a:headEnd type="none" w="med" len="med"/>
-            <a:tailEnd type="none" w="med" len="med"/>
-          </a:ln>
-          <a:effectLst/>
-        </p:spPr>
-        <p:style>
-          <a:lnRef idx="1">
-            <a:schemeClr val="accent1"/>
-          </a:lnRef>
-          <a:fillRef idx="2">
-            <a:schemeClr val="accent1"/>
-          </a:fillRef>
-          <a:effectRef idx="1">
-            <a:schemeClr val="accent1"/>
-          </a:effectRef>
-          <a:fontRef idx="minor">
-            <a:schemeClr val="dk1"/>
-          </a:fontRef>
-        </p:style>
-        <p:txBody>
-          <a:bodyPr vert="horz" wrap="square" lIns="130048" tIns="65024" rIns="130048" bIns="65024" numCol="1" rtlCol="0" anchor="ctr" anchorCtr="0" compatLnSpc="1">
-            <a:prstTxWarp prst="textNoShape">
-              <a:avLst/>
-            </a:prstTxWarp>
-          </a:bodyPr>
-          <a:lstStyle/>
-          <a:p>
-            <a:pPr defTabSz="1300460"/>
-            <a:r>
-              <a:rPr lang="ja-JP" altLang="en-US" sz="1991" dirty="0">
-                <a:solidFill>
-                  <a:srgbClr val="000000"/>
-                </a:solidFill>
-                <a:latin typeface="HGP創英角ｺﾞｼｯｸUB" panose="020B0900000000000000" pitchFamily="50" charset="-128"/>
-                <a:ea typeface="HGP創英角ｺﾞｼｯｸUB" panose="020B0900000000000000" pitchFamily="50" charset="-128"/>
-                <a:cs typeface="メイリオ" pitchFamily="50" charset="-128"/>
-              </a:rPr>
-              <a:t>アイテムをゲットし次のステージへ</a:t>
-            </a:r>
-          </a:p>
-        </p:txBody>
-      </p:sp>
-      <p:cxnSp>
-        <p:nvCxnSpPr>
-          <p:cNvPr id="46" name="直線矢印コネクタ 45">
-            <a:extLst>
-              <a:ext uri="{FF2B5EF4-FFF2-40B4-BE49-F238E27FC236}">
-                <a16:creationId xmlns:a16="http://schemas.microsoft.com/office/drawing/2014/main" id="{A4C53935-3D46-48F0-ADFA-1AD01C1B3A77}"/>
-              </a:ext>
-            </a:extLst>
-          </p:cNvPr>
-          <p:cNvCxnSpPr>
-            <a:cxnSpLocks/>
-            <a:stCxn id="43" idx="6"/>
-            <a:endCxn id="44" idx="2"/>
-          </p:cNvCxnSpPr>
-          <p:nvPr/>
-        </p:nvCxnSpPr>
-        <p:spPr bwMode="auto">
-          <a:xfrm>
-            <a:off x="3684694" y="5560771"/>
-            <a:ext cx="1135489" cy="0"/>
-          </a:xfrm>
-          <a:prstGeom prst="straightConnector1">
-            <a:avLst/>
-          </a:prstGeom>
-          <a:blipFill dpi="0" rotWithShape="0">
-            <a:blip/>
-            <a:srcRect/>
-            <a:tile tx="0" ty="0" sx="100000" sy="100000" flip="none" algn="tl"/>
-          </a:blipFill>
-          <a:ln w="57150" cap="flat" cmpd="sng" algn="ctr">
-            <a:solidFill>
-              <a:srgbClr val="000000"/>
-            </a:solidFill>
-            <a:prstDash val="solid"/>
-            <a:round/>
-            <a:headEnd type="none" w="med" len="med"/>
-            <a:tailEnd type="arrow"/>
-          </a:ln>
-          <a:effectLst/>
-          <a:extLst>
-            <a:ext uri="{AF507438-7753-43E0-B8FC-AC1667EBCBE1}">
-              <a14:hiddenEffects xmlns:a14="http://schemas.microsoft.com/office/drawing/2010/main">
-                <a:effectLst>
-                  <a:outerShdw dist="35921" dir="2700000" algn="ctr" rotWithShape="0">
-                    <a:schemeClr val="bg2"/>
-                  </a:outerShdw>
-                </a:effectLst>
-              </a14:hiddenEffects>
-            </a:ext>
-          </a:extLst>
-        </p:spPr>
-      </p:cxnSp>
-      <p:cxnSp>
-        <p:nvCxnSpPr>
-          <p:cNvPr id="49" name="直線矢印コネクタ 48">
-            <a:extLst>
-              <a:ext uri="{FF2B5EF4-FFF2-40B4-BE49-F238E27FC236}">
-                <a16:creationId xmlns:a16="http://schemas.microsoft.com/office/drawing/2014/main" id="{09E5B85E-BBC3-48DE-B552-95EB030AE74A}"/>
-              </a:ext>
-            </a:extLst>
-          </p:cNvPr>
-          <p:cNvCxnSpPr>
-            <a:cxnSpLocks/>
-            <a:stCxn id="44" idx="6"/>
-            <a:endCxn id="45" idx="2"/>
-          </p:cNvCxnSpPr>
-          <p:nvPr/>
-        </p:nvCxnSpPr>
-        <p:spPr bwMode="auto">
-          <a:xfrm>
-            <a:off x="8195165" y="5560771"/>
-            <a:ext cx="867520" cy="0"/>
-          </a:xfrm>
-          <a:prstGeom prst="straightConnector1">
-            <a:avLst/>
-          </a:prstGeom>
-          <a:blipFill dpi="0" rotWithShape="0">
-            <a:blip/>
-            <a:srcRect/>
-            <a:tile tx="0" ty="0" sx="100000" sy="100000" flip="none" algn="tl"/>
-          </a:blipFill>
-          <a:ln w="57150" cap="flat" cmpd="sng" algn="ctr">
-            <a:solidFill>
-              <a:srgbClr val="000000"/>
-            </a:solidFill>
-            <a:prstDash val="solid"/>
-            <a:round/>
-            <a:headEnd type="none" w="med" len="med"/>
-            <a:tailEnd type="arrow"/>
-          </a:ln>
-          <a:effectLst/>
-          <a:extLst>
-            <a:ext uri="{AF507438-7753-43E0-B8FC-AC1667EBCBE1}">
-              <a14:hiddenEffects xmlns:a14="http://schemas.microsoft.com/office/drawing/2010/main">
-                <a:effectLst>
-                  <a:outerShdw dist="35921" dir="2700000" algn="ctr" rotWithShape="0">
-                    <a:schemeClr val="bg2"/>
-                  </a:outerShdw>
-                </a:effectLst>
-              </a14:hiddenEffects>
-            </a:ext>
-          </a:extLst>
-        </p:spPr>
-      </p:cxnSp>
-      <p:cxnSp>
-        <p:nvCxnSpPr>
-          <p:cNvPr id="52" name="コネクタ: カギ線 51">
-            <a:extLst>
-              <a:ext uri="{FF2B5EF4-FFF2-40B4-BE49-F238E27FC236}">
-                <a16:creationId xmlns:a16="http://schemas.microsoft.com/office/drawing/2014/main" id="{0D7A78E1-E6F5-4038-857F-DC4E56BB52DE}"/>
-              </a:ext>
-            </a:extLst>
-          </p:cNvPr>
-          <p:cNvCxnSpPr>
-            <a:cxnSpLocks/>
-            <a:stCxn id="45" idx="4"/>
-            <a:endCxn id="43" idx="4"/>
-          </p:cNvCxnSpPr>
-          <p:nvPr/>
-        </p:nvCxnSpPr>
-        <p:spPr bwMode="auto">
-          <a:xfrm rot="5400000">
-            <a:off x="6349235" y="2566059"/>
-            <a:ext cx="18062" cy="8704064"/>
-          </a:xfrm>
-          <a:prstGeom prst="bentConnector3">
-            <a:avLst>
-              <a:gd name="adj1" fmla="val 11205417"/>
-            </a:avLst>
-          </a:prstGeom>
-          <a:blipFill dpi="0" rotWithShape="0">
-            <a:blip/>
-            <a:srcRect/>
-            <a:tile tx="0" ty="0" sx="100000" sy="100000" flip="none" algn="tl"/>
-          </a:blipFill>
-          <a:ln w="57150" cap="flat" cmpd="sng" algn="ctr">
-            <a:solidFill>
-              <a:srgbClr val="000000"/>
-            </a:solidFill>
-            <a:prstDash val="solid"/>
-            <a:round/>
-            <a:headEnd type="none" w="med" len="med"/>
-            <a:tailEnd type="triangle"/>
-          </a:ln>
-          <a:effectLst/>
-          <a:extLst>
-            <a:ext uri="{AF507438-7753-43E0-B8FC-AC1667EBCBE1}">
-              <a14:hiddenEffects xmlns:a14="http://schemas.microsoft.com/office/drawing/2010/main">
-                <a:effectLst>
-                  <a:outerShdw dist="35921" dir="2700000" algn="ctr" rotWithShape="0">
-                    <a:schemeClr val="bg2"/>
-                  </a:outerShdw>
-                </a:effectLst>
-              </a14:hiddenEffects>
-            </a:ext>
-          </a:extLst>
-        </p:spPr>
-      </p:cxnSp>
-      <p:sp>
-        <p:nvSpPr>
-          <p:cNvPr id="63" name="吹き出し: 四角形 62">
-            <a:extLst>
-              <a:ext uri="{FF2B5EF4-FFF2-40B4-BE49-F238E27FC236}">
-                <a16:creationId xmlns:a16="http://schemas.microsoft.com/office/drawing/2014/main" id="{30137517-DF71-4A84-AE20-B1B0408BDC2C}"/>
-              </a:ext>
-            </a:extLst>
-          </p:cNvPr>
-          <p:cNvSpPr/>
-          <p:nvPr/>
-        </p:nvSpPr>
-        <p:spPr>
-          <a:xfrm>
-            <a:off x="2922735" y="6918091"/>
-            <a:ext cx="3034453" cy="1805786"/>
-          </a:xfrm>
-          <a:prstGeom prst="wedgeRectCallout">
-            <a:avLst>
-              <a:gd name="adj1" fmla="val -12725"/>
-              <a:gd name="adj2" fmla="val -123058"/>
-            </a:avLst>
-          </a:prstGeom>
-          <a:noFill/>
-        </p:spPr>
-        <p:style>
-          <a:lnRef idx="2">
-            <a:schemeClr val="accent1">
-              <a:shade val="50000"/>
-            </a:schemeClr>
-          </a:lnRef>
-          <a:fillRef idx="1">
-            <a:schemeClr val="accent1"/>
-          </a:fillRef>
-          <a:effectRef idx="0">
-            <a:schemeClr val="accent1"/>
-          </a:effectRef>
-          <a:fontRef idx="minor">
-            <a:schemeClr val="lt1"/>
-          </a:fontRef>
-        </p:style>
-        <p:txBody>
-          <a:bodyPr rtlCol="0" anchor="ctr"/>
-          <a:lstStyle/>
-          <a:p>
-            <a:pPr algn="ctr"/>
-            <a:endParaRPr kumimoji="1" lang="ja-JP" altLang="en-US" sz="6258"/>
-          </a:p>
-        </p:txBody>
-      </p:sp>
-      <p:sp>
-        <p:nvSpPr>
-          <p:cNvPr id="64" name="吹き出し: 四角形 63">
-            <a:extLst>
-              <a:ext uri="{FF2B5EF4-FFF2-40B4-BE49-F238E27FC236}">
-                <a16:creationId xmlns:a16="http://schemas.microsoft.com/office/drawing/2014/main" id="{76456B98-880C-473E-9D76-FF10E3B2EF2F}"/>
-              </a:ext>
-            </a:extLst>
-          </p:cNvPr>
-          <p:cNvSpPr/>
-          <p:nvPr/>
-        </p:nvSpPr>
-        <p:spPr>
-          <a:xfrm flipV="1">
-            <a:off x="7936159" y="3217991"/>
-            <a:ext cx="3034453" cy="786569"/>
-          </a:xfrm>
-          <a:prstGeom prst="wedgeRectCallout">
-            <a:avLst>
-              <a:gd name="adj1" fmla="val -29713"/>
-              <a:gd name="adj2" fmla="val -235640"/>
-            </a:avLst>
-          </a:prstGeom>
-          <a:noFill/>
-        </p:spPr>
-        <p:style>
-          <a:lnRef idx="2">
-            <a:schemeClr val="accent1">
-              <a:shade val="50000"/>
-            </a:schemeClr>
-          </a:lnRef>
-          <a:fillRef idx="1">
-            <a:schemeClr val="accent1"/>
-          </a:fillRef>
-          <a:effectRef idx="0">
-            <a:schemeClr val="accent1"/>
-          </a:effectRef>
-          <a:fontRef idx="minor">
-            <a:schemeClr val="lt1"/>
-          </a:fontRef>
-        </p:style>
-        <p:txBody>
-          <a:bodyPr rtlCol="0" anchor="ctr"/>
-          <a:lstStyle/>
-          <a:p>
-            <a:pPr algn="ctr"/>
-            <a:endParaRPr kumimoji="1" lang="ja-JP" altLang="en-US" sz="6258"/>
-          </a:p>
-        </p:txBody>
-      </p:sp>
-      <p:sp>
-        <p:nvSpPr>
-          <p:cNvPr id="2" name="テキスト ボックス 1">
-            <a:extLst>
-              <a:ext uri="{FF2B5EF4-FFF2-40B4-BE49-F238E27FC236}">
-                <a16:creationId xmlns:a16="http://schemas.microsoft.com/office/drawing/2014/main" id="{9C1413FE-11EC-4ED7-BB21-7C044FDC0934}"/>
-              </a:ext>
-            </a:extLst>
-          </p:cNvPr>
-          <p:cNvSpPr txBox="1"/>
-          <p:nvPr/>
-        </p:nvSpPr>
-        <p:spPr>
-          <a:xfrm>
-            <a:off x="2847217" y="7528671"/>
-            <a:ext cx="3185487" cy="646331"/>
-          </a:xfrm>
-          <a:prstGeom prst="rect">
-            <a:avLst/>
-          </a:prstGeom>
-          <a:noFill/>
-        </p:spPr>
-        <p:txBody>
-          <a:bodyPr wrap="none" rtlCol="0">
-            <a:spAutoFit/>
-          </a:bodyPr>
-          <a:lstStyle/>
-          <a:p>
-            <a:r>
-              <a:rPr kumimoji="1" lang="ja-JP" altLang="en-US" sz="1800" dirty="0"/>
-              <a:t>自身の能力を駆使して</a:t>
-            </a:r>
-            <a:endParaRPr kumimoji="1" lang="en-US" altLang="ja-JP" sz="1800" dirty="0"/>
-          </a:p>
-          <a:p>
-            <a:r>
-              <a:rPr kumimoji="1" lang="ja-JP" altLang="en-US" sz="1800" dirty="0"/>
-              <a:t>どうギミックをクリアするか</a:t>
-            </a:r>
-          </a:p>
-        </p:txBody>
-      </p:sp>
-      <p:sp>
-        <p:nvSpPr>
-          <p:cNvPr id="3" name="テキスト ボックス 2">
-            <a:extLst>
-              <a:ext uri="{FF2B5EF4-FFF2-40B4-BE49-F238E27FC236}">
-                <a16:creationId xmlns:a16="http://schemas.microsoft.com/office/drawing/2014/main" id="{35922274-FFF5-4DA6-A470-D3BC12F1E7F1}"/>
-              </a:ext>
-            </a:extLst>
-          </p:cNvPr>
-          <p:cNvSpPr txBox="1"/>
-          <p:nvPr/>
-        </p:nvSpPr>
-        <p:spPr>
-          <a:xfrm>
-            <a:off x="8745499" y="3330804"/>
-            <a:ext cx="1415772" cy="584775"/>
-          </a:xfrm>
-          <a:prstGeom prst="rect">
-            <a:avLst/>
-          </a:prstGeom>
-          <a:noFill/>
-        </p:spPr>
-        <p:txBody>
-          <a:bodyPr wrap="none" rtlCol="0">
-            <a:spAutoFit/>
-          </a:bodyPr>
-          <a:lstStyle/>
-          <a:p>
-            <a:r>
-              <a:rPr kumimoji="1" lang="ja-JP" altLang="en-US" sz="3200" dirty="0"/>
-              <a:t>クリア</a:t>
-            </a:r>
-          </a:p>
-        </p:txBody>
-      </p:sp>
-    </p:spTree>
-    <p:extLst>
-      <p:ext uri="{BB962C8B-B14F-4D97-AF65-F5344CB8AC3E}">
-        <p14:creationId xmlns:p14="http://schemas.microsoft.com/office/powerpoint/2010/main" val="3086976002"/>
       </p:ext>
     </p:extLst>
   </p:cSld>
